--- a/hanabi (1).pptx
+++ b/hanabi (1).pptx
@@ -5,7 +5,7 @@
     <p:sldMasterId id="2147483696" r:id="rId1"/>
   </p:sldMasterIdLst>
   <p:notesMasterIdLst>
-    <p:notesMasterId r:id="rId9"/>
+    <p:notesMasterId r:id="rId10"/>
   </p:notesMasterIdLst>
   <p:sldIdLst>
     <p:sldId id="256" r:id="rId2"/>
@@ -14,7 +14,8 @@
     <p:sldId id="260" r:id="rId5"/>
     <p:sldId id="261" r:id="rId6"/>
     <p:sldId id="262" r:id="rId7"/>
-    <p:sldId id="263" r:id="rId8"/>
+    <p:sldId id="264" r:id="rId8"/>
+    <p:sldId id="263" r:id="rId9"/>
   </p:sldIdLst>
   <p:sldSz cx="9144000" cy="5143500" type="screen16x9"/>
   <p:notesSz cx="6858000" cy="9144000"/>
@@ -115,7 +116,7 @@
   </p:defaultTextStyle>
   <p:extLst>
     <p:ext uri="{EFAFB233-063F-42B5-8137-9DF3F51BA10A}">
-      <p15:sldGuideLst xmlns:p15="http://schemas.microsoft.com/office/powerpoint/2012/main">
+      <p15:sldGuideLst xmlns:p15="http://schemas.microsoft.com/office/powerpoint/2012/main" xmlns="">
         <p15:guide id="1" orient="horz" pos="1620">
           <p15:clr>
             <a:srgbClr val="A4A3A4"/>
@@ -129,7 +130,7 @@
       </p15:sldGuideLst>
     </p:ext>
     <p:ext uri="{2D200454-40CA-4A62-9FC3-DE9A4176ACB9}">
-      <p15:notesGuideLst xmlns:p15="http://schemas.microsoft.com/office/powerpoint/2012/main">
+      <p15:notesGuideLst xmlns:p15="http://schemas.microsoft.com/office/powerpoint/2012/main" xmlns="">
         <p15:guide id="1" orient="horz" pos="2880">
           <p15:clr>
             <a:srgbClr val="A4A3A4"/>
@@ -229,7 +230,7 @@
             <a:fld id="{555AB46F-D0DD-4299-A227-5787DFAC4E78}" type="datetimeFigureOut">
               <a:rPr lang="he-IL" smtClean="0"/>
               <a:pPr/>
-              <a:t>כ"ג/טבת/תשע"ט</a:t>
+              <a:t>כ"ד/טבת/תשע"ט</a:t>
             </a:fld>
             <a:endParaRPr lang="he-IL"/>
           </a:p>
@@ -577,6 +578,88 @@
 </p:notes>
 </file>
 
+<file path=ppt/notesSlides/notesSlide2.xml><?xml version="1.0" encoding="utf-8"?>
+<p:notes xmlns:a="http://schemas.openxmlformats.org/drawingml/2006/main" xmlns:r="http://schemas.openxmlformats.org/officeDocument/2006/relationships" xmlns:p="http://schemas.openxmlformats.org/presentationml/2006/main">
+  <p:cSld>
+    <p:spTree>
+      <p:nvGrpSpPr>
+        <p:cNvPr id="1" name=""/>
+        <p:cNvGrpSpPr/>
+        <p:nvPr/>
+      </p:nvGrpSpPr>
+      <p:grpSpPr>
+        <a:xfrm>
+          <a:off x="0" y="0"/>
+          <a:ext cx="0" cy="0"/>
+          <a:chOff x="0" y="0"/>
+          <a:chExt cx="0" cy="0"/>
+        </a:xfrm>
+      </p:grpSpPr>
+      <p:sp>
+        <p:nvSpPr>
+          <p:cNvPr id="2" name="מציין מיקום של תמונת שקופית 1"/>
+          <p:cNvSpPr>
+            <a:spLocks noGrp="1" noRot="1" noChangeAspect="1"/>
+          </p:cNvSpPr>
+          <p:nvPr>
+            <p:ph type="sldImg"/>
+          </p:nvPr>
+        </p:nvSpPr>
+        <p:spPr/>
+      </p:sp>
+      <p:sp>
+        <p:nvSpPr>
+          <p:cNvPr id="3" name="מציין מיקום של הערות 2"/>
+          <p:cNvSpPr>
+            <a:spLocks noGrp="1"/>
+          </p:cNvSpPr>
+          <p:nvPr>
+            <p:ph type="body" idx="1"/>
+          </p:nvPr>
+        </p:nvSpPr>
+        <p:spPr/>
+        <p:txBody>
+          <a:bodyPr>
+            <a:normAutofit/>
+          </a:bodyPr>
+          <a:lstStyle/>
+          <a:p>
+            <a:endParaRPr lang="he-IL" dirty="0"/>
+          </a:p>
+        </p:txBody>
+      </p:sp>
+      <p:sp>
+        <p:nvSpPr>
+          <p:cNvPr id="4" name="מציין מיקום של מספר שקופית 3"/>
+          <p:cNvSpPr>
+            <a:spLocks noGrp="1"/>
+          </p:cNvSpPr>
+          <p:nvPr>
+            <p:ph type="sldNum" sz="quarter" idx="10"/>
+          </p:nvPr>
+        </p:nvSpPr>
+        <p:spPr/>
+        <p:txBody>
+          <a:bodyPr/>
+          <a:lstStyle/>
+          <a:p>
+            <a:fld id="{FA9F4918-BB4A-4548-A893-97BC975CF3BD}" type="slidenum">
+              <a:rPr lang="he-IL" smtClean="0"/>
+              <a:pPr/>
+              <a:t>4</a:t>
+            </a:fld>
+            <a:endParaRPr lang="he-IL"/>
+          </a:p>
+        </p:txBody>
+      </p:sp>
+    </p:spTree>
+  </p:cSld>
+  <p:clrMapOvr>
+    <a:masterClrMapping/>
+  </p:clrMapOvr>
+</p:notes>
+</file>
+
 <file path=ppt/slideLayouts/slideLayout1.xml><?xml version="1.0" encoding="utf-8"?>
 <p:sldLayout xmlns:a="http://schemas.openxmlformats.org/drawingml/2006/main" xmlns:r="http://schemas.openxmlformats.org/officeDocument/2006/relationships" xmlns:p="http://schemas.openxmlformats.org/presentationml/2006/main" type="title" preserve="1">
   <p:cSld name="שקופית כותרת">
@@ -759,7 +842,7 @@
             <a:fld id="{0BAAA6C0-FC25-41E4-8636-655D3F15062E}" type="datetimeFigureOut">
               <a:rPr lang="he-IL" smtClean="0"/>
               <a:pPr/>
-              <a:t>כ"ג/טבת/תשע"ט</a:t>
+              <a:t>כ"ד/טבת/תשע"ט</a:t>
             </a:fld>
             <a:endParaRPr lang="he-IL"/>
           </a:p>
@@ -926,7 +1009,7 @@
             <a:fld id="{0BAAA6C0-FC25-41E4-8636-655D3F15062E}" type="datetimeFigureOut">
               <a:rPr lang="he-IL" smtClean="0"/>
               <a:pPr/>
-              <a:t>כ"ג/טבת/תשע"ט</a:t>
+              <a:t>כ"ד/טבת/תשע"ט</a:t>
             </a:fld>
             <a:endParaRPr lang="he-IL"/>
           </a:p>
@@ -1103,7 +1186,7 @@
             <a:fld id="{0BAAA6C0-FC25-41E4-8636-655D3F15062E}" type="datetimeFigureOut">
               <a:rPr lang="he-IL" smtClean="0"/>
               <a:pPr/>
-              <a:t>כ"ג/טבת/תשע"ט</a:t>
+              <a:t>כ"ד/טבת/תשע"ט</a:t>
             </a:fld>
             <a:endParaRPr lang="he-IL"/>
           </a:p>
@@ -1270,7 +1353,7 @@
             <a:fld id="{0BAAA6C0-FC25-41E4-8636-655D3F15062E}" type="datetimeFigureOut">
               <a:rPr lang="he-IL" smtClean="0"/>
               <a:pPr/>
-              <a:t>כ"ג/טבת/תשע"ט</a:t>
+              <a:t>כ"ד/טבת/תשע"ט</a:t>
             </a:fld>
             <a:endParaRPr lang="he-IL"/>
           </a:p>
@@ -1513,7 +1596,7 @@
             <a:fld id="{0BAAA6C0-FC25-41E4-8636-655D3F15062E}" type="datetimeFigureOut">
               <a:rPr lang="he-IL" smtClean="0"/>
               <a:pPr/>
-              <a:t>כ"ג/טבת/תשע"ט</a:t>
+              <a:t>כ"ד/טבת/תשע"ט</a:t>
             </a:fld>
             <a:endParaRPr lang="he-IL"/>
           </a:p>
@@ -1798,7 +1881,7 @@
             <a:fld id="{0BAAA6C0-FC25-41E4-8636-655D3F15062E}" type="datetimeFigureOut">
               <a:rPr lang="he-IL" smtClean="0"/>
               <a:pPr/>
-              <a:t>כ"ג/טבת/תשע"ט</a:t>
+              <a:t>כ"ד/טבת/תשע"ט</a:t>
             </a:fld>
             <a:endParaRPr lang="he-IL"/>
           </a:p>
@@ -2222,7 +2305,7 @@
             <a:fld id="{0BAAA6C0-FC25-41E4-8636-655D3F15062E}" type="datetimeFigureOut">
               <a:rPr lang="he-IL" smtClean="0"/>
               <a:pPr/>
-              <a:t>כ"ג/טבת/תשע"ט</a:t>
+              <a:t>כ"ד/טבת/תשע"ט</a:t>
             </a:fld>
             <a:endParaRPr lang="he-IL"/>
           </a:p>
@@ -2337,7 +2420,7 @@
             <a:fld id="{0BAAA6C0-FC25-41E4-8636-655D3F15062E}" type="datetimeFigureOut">
               <a:rPr lang="he-IL" smtClean="0"/>
               <a:pPr/>
-              <a:t>כ"ג/טבת/תשע"ט</a:t>
+              <a:t>כ"ד/טבת/תשע"ט</a:t>
             </a:fld>
             <a:endParaRPr lang="he-IL"/>
           </a:p>
@@ -2429,7 +2512,7 @@
             <a:fld id="{0BAAA6C0-FC25-41E4-8636-655D3F15062E}" type="datetimeFigureOut">
               <a:rPr lang="he-IL" smtClean="0"/>
               <a:pPr/>
-              <a:t>כ"ג/טבת/תשע"ט</a:t>
+              <a:t>כ"ד/טבת/תשע"ט</a:t>
             </a:fld>
             <a:endParaRPr lang="he-IL"/>
           </a:p>
@@ -2703,7 +2786,7 @@
             <a:fld id="{0BAAA6C0-FC25-41E4-8636-655D3F15062E}" type="datetimeFigureOut">
               <a:rPr lang="he-IL" smtClean="0"/>
               <a:pPr/>
-              <a:t>כ"ג/טבת/תשע"ט</a:t>
+              <a:t>כ"ד/טבת/תשע"ט</a:t>
             </a:fld>
             <a:endParaRPr lang="he-IL"/>
           </a:p>
@@ -2953,7 +3036,7 @@
             <a:fld id="{0BAAA6C0-FC25-41E4-8636-655D3F15062E}" type="datetimeFigureOut">
               <a:rPr lang="he-IL" smtClean="0"/>
               <a:pPr/>
-              <a:t>כ"ג/טבת/תשע"ט</a:t>
+              <a:t>כ"ד/טבת/תשע"ט</a:t>
             </a:fld>
             <a:endParaRPr lang="he-IL"/>
           </a:p>
@@ -3163,7 +3246,7 @@
             <a:fld id="{0BAAA6C0-FC25-41E4-8636-655D3F15062E}" type="datetimeFigureOut">
               <a:rPr lang="he-IL" smtClean="0"/>
               <a:pPr/>
-              <a:t>כ"ג/טבת/תשע"ט</a:t>
+              <a:t>כ"ד/טבת/תשע"ט</a:t>
             </a:fld>
             <a:endParaRPr lang="he-IL"/>
           </a:p>
@@ -4229,27 +4312,7 @@
                   </a:schemeClr>
                 </a:solidFill>
               </a:rPr>
-              <a:t> The goal of the group is to make series from 1 to 5 </a:t>
-            </a:r>
-            <a:r>
-              <a:rPr lang="en-US" dirty="0" smtClean="0">
-                <a:solidFill>
-                  <a:schemeClr val="bg1">
-                    <a:lumMod val="85000"/>
-                  </a:schemeClr>
-                </a:solidFill>
-              </a:rPr>
-              <a:t>in </a:t>
-            </a:r>
-            <a:r>
-              <a:rPr lang="en-US" dirty="0" smtClean="0">
-                <a:solidFill>
-                  <a:schemeClr val="bg1">
-                    <a:lumMod val="85000"/>
-                  </a:schemeClr>
-                </a:solidFill>
-              </a:rPr>
-              <a:t>every color.</a:t>
+              <a:t> The goal of the group is to make series from 1 to 5 in every color.</a:t>
             </a:r>
           </a:p>
           <a:p>
@@ -4265,67 +4328,7 @@
                   </a:schemeClr>
                 </a:solidFill>
               </a:rPr>
-              <a:t> In each player’s</a:t>
-            </a:r>
-            <a:r>
-              <a:rPr lang="en-US" dirty="0" smtClean="0">
-                <a:solidFill>
-                  <a:schemeClr val="bg1">
-                    <a:lumMod val="85000"/>
-                  </a:schemeClr>
-                </a:solidFill>
-              </a:rPr>
-              <a:t> turn</a:t>
-            </a:r>
-            <a:r>
-              <a:rPr lang="en-US" dirty="0" smtClean="0">
-                <a:solidFill>
-                  <a:schemeClr val="bg1">
-                    <a:lumMod val="85000"/>
-                  </a:schemeClr>
-                </a:solidFill>
-              </a:rPr>
-              <a:t>, </a:t>
-            </a:r>
-            <a:r>
-              <a:rPr lang="en-US" dirty="0" smtClean="0">
-                <a:solidFill>
-                  <a:schemeClr val="bg1">
-                    <a:lumMod val="85000"/>
-                  </a:schemeClr>
-                </a:solidFill>
-              </a:rPr>
-              <a:t>the player</a:t>
-            </a:r>
-            <a:r>
-              <a:rPr lang="en-US" dirty="0" smtClean="0">
-                <a:solidFill>
-                  <a:schemeClr val="bg1">
-                    <a:lumMod val="85000"/>
-                  </a:schemeClr>
-                </a:solidFill>
-              </a:rPr>
-              <a:t> </a:t>
-            </a:r>
-            <a:r>
-              <a:rPr lang="en-US" dirty="0" smtClean="0">
-                <a:solidFill>
-                  <a:schemeClr val="bg1">
-                    <a:lumMod val="85000"/>
-                  </a:schemeClr>
-                </a:solidFill>
-              </a:rPr>
-              <a:t>can</a:t>
-            </a:r>
-            <a:r>
-              <a:rPr lang="en-US" dirty="0" smtClean="0">
-                <a:solidFill>
-                  <a:schemeClr val="bg1">
-                    <a:lumMod val="85000"/>
-                  </a:schemeClr>
-                </a:solidFill>
-              </a:rPr>
-              <a:t>:</a:t>
+              <a:t> In each player’s turn, the player can:</a:t>
             </a:r>
           </a:p>
           <a:p>
@@ -4387,27 +4390,7 @@
                   </a:schemeClr>
                 </a:solidFill>
               </a:rPr>
-              <a:t>3.   choose </a:t>
-            </a:r>
-            <a:r>
-              <a:rPr lang="en-US" dirty="0" smtClean="0">
-                <a:solidFill>
-                  <a:schemeClr val="bg1">
-                    <a:lumMod val="85000"/>
-                  </a:schemeClr>
-                </a:solidFill>
-              </a:rPr>
-              <a:t>to play a card from </a:t>
-            </a:r>
-            <a:r>
-              <a:rPr lang="en-US" dirty="0" smtClean="0">
-                <a:solidFill>
-                  <a:schemeClr val="bg1">
-                    <a:lumMod val="85000"/>
-                  </a:schemeClr>
-                </a:solidFill>
-              </a:rPr>
-              <a:t>his hard</a:t>
+              <a:t>3.   choose to play a card from his hard</a:t>
             </a:r>
           </a:p>
           <a:p>
@@ -4474,13 +4457,6 @@
               </a:rPr>
               <a:t>3 strikes ends the game.</a:t>
             </a:r>
-            <a:endParaRPr lang="en-US" dirty="0" smtClean="0">
-              <a:solidFill>
-                <a:schemeClr val="bg1">
-                  <a:lumMod val="85000"/>
-                </a:schemeClr>
-              </a:solidFill>
-            </a:endParaRPr>
           </a:p>
           <a:p>
             <a:pPr marL="457200" indent="-457200" algn="l" rtl="0">
@@ -4523,6 +4499,569 @@
 </file>
 
 <file path=ppt/slides/slide4.xml><?xml version="1.0" encoding="utf-8"?>
+<p:sld xmlns:a="http://schemas.openxmlformats.org/drawingml/2006/main" xmlns:r="http://schemas.openxmlformats.org/officeDocument/2006/relationships" xmlns:p="http://schemas.openxmlformats.org/presentationml/2006/main">
+  <p:cSld>
+    <p:bg>
+      <p:bgPr>
+        <a:solidFill>
+          <a:schemeClr val="tx1"/>
+        </a:solidFill>
+        <a:effectLst/>
+      </p:bgPr>
+    </p:bg>
+    <p:spTree>
+      <p:nvGrpSpPr>
+        <p:cNvPr id="1" name=""/>
+        <p:cNvGrpSpPr/>
+        <p:nvPr/>
+      </p:nvGrpSpPr>
+      <p:grpSpPr>
+        <a:xfrm>
+          <a:off x="0" y="0"/>
+          <a:ext cx="0" cy="0"/>
+          <a:chOff x="0" y="0"/>
+          <a:chExt cx="0" cy="0"/>
+        </a:xfrm>
+      </p:grpSpPr>
+      <p:sp>
+        <p:nvSpPr>
+          <p:cNvPr id="2" name="כותרת 1"/>
+          <p:cNvSpPr>
+            <a:spLocks noGrp="1"/>
+          </p:cNvSpPr>
+          <p:nvPr>
+            <p:ph type="title"/>
+          </p:nvPr>
+        </p:nvSpPr>
+        <p:spPr/>
+        <p:txBody>
+          <a:bodyPr>
+            <a:noAutofit/>
+          </a:bodyPr>
+          <a:lstStyle/>
+          <a:p>
+            <a:r>
+              <a:rPr lang="en-US" dirty="0" smtClean="0">
+                <a:solidFill>
+                  <a:schemeClr val="bg1">
+                    <a:lumMod val="85000"/>
+                  </a:schemeClr>
+                </a:solidFill>
+                <a:latin typeface="Arial" pitchFamily="34" charset="0"/>
+                <a:cs typeface="Arial" pitchFamily="34" charset="0"/>
+              </a:rPr>
+              <a:t>PREVIOUS WORKS</a:t>
+            </a:r>
+            <a:endParaRPr lang="he-IL" dirty="0">
+              <a:solidFill>
+                <a:schemeClr val="bg1">
+                  <a:lumMod val="85000"/>
+                </a:schemeClr>
+              </a:solidFill>
+              <a:latin typeface="Arial" pitchFamily="34" charset="0"/>
+              <a:cs typeface="Arial" pitchFamily="34" charset="0"/>
+            </a:endParaRPr>
+          </a:p>
+        </p:txBody>
+      </p:sp>
+      <p:pic>
+        <p:nvPicPr>
+          <p:cNvPr id="10" name="מציין מיקום תוכן 9" descr="fireworkbig-1.jpg"/>
+          <p:cNvPicPr>
+            <a:picLocks noGrp="1" noChangeAspect="1"/>
+          </p:cNvPicPr>
+          <p:nvPr>
+            <p:ph idx="1"/>
+          </p:nvPr>
+        </p:nvPicPr>
+        <p:blipFill>
+          <a:blip r:embed="rId3" cstate="print"/>
+          <a:stretch>
+            <a:fillRect/>
+          </a:stretch>
+        </p:blipFill>
+        <p:spPr>
+          <a:xfrm>
+            <a:off x="7358082" y="-17"/>
+            <a:ext cx="1785950" cy="1181176"/>
+          </a:xfrm>
+        </p:spPr>
+      </p:pic>
+      <p:pic>
+        <p:nvPicPr>
+          <p:cNvPr id="12" name="מציין מיקום תוכן 9" descr="fireworkbig-1.jpg"/>
+          <p:cNvPicPr>
+            <a:picLocks noChangeAspect="1"/>
+          </p:cNvPicPr>
+          <p:nvPr/>
+        </p:nvPicPr>
+        <p:blipFill>
+          <a:blip r:embed="rId3" cstate="print"/>
+          <a:stretch>
+            <a:fillRect/>
+          </a:stretch>
+        </p:blipFill>
+        <p:spPr>
+          <a:xfrm>
+            <a:off x="-32" y="-18"/>
+            <a:ext cx="1785950" cy="1181176"/>
+          </a:xfrm>
+          <a:prstGeom prst="rect">
+            <a:avLst/>
+          </a:prstGeom>
+        </p:spPr>
+      </p:pic>
+      <p:pic>
+        <p:nvPicPr>
+          <p:cNvPr id="14" name="תמונה 13" descr="images (4).jpg"/>
+          <p:cNvPicPr>
+            <a:picLocks noChangeAspect="1"/>
+          </p:cNvPicPr>
+          <p:nvPr/>
+        </p:nvPicPr>
+        <p:blipFill>
+          <a:blip r:embed="rId4"/>
+          <a:srcRect l="20199" r="17715"/>
+          <a:stretch>
+            <a:fillRect/>
+          </a:stretch>
+        </p:blipFill>
+        <p:spPr>
+          <a:xfrm>
+            <a:off x="8143900" y="1142990"/>
+            <a:ext cx="1000132" cy="890778"/>
+          </a:xfrm>
+          <a:prstGeom prst="rect">
+            <a:avLst/>
+          </a:prstGeom>
+        </p:spPr>
+      </p:pic>
+      <p:pic>
+        <p:nvPicPr>
+          <p:cNvPr id="15" name="תמונה 14" descr="images (4).jpg"/>
+          <p:cNvPicPr>
+            <a:picLocks noChangeAspect="1"/>
+          </p:cNvPicPr>
+          <p:nvPr/>
+        </p:nvPicPr>
+        <p:blipFill>
+          <a:blip r:embed="rId4"/>
+          <a:srcRect l="20199" r="17715"/>
+          <a:stretch>
+            <a:fillRect/>
+          </a:stretch>
+        </p:blipFill>
+        <p:spPr>
+          <a:xfrm>
+            <a:off x="-32" y="1071552"/>
+            <a:ext cx="1000132" cy="890778"/>
+          </a:xfrm>
+          <a:prstGeom prst="rect">
+            <a:avLst/>
+          </a:prstGeom>
+        </p:spPr>
+      </p:pic>
+      <p:sp>
+        <p:nvSpPr>
+          <p:cNvPr id="7" name="TextBox 6"/>
+          <p:cNvSpPr txBox="1"/>
+          <p:nvPr/>
+        </p:nvSpPr>
+        <p:spPr>
+          <a:xfrm>
+            <a:off x="1000100" y="1071553"/>
+            <a:ext cx="7215238" cy="5293757"/>
+          </a:xfrm>
+          <a:prstGeom prst="rect">
+            <a:avLst/>
+          </a:prstGeom>
+          <a:noFill/>
+        </p:spPr>
+        <p:txBody>
+          <a:bodyPr wrap="square" rtlCol="1">
+            <a:spAutoFit/>
+          </a:bodyPr>
+          <a:lstStyle/>
+          <a:p>
+            <a:pPr algn="l" rtl="0">
+              <a:buFont typeface="Arial" pitchFamily="34" charset="0"/>
+              <a:buChar char="•"/>
+            </a:pPr>
+            <a:r>
+              <a:rPr lang="en-US" sz="2000" b="1" dirty="0" smtClean="0">
+                <a:solidFill>
+                  <a:schemeClr val="bg1">
+                    <a:lumMod val="85000"/>
+                  </a:schemeClr>
+                </a:solidFill>
+              </a:rPr>
+              <a:t> </a:t>
+            </a:r>
+            <a:r>
+              <a:rPr lang="en-US" b="1" dirty="0" smtClean="0">
+                <a:solidFill>
+                  <a:schemeClr val="bg1">
+                    <a:lumMod val="85000"/>
+                  </a:schemeClr>
+                </a:solidFill>
+              </a:rPr>
+              <a:t>Evolving Agents for the Hanabi 2018 CIG Competition</a:t>
+            </a:r>
+          </a:p>
+          <a:p>
+            <a:pPr lvl="1" algn="l" rtl="0">
+              <a:buFont typeface="Arial" pitchFamily="34" charset="0"/>
+              <a:buChar char="•"/>
+            </a:pPr>
+            <a:r>
+              <a:rPr lang="en-US" dirty="0" smtClean="0">
+                <a:solidFill>
+                  <a:schemeClr val="bg1">
+                    <a:lumMod val="85000"/>
+                  </a:schemeClr>
+                </a:solidFill>
+              </a:rPr>
+              <a:t> </a:t>
+            </a:r>
+            <a:r>
+              <a:rPr lang="en-US" u="sng" dirty="0" smtClean="0">
+                <a:solidFill>
+                  <a:schemeClr val="bg1">
+                    <a:lumMod val="85000"/>
+                  </a:schemeClr>
+                </a:solidFill>
+              </a:rPr>
+              <a:t>Writers:</a:t>
+            </a:r>
+            <a:r>
+              <a:rPr lang="en-US" dirty="0" smtClean="0">
+                <a:solidFill>
+                  <a:schemeClr val="bg1">
+                    <a:lumMod val="85000"/>
+                  </a:schemeClr>
+                </a:solidFill>
+              </a:rPr>
+              <a:t> Canaan, Rodrigo, </a:t>
+            </a:r>
+            <a:r>
+              <a:rPr lang="en-US" dirty="0" err="1" smtClean="0">
+                <a:solidFill>
+                  <a:schemeClr val="bg1">
+                    <a:lumMod val="85000"/>
+                  </a:schemeClr>
+                </a:solidFill>
+              </a:rPr>
+              <a:t>Shen</a:t>
+            </a:r>
+            <a:r>
+              <a:rPr lang="en-US" dirty="0" smtClean="0">
+                <a:solidFill>
+                  <a:schemeClr val="bg1">
+                    <a:lumMod val="85000"/>
+                  </a:schemeClr>
+                </a:solidFill>
+              </a:rPr>
+              <a:t>, </a:t>
+            </a:r>
+            <a:r>
+              <a:rPr lang="en-US" dirty="0" err="1" smtClean="0">
+                <a:solidFill>
+                  <a:schemeClr val="bg1">
+                    <a:lumMod val="85000"/>
+                  </a:schemeClr>
+                </a:solidFill>
+              </a:rPr>
+              <a:t>Haotian</a:t>
+            </a:r>
+            <a:r>
+              <a:rPr lang="en-US" dirty="0" smtClean="0">
+                <a:solidFill>
+                  <a:schemeClr val="bg1">
+                    <a:lumMod val="85000"/>
+                  </a:schemeClr>
+                </a:solidFill>
+              </a:rPr>
+              <a:t>, </a:t>
+            </a:r>
+            <a:r>
+              <a:rPr lang="en-US" dirty="0" err="1" smtClean="0">
+                <a:solidFill>
+                  <a:schemeClr val="bg1">
+                    <a:lumMod val="85000"/>
+                  </a:schemeClr>
+                </a:solidFill>
+              </a:rPr>
+              <a:t>Torrado</a:t>
+            </a:r>
+            <a:r>
+              <a:rPr lang="en-US" dirty="0" smtClean="0">
+                <a:solidFill>
+                  <a:schemeClr val="bg1">
+                    <a:lumMod val="85000"/>
+                  </a:schemeClr>
+                </a:solidFill>
+              </a:rPr>
+              <a:t>, Ruben, </a:t>
+            </a:r>
+            <a:r>
+              <a:rPr lang="en-US" dirty="0" err="1" smtClean="0">
+                <a:solidFill>
+                  <a:schemeClr val="bg1">
+                    <a:lumMod val="85000"/>
+                  </a:schemeClr>
+                </a:solidFill>
+              </a:rPr>
+              <a:t>Togelius</a:t>
+            </a:r>
+            <a:r>
+              <a:rPr lang="en-US" dirty="0" smtClean="0">
+                <a:solidFill>
+                  <a:schemeClr val="bg1">
+                    <a:lumMod val="85000"/>
+                  </a:schemeClr>
+                </a:solidFill>
+              </a:rPr>
+              <a:t>, Julian, </a:t>
+            </a:r>
+            <a:r>
+              <a:rPr lang="en-US" dirty="0" err="1" smtClean="0">
+                <a:solidFill>
+                  <a:schemeClr val="bg1">
+                    <a:lumMod val="85000"/>
+                  </a:schemeClr>
+                </a:solidFill>
+              </a:rPr>
+              <a:t>Nealen</a:t>
+            </a:r>
+            <a:r>
+              <a:rPr lang="en-US" dirty="0" smtClean="0">
+                <a:solidFill>
+                  <a:schemeClr val="bg1">
+                    <a:lumMod val="85000"/>
+                  </a:schemeClr>
+                </a:solidFill>
+              </a:rPr>
+              <a:t>, Andy, </a:t>
+            </a:r>
+            <a:r>
+              <a:rPr lang="en-US" dirty="0" err="1" smtClean="0">
+                <a:solidFill>
+                  <a:schemeClr val="bg1">
+                    <a:lumMod val="85000"/>
+                  </a:schemeClr>
+                </a:solidFill>
+              </a:rPr>
+              <a:t>Menzel</a:t>
+            </a:r>
+            <a:r>
+              <a:rPr lang="en-US" dirty="0" smtClean="0">
+                <a:solidFill>
+                  <a:schemeClr val="bg1">
+                    <a:lumMod val="85000"/>
+                  </a:schemeClr>
+                </a:solidFill>
+              </a:rPr>
+              <a:t>, Stefan</a:t>
+            </a:r>
+          </a:p>
+          <a:p>
+            <a:pPr lvl="1" algn="l" rtl="0">
+              <a:buFont typeface="Arial" pitchFamily="34" charset="0"/>
+              <a:buChar char="•"/>
+            </a:pPr>
+            <a:r>
+              <a:rPr lang="en-US" u="sng" dirty="0" smtClean="0">
+                <a:solidFill>
+                  <a:schemeClr val="bg1">
+                    <a:lumMod val="85000"/>
+                  </a:schemeClr>
+                </a:solidFill>
+              </a:rPr>
+              <a:t> Published in:</a:t>
+            </a:r>
+            <a:r>
+              <a:rPr lang="en-US" dirty="0" smtClean="0">
+                <a:solidFill>
+                  <a:schemeClr val="bg1">
+                    <a:lumMod val="85000"/>
+                  </a:schemeClr>
+                </a:solidFill>
+              </a:rPr>
+              <a:t> IEEE Conference on </a:t>
+            </a:r>
+            <a:r>
+              <a:rPr lang="en-US" dirty="0" err="1" smtClean="0">
+                <a:solidFill>
+                  <a:schemeClr val="bg1">
+                    <a:lumMod val="85000"/>
+                  </a:schemeClr>
+                </a:solidFill>
+              </a:rPr>
+              <a:t>Computatonal</a:t>
+            </a:r>
+            <a:r>
+              <a:rPr lang="en-US" dirty="0" smtClean="0">
+                <a:solidFill>
+                  <a:schemeClr val="bg1">
+                    <a:lumMod val="85000"/>
+                  </a:schemeClr>
+                </a:solidFill>
+              </a:rPr>
+              <a:t> Intelligence and Games, CIG</a:t>
+            </a:r>
+          </a:p>
+          <a:p>
+            <a:pPr algn="l" rtl="0">
+              <a:buFont typeface="Arial" pitchFamily="34" charset="0"/>
+              <a:buChar char="•"/>
+            </a:pPr>
+            <a:r>
+              <a:rPr lang="en-US" dirty="0" smtClean="0">
+                <a:solidFill>
+                  <a:schemeClr val="bg1">
+                    <a:lumMod val="85000"/>
+                  </a:schemeClr>
+                </a:solidFill>
+              </a:rPr>
+              <a:t> In this paper:</a:t>
+            </a:r>
+          </a:p>
+          <a:p>
+            <a:pPr lvl="1" algn="l" rtl="0">
+              <a:buFont typeface="Arial" pitchFamily="34" charset="0"/>
+              <a:buChar char="•"/>
+            </a:pPr>
+            <a:r>
+              <a:rPr lang="en-US" dirty="0" smtClean="0">
+                <a:solidFill>
+                  <a:schemeClr val="bg1">
+                    <a:lumMod val="85000"/>
+                  </a:schemeClr>
+                </a:solidFill>
+              </a:rPr>
+              <a:t> The author developed a genetic algorithm that builds rule- based agents by determining the best sequence of rules from a fixed rule set to use as strategy.</a:t>
+            </a:r>
+          </a:p>
+          <a:p>
+            <a:pPr lvl="1" algn="l" rtl="0">
+              <a:buFont typeface="Arial" pitchFamily="34" charset="0"/>
+              <a:buChar char="•"/>
+            </a:pPr>
+            <a:r>
+              <a:rPr lang="en-US" dirty="0" smtClean="0">
+                <a:solidFill>
+                  <a:schemeClr val="bg1">
+                    <a:lumMod val="85000"/>
+                  </a:schemeClr>
+                </a:solidFill>
+              </a:rPr>
+              <a:t> The author defined 72 rules, every chromosome is permutation of this rules.</a:t>
+            </a:r>
+          </a:p>
+          <a:p>
+            <a:pPr lvl="1" algn="l" rtl="0">
+              <a:buFont typeface="Arial" pitchFamily="34" charset="0"/>
+              <a:buChar char="•"/>
+            </a:pPr>
+            <a:r>
+              <a:rPr lang="en-US" dirty="0" smtClean="0">
+                <a:solidFill>
+                  <a:schemeClr val="bg1">
+                    <a:lumMod val="85000"/>
+                  </a:schemeClr>
+                </a:solidFill>
+              </a:rPr>
+              <a:t> They used the operators of swap mutation and ordered crossover.</a:t>
+            </a:r>
+            <a:endParaRPr lang="he-IL" dirty="0" smtClean="0">
+              <a:solidFill>
+                <a:schemeClr val="bg1">
+                  <a:lumMod val="85000"/>
+                </a:schemeClr>
+              </a:solidFill>
+            </a:endParaRPr>
+          </a:p>
+          <a:p>
+            <a:pPr lvl="1" algn="l" rtl="0"/>
+            <a:endParaRPr lang="en-US" sz="2000" dirty="0" smtClean="0">
+              <a:solidFill>
+                <a:schemeClr val="bg1">
+                  <a:lumMod val="85000"/>
+                </a:schemeClr>
+              </a:solidFill>
+            </a:endParaRPr>
+          </a:p>
+          <a:p>
+            <a:pPr lvl="1" algn="l" rtl="0"/>
+            <a:endParaRPr lang="en-US" sz="2000" dirty="0" smtClean="0">
+              <a:solidFill>
+                <a:schemeClr val="bg1">
+                  <a:lumMod val="85000"/>
+                </a:schemeClr>
+              </a:solidFill>
+            </a:endParaRPr>
+          </a:p>
+          <a:p>
+            <a:pPr lvl="1" algn="l" rtl="0"/>
+            <a:endParaRPr lang="en-US" sz="2000" dirty="0" smtClean="0">
+              <a:solidFill>
+                <a:schemeClr val="bg1">
+                  <a:lumMod val="85000"/>
+                </a:schemeClr>
+              </a:solidFill>
+            </a:endParaRPr>
+          </a:p>
+          <a:p>
+            <a:pPr lvl="1" algn="l" rtl="0"/>
+            <a:endParaRPr lang="en-US" sz="2000" dirty="0" smtClean="0">
+              <a:solidFill>
+                <a:schemeClr val="bg1">
+                  <a:lumMod val="85000"/>
+                </a:schemeClr>
+              </a:solidFill>
+            </a:endParaRPr>
+          </a:p>
+          <a:p>
+            <a:pPr lvl="1" algn="l" rtl="0"/>
+            <a:endParaRPr lang="en-US" sz="2000" dirty="0" smtClean="0">
+              <a:solidFill>
+                <a:schemeClr val="bg1">
+                  <a:lumMod val="85000"/>
+                </a:schemeClr>
+              </a:solidFill>
+            </a:endParaRPr>
+          </a:p>
+          <a:p>
+            <a:pPr lvl="1" algn="l" rtl="0">
+              <a:buFont typeface="Arial" pitchFamily="34" charset="0"/>
+              <a:buChar char="•"/>
+            </a:pPr>
+            <a:endParaRPr lang="en-US" sz="2000" b="1" dirty="0" smtClean="0">
+              <a:solidFill>
+                <a:schemeClr val="bg1">
+                  <a:lumMod val="85000"/>
+                </a:schemeClr>
+              </a:solidFill>
+            </a:endParaRPr>
+          </a:p>
+        </p:txBody>
+      </p:sp>
+    </p:spTree>
+  </p:cSld>
+  <p:clrMapOvr>
+    <a:masterClrMapping/>
+  </p:clrMapOvr>
+  <p:timing>
+    <p:tnLst>
+      <p:par>
+        <p:cTn id="1" dur="indefinite" restart="never" nodeType="tmRoot"/>
+      </p:par>
+    </p:tnLst>
+  </p:timing>
+</p:sld>
+</file>
+
+<file path=ppt/slides/slide5.xml><?xml version="1.0" encoding="utf-8"?>
 <p:sld xmlns:a="http://schemas.openxmlformats.org/drawingml/2006/main" xmlns:r="http://schemas.openxmlformats.org/officeDocument/2006/relationships" xmlns:p="http://schemas.openxmlformats.org/presentationml/2006/main">
   <p:cSld>
     <p:bg>
@@ -4694,7 +5233,7 @@
         <p:spPr>
           <a:xfrm>
             <a:off x="1000100" y="1071553"/>
-            <a:ext cx="7215238" cy="5293757"/>
+            <a:ext cx="7215238" cy="3693319"/>
           </a:xfrm>
           <a:prstGeom prst="rect">
             <a:avLst/>
@@ -4712,233 +5251,113 @@
               <a:buChar char="•"/>
             </a:pPr>
             <a:r>
-              <a:rPr lang="en-US" sz="2000" b="1" dirty="0" smtClean="0">
-                <a:solidFill>
-                  <a:schemeClr val="bg1">
-                    <a:lumMod val="85000"/>
-                  </a:schemeClr>
-                </a:solidFill>
-              </a:rPr>
-              <a:t> </a:t>
-            </a:r>
-            <a:r>
-              <a:rPr lang="en-US" b="1" dirty="0" smtClean="0">
-                <a:solidFill>
-                  <a:schemeClr val="bg1">
-                    <a:lumMod val="85000"/>
-                  </a:schemeClr>
-                </a:solidFill>
-              </a:rPr>
-              <a:t>Evolving Agents for the Hanabi 2018 CIG Competition</a:t>
-            </a:r>
+              <a:rPr lang="en-US" dirty="0" smtClean="0">
+                <a:solidFill>
+                  <a:schemeClr val="bg1">
+                    <a:lumMod val="85000"/>
+                  </a:schemeClr>
+                </a:solidFill>
+              </a:rPr>
+              <a:t> Evolving Agents for the Hanabi 2018 CIG Competition</a:t>
+            </a:r>
+          </a:p>
+          <a:p>
+            <a:pPr algn="l" rtl="0">
+              <a:buFont typeface="Arial" pitchFamily="34" charset="0"/>
+              <a:buChar char="•"/>
+            </a:pPr>
+            <a:r>
+              <a:rPr lang="en-US" dirty="0" smtClean="0">
+                <a:solidFill>
+                  <a:schemeClr val="bg1">
+                    <a:lumMod val="85000"/>
+                  </a:schemeClr>
+                </a:solidFill>
+              </a:rPr>
+              <a:t> The parameters:</a:t>
+            </a:r>
+          </a:p>
+          <a:p>
+            <a:pPr algn="l" rtl="0">
+              <a:buFont typeface="Arial" pitchFamily="34" charset="0"/>
+              <a:buChar char="•"/>
+            </a:pPr>
+            <a:endParaRPr lang="en-US" dirty="0" smtClean="0">
+              <a:solidFill>
+                <a:schemeClr val="bg1">
+                  <a:lumMod val="85000"/>
+                </a:schemeClr>
+              </a:solidFill>
+            </a:endParaRPr>
+          </a:p>
+          <a:p>
+            <a:pPr lvl="1" algn="l" rtl="0"/>
+            <a:endParaRPr lang="en-US" dirty="0" smtClean="0">
+              <a:solidFill>
+                <a:schemeClr val="bg1">
+                  <a:lumMod val="85000"/>
+                </a:schemeClr>
+              </a:solidFill>
+            </a:endParaRPr>
+          </a:p>
+          <a:p>
+            <a:pPr lvl="1" algn="l" rtl="0"/>
+            <a:endParaRPr lang="en-US" dirty="0" smtClean="0">
+              <a:solidFill>
+                <a:schemeClr val="bg1">
+                  <a:lumMod val="85000"/>
+                </a:schemeClr>
+              </a:solidFill>
+            </a:endParaRPr>
+          </a:p>
+          <a:p>
+            <a:pPr lvl="1" algn="l" rtl="0"/>
+            <a:endParaRPr lang="en-US" dirty="0" smtClean="0">
+              <a:solidFill>
+                <a:schemeClr val="bg1">
+                  <a:lumMod val="85000"/>
+                </a:schemeClr>
+              </a:solidFill>
+            </a:endParaRPr>
+          </a:p>
+          <a:p>
+            <a:pPr lvl="1" algn="l" rtl="0"/>
+            <a:endParaRPr lang="en-US" dirty="0" smtClean="0">
+              <a:solidFill>
+                <a:schemeClr val="bg1">
+                  <a:lumMod val="85000"/>
+                </a:schemeClr>
+              </a:solidFill>
+            </a:endParaRPr>
           </a:p>
           <a:p>
             <a:pPr lvl="1" algn="l" rtl="0">
               <a:buFont typeface="Arial" pitchFamily="34" charset="0"/>
               <a:buChar char="•"/>
             </a:pPr>
-            <a:r>
-              <a:rPr lang="en-US" dirty="0" smtClean="0">
-                <a:solidFill>
-                  <a:schemeClr val="bg1">
-                    <a:lumMod val="85000"/>
-                  </a:schemeClr>
-                </a:solidFill>
-              </a:rPr>
-              <a:t> </a:t>
-            </a:r>
-            <a:r>
-              <a:rPr lang="en-US" u="sng" dirty="0" smtClean="0">
-                <a:solidFill>
-                  <a:schemeClr val="bg1">
-                    <a:lumMod val="85000"/>
-                  </a:schemeClr>
-                </a:solidFill>
-              </a:rPr>
-              <a:t>Writers:</a:t>
-            </a:r>
-            <a:r>
-              <a:rPr lang="en-US" dirty="0" smtClean="0">
-                <a:solidFill>
-                  <a:schemeClr val="bg1">
-                    <a:lumMod val="85000"/>
-                  </a:schemeClr>
-                </a:solidFill>
-              </a:rPr>
-              <a:t> Canaan, Rodrigo, </a:t>
-            </a:r>
-            <a:r>
-              <a:rPr lang="en-US" dirty="0" err="1" smtClean="0">
-                <a:solidFill>
-                  <a:schemeClr val="bg1">
-                    <a:lumMod val="85000"/>
-                  </a:schemeClr>
-                </a:solidFill>
-              </a:rPr>
-              <a:t>Shen</a:t>
-            </a:r>
-            <a:r>
-              <a:rPr lang="en-US" dirty="0" smtClean="0">
-                <a:solidFill>
-                  <a:schemeClr val="bg1">
-                    <a:lumMod val="85000"/>
-                  </a:schemeClr>
-                </a:solidFill>
-              </a:rPr>
-              <a:t>, </a:t>
-            </a:r>
-            <a:r>
-              <a:rPr lang="en-US" dirty="0" err="1" smtClean="0">
-                <a:solidFill>
-                  <a:schemeClr val="bg1">
-                    <a:lumMod val="85000"/>
-                  </a:schemeClr>
-                </a:solidFill>
-              </a:rPr>
-              <a:t>Haotian</a:t>
-            </a:r>
-            <a:r>
-              <a:rPr lang="en-US" dirty="0" smtClean="0">
-                <a:solidFill>
-                  <a:schemeClr val="bg1">
-                    <a:lumMod val="85000"/>
-                  </a:schemeClr>
-                </a:solidFill>
-              </a:rPr>
-              <a:t>, </a:t>
-            </a:r>
-            <a:r>
-              <a:rPr lang="en-US" dirty="0" err="1" smtClean="0">
-                <a:solidFill>
-                  <a:schemeClr val="bg1">
-                    <a:lumMod val="85000"/>
-                  </a:schemeClr>
-                </a:solidFill>
-              </a:rPr>
-              <a:t>Torrado</a:t>
-            </a:r>
-            <a:r>
-              <a:rPr lang="en-US" dirty="0" smtClean="0">
-                <a:solidFill>
-                  <a:schemeClr val="bg1">
-                    <a:lumMod val="85000"/>
-                  </a:schemeClr>
-                </a:solidFill>
-              </a:rPr>
-              <a:t>, Ruben, </a:t>
-            </a:r>
-            <a:r>
-              <a:rPr lang="en-US" dirty="0" err="1" smtClean="0">
-                <a:solidFill>
-                  <a:schemeClr val="bg1">
-                    <a:lumMod val="85000"/>
-                  </a:schemeClr>
-                </a:solidFill>
-              </a:rPr>
-              <a:t>Togelius</a:t>
-            </a:r>
-            <a:r>
-              <a:rPr lang="en-US" dirty="0" smtClean="0">
-                <a:solidFill>
-                  <a:schemeClr val="bg1">
-                    <a:lumMod val="85000"/>
-                  </a:schemeClr>
-                </a:solidFill>
-              </a:rPr>
-              <a:t>, Julian, </a:t>
-            </a:r>
-            <a:r>
-              <a:rPr lang="en-US" dirty="0" err="1" smtClean="0">
-                <a:solidFill>
-                  <a:schemeClr val="bg1">
-                    <a:lumMod val="85000"/>
-                  </a:schemeClr>
-                </a:solidFill>
-              </a:rPr>
-              <a:t>Nealen</a:t>
-            </a:r>
-            <a:r>
-              <a:rPr lang="en-US" dirty="0" smtClean="0">
-                <a:solidFill>
-                  <a:schemeClr val="bg1">
-                    <a:lumMod val="85000"/>
-                  </a:schemeClr>
-                </a:solidFill>
-              </a:rPr>
-              <a:t>, Andy, </a:t>
-            </a:r>
-            <a:r>
-              <a:rPr lang="en-US" dirty="0" err="1" smtClean="0">
-                <a:solidFill>
-                  <a:schemeClr val="bg1">
-                    <a:lumMod val="85000"/>
-                  </a:schemeClr>
-                </a:solidFill>
-              </a:rPr>
-              <a:t>Menzel</a:t>
-            </a:r>
-            <a:r>
-              <a:rPr lang="en-US" dirty="0" smtClean="0">
-                <a:solidFill>
-                  <a:schemeClr val="bg1">
-                    <a:lumMod val="85000"/>
-                  </a:schemeClr>
-                </a:solidFill>
-              </a:rPr>
-              <a:t>, Stefan</a:t>
-            </a:r>
-          </a:p>
-          <a:p>
-            <a:pPr lvl="1" algn="l" rtl="0">
-              <a:buFont typeface="Arial" pitchFamily="34" charset="0"/>
-              <a:buChar char="•"/>
-            </a:pPr>
-            <a:r>
-              <a:rPr lang="en-US" u="sng" dirty="0" smtClean="0">
-                <a:solidFill>
-                  <a:schemeClr val="bg1">
-                    <a:lumMod val="85000"/>
-                  </a:schemeClr>
-                </a:solidFill>
-              </a:rPr>
-              <a:t> Published in:</a:t>
-            </a:r>
-            <a:r>
-              <a:rPr lang="en-US" dirty="0" smtClean="0">
-                <a:solidFill>
-                  <a:schemeClr val="bg1">
-                    <a:lumMod val="85000"/>
-                  </a:schemeClr>
-                </a:solidFill>
-              </a:rPr>
-              <a:t> IEEE Conference on </a:t>
-            </a:r>
-            <a:r>
-              <a:rPr lang="en-US" dirty="0" err="1" smtClean="0">
-                <a:solidFill>
-                  <a:schemeClr val="bg1">
-                    <a:lumMod val="85000"/>
-                  </a:schemeClr>
-                </a:solidFill>
-              </a:rPr>
-              <a:t>Computatonal</a:t>
-            </a:r>
-            <a:r>
-              <a:rPr lang="en-US" dirty="0" smtClean="0">
-                <a:solidFill>
-                  <a:schemeClr val="bg1">
-                    <a:lumMod val="85000"/>
-                  </a:schemeClr>
-                </a:solidFill>
-              </a:rPr>
-              <a:t> Intelligence and Games, CIG</a:t>
-            </a:r>
+            <a:endParaRPr lang="en-US" dirty="0" smtClean="0">
+              <a:solidFill>
+                <a:schemeClr val="bg1">
+                  <a:lumMod val="85000"/>
+                </a:schemeClr>
+              </a:solidFill>
+            </a:endParaRPr>
           </a:p>
           <a:p>
             <a:pPr algn="l" rtl="0">
               <a:buFont typeface="Arial" pitchFamily="34" charset="0"/>
               <a:buChar char="•"/>
             </a:pPr>
+            <a:endParaRPr lang="en-US" dirty="0" smtClean="0">
+              <a:solidFill>
+                <a:schemeClr val="bg1">
+                  <a:lumMod val="85000"/>
+                </a:schemeClr>
+              </a:solidFill>
+            </a:endParaRPr>
+          </a:p>
+          <a:p>
+            <a:pPr algn="l" rtl="0"/>
             <a:r>
               <a:rPr lang="en-US" dirty="0" smtClean="0">
                 <a:solidFill>
@@ -4947,55 +5366,7 @@
                   </a:schemeClr>
                 </a:solidFill>
               </a:rPr>
-              <a:t> In this paper:</a:t>
-            </a:r>
-          </a:p>
-          <a:p>
-            <a:pPr lvl="1" algn="l" rtl="0">
-              <a:buFont typeface="Arial" pitchFamily="34" charset="0"/>
-              <a:buChar char="•"/>
-            </a:pPr>
-            <a:r>
-              <a:rPr lang="en-US" dirty="0" smtClean="0">
-                <a:solidFill>
-                  <a:schemeClr val="bg1">
-                    <a:lumMod val="85000"/>
-                  </a:schemeClr>
-                </a:solidFill>
-              </a:rPr>
-              <a:t> The author developed a genetic algorithm that builds rule- based agents by determining the best sequence of rules from a fixed rule set to use as strategy.</a:t>
-            </a:r>
-          </a:p>
-          <a:p>
-            <a:pPr lvl="1" algn="l" rtl="0">
-              <a:buFont typeface="Arial" pitchFamily="34" charset="0"/>
-              <a:buChar char="•"/>
-            </a:pPr>
-            <a:r>
-              <a:rPr lang="en-US" dirty="0" smtClean="0">
-                <a:solidFill>
-                  <a:schemeClr val="bg1">
-                    <a:lumMod val="85000"/>
-                  </a:schemeClr>
-                </a:solidFill>
-              </a:rPr>
-              <a:t> The author defined 72 rules, every chromosome is permutation of this rules.</a:t>
-            </a:r>
-          </a:p>
-          <a:p>
-            <a:pPr lvl="1" algn="l" rtl="0">
-              <a:buFont typeface="Arial" pitchFamily="34" charset="0"/>
-              <a:buChar char="•"/>
-            </a:pPr>
-            <a:r>
-              <a:rPr lang="en-US" dirty="0" smtClean="0">
-                <a:solidFill>
-                  <a:schemeClr val="bg1">
-                    <a:lumMod val="85000"/>
-                  </a:schemeClr>
-                </a:solidFill>
-              </a:rPr>
-              <a:t> They used the operators of swap mutation and ordered crossover.</a:t>
+              <a:t> </a:t>
             </a:r>
             <a:endParaRPr lang="he-IL" dirty="0" smtClean="0">
               <a:solidFill>
@@ -5006,70 +5377,98 @@
             </a:endParaRPr>
           </a:p>
           <a:p>
-            <a:pPr lvl="1" algn="l" rtl="0"/>
-            <a:endParaRPr lang="en-US" sz="2000" dirty="0" smtClean="0">
-              <a:solidFill>
-                <a:schemeClr val="bg1">
-                  <a:lumMod val="85000"/>
-                </a:schemeClr>
-              </a:solidFill>
-            </a:endParaRPr>
-          </a:p>
-          <a:p>
-            <a:pPr lvl="1" algn="l" rtl="0"/>
-            <a:endParaRPr lang="en-US" sz="2000" dirty="0" smtClean="0">
-              <a:solidFill>
-                <a:schemeClr val="bg1">
-                  <a:lumMod val="85000"/>
-                </a:schemeClr>
-              </a:solidFill>
-            </a:endParaRPr>
-          </a:p>
-          <a:p>
-            <a:pPr lvl="1" algn="l" rtl="0"/>
-            <a:endParaRPr lang="en-US" sz="2000" dirty="0" smtClean="0">
-              <a:solidFill>
-                <a:schemeClr val="bg1">
-                  <a:lumMod val="85000"/>
-                </a:schemeClr>
-              </a:solidFill>
-            </a:endParaRPr>
-          </a:p>
-          <a:p>
-            <a:pPr lvl="1" algn="l" rtl="0"/>
-            <a:endParaRPr lang="en-US" sz="2000" dirty="0" smtClean="0">
-              <a:solidFill>
-                <a:schemeClr val="bg1">
-                  <a:lumMod val="85000"/>
-                </a:schemeClr>
-              </a:solidFill>
-            </a:endParaRPr>
-          </a:p>
-          <a:p>
-            <a:pPr lvl="1" algn="l" rtl="0"/>
-            <a:endParaRPr lang="en-US" sz="2000" dirty="0" smtClean="0">
-              <a:solidFill>
-                <a:schemeClr val="bg1">
-                  <a:lumMod val="85000"/>
-                </a:schemeClr>
-              </a:solidFill>
-            </a:endParaRPr>
+            <a:pPr algn="l" rtl="0">
+              <a:buFont typeface="Arial" pitchFamily="34" charset="0"/>
+              <a:buChar char="•"/>
+            </a:pPr>
+            <a:r>
+              <a:rPr lang="en-US" dirty="0" smtClean="0">
+                <a:solidFill>
+                  <a:schemeClr val="bg1">
+                    <a:lumMod val="85000"/>
+                  </a:schemeClr>
+                </a:solidFill>
+              </a:rPr>
+              <a:t>The average score of this agent:</a:t>
+            </a:r>
           </a:p>
           <a:p>
             <a:pPr lvl="1" algn="l" rtl="0">
               <a:buFont typeface="Arial" pitchFamily="34" charset="0"/>
               <a:buChar char="•"/>
             </a:pPr>
-            <a:endParaRPr lang="en-US" sz="2000" b="1" dirty="0" smtClean="0">
-              <a:solidFill>
-                <a:schemeClr val="bg1">
-                  <a:lumMod val="85000"/>
-                </a:schemeClr>
-              </a:solidFill>
-            </a:endParaRPr>
-          </a:p>
-        </p:txBody>
-      </p:sp>
+            <a:r>
+              <a:rPr lang="he-IL" dirty="0" smtClean="0">
+                <a:solidFill>
+                  <a:schemeClr val="bg1">
+                    <a:lumMod val="85000"/>
+                  </a:schemeClr>
+                </a:solidFill>
+              </a:rPr>
+              <a:t> </a:t>
+            </a:r>
+            <a:r>
+              <a:rPr lang="en-US" dirty="0" smtClean="0">
+                <a:solidFill>
+                  <a:schemeClr val="bg1">
+                    <a:lumMod val="85000"/>
+                  </a:schemeClr>
+                </a:solidFill>
+              </a:rPr>
+              <a:t>mirror game: 19.32</a:t>
+            </a:r>
+          </a:p>
+          <a:p>
+            <a:pPr lvl="1" algn="l" rtl="0">
+              <a:buFont typeface="Arial" pitchFamily="34" charset="0"/>
+              <a:buChar char="•"/>
+            </a:pPr>
+            <a:r>
+              <a:rPr lang="en-US" dirty="0" smtClean="0">
+                <a:solidFill>
+                  <a:schemeClr val="bg1">
+                    <a:lumMod val="85000"/>
+                  </a:schemeClr>
+                </a:solidFill>
+              </a:rPr>
+              <a:t> mixed agents: 11.65</a:t>
+            </a:r>
+          </a:p>
+        </p:txBody>
+      </p:sp>
+      <p:pic>
+        <p:nvPicPr>
+          <p:cNvPr id="1026" name="Picture 2"/>
+          <p:cNvPicPr>
+            <a:picLocks noChangeAspect="1" noChangeArrowheads="1"/>
+          </p:cNvPicPr>
+          <p:nvPr/>
+        </p:nvPicPr>
+        <p:blipFill>
+          <a:blip r:embed="rId4"/>
+          <a:srcRect/>
+          <a:stretch>
+            <a:fillRect/>
+          </a:stretch>
+        </p:blipFill>
+        <p:spPr bwMode="auto">
+          <a:xfrm>
+            <a:off x="3062288" y="1795470"/>
+            <a:ext cx="3019425" cy="1847850"/>
+          </a:xfrm>
+          <a:prstGeom prst="rect">
+            <a:avLst/>
+          </a:prstGeom>
+          <a:noFill/>
+          <a:ln w="9525">
+            <a:noFill/>
+            <a:miter lim="800000"/>
+            <a:headEnd/>
+            <a:tailEnd/>
+          </a:ln>
+          <a:effectLst/>
+        </p:spPr>
+      </p:pic>
     </p:spTree>
   </p:cSld>
   <p:clrMapOvr>
@@ -5085,7 +5484,7 @@
 </p:sld>
 </file>
 
-<file path=ppt/slides/slide5.xml><?xml version="1.0" encoding="utf-8"?>
+<file path=ppt/slides/slide6.xml><?xml version="1.0" encoding="utf-8"?>
 <p:sld xmlns:a="http://schemas.openxmlformats.org/drawingml/2006/main" xmlns:r="http://schemas.openxmlformats.org/officeDocument/2006/relationships" xmlns:p="http://schemas.openxmlformats.org/presentationml/2006/main">
   <p:cSld>
     <p:bg>
@@ -5257,7 +5656,7 @@
         <p:spPr>
           <a:xfrm>
             <a:off x="1000100" y="1071553"/>
-            <a:ext cx="7215238" cy="3693319"/>
+            <a:ext cx="7215238" cy="5170646"/>
           </a:xfrm>
           <a:prstGeom prst="rect">
             <a:avLst/>
@@ -5275,6 +5674,36 @@
               <a:buChar char="•"/>
             </a:pPr>
             <a:r>
+              <a:rPr lang="en-US" sz="2000" b="1" dirty="0" smtClean="0">
+                <a:solidFill>
+                  <a:schemeClr val="bg1">
+                    <a:lumMod val="85000"/>
+                  </a:schemeClr>
+                </a:solidFill>
+              </a:rPr>
+              <a:t> </a:t>
+            </a:r>
+            <a:r>
+              <a:rPr lang="en-US" b="1" dirty="0">
+                <a:solidFill>
+                  <a:schemeClr val="bg1">
+                    <a:lumMod val="85000"/>
+                  </a:schemeClr>
+                </a:solidFill>
+              </a:rPr>
+              <a:t>How to Make the Perfect Fireworks Display: Two Strategies for </a:t>
+            </a:r>
+            <a:r>
+              <a:rPr lang="en-US" b="1" dirty="0" err="1">
+                <a:solidFill>
+                  <a:schemeClr val="bg1">
+                    <a:lumMod val="85000"/>
+                  </a:schemeClr>
+                </a:solidFill>
+              </a:rPr>
+              <a:t>Hanabi</a:t>
+            </a:r>
+            <a:r>
               <a:rPr lang="en-US" dirty="0" smtClean="0">
                 <a:solidFill>
                   <a:schemeClr val="bg1">
@@ -5282,7 +5711,113 @@
                   </a:schemeClr>
                 </a:solidFill>
               </a:rPr>
-              <a:t> Evolving Agents for the Hanabi 2018 CIG Competition</a:t>
+              <a:t> </a:t>
+            </a:r>
+            <a:r>
+              <a:rPr lang="en-US" u="sng" dirty="0" smtClean="0">
+                <a:solidFill>
+                  <a:schemeClr val="bg1">
+                    <a:lumMod val="85000"/>
+                  </a:schemeClr>
+                </a:solidFill>
+              </a:rPr>
+              <a:t>Writers:</a:t>
+            </a:r>
+            <a:r>
+              <a:rPr lang="en-US" dirty="0" smtClean="0">
+                <a:solidFill>
+                  <a:schemeClr val="bg1">
+                    <a:lumMod val="85000"/>
+                  </a:schemeClr>
+                </a:solidFill>
+              </a:rPr>
+              <a:t> Cox, De Silva, </a:t>
+            </a:r>
+            <a:r>
+              <a:rPr lang="en-US" dirty="0" err="1" smtClean="0">
+                <a:solidFill>
+                  <a:schemeClr val="bg1">
+                    <a:lumMod val="85000"/>
+                  </a:schemeClr>
+                </a:solidFill>
+              </a:rPr>
+              <a:t>Deorsey</a:t>
+            </a:r>
+            <a:r>
+              <a:rPr lang="en-US" dirty="0" smtClean="0">
+                <a:solidFill>
+                  <a:schemeClr val="bg1">
+                    <a:lumMod val="85000"/>
+                  </a:schemeClr>
+                </a:solidFill>
+              </a:rPr>
+              <a:t>, </a:t>
+            </a:r>
+            <a:r>
+              <a:rPr lang="en-US" dirty="0" err="1" smtClean="0">
+                <a:solidFill>
+                  <a:schemeClr val="bg1">
+                    <a:lumMod val="85000"/>
+                  </a:schemeClr>
+                </a:solidFill>
+              </a:rPr>
+              <a:t>Kenter</a:t>
+            </a:r>
+            <a:r>
+              <a:rPr lang="en-US" dirty="0" smtClean="0">
+                <a:solidFill>
+                  <a:schemeClr val="bg1">
+                    <a:lumMod val="85000"/>
+                  </a:schemeClr>
+                </a:solidFill>
+              </a:rPr>
+              <a:t>, </a:t>
+            </a:r>
+            <a:r>
+              <a:rPr lang="en-US" dirty="0" err="1" smtClean="0">
+                <a:solidFill>
+                  <a:schemeClr val="bg1">
+                    <a:lumMod val="85000"/>
+                  </a:schemeClr>
+                </a:solidFill>
+              </a:rPr>
+              <a:t>Retter</a:t>
+            </a:r>
+            <a:r>
+              <a:rPr lang="en-US" dirty="0" smtClean="0">
+                <a:solidFill>
+                  <a:schemeClr val="bg1">
+                    <a:lumMod val="85000"/>
+                  </a:schemeClr>
+                </a:solidFill>
+              </a:rPr>
+              <a:t>, Tobin.</a:t>
+            </a:r>
+          </a:p>
+          <a:p>
+            <a:pPr lvl="1" algn="l" rtl="0">
+              <a:buFont typeface="Arial" pitchFamily="34" charset="0"/>
+              <a:buChar char="•"/>
+            </a:pPr>
+            <a:r>
+              <a:rPr lang="en-US" u="sng" dirty="0" smtClean="0">
+                <a:solidFill>
+                  <a:schemeClr val="bg1">
+                    <a:lumMod val="85000"/>
+                  </a:schemeClr>
+                </a:solidFill>
+              </a:rPr>
+              <a:t> Published in:</a:t>
+            </a:r>
+            <a:r>
+              <a:rPr lang="en-US" dirty="0" smtClean="0">
+                <a:solidFill>
+                  <a:schemeClr val="bg1">
+                    <a:lumMod val="85000"/>
+                  </a:schemeClr>
+                </a:solidFill>
+              </a:rPr>
+              <a:t> Mathematics Magazine</a:t>
             </a:r>
           </a:p>
           <a:p>
@@ -5298,15 +5833,103 @@
                   </a:schemeClr>
                 </a:solidFill>
               </a:rPr>
-              <a:t> The parameters:</a:t>
-            </a:r>
-          </a:p>
-          <a:p>
-            <a:pPr algn="l" rtl="0">
+              <a:t> In this paper:</a:t>
+            </a:r>
+          </a:p>
+          <a:p>
+            <a:pPr lvl="1" algn="l" rtl="0">
               <a:buFont typeface="Arial" pitchFamily="34" charset="0"/>
               <a:buChar char="•"/>
             </a:pPr>
-            <a:endParaRPr lang="en-US" dirty="0" smtClean="0">
+            <a:r>
+              <a:rPr lang="en-US" dirty="0" smtClean="0">
+                <a:solidFill>
+                  <a:schemeClr val="bg1">
+                    <a:lumMod val="85000"/>
+                  </a:schemeClr>
+                </a:solidFill>
+              </a:rPr>
+              <a:t>A description of </a:t>
+            </a:r>
+            <a:r>
+              <a:rPr lang="en-US" dirty="0" err="1" smtClean="0">
+                <a:solidFill>
+                  <a:schemeClr val="bg1">
+                    <a:lumMod val="85000"/>
+                  </a:schemeClr>
+                </a:solidFill>
+              </a:rPr>
+              <a:t>Hanabi</a:t>
+            </a:r>
+            <a:r>
+              <a:rPr lang="en-US" dirty="0" smtClean="0">
+                <a:solidFill>
+                  <a:schemeClr val="bg1">
+                    <a:lumMod val="85000"/>
+                  </a:schemeClr>
+                </a:solidFill>
+              </a:rPr>
+              <a:t> strategies based on the mathematical “hat guessing game”.</a:t>
+            </a:r>
+          </a:p>
+          <a:p>
+            <a:pPr lvl="1" algn="l" rtl="0">
+              <a:buFont typeface="Arial" pitchFamily="34" charset="0"/>
+              <a:buChar char="•"/>
+            </a:pPr>
+            <a:r>
+              <a:rPr lang="en-US" sz="2000" dirty="0" smtClean="0">
+                <a:solidFill>
+                  <a:schemeClr val="bg1">
+                    <a:lumMod val="85000"/>
+                  </a:schemeClr>
+                </a:solidFill>
+              </a:rPr>
+              <a:t>In the first strategy players can recommend moves for other players (as part of a strategy).</a:t>
+            </a:r>
+          </a:p>
+          <a:p>
+            <a:pPr lvl="1" algn="l" rtl="0">
+              <a:buFont typeface="Arial" pitchFamily="34" charset="0"/>
+              <a:buChar char="•"/>
+            </a:pPr>
+            <a:r>
+              <a:rPr lang="en-US" sz="2000" dirty="0" smtClean="0">
+                <a:solidFill>
+                  <a:schemeClr val="bg1">
+                    <a:lumMod val="85000"/>
+                  </a:schemeClr>
+                </a:solidFill>
+              </a:rPr>
+              <a:t>The second strategy allows the player to determine the content of his hand.</a:t>
+            </a:r>
+          </a:p>
+          <a:p>
+            <a:pPr lvl="1" algn="l" rtl="0">
+              <a:buFont typeface="Arial" pitchFamily="34" charset="0"/>
+              <a:buChar char="•"/>
+            </a:pPr>
+            <a:r>
+              <a:rPr lang="en-US" sz="2000" dirty="0" smtClean="0">
+                <a:solidFill>
+                  <a:schemeClr val="bg1">
+                    <a:lumMod val="85000"/>
+                  </a:schemeClr>
+                </a:solidFill>
+              </a:rPr>
+              <a:t>Strategies are based on </a:t>
+            </a:r>
+            <a:r>
+              <a:rPr lang="en-US" sz="2000" smtClean="0">
+                <a:solidFill>
+                  <a:schemeClr val="bg1">
+                    <a:lumMod val="85000"/>
+                  </a:schemeClr>
+                </a:solidFill>
+              </a:rPr>
+              <a:t>network coding.</a:t>
+            </a:r>
+            <a:endParaRPr lang="en-US" sz="2000" dirty="0" smtClean="0">
               <a:solidFill>
                 <a:schemeClr val="bg1">
                   <a:lumMod val="85000"/>
@@ -5315,8 +5938,11 @@
             </a:endParaRPr>
           </a:p>
           <a:p>
-            <a:pPr lvl="1" algn="l" rtl="0"/>
-            <a:endParaRPr lang="en-US" dirty="0" smtClean="0">
+            <a:pPr lvl="1" algn="l" rtl="0">
+              <a:buFont typeface="Arial" pitchFamily="34" charset="0"/>
+              <a:buChar char="•"/>
+            </a:pPr>
+            <a:endParaRPr lang="en-US" sz="2000" dirty="0" smtClean="0">
               <a:solidFill>
                 <a:schemeClr val="bg1">
                   <a:lumMod val="85000"/>
@@ -5326,7 +5952,7 @@
           </a:p>
           <a:p>
             <a:pPr lvl="1" algn="l" rtl="0"/>
-            <a:endParaRPr lang="en-US" dirty="0" smtClean="0">
+            <a:endParaRPr lang="en-US" sz="2000" dirty="0" smtClean="0">
               <a:solidFill>
                 <a:schemeClr val="bg1">
                   <a:lumMod val="85000"/>
@@ -5336,7 +5962,7 @@
           </a:p>
           <a:p>
             <a:pPr lvl="1" algn="l" rtl="0"/>
-            <a:endParaRPr lang="en-US" dirty="0" smtClean="0">
+            <a:endParaRPr lang="en-US" sz="2000" dirty="0" smtClean="0">
               <a:solidFill>
                 <a:schemeClr val="bg1">
                   <a:lumMod val="85000"/>
@@ -5346,7 +5972,7 @@
           </a:p>
           <a:p>
             <a:pPr lvl="1" algn="l" rtl="0"/>
-            <a:endParaRPr lang="en-US" dirty="0" smtClean="0">
+            <a:endParaRPr lang="en-US" sz="2000" dirty="0" smtClean="0">
               <a:solidFill>
                 <a:schemeClr val="bg1">
                   <a:lumMod val="85000"/>
@@ -5355,11 +5981,8 @@
             </a:endParaRPr>
           </a:p>
           <a:p>
-            <a:pPr lvl="1" algn="l" rtl="0">
-              <a:buFont typeface="Arial" pitchFamily="34" charset="0"/>
-              <a:buChar char="•"/>
-            </a:pPr>
-            <a:endParaRPr lang="en-US" dirty="0" smtClean="0">
+            <a:pPr lvl="1" algn="l" rtl="0"/>
+            <a:endParaRPr lang="en-US" sz="2000" dirty="0" smtClean="0">
               <a:solidFill>
                 <a:schemeClr val="bg1">
                   <a:lumMod val="85000"/>
@@ -5368,11 +5991,11 @@
             </a:endParaRPr>
           </a:p>
           <a:p>
-            <a:pPr algn="l" rtl="0">
+            <a:pPr lvl="1" algn="l" rtl="0">
               <a:buFont typeface="Arial" pitchFamily="34" charset="0"/>
               <a:buChar char="•"/>
             </a:pPr>
-            <a:endParaRPr lang="en-US" dirty="0" smtClean="0">
+            <a:endParaRPr lang="en-US" sz="2000" b="1" dirty="0" smtClean="0">
               <a:solidFill>
                 <a:schemeClr val="bg1">
                   <a:lumMod val="85000"/>
@@ -5380,120 +6003,14 @@
               </a:solidFill>
             </a:endParaRPr>
           </a:p>
-          <a:p>
-            <a:pPr algn="l" rtl="0"/>
-            <a:r>
-              <a:rPr lang="en-US" dirty="0" smtClean="0">
-                <a:solidFill>
-                  <a:schemeClr val="bg1">
-                    <a:lumMod val="85000"/>
-                  </a:schemeClr>
-                </a:solidFill>
-              </a:rPr>
-              <a:t> </a:t>
-            </a:r>
-            <a:endParaRPr lang="he-IL" dirty="0" smtClean="0">
-              <a:solidFill>
-                <a:schemeClr val="bg1">
-                  <a:lumMod val="85000"/>
-                </a:schemeClr>
-              </a:solidFill>
-            </a:endParaRPr>
-          </a:p>
-          <a:p>
-            <a:pPr algn="l" rtl="0">
-              <a:buFont typeface="Arial" pitchFamily="34" charset="0"/>
-              <a:buChar char="•"/>
-            </a:pPr>
-            <a:r>
-              <a:rPr lang="en-US" dirty="0" smtClean="0">
-                <a:solidFill>
-                  <a:schemeClr val="bg1">
-                    <a:lumMod val="85000"/>
-                  </a:schemeClr>
-                </a:solidFill>
-              </a:rPr>
-              <a:t>The average score of this agent:</a:t>
-            </a:r>
-          </a:p>
-          <a:p>
-            <a:pPr lvl="1" algn="l" rtl="0">
-              <a:buFont typeface="Arial" pitchFamily="34" charset="0"/>
-              <a:buChar char="•"/>
-            </a:pPr>
-            <a:r>
-              <a:rPr lang="he-IL" dirty="0" smtClean="0">
-                <a:solidFill>
-                  <a:schemeClr val="bg1">
-                    <a:lumMod val="85000"/>
-                  </a:schemeClr>
-                </a:solidFill>
-              </a:rPr>
-              <a:t> </a:t>
-            </a:r>
-            <a:r>
-              <a:rPr lang="en-US" dirty="0" smtClean="0">
-                <a:solidFill>
-                  <a:schemeClr val="bg1">
-                    <a:lumMod val="85000"/>
-                  </a:schemeClr>
-                </a:solidFill>
-              </a:rPr>
-              <a:t>mirror game: 19.32</a:t>
-            </a:r>
-          </a:p>
-          <a:p>
-            <a:pPr lvl="1" algn="l" rtl="0">
-              <a:buFont typeface="Arial" pitchFamily="34" charset="0"/>
-              <a:buChar char="•"/>
-            </a:pPr>
-            <a:r>
-              <a:rPr lang="en-US" dirty="0" smtClean="0">
-                <a:solidFill>
-                  <a:schemeClr val="bg1">
-                    <a:lumMod val="85000"/>
-                  </a:schemeClr>
-                </a:solidFill>
-              </a:rPr>
-              <a:t> mixed agents: 11.65</a:t>
-            </a:r>
-          </a:p>
-        </p:txBody>
-      </p:sp>
-      <p:pic>
-        <p:nvPicPr>
-          <p:cNvPr id="1026" name="Picture 2"/>
-          <p:cNvPicPr>
-            <a:picLocks noChangeAspect="1" noChangeArrowheads="1"/>
-          </p:cNvPicPr>
-          <p:nvPr/>
-        </p:nvPicPr>
-        <p:blipFill>
-          <a:blip r:embed="rId4"/>
-          <a:srcRect/>
-          <a:stretch>
-            <a:fillRect/>
-          </a:stretch>
-        </p:blipFill>
-        <p:spPr bwMode="auto">
-          <a:xfrm>
-            <a:off x="3062288" y="1795470"/>
-            <a:ext cx="3019425" cy="1847850"/>
-          </a:xfrm>
-          <a:prstGeom prst="rect">
-            <a:avLst/>
-          </a:prstGeom>
-          <a:noFill/>
-          <a:ln w="9525">
-            <a:noFill/>
-            <a:miter lim="800000"/>
-            <a:headEnd/>
-            <a:tailEnd/>
-          </a:ln>
-          <a:effectLst/>
-        </p:spPr>
-      </p:pic>
+        </p:txBody>
+      </p:sp>
     </p:spTree>
+    <p:extLst>
+      <p:ext uri="{BB962C8B-B14F-4D97-AF65-F5344CB8AC3E}">
+        <p14:creationId xmlns:p14="http://schemas.microsoft.com/office/powerpoint/2010/main" xmlns="" val="990349614"/>
+      </p:ext>
+    </p:extLst>
   </p:cSld>
   <p:clrMapOvr>
     <a:masterClrMapping/>
@@ -5508,7 +6025,7 @@
 </p:sld>
 </file>
 
-<file path=ppt/slides/slide6.xml><?xml version="1.0" encoding="utf-8"?>
+<file path=ppt/slides/slide7.xml><?xml version="1.0" encoding="utf-8"?>
 <p:sld xmlns:a="http://schemas.openxmlformats.org/drawingml/2006/main" xmlns:r="http://schemas.openxmlformats.org/officeDocument/2006/relationships" xmlns:p="http://schemas.openxmlformats.org/presentationml/2006/main">
   <p:cSld>
     <p:bg>
@@ -5550,6 +6067,7 @@
           </a:bodyPr>
           <a:lstStyle/>
           <a:p>
+            <a:pPr rtl="0"/>
             <a:r>
               <a:rPr lang="en-US" dirty="0" smtClean="0">
                 <a:solidFill>
@@ -5560,7 +6078,7 @@
                 <a:latin typeface="Arial" pitchFamily="34" charset="0"/>
                 <a:cs typeface="Arial" pitchFamily="34" charset="0"/>
               </a:rPr>
-              <a:t>PREVIOUS WORKS</a:t>
+              <a:t>OUR GOAL</a:t>
             </a:r>
             <a:endParaRPr lang="he-IL" dirty="0">
               <a:solidFill>
@@ -5680,7 +6198,7 @@
         <p:spPr>
           <a:xfrm>
             <a:off x="1000100" y="1071553"/>
-            <a:ext cx="7215238" cy="5170646"/>
+            <a:ext cx="7215238" cy="1631216"/>
           </a:xfrm>
           <a:prstGeom prst="rect">
             <a:avLst/>
@@ -5698,185 +6216,35 @@
               <a:buChar char="•"/>
             </a:pPr>
             <a:r>
-              <a:rPr lang="en-US" sz="2000" b="1" dirty="0" smtClean="0">
-                <a:solidFill>
-                  <a:schemeClr val="bg1">
-                    <a:lumMod val="85000"/>
-                  </a:schemeClr>
-                </a:solidFill>
-              </a:rPr>
-              <a:t> </a:t>
-            </a:r>
-            <a:r>
-              <a:rPr lang="en-US" b="1" dirty="0">
-                <a:solidFill>
-                  <a:schemeClr val="bg1">
-                    <a:lumMod val="85000"/>
-                  </a:schemeClr>
-                </a:solidFill>
-              </a:rPr>
-              <a:t>How to Make the Perfect Fireworks Display: Two Strategies for </a:t>
-            </a:r>
-            <a:r>
-              <a:rPr lang="en-US" b="1" dirty="0" err="1">
-                <a:solidFill>
-                  <a:schemeClr val="bg1">
-                    <a:lumMod val="85000"/>
-                  </a:schemeClr>
-                </a:solidFill>
-              </a:rPr>
-              <a:t>Hanabi</a:t>
-            </a:r>
-            <a:r>
-              <a:rPr lang="en-US" dirty="0" smtClean="0">
-                <a:solidFill>
-                  <a:schemeClr val="bg1">
-                    <a:lumMod val="85000"/>
-                  </a:schemeClr>
-                </a:solidFill>
-              </a:rPr>
-              <a:t> </a:t>
-            </a:r>
-            <a:r>
-              <a:rPr lang="en-US" u="sng" dirty="0" smtClean="0">
-                <a:solidFill>
-                  <a:schemeClr val="bg1">
-                    <a:lumMod val="85000"/>
-                  </a:schemeClr>
-                </a:solidFill>
-              </a:rPr>
-              <a:t>Writers:</a:t>
-            </a:r>
-            <a:r>
-              <a:rPr lang="en-US" dirty="0" smtClean="0">
-                <a:solidFill>
-                  <a:schemeClr val="bg1">
-                    <a:lumMod val="85000"/>
-                  </a:schemeClr>
-                </a:solidFill>
-              </a:rPr>
-              <a:t> </a:t>
-            </a:r>
-            <a:r>
-              <a:rPr lang="en-US" dirty="0" smtClean="0">
-                <a:solidFill>
-                  <a:schemeClr val="bg1">
-                    <a:lumMod val="85000"/>
-                  </a:schemeClr>
-                </a:solidFill>
-              </a:rPr>
-              <a:t>Cox, De Silva, </a:t>
-            </a:r>
-            <a:r>
-              <a:rPr lang="en-US" dirty="0" err="1" smtClean="0">
-                <a:solidFill>
-                  <a:schemeClr val="bg1">
-                    <a:lumMod val="85000"/>
-                  </a:schemeClr>
-                </a:solidFill>
-              </a:rPr>
-              <a:t>Deorsey</a:t>
-            </a:r>
-            <a:r>
-              <a:rPr lang="en-US" dirty="0" smtClean="0">
-                <a:solidFill>
-                  <a:schemeClr val="bg1">
-                    <a:lumMod val="85000"/>
-                  </a:schemeClr>
-                </a:solidFill>
-              </a:rPr>
-              <a:t>, </a:t>
-            </a:r>
-            <a:r>
-              <a:rPr lang="en-US" dirty="0" err="1" smtClean="0">
-                <a:solidFill>
-                  <a:schemeClr val="bg1">
-                    <a:lumMod val="85000"/>
-                  </a:schemeClr>
-                </a:solidFill>
-              </a:rPr>
-              <a:t>Kenter</a:t>
-            </a:r>
-            <a:r>
-              <a:rPr lang="en-US" dirty="0" smtClean="0">
-                <a:solidFill>
-                  <a:schemeClr val="bg1">
-                    <a:lumMod val="85000"/>
-                  </a:schemeClr>
-                </a:solidFill>
-              </a:rPr>
-              <a:t>, </a:t>
-            </a:r>
-            <a:r>
-              <a:rPr lang="en-US" dirty="0" err="1" smtClean="0">
-                <a:solidFill>
-                  <a:schemeClr val="bg1">
-                    <a:lumMod val="85000"/>
-                  </a:schemeClr>
-                </a:solidFill>
-              </a:rPr>
-              <a:t>Retter</a:t>
-            </a:r>
-            <a:r>
-              <a:rPr lang="en-US" dirty="0" smtClean="0">
-                <a:solidFill>
-                  <a:schemeClr val="bg1">
-                    <a:lumMod val="85000"/>
-                  </a:schemeClr>
-                </a:solidFill>
-              </a:rPr>
-              <a:t>, Tobin.</a:t>
-            </a:r>
-            <a:endParaRPr lang="en-US" dirty="0" smtClean="0">
-              <a:solidFill>
-                <a:schemeClr val="bg1">
-                  <a:lumMod val="85000"/>
-                </a:schemeClr>
-              </a:solidFill>
-            </a:endParaRPr>
-          </a:p>
-          <a:p>
-            <a:pPr lvl="1" algn="l" rtl="0">
-              <a:buFont typeface="Arial" pitchFamily="34" charset="0"/>
-              <a:buChar char="•"/>
-            </a:pPr>
-            <a:r>
-              <a:rPr lang="en-US" u="sng" dirty="0" smtClean="0">
-                <a:solidFill>
-                  <a:schemeClr val="bg1">
-                    <a:lumMod val="85000"/>
-                  </a:schemeClr>
-                </a:solidFill>
-              </a:rPr>
-              <a:t> Published in:</a:t>
-            </a:r>
-            <a:r>
-              <a:rPr lang="en-US" dirty="0" smtClean="0">
-                <a:solidFill>
-                  <a:schemeClr val="bg1">
-                    <a:lumMod val="85000"/>
-                  </a:schemeClr>
-                </a:solidFill>
-              </a:rPr>
-              <a:t> </a:t>
-            </a:r>
-            <a:r>
-              <a:rPr lang="en-US" dirty="0" smtClean="0">
-                <a:solidFill>
-                  <a:schemeClr val="bg1">
-                    <a:lumMod val="85000"/>
-                  </a:schemeClr>
-                </a:solidFill>
-              </a:rPr>
-              <a:t>Mathematics Magazine</a:t>
-            </a:r>
-            <a:endParaRPr lang="en-US" dirty="0" smtClean="0">
-              <a:solidFill>
-                <a:schemeClr val="bg1">
-                  <a:lumMod val="85000"/>
-                </a:schemeClr>
-              </a:solidFill>
-            </a:endParaRPr>
+              <a:rPr lang="en-US" sz="2000" dirty="0" smtClean="0">
+                <a:solidFill>
+                  <a:schemeClr val="bg1">
+                    <a:lumMod val="85000"/>
+                  </a:schemeClr>
+                </a:solidFill>
+              </a:rPr>
+              <a:t>Develop an agent using genetic programming algorithm that can play th</a:t>
+            </a:r>
+            <a:r>
+              <a:rPr lang="en-US" sz="2000" dirty="0" smtClean="0">
+                <a:solidFill>
+                  <a:schemeClr val="bg1">
+                    <a:lumMod val="85000"/>
+                  </a:schemeClr>
+                </a:solidFill>
+              </a:rPr>
+              <a:t>e </a:t>
+            </a:r>
+            <a:r>
+              <a:rPr lang="en-US" sz="2000" dirty="0" smtClean="0">
+                <a:solidFill>
+                  <a:schemeClr val="bg1">
+                    <a:lumMod val="85000"/>
+                  </a:schemeClr>
+                </a:solidFill>
+              </a:rPr>
+              <a:t>Hanabi game. </a:t>
+            </a:r>
           </a:p>
           <a:p>
             <a:pPr algn="l" rtl="0">
@@ -5884,68 +6252,6 @@
               <a:buChar char="•"/>
             </a:pPr>
             <a:r>
-              <a:rPr lang="en-US" dirty="0" smtClean="0">
-                <a:solidFill>
-                  <a:schemeClr val="bg1">
-                    <a:lumMod val="85000"/>
-                  </a:schemeClr>
-                </a:solidFill>
-              </a:rPr>
-              <a:t> In this paper:</a:t>
-            </a:r>
-          </a:p>
-          <a:p>
-            <a:pPr lvl="1" algn="l" rtl="0">
-              <a:buFont typeface="Arial" pitchFamily="34" charset="0"/>
-              <a:buChar char="•"/>
-            </a:pPr>
-            <a:r>
-              <a:rPr lang="en-US" dirty="0" smtClean="0">
-                <a:solidFill>
-                  <a:schemeClr val="bg1">
-                    <a:lumMod val="85000"/>
-                  </a:schemeClr>
-                </a:solidFill>
-              </a:rPr>
-              <a:t>A description of </a:t>
-            </a:r>
-            <a:r>
-              <a:rPr lang="en-US" dirty="0" err="1" smtClean="0">
-                <a:solidFill>
-                  <a:schemeClr val="bg1">
-                    <a:lumMod val="85000"/>
-                  </a:schemeClr>
-                </a:solidFill>
-              </a:rPr>
-              <a:t>Hanabi</a:t>
-            </a:r>
-            <a:r>
-              <a:rPr lang="en-US" dirty="0" smtClean="0">
-                <a:solidFill>
-                  <a:schemeClr val="bg1">
-                    <a:lumMod val="85000"/>
-                  </a:schemeClr>
-                </a:solidFill>
-              </a:rPr>
-              <a:t> strategies based </a:t>
-            </a:r>
-            <a:r>
-              <a:rPr lang="en-US" dirty="0" smtClean="0">
-                <a:solidFill>
-                  <a:schemeClr val="bg1">
-                    <a:lumMod val="85000"/>
-                  </a:schemeClr>
-                </a:solidFill>
-              </a:rPr>
-              <a:t>on the mathematical “hat guessing game”.</a:t>
-            </a:r>
-          </a:p>
-          <a:p>
-            <a:pPr lvl="1" algn="l" rtl="0">
-              <a:buFont typeface="Arial" pitchFamily="34" charset="0"/>
-              <a:buChar char="•"/>
-            </a:pPr>
-            <a:r>
               <a:rPr lang="en-US" sz="2000" dirty="0" smtClean="0">
                 <a:solidFill>
                   <a:schemeClr val="bg1">
@@ -5953,14 +6259,8 @@
                   </a:schemeClr>
                 </a:solidFill>
               </a:rPr>
-              <a:t>In the first strategy players can recommend moves for other players (as part of a strategy).</a:t>
-            </a:r>
-          </a:p>
-          <a:p>
-            <a:pPr lvl="1" algn="l" rtl="0">
-              <a:buFont typeface="Arial" pitchFamily="34" charset="0"/>
-              <a:buChar char="•"/>
-            </a:pPr>
+              <a:t> </a:t>
+            </a:r>
             <a:r>
               <a:rPr lang="en-US" sz="2000" dirty="0" smtClean="0">
                 <a:solidFill>
@@ -5969,33 +6269,7 @@
                   </a:schemeClr>
                 </a:solidFill>
               </a:rPr>
-              <a:t>The second strategy allows the player to determine the content of his hand.</a:t>
-            </a:r>
-          </a:p>
-          <a:p>
-            <a:pPr lvl="1" algn="l" rtl="0">
-              <a:buFont typeface="Arial" pitchFamily="34" charset="0"/>
-              <a:buChar char="•"/>
-            </a:pPr>
-            <a:r>
-              <a:rPr lang="en-US" sz="2000" dirty="0" smtClean="0">
-                <a:solidFill>
-                  <a:schemeClr val="bg1">
-                    <a:lumMod val="85000"/>
-                  </a:schemeClr>
-                </a:solidFill>
-              </a:rPr>
-              <a:t>Strategies are based on </a:t>
-            </a:r>
-            <a:r>
-              <a:rPr lang="en-US" sz="2000" smtClean="0">
-                <a:solidFill>
-                  <a:schemeClr val="bg1">
-                    <a:lumMod val="85000"/>
-                  </a:schemeClr>
-                </a:solidFill>
-              </a:rPr>
-              <a:t>network coding.</a:t>
+              <a:t>The model gets the game state: desk cards,  discarded cards, players hands, info tokens, etc… the output is the next action the player should take.</a:t>
             </a:r>
             <a:endParaRPr lang="en-US" sz="2000" dirty="0" smtClean="0">
               <a:solidFill>
@@ -6005,78 +6279,12 @@
               </a:solidFill>
             </a:endParaRPr>
           </a:p>
-          <a:p>
-            <a:pPr lvl="1" algn="l" rtl="0">
-              <a:buFont typeface="Arial" pitchFamily="34" charset="0"/>
-              <a:buChar char="•"/>
-            </a:pPr>
-            <a:endParaRPr lang="en-US" sz="2000" dirty="0" smtClean="0">
-              <a:solidFill>
-                <a:schemeClr val="bg1">
-                  <a:lumMod val="85000"/>
-                </a:schemeClr>
-              </a:solidFill>
-            </a:endParaRPr>
-          </a:p>
-          <a:p>
-            <a:pPr lvl="1" algn="l" rtl="0"/>
-            <a:endParaRPr lang="en-US" sz="2000" dirty="0" smtClean="0">
-              <a:solidFill>
-                <a:schemeClr val="bg1">
-                  <a:lumMod val="85000"/>
-                </a:schemeClr>
-              </a:solidFill>
-            </a:endParaRPr>
-          </a:p>
-          <a:p>
-            <a:pPr lvl="1" algn="l" rtl="0"/>
-            <a:endParaRPr lang="en-US" sz="2000" dirty="0" smtClean="0">
-              <a:solidFill>
-                <a:schemeClr val="bg1">
-                  <a:lumMod val="85000"/>
-                </a:schemeClr>
-              </a:solidFill>
-            </a:endParaRPr>
-          </a:p>
-          <a:p>
-            <a:pPr lvl="1" algn="l" rtl="0"/>
-            <a:endParaRPr lang="en-US" sz="2000" dirty="0" smtClean="0">
-              <a:solidFill>
-                <a:schemeClr val="bg1">
-                  <a:lumMod val="85000"/>
-                </a:schemeClr>
-              </a:solidFill>
-            </a:endParaRPr>
-          </a:p>
-          <a:p>
-            <a:pPr lvl="1" algn="l" rtl="0"/>
-            <a:endParaRPr lang="en-US" sz="2000" dirty="0" smtClean="0">
-              <a:solidFill>
-                <a:schemeClr val="bg1">
-                  <a:lumMod val="85000"/>
-                </a:schemeClr>
-              </a:solidFill>
-            </a:endParaRPr>
-          </a:p>
-          <a:p>
-            <a:pPr lvl="1" algn="l" rtl="0">
-              <a:buFont typeface="Arial" pitchFamily="34" charset="0"/>
-              <a:buChar char="•"/>
-            </a:pPr>
-            <a:endParaRPr lang="en-US" sz="2000" b="1" dirty="0" smtClean="0">
-              <a:solidFill>
-                <a:schemeClr val="bg1">
-                  <a:lumMod val="85000"/>
-                </a:schemeClr>
-              </a:solidFill>
-            </a:endParaRPr>
-          </a:p>
         </p:txBody>
       </p:sp>
     </p:spTree>
     <p:extLst>
       <p:ext uri="{BB962C8B-B14F-4D97-AF65-F5344CB8AC3E}">
-        <p14:creationId xmlns:p14="http://schemas.microsoft.com/office/powerpoint/2010/main" val="990349614"/>
+        <p14:creationId xmlns:p14="http://schemas.microsoft.com/office/powerpoint/2010/main" xmlns="" val="990349614"/>
       </p:ext>
     </p:extLst>
   </p:cSld>
@@ -6093,7 +6301,7 @@
 </p:sld>
 </file>
 
-<file path=ppt/slides/slide7.xml><?xml version="1.0" encoding="utf-8"?>
+<file path=ppt/slides/slide8.xml><?xml version="1.0" encoding="utf-8"?>
 <p:sld xmlns:a="http://schemas.openxmlformats.org/drawingml/2006/main" xmlns:r="http://schemas.openxmlformats.org/officeDocument/2006/relationships" xmlns:p="http://schemas.openxmlformats.org/presentationml/2006/main">
   <p:cSld>
     <p:bg>
@@ -6145,19 +6353,7 @@
                 <a:latin typeface="Arial" pitchFamily="34" charset="0"/>
                 <a:cs typeface="Arial" pitchFamily="34" charset="0"/>
               </a:rPr>
-              <a:t>F</a:t>
-            </a:r>
-            <a:r>
-              <a:rPr lang="en-US" dirty="0" smtClean="0">
-                <a:solidFill>
-                  <a:schemeClr val="bg1">
-                    <a:lumMod val="85000"/>
-                  </a:schemeClr>
-                </a:solidFill>
-                <a:latin typeface="Arial" pitchFamily="34" charset="0"/>
-                <a:cs typeface="Arial" pitchFamily="34" charset="0"/>
-              </a:rPr>
-              <a:t>itness function</a:t>
+              <a:t>FITNESS FUNCTION</a:t>
             </a:r>
             <a:endParaRPr lang="he-IL" dirty="0">
               <a:solidFill>
@@ -6295,7 +6491,7 @@
               <a:buChar char="•"/>
             </a:pPr>
             <a:r>
-              <a:rPr lang="en-US" sz="2000" b="1" dirty="0" smtClean="0">
+              <a:rPr lang="en-US" sz="2000" dirty="0" smtClean="0">
                 <a:solidFill>
                   <a:schemeClr val="bg1">
                     <a:lumMod val="85000"/>
@@ -6305,7 +6501,7 @@
               <a:t> </a:t>
             </a:r>
             <a:r>
-              <a:rPr lang="en-US" b="1" dirty="0" smtClean="0">
+              <a:rPr lang="en-US" dirty="0" smtClean="0">
                 <a:solidFill>
                   <a:schemeClr val="bg1">
                     <a:lumMod val="85000"/>
@@ -6386,7 +6582,7 @@
               <a:buFont typeface="Arial" pitchFamily="34" charset="0"/>
               <a:buChar char="•"/>
             </a:pPr>
-            <a:endParaRPr lang="en-US" sz="2000" b="1" dirty="0" smtClean="0">
+            <a:endParaRPr lang="en-US" sz="2000" dirty="0" smtClean="0">
               <a:solidFill>
                 <a:schemeClr val="bg1">
                   <a:lumMod val="85000"/>
@@ -6399,7 +6595,7 @@
     </p:spTree>
     <p:extLst>
       <p:ext uri="{BB962C8B-B14F-4D97-AF65-F5344CB8AC3E}">
-        <p14:creationId xmlns:p14="http://schemas.microsoft.com/office/powerpoint/2010/main" val="3625635007"/>
+        <p14:creationId xmlns:p14="http://schemas.microsoft.com/office/powerpoint/2010/main" xmlns="" val="3625635007"/>
       </p:ext>
     </p:extLst>
   </p:cSld>

--- a/hanabi (1).pptx
+++ b/hanabi (1).pptx
@@ -5,17 +5,18 @@
     <p:sldMasterId id="2147483696" r:id="rId1"/>
   </p:sldMasterIdLst>
   <p:notesMasterIdLst>
-    <p:notesMasterId r:id="rId10"/>
+    <p:notesMasterId r:id="rId11"/>
   </p:notesMasterIdLst>
   <p:sldIdLst>
     <p:sldId id="256" r:id="rId2"/>
     <p:sldId id="257" r:id="rId3"/>
     <p:sldId id="259" r:id="rId4"/>
-    <p:sldId id="260" r:id="rId5"/>
-    <p:sldId id="261" r:id="rId6"/>
-    <p:sldId id="262" r:id="rId7"/>
-    <p:sldId id="264" r:id="rId8"/>
-    <p:sldId id="263" r:id="rId9"/>
+    <p:sldId id="265" r:id="rId5"/>
+    <p:sldId id="260" r:id="rId6"/>
+    <p:sldId id="261" r:id="rId7"/>
+    <p:sldId id="262" r:id="rId8"/>
+    <p:sldId id="264" r:id="rId9"/>
+    <p:sldId id="263" r:id="rId10"/>
   </p:sldIdLst>
   <p:sldSz cx="9144000" cy="5143500" type="screen16x9"/>
   <p:notesSz cx="6858000" cy="9144000"/>
@@ -116,7 +117,7 @@
   </p:defaultTextStyle>
   <p:extLst>
     <p:ext uri="{EFAFB233-063F-42B5-8137-9DF3F51BA10A}">
-      <p15:sldGuideLst xmlns:p15="http://schemas.microsoft.com/office/powerpoint/2012/main" xmlns="">
+      <p15:sldGuideLst xmlns:p15="http://schemas.microsoft.com/office/powerpoint/2012/main">
         <p15:guide id="1" orient="horz" pos="1620">
           <p15:clr>
             <a:srgbClr val="A4A3A4"/>
@@ -130,7 +131,7 @@
       </p15:sldGuideLst>
     </p:ext>
     <p:ext uri="{2D200454-40CA-4A62-9FC3-DE9A4176ACB9}">
-      <p15:notesGuideLst xmlns:p15="http://schemas.microsoft.com/office/powerpoint/2012/main" xmlns="">
+      <p15:notesGuideLst xmlns:p15="http://schemas.microsoft.com/office/powerpoint/2012/main">
         <p15:guide id="1" orient="horz" pos="2880">
           <p15:clr>
             <a:srgbClr val="A4A3A4"/>
@@ -230,7 +231,7 @@
             <a:fld id="{555AB46F-D0DD-4299-A227-5787DFAC4E78}" type="datetimeFigureOut">
               <a:rPr lang="he-IL" smtClean="0"/>
               <a:pPr/>
-              <a:t>כ"ד/טבת/תשע"ט</a:t>
+              <a:t>כ"ו/טבת/תשע"ט</a:t>
             </a:fld>
             <a:endParaRPr lang="he-IL"/>
           </a:p>
@@ -646,7 +647,7 @@
             <a:fld id="{FA9F4918-BB4A-4548-A893-97BC975CF3BD}" type="slidenum">
               <a:rPr lang="he-IL" smtClean="0"/>
               <a:pPr/>
-              <a:t>4</a:t>
+              <a:t>5</a:t>
             </a:fld>
             <a:endParaRPr lang="he-IL"/>
           </a:p>
@@ -842,7 +843,7 @@
             <a:fld id="{0BAAA6C0-FC25-41E4-8636-655D3F15062E}" type="datetimeFigureOut">
               <a:rPr lang="he-IL" smtClean="0"/>
               <a:pPr/>
-              <a:t>כ"ד/טבת/תשע"ט</a:t>
+              <a:t>כ"ו/טבת/תשע"ט</a:t>
             </a:fld>
             <a:endParaRPr lang="he-IL"/>
           </a:p>
@@ -1009,7 +1010,7 @@
             <a:fld id="{0BAAA6C0-FC25-41E4-8636-655D3F15062E}" type="datetimeFigureOut">
               <a:rPr lang="he-IL" smtClean="0"/>
               <a:pPr/>
-              <a:t>כ"ד/טבת/תשע"ט</a:t>
+              <a:t>כ"ו/טבת/תשע"ט</a:t>
             </a:fld>
             <a:endParaRPr lang="he-IL"/>
           </a:p>
@@ -1186,7 +1187,7 @@
             <a:fld id="{0BAAA6C0-FC25-41E4-8636-655D3F15062E}" type="datetimeFigureOut">
               <a:rPr lang="he-IL" smtClean="0"/>
               <a:pPr/>
-              <a:t>כ"ד/טבת/תשע"ט</a:t>
+              <a:t>כ"ו/טבת/תשע"ט</a:t>
             </a:fld>
             <a:endParaRPr lang="he-IL"/>
           </a:p>
@@ -1353,7 +1354,7 @@
             <a:fld id="{0BAAA6C0-FC25-41E4-8636-655D3F15062E}" type="datetimeFigureOut">
               <a:rPr lang="he-IL" smtClean="0"/>
               <a:pPr/>
-              <a:t>כ"ד/טבת/תשע"ט</a:t>
+              <a:t>כ"ו/טבת/תשע"ט</a:t>
             </a:fld>
             <a:endParaRPr lang="he-IL"/>
           </a:p>
@@ -1596,7 +1597,7 @@
             <a:fld id="{0BAAA6C0-FC25-41E4-8636-655D3F15062E}" type="datetimeFigureOut">
               <a:rPr lang="he-IL" smtClean="0"/>
               <a:pPr/>
-              <a:t>כ"ד/טבת/תשע"ט</a:t>
+              <a:t>כ"ו/טבת/תשע"ט</a:t>
             </a:fld>
             <a:endParaRPr lang="he-IL"/>
           </a:p>
@@ -1881,7 +1882,7 @@
             <a:fld id="{0BAAA6C0-FC25-41E4-8636-655D3F15062E}" type="datetimeFigureOut">
               <a:rPr lang="he-IL" smtClean="0"/>
               <a:pPr/>
-              <a:t>כ"ד/טבת/תשע"ט</a:t>
+              <a:t>כ"ו/טבת/תשע"ט</a:t>
             </a:fld>
             <a:endParaRPr lang="he-IL"/>
           </a:p>
@@ -2305,7 +2306,7 @@
             <a:fld id="{0BAAA6C0-FC25-41E4-8636-655D3F15062E}" type="datetimeFigureOut">
               <a:rPr lang="he-IL" smtClean="0"/>
               <a:pPr/>
-              <a:t>כ"ד/טבת/תשע"ט</a:t>
+              <a:t>כ"ו/טבת/תשע"ט</a:t>
             </a:fld>
             <a:endParaRPr lang="he-IL"/>
           </a:p>
@@ -2420,7 +2421,7 @@
             <a:fld id="{0BAAA6C0-FC25-41E4-8636-655D3F15062E}" type="datetimeFigureOut">
               <a:rPr lang="he-IL" smtClean="0"/>
               <a:pPr/>
-              <a:t>כ"ד/טבת/תשע"ט</a:t>
+              <a:t>כ"ו/טבת/תשע"ט</a:t>
             </a:fld>
             <a:endParaRPr lang="he-IL"/>
           </a:p>
@@ -2512,7 +2513,7 @@
             <a:fld id="{0BAAA6C0-FC25-41E4-8636-655D3F15062E}" type="datetimeFigureOut">
               <a:rPr lang="he-IL" smtClean="0"/>
               <a:pPr/>
-              <a:t>כ"ד/טבת/תשע"ט</a:t>
+              <a:t>כ"ו/טבת/תשע"ט</a:t>
             </a:fld>
             <a:endParaRPr lang="he-IL"/>
           </a:p>
@@ -2786,7 +2787,7 @@
             <a:fld id="{0BAAA6C0-FC25-41E4-8636-655D3F15062E}" type="datetimeFigureOut">
               <a:rPr lang="he-IL" smtClean="0"/>
               <a:pPr/>
-              <a:t>כ"ד/טבת/תשע"ט</a:t>
+              <a:t>כ"ו/טבת/תשע"ט</a:t>
             </a:fld>
             <a:endParaRPr lang="he-IL"/>
           </a:p>
@@ -3036,7 +3037,7 @@
             <a:fld id="{0BAAA6C0-FC25-41E4-8636-655D3F15062E}" type="datetimeFigureOut">
               <a:rPr lang="he-IL" smtClean="0"/>
               <a:pPr/>
-              <a:t>כ"ד/טבת/תשע"ט</a:t>
+              <a:t>כ"ו/טבת/תשע"ט</a:t>
             </a:fld>
             <a:endParaRPr lang="he-IL"/>
           </a:p>
@@ -3246,7 +3247,7 @@
             <a:fld id="{0BAAA6C0-FC25-41E4-8636-655D3F15062E}" type="datetimeFigureOut">
               <a:rPr lang="he-IL" smtClean="0"/>
               <a:pPr/>
-              <a:t>כ"ד/טבת/תשע"ט</a:t>
+              <a:t>כ"ו/טבת/תשע"ט</a:t>
             </a:fld>
             <a:endParaRPr lang="he-IL"/>
           </a:p>
@@ -4575,6 +4576,453 @@
           </p:nvPr>
         </p:nvPicPr>
         <p:blipFill>
+          <a:blip r:embed="rId2" cstate="print"/>
+          <a:stretch>
+            <a:fillRect/>
+          </a:stretch>
+        </p:blipFill>
+        <p:spPr>
+          <a:xfrm>
+            <a:off x="7358082" y="-17"/>
+            <a:ext cx="1785950" cy="1181176"/>
+          </a:xfrm>
+        </p:spPr>
+      </p:pic>
+      <p:pic>
+        <p:nvPicPr>
+          <p:cNvPr id="12" name="מציין מיקום תוכן 9" descr="fireworkbig-1.jpg"/>
+          <p:cNvPicPr>
+            <a:picLocks noChangeAspect="1"/>
+          </p:cNvPicPr>
+          <p:nvPr/>
+        </p:nvPicPr>
+        <p:blipFill>
+          <a:blip r:embed="rId2" cstate="print"/>
+          <a:stretch>
+            <a:fillRect/>
+          </a:stretch>
+        </p:blipFill>
+        <p:spPr>
+          <a:xfrm>
+            <a:off x="-32" y="-18"/>
+            <a:ext cx="1785950" cy="1181176"/>
+          </a:xfrm>
+          <a:prstGeom prst="rect">
+            <a:avLst/>
+          </a:prstGeom>
+        </p:spPr>
+      </p:pic>
+      <p:pic>
+        <p:nvPicPr>
+          <p:cNvPr id="14" name="תמונה 13" descr="images (4).jpg"/>
+          <p:cNvPicPr>
+            <a:picLocks noChangeAspect="1"/>
+          </p:cNvPicPr>
+          <p:nvPr/>
+        </p:nvPicPr>
+        <p:blipFill>
+          <a:blip r:embed="rId3"/>
+          <a:srcRect l="20199" r="17715"/>
+          <a:stretch>
+            <a:fillRect/>
+          </a:stretch>
+        </p:blipFill>
+        <p:spPr>
+          <a:xfrm>
+            <a:off x="8143900" y="1142990"/>
+            <a:ext cx="1000132" cy="890778"/>
+          </a:xfrm>
+          <a:prstGeom prst="rect">
+            <a:avLst/>
+          </a:prstGeom>
+        </p:spPr>
+      </p:pic>
+      <p:pic>
+        <p:nvPicPr>
+          <p:cNvPr id="15" name="תמונה 14" descr="images (4).jpg"/>
+          <p:cNvPicPr>
+            <a:picLocks noChangeAspect="1"/>
+          </p:cNvPicPr>
+          <p:nvPr/>
+        </p:nvPicPr>
+        <p:blipFill>
+          <a:blip r:embed="rId3"/>
+          <a:srcRect l="20199" r="17715"/>
+          <a:stretch>
+            <a:fillRect/>
+          </a:stretch>
+        </p:blipFill>
+        <p:spPr>
+          <a:xfrm>
+            <a:off x="-32" y="1071552"/>
+            <a:ext cx="1000132" cy="890778"/>
+          </a:xfrm>
+          <a:prstGeom prst="rect">
+            <a:avLst/>
+          </a:prstGeom>
+        </p:spPr>
+      </p:pic>
+      <p:sp>
+        <p:nvSpPr>
+          <p:cNvPr id="7" name="TextBox 6"/>
+          <p:cNvSpPr txBox="1"/>
+          <p:nvPr/>
+        </p:nvSpPr>
+        <p:spPr>
+          <a:xfrm>
+            <a:off x="1000100" y="1071553"/>
+            <a:ext cx="7215238" cy="3293209"/>
+          </a:xfrm>
+          <a:prstGeom prst="rect">
+            <a:avLst/>
+          </a:prstGeom>
+          <a:noFill/>
+        </p:spPr>
+        <p:txBody>
+          <a:bodyPr wrap="square" rtlCol="1">
+            <a:spAutoFit/>
+          </a:bodyPr>
+          <a:lstStyle/>
+          <a:p>
+            <a:pPr algn="l" rtl="0">
+              <a:buFont typeface="Arial" pitchFamily="34" charset="0"/>
+              <a:buChar char="•"/>
+            </a:pPr>
+            <a:r>
+              <a:rPr lang="en-US" sz="2000" b="1" dirty="0" smtClean="0">
+                <a:solidFill>
+                  <a:schemeClr val="bg1">
+                    <a:lumMod val="85000"/>
+                  </a:schemeClr>
+                </a:solidFill>
+              </a:rPr>
+              <a:t>Firstly, The </a:t>
+            </a:r>
+            <a:r>
+              <a:rPr lang="en-US" sz="2000" b="1" dirty="0" err="1" smtClean="0">
+                <a:solidFill>
+                  <a:schemeClr val="bg1">
+                    <a:lumMod val="85000"/>
+                  </a:schemeClr>
+                </a:solidFill>
+              </a:rPr>
+              <a:t>hanabi</a:t>
+            </a:r>
+            <a:r>
+              <a:rPr lang="en-US" sz="2000" b="1" dirty="0" smtClean="0">
+                <a:solidFill>
+                  <a:schemeClr val="bg1">
+                    <a:lumMod val="85000"/>
+                  </a:schemeClr>
+                </a:solidFill>
+              </a:rPr>
+              <a:t> game </a:t>
+            </a:r>
+            <a:r>
+              <a:rPr lang="en-US" sz="2000" b="1" dirty="0" smtClean="0">
+                <a:solidFill>
+                  <a:schemeClr val="bg1">
+                    <a:lumMod val="85000"/>
+                  </a:schemeClr>
+                </a:solidFill>
+              </a:rPr>
+              <a:t>was proven</a:t>
+            </a:r>
+            <a:r>
+              <a:rPr lang="en-US" sz="2000" b="1" dirty="0" smtClean="0">
+                <a:solidFill>
+                  <a:schemeClr val="bg1">
+                    <a:lumMod val="85000"/>
+                  </a:schemeClr>
+                </a:solidFill>
+              </a:rPr>
+              <a:t> to be NP-complete (even for cheaters who look at their cards)**.</a:t>
+            </a:r>
+          </a:p>
+          <a:p>
+            <a:pPr algn="l" rtl="0">
+              <a:buFont typeface="Arial" pitchFamily="34" charset="0"/>
+              <a:buChar char="•"/>
+            </a:pPr>
+            <a:endParaRPr lang="en-US" sz="2000" b="1" dirty="0" smtClean="0">
+              <a:solidFill>
+                <a:schemeClr val="bg1">
+                  <a:lumMod val="85000"/>
+                </a:schemeClr>
+              </a:solidFill>
+            </a:endParaRPr>
+          </a:p>
+          <a:p>
+            <a:pPr algn="l" rtl="0"/>
+            <a:endParaRPr lang="en-US" sz="2000" b="1" dirty="0" smtClean="0">
+              <a:solidFill>
+                <a:schemeClr val="bg1">
+                  <a:lumMod val="85000"/>
+                </a:schemeClr>
+              </a:solidFill>
+            </a:endParaRPr>
+          </a:p>
+          <a:p>
+            <a:pPr algn="l" rtl="0">
+              <a:buFont typeface="Arial" pitchFamily="34" charset="0"/>
+              <a:buChar char="•"/>
+            </a:pPr>
+            <a:endParaRPr lang="en-US" sz="2000" dirty="0" smtClean="0">
+              <a:solidFill>
+                <a:schemeClr val="bg1">
+                  <a:lumMod val="85000"/>
+                </a:schemeClr>
+              </a:solidFill>
+            </a:endParaRPr>
+          </a:p>
+          <a:p>
+            <a:pPr lvl="1" algn="l" rtl="0">
+              <a:buFont typeface="Arial" pitchFamily="34" charset="0"/>
+              <a:buChar char="•"/>
+            </a:pPr>
+            <a:endParaRPr lang="en-US" sz="2000" dirty="0" smtClean="0">
+              <a:solidFill>
+                <a:schemeClr val="bg1">
+                  <a:lumMod val="85000"/>
+                </a:schemeClr>
+              </a:solidFill>
+            </a:endParaRPr>
+          </a:p>
+          <a:p>
+            <a:pPr lvl="1" algn="l" rtl="0"/>
+            <a:endParaRPr lang="en-US" sz="2000" dirty="0" smtClean="0">
+              <a:solidFill>
+                <a:schemeClr val="bg1">
+                  <a:lumMod val="85000"/>
+                </a:schemeClr>
+              </a:solidFill>
+            </a:endParaRPr>
+          </a:p>
+          <a:p>
+            <a:pPr lvl="1" algn="l" rtl="0"/>
+            <a:endParaRPr lang="en-US" sz="2000" dirty="0" smtClean="0">
+              <a:solidFill>
+                <a:schemeClr val="bg1">
+                  <a:lumMod val="85000"/>
+                </a:schemeClr>
+              </a:solidFill>
+            </a:endParaRPr>
+          </a:p>
+          <a:p>
+            <a:pPr lvl="1" algn="l" rtl="0"/>
+            <a:endParaRPr lang="en-US" sz="2000" dirty="0" smtClean="0">
+              <a:solidFill>
+                <a:schemeClr val="bg1">
+                  <a:lumMod val="85000"/>
+                </a:schemeClr>
+              </a:solidFill>
+            </a:endParaRPr>
+          </a:p>
+          <a:p>
+            <a:pPr lvl="1" algn="l" rtl="0"/>
+            <a:endParaRPr lang="en-US" sz="2000" dirty="0" smtClean="0">
+              <a:solidFill>
+                <a:schemeClr val="bg1">
+                  <a:lumMod val="85000"/>
+                </a:schemeClr>
+              </a:solidFill>
+            </a:endParaRPr>
+          </a:p>
+          <a:p>
+            <a:pPr algn="l" rtl="0"/>
+            <a:r>
+              <a:rPr lang="en-US" sz="800" dirty="0" smtClean="0">
+                <a:solidFill>
+                  <a:schemeClr val="bg1"/>
+                </a:solidFill>
+              </a:rPr>
+              <a:t>**</a:t>
+            </a:r>
+            <a:r>
+              <a:rPr lang="en-US" sz="800" dirty="0" err="1" smtClean="0">
+                <a:solidFill>
+                  <a:schemeClr val="bg1"/>
+                </a:solidFill>
+              </a:rPr>
+              <a:t>Baffier</a:t>
+            </a:r>
+            <a:r>
+              <a:rPr lang="en-US" sz="800" dirty="0">
+                <a:solidFill>
+                  <a:schemeClr val="bg1"/>
+                </a:solidFill>
+              </a:rPr>
+              <a:t>, J. F., Chiu, M. K., </a:t>
+            </a:r>
+            <a:r>
+              <a:rPr lang="en-US" sz="800" dirty="0" err="1">
+                <a:solidFill>
+                  <a:schemeClr val="bg1"/>
+                </a:solidFill>
+              </a:rPr>
+              <a:t>Diez</a:t>
+            </a:r>
+            <a:r>
+              <a:rPr lang="en-US" sz="800" dirty="0">
+                <a:solidFill>
+                  <a:schemeClr val="bg1"/>
+                </a:solidFill>
+              </a:rPr>
+              <a:t>, Y., </a:t>
+            </a:r>
+            <a:r>
+              <a:rPr lang="en-US" sz="800" dirty="0" err="1">
+                <a:solidFill>
+                  <a:schemeClr val="bg1"/>
+                </a:solidFill>
+              </a:rPr>
+              <a:t>Korman</a:t>
+            </a:r>
+            <a:r>
+              <a:rPr lang="en-US" sz="800" dirty="0">
+                <a:solidFill>
+                  <a:schemeClr val="bg1"/>
+                </a:solidFill>
+              </a:rPr>
+              <a:t>, M., &amp; </a:t>
+            </a:r>
+            <a:r>
+              <a:rPr lang="en-US" sz="800" dirty="0" err="1">
+                <a:solidFill>
+                  <a:schemeClr val="bg1"/>
+                </a:solidFill>
+              </a:rPr>
+              <a:t>Mitsou</a:t>
+            </a:r>
+            <a:r>
+              <a:rPr lang="en-US" sz="800" dirty="0">
+                <a:solidFill>
+                  <a:schemeClr val="bg1"/>
+                </a:solidFill>
+              </a:rPr>
+              <a:t>, V. (2016). </a:t>
+            </a:r>
+            <a:r>
+              <a:rPr lang="en-US" sz="800" dirty="0" err="1">
+                <a:solidFill>
+                  <a:schemeClr val="bg1"/>
+                </a:solidFill>
+              </a:rPr>
+              <a:t>Hanabi</a:t>
+            </a:r>
+            <a:r>
+              <a:rPr lang="en-US" sz="800" dirty="0">
+                <a:solidFill>
+                  <a:schemeClr val="bg1"/>
+                </a:solidFill>
+              </a:rPr>
+              <a:t> is NP-complete, even for cheaters who look at their cards.‏</a:t>
+            </a:r>
+            <a:endParaRPr lang="en-US" sz="800" b="1" dirty="0" smtClean="0">
+              <a:solidFill>
+                <a:schemeClr val="bg1"/>
+              </a:solidFill>
+            </a:endParaRPr>
+          </a:p>
+        </p:txBody>
+      </p:sp>
+    </p:spTree>
+    <p:extLst>
+      <p:ext uri="{BB962C8B-B14F-4D97-AF65-F5344CB8AC3E}">
+        <p14:creationId xmlns:p14="http://schemas.microsoft.com/office/powerpoint/2010/main" val="3579436414"/>
+      </p:ext>
+    </p:extLst>
+  </p:cSld>
+  <p:clrMapOvr>
+    <a:masterClrMapping/>
+  </p:clrMapOvr>
+  <p:timing>
+    <p:tnLst>
+      <p:par>
+        <p:cTn id="1" dur="indefinite" restart="never" nodeType="tmRoot"/>
+      </p:par>
+    </p:tnLst>
+  </p:timing>
+</p:sld>
+</file>
+
+<file path=ppt/slides/slide5.xml><?xml version="1.0" encoding="utf-8"?>
+<p:sld xmlns:a="http://schemas.openxmlformats.org/drawingml/2006/main" xmlns:r="http://schemas.openxmlformats.org/officeDocument/2006/relationships" xmlns:p="http://schemas.openxmlformats.org/presentationml/2006/main">
+  <p:cSld>
+    <p:bg>
+      <p:bgPr>
+        <a:solidFill>
+          <a:schemeClr val="tx1"/>
+        </a:solidFill>
+        <a:effectLst/>
+      </p:bgPr>
+    </p:bg>
+    <p:spTree>
+      <p:nvGrpSpPr>
+        <p:cNvPr id="1" name=""/>
+        <p:cNvGrpSpPr/>
+        <p:nvPr/>
+      </p:nvGrpSpPr>
+      <p:grpSpPr>
+        <a:xfrm>
+          <a:off x="0" y="0"/>
+          <a:ext cx="0" cy="0"/>
+          <a:chOff x="0" y="0"/>
+          <a:chExt cx="0" cy="0"/>
+        </a:xfrm>
+      </p:grpSpPr>
+      <p:sp>
+        <p:nvSpPr>
+          <p:cNvPr id="2" name="כותרת 1"/>
+          <p:cNvSpPr>
+            <a:spLocks noGrp="1"/>
+          </p:cNvSpPr>
+          <p:nvPr>
+            <p:ph type="title"/>
+          </p:nvPr>
+        </p:nvSpPr>
+        <p:spPr/>
+        <p:txBody>
+          <a:bodyPr>
+            <a:noAutofit/>
+          </a:bodyPr>
+          <a:lstStyle/>
+          <a:p>
+            <a:r>
+              <a:rPr lang="en-US" dirty="0" smtClean="0">
+                <a:solidFill>
+                  <a:schemeClr val="bg1">
+                    <a:lumMod val="85000"/>
+                  </a:schemeClr>
+                </a:solidFill>
+                <a:latin typeface="Arial" pitchFamily="34" charset="0"/>
+                <a:cs typeface="Arial" pitchFamily="34" charset="0"/>
+              </a:rPr>
+              <a:t>PREVIOUS WORKS</a:t>
+            </a:r>
+            <a:endParaRPr lang="he-IL" dirty="0">
+              <a:solidFill>
+                <a:schemeClr val="bg1">
+                  <a:lumMod val="85000"/>
+                </a:schemeClr>
+              </a:solidFill>
+              <a:latin typeface="Arial" pitchFamily="34" charset="0"/>
+              <a:cs typeface="Arial" pitchFamily="34" charset="0"/>
+            </a:endParaRPr>
+          </a:p>
+        </p:txBody>
+      </p:sp>
+      <p:pic>
+        <p:nvPicPr>
+          <p:cNvPr id="10" name="מציין מיקום תוכן 9" descr="fireworkbig-1.jpg"/>
+          <p:cNvPicPr>
+            <a:picLocks noGrp="1" noChangeAspect="1"/>
+          </p:cNvPicPr>
+          <p:nvPr>
+            <p:ph idx="1"/>
+          </p:nvPr>
+        </p:nvPicPr>
+        <p:blipFill>
           <a:blip r:embed="rId3" cstate="print"/>
           <a:stretch>
             <a:fillRect/>
@@ -4670,7 +5118,7 @@
         <p:spPr>
           <a:xfrm>
             <a:off x="1000100" y="1071553"/>
-            <a:ext cx="7215238" cy="5293757"/>
+            <a:ext cx="7215238" cy="5601533"/>
           </a:xfrm>
           <a:prstGeom prst="rect">
             <a:avLst/>
@@ -4705,8 +5153,25 @@
                   </a:schemeClr>
                 </a:solidFill>
               </a:rPr>
-              <a:t>Evolving Agents for the Hanabi 2018 CIG Competition</a:t>
-            </a:r>
+              <a:t>Evolving Agents for the Hanabi 2018 CIG </a:t>
+            </a:r>
+            <a:r>
+              <a:rPr lang="en-US" b="1" dirty="0" smtClean="0">
+                <a:solidFill>
+                  <a:schemeClr val="bg1">
+                    <a:lumMod val="85000"/>
+                  </a:schemeClr>
+                </a:solidFill>
+              </a:rPr>
+              <a:t>Competition**</a:t>
+            </a:r>
+            <a:endParaRPr lang="en-US" b="1" dirty="0" smtClean="0">
+              <a:solidFill>
+                <a:schemeClr val="bg1">
+                  <a:lumMod val="85000"/>
+                </a:schemeClr>
+              </a:solidFill>
+            </a:endParaRPr>
           </a:p>
           <a:p>
             <a:pPr lvl="1" algn="l" rtl="0">
@@ -4721,209 +5186,17 @@
                   </a:schemeClr>
                 </a:solidFill>
               </a:rPr>
-              <a:t> </a:t>
-            </a:r>
-            <a:r>
-              <a:rPr lang="en-US" u="sng" dirty="0" smtClean="0">
+              <a:t>In </a:t>
+            </a:r>
+            <a:r>
+              <a:rPr lang="en-US" dirty="0" smtClean="0">
                 <a:solidFill>
                   <a:schemeClr val="bg1">
                     <a:lumMod val="85000"/>
                   </a:schemeClr>
                 </a:solidFill>
               </a:rPr>
-              <a:t>Writers:</a:t>
-            </a:r>
-            <a:r>
-              <a:rPr lang="en-US" dirty="0" smtClean="0">
-                <a:solidFill>
-                  <a:schemeClr val="bg1">
-                    <a:lumMod val="85000"/>
-                  </a:schemeClr>
-                </a:solidFill>
-              </a:rPr>
-              <a:t> Canaan, Rodrigo, </a:t>
-            </a:r>
-            <a:r>
-              <a:rPr lang="en-US" dirty="0" err="1" smtClean="0">
-                <a:solidFill>
-                  <a:schemeClr val="bg1">
-                    <a:lumMod val="85000"/>
-                  </a:schemeClr>
-                </a:solidFill>
-              </a:rPr>
-              <a:t>Shen</a:t>
-            </a:r>
-            <a:r>
-              <a:rPr lang="en-US" dirty="0" smtClean="0">
-                <a:solidFill>
-                  <a:schemeClr val="bg1">
-                    <a:lumMod val="85000"/>
-                  </a:schemeClr>
-                </a:solidFill>
-              </a:rPr>
-              <a:t>, </a:t>
-            </a:r>
-            <a:r>
-              <a:rPr lang="en-US" dirty="0" err="1" smtClean="0">
-                <a:solidFill>
-                  <a:schemeClr val="bg1">
-                    <a:lumMod val="85000"/>
-                  </a:schemeClr>
-                </a:solidFill>
-              </a:rPr>
-              <a:t>Haotian</a:t>
-            </a:r>
-            <a:r>
-              <a:rPr lang="en-US" dirty="0" smtClean="0">
-                <a:solidFill>
-                  <a:schemeClr val="bg1">
-                    <a:lumMod val="85000"/>
-                  </a:schemeClr>
-                </a:solidFill>
-              </a:rPr>
-              <a:t>, </a:t>
-            </a:r>
-            <a:r>
-              <a:rPr lang="en-US" dirty="0" err="1" smtClean="0">
-                <a:solidFill>
-                  <a:schemeClr val="bg1">
-                    <a:lumMod val="85000"/>
-                  </a:schemeClr>
-                </a:solidFill>
-              </a:rPr>
-              <a:t>Torrado</a:t>
-            </a:r>
-            <a:r>
-              <a:rPr lang="en-US" dirty="0" smtClean="0">
-                <a:solidFill>
-                  <a:schemeClr val="bg1">
-                    <a:lumMod val="85000"/>
-                  </a:schemeClr>
-                </a:solidFill>
-              </a:rPr>
-              <a:t>, Ruben, </a:t>
-            </a:r>
-            <a:r>
-              <a:rPr lang="en-US" dirty="0" err="1" smtClean="0">
-                <a:solidFill>
-                  <a:schemeClr val="bg1">
-                    <a:lumMod val="85000"/>
-                  </a:schemeClr>
-                </a:solidFill>
-              </a:rPr>
-              <a:t>Togelius</a:t>
-            </a:r>
-            <a:r>
-              <a:rPr lang="en-US" dirty="0" smtClean="0">
-                <a:solidFill>
-                  <a:schemeClr val="bg1">
-                    <a:lumMod val="85000"/>
-                  </a:schemeClr>
-                </a:solidFill>
-              </a:rPr>
-              <a:t>, Julian, </a:t>
-            </a:r>
-            <a:r>
-              <a:rPr lang="en-US" dirty="0" err="1" smtClean="0">
-                <a:solidFill>
-                  <a:schemeClr val="bg1">
-                    <a:lumMod val="85000"/>
-                  </a:schemeClr>
-                </a:solidFill>
-              </a:rPr>
-              <a:t>Nealen</a:t>
-            </a:r>
-            <a:r>
-              <a:rPr lang="en-US" dirty="0" smtClean="0">
-                <a:solidFill>
-                  <a:schemeClr val="bg1">
-                    <a:lumMod val="85000"/>
-                  </a:schemeClr>
-                </a:solidFill>
-              </a:rPr>
-              <a:t>, Andy, </a:t>
-            </a:r>
-            <a:r>
-              <a:rPr lang="en-US" dirty="0" err="1" smtClean="0">
-                <a:solidFill>
-                  <a:schemeClr val="bg1">
-                    <a:lumMod val="85000"/>
-                  </a:schemeClr>
-                </a:solidFill>
-              </a:rPr>
-              <a:t>Menzel</a:t>
-            </a:r>
-            <a:r>
-              <a:rPr lang="en-US" dirty="0" smtClean="0">
-                <a:solidFill>
-                  <a:schemeClr val="bg1">
-                    <a:lumMod val="85000"/>
-                  </a:schemeClr>
-                </a:solidFill>
-              </a:rPr>
-              <a:t>, Stefan</a:t>
-            </a:r>
-          </a:p>
-          <a:p>
-            <a:pPr lvl="1" algn="l" rtl="0">
-              <a:buFont typeface="Arial" pitchFamily="34" charset="0"/>
-              <a:buChar char="•"/>
-            </a:pPr>
-            <a:r>
-              <a:rPr lang="en-US" u="sng" dirty="0" smtClean="0">
-                <a:solidFill>
-                  <a:schemeClr val="bg1">
-                    <a:lumMod val="85000"/>
-                  </a:schemeClr>
-                </a:solidFill>
-              </a:rPr>
-              <a:t> Published in:</a:t>
-            </a:r>
-            <a:r>
-              <a:rPr lang="en-US" dirty="0" smtClean="0">
-                <a:solidFill>
-                  <a:schemeClr val="bg1">
-                    <a:lumMod val="85000"/>
-                  </a:schemeClr>
-                </a:solidFill>
-              </a:rPr>
-              <a:t> IEEE Conference on </a:t>
-            </a:r>
-            <a:r>
-              <a:rPr lang="en-US" dirty="0" err="1" smtClean="0">
-                <a:solidFill>
-                  <a:schemeClr val="bg1">
-                    <a:lumMod val="85000"/>
-                  </a:schemeClr>
-                </a:solidFill>
-              </a:rPr>
-              <a:t>Computatonal</a:t>
-            </a:r>
-            <a:r>
-              <a:rPr lang="en-US" dirty="0" smtClean="0">
-                <a:solidFill>
-                  <a:schemeClr val="bg1">
-                    <a:lumMod val="85000"/>
-                  </a:schemeClr>
-                </a:solidFill>
-              </a:rPr>
-              <a:t> Intelligence and Games, CIG</a:t>
-            </a:r>
-          </a:p>
-          <a:p>
-            <a:pPr algn="l" rtl="0">
-              <a:buFont typeface="Arial" pitchFamily="34" charset="0"/>
-              <a:buChar char="•"/>
-            </a:pPr>
-            <a:r>
-              <a:rPr lang="en-US" dirty="0" smtClean="0">
-                <a:solidFill>
-                  <a:schemeClr val="bg1">
-                    <a:lumMod val="85000"/>
-                  </a:schemeClr>
-                </a:solidFill>
-              </a:rPr>
-              <a:t> In this paper:</a:t>
+              <a:t>this paper:</a:t>
             </a:r>
           </a:p>
           <a:p>
@@ -4983,11 +5256,217 @@
           </a:p>
           <a:p>
             <a:pPr lvl="1" algn="l" rtl="0"/>
-            <a:endParaRPr lang="en-US" sz="2000" dirty="0" smtClean="0">
+            <a:endParaRPr lang="en-US" sz="800" dirty="0" smtClean="0">
               <a:solidFill>
-                <a:schemeClr val="bg1">
-                  <a:lumMod val="85000"/>
-                </a:schemeClr>
+                <a:schemeClr val="bg1"/>
+              </a:solidFill>
+            </a:endParaRPr>
+          </a:p>
+          <a:p>
+            <a:pPr lvl="1" algn="l" rtl="0"/>
+            <a:endParaRPr lang="en-US" sz="800" dirty="0">
+              <a:solidFill>
+                <a:schemeClr val="bg1"/>
+              </a:solidFill>
+            </a:endParaRPr>
+          </a:p>
+          <a:p>
+            <a:pPr lvl="1" algn="l" rtl="0"/>
+            <a:endParaRPr lang="en-US" sz="800" dirty="0" smtClean="0">
+              <a:solidFill>
+                <a:schemeClr val="bg1"/>
+              </a:solidFill>
+            </a:endParaRPr>
+          </a:p>
+          <a:p>
+            <a:pPr lvl="1" algn="l" rtl="0"/>
+            <a:endParaRPr lang="en-US" sz="800" dirty="0">
+              <a:solidFill>
+                <a:schemeClr val="bg1"/>
+              </a:solidFill>
+            </a:endParaRPr>
+          </a:p>
+          <a:p>
+            <a:pPr lvl="1" algn="l" rtl="0"/>
+            <a:endParaRPr lang="en-US" sz="800" dirty="0" smtClean="0">
+              <a:solidFill>
+                <a:schemeClr val="bg1"/>
+              </a:solidFill>
+            </a:endParaRPr>
+          </a:p>
+          <a:p>
+            <a:pPr lvl="1" algn="l" rtl="0"/>
+            <a:endParaRPr lang="en-US" sz="800" dirty="0">
+              <a:solidFill>
+                <a:schemeClr val="bg1"/>
+              </a:solidFill>
+            </a:endParaRPr>
+          </a:p>
+          <a:p>
+            <a:pPr lvl="1" algn="l" rtl="0"/>
+            <a:endParaRPr lang="en-US" sz="800" dirty="0" smtClean="0">
+              <a:solidFill>
+                <a:schemeClr val="bg1"/>
+              </a:solidFill>
+            </a:endParaRPr>
+          </a:p>
+          <a:p>
+            <a:pPr lvl="1" algn="l" rtl="0"/>
+            <a:endParaRPr lang="en-US" sz="800" dirty="0">
+              <a:solidFill>
+                <a:schemeClr val="bg1"/>
+              </a:solidFill>
+            </a:endParaRPr>
+          </a:p>
+          <a:p>
+            <a:pPr lvl="1" algn="l" rtl="0"/>
+            <a:endParaRPr lang="en-US" sz="800" dirty="0" smtClean="0">
+              <a:solidFill>
+                <a:schemeClr val="bg1"/>
+              </a:solidFill>
+            </a:endParaRPr>
+          </a:p>
+          <a:p>
+            <a:pPr lvl="1" algn="l" rtl="0"/>
+            <a:endParaRPr lang="en-US" sz="800" dirty="0">
+              <a:solidFill>
+                <a:schemeClr val="bg1"/>
+              </a:solidFill>
+            </a:endParaRPr>
+          </a:p>
+          <a:p>
+            <a:pPr lvl="1" algn="l" rtl="0"/>
+            <a:endParaRPr lang="en-US" sz="800" dirty="0" smtClean="0">
+              <a:solidFill>
+                <a:schemeClr val="bg1"/>
+              </a:solidFill>
+            </a:endParaRPr>
+          </a:p>
+          <a:p>
+            <a:pPr lvl="1" algn="l" rtl="0"/>
+            <a:endParaRPr lang="en-US" sz="800" dirty="0">
+              <a:solidFill>
+                <a:schemeClr val="bg1"/>
+              </a:solidFill>
+            </a:endParaRPr>
+          </a:p>
+          <a:p>
+            <a:pPr algn="l" rtl="0"/>
+            <a:r>
+              <a:rPr lang="en-US" sz="800" dirty="0" smtClean="0">
+                <a:solidFill>
+                  <a:schemeClr val="bg1"/>
+                </a:solidFill>
+              </a:rPr>
+              <a:t>**Canaan</a:t>
+            </a:r>
+            <a:r>
+              <a:rPr lang="en-US" sz="800" dirty="0">
+                <a:solidFill>
+                  <a:schemeClr val="bg1"/>
+                </a:solidFill>
+              </a:rPr>
+              <a:t>, R., Shen, H., </a:t>
+            </a:r>
+            <a:r>
+              <a:rPr lang="en-US" sz="800" dirty="0" err="1">
+                <a:solidFill>
+                  <a:schemeClr val="bg1"/>
+                </a:solidFill>
+              </a:rPr>
+              <a:t>Torrado</a:t>
+            </a:r>
+            <a:r>
+              <a:rPr lang="en-US" sz="800" dirty="0">
+                <a:solidFill>
+                  <a:schemeClr val="bg1"/>
+                </a:solidFill>
+              </a:rPr>
+              <a:t>, R., </a:t>
+            </a:r>
+            <a:r>
+              <a:rPr lang="en-US" sz="800" dirty="0" err="1">
+                <a:solidFill>
+                  <a:schemeClr val="bg1"/>
+                </a:solidFill>
+              </a:rPr>
+              <a:t>Togelius</a:t>
+            </a:r>
+            <a:r>
+              <a:rPr lang="en-US" sz="800" dirty="0">
+                <a:solidFill>
+                  <a:schemeClr val="bg1"/>
+                </a:solidFill>
+              </a:rPr>
+              <a:t>, J., </a:t>
+            </a:r>
+            <a:r>
+              <a:rPr lang="en-US" sz="800" dirty="0" err="1">
+                <a:solidFill>
+                  <a:schemeClr val="bg1"/>
+                </a:solidFill>
+              </a:rPr>
+              <a:t>Nealen</a:t>
+            </a:r>
+            <a:r>
+              <a:rPr lang="en-US" sz="800" dirty="0">
+                <a:solidFill>
+                  <a:schemeClr val="bg1"/>
+                </a:solidFill>
+              </a:rPr>
+              <a:t>, A., &amp; </a:t>
+            </a:r>
+            <a:r>
+              <a:rPr lang="en-US" sz="800" dirty="0" err="1">
+                <a:solidFill>
+                  <a:schemeClr val="bg1"/>
+                </a:solidFill>
+              </a:rPr>
+              <a:t>Menzel</a:t>
+            </a:r>
+            <a:r>
+              <a:rPr lang="en-US" sz="800" dirty="0">
+                <a:solidFill>
+                  <a:schemeClr val="bg1"/>
+                </a:solidFill>
+              </a:rPr>
+              <a:t>, S. (2018, August). Evolving Agents for the </a:t>
+            </a:r>
+            <a:r>
+              <a:rPr lang="en-US" sz="800" dirty="0" err="1">
+                <a:solidFill>
+                  <a:schemeClr val="bg1"/>
+                </a:solidFill>
+              </a:rPr>
+              <a:t>Hanabi</a:t>
+            </a:r>
+            <a:r>
+              <a:rPr lang="en-US" sz="800" dirty="0">
+                <a:solidFill>
+                  <a:schemeClr val="bg1"/>
+                </a:solidFill>
+              </a:rPr>
+              <a:t> 2018 CIG Competition. In </a:t>
+            </a:r>
+            <a:r>
+              <a:rPr lang="en-US" sz="800" i="1" dirty="0">
+                <a:solidFill>
+                  <a:schemeClr val="bg1"/>
+                </a:solidFill>
+              </a:rPr>
+              <a:t>2018 IEEE Conference on Computational Intelligence and Games (CIG)</a:t>
+            </a:r>
+            <a:r>
+              <a:rPr lang="en-US" sz="800" dirty="0">
+                <a:solidFill>
+                  <a:schemeClr val="bg1"/>
+                </a:solidFill>
+              </a:rPr>
+              <a:t> (pp. 1-8). IEEE.‏</a:t>
+            </a:r>
+            <a:endParaRPr lang="en-US" sz="800" dirty="0" smtClean="0">
+              <a:solidFill>
+                <a:schemeClr val="bg1"/>
               </a:solidFill>
             </a:endParaRPr>
           </a:p>
@@ -5061,7 +5540,7 @@
 </p:sld>
 </file>
 
-<file path=ppt/slides/slide5.xml><?xml version="1.0" encoding="utf-8"?>
+<file path=ppt/slides/slide6.xml><?xml version="1.0" encoding="utf-8"?>
 <p:sld xmlns:a="http://schemas.openxmlformats.org/drawingml/2006/main" xmlns:r="http://schemas.openxmlformats.org/officeDocument/2006/relationships" xmlns:p="http://schemas.openxmlformats.org/presentationml/2006/main">
   <p:cSld>
     <p:bg>
@@ -5484,7 +5963,7 @@
 </p:sld>
 </file>
 
-<file path=ppt/slides/slide6.xml><?xml version="1.0" encoding="utf-8"?>
+<file path=ppt/slides/slide7.xml><?xml version="1.0" encoding="utf-8"?>
 <p:sld xmlns:a="http://schemas.openxmlformats.org/drawingml/2006/main" xmlns:r="http://schemas.openxmlformats.org/officeDocument/2006/relationships" xmlns:p="http://schemas.openxmlformats.org/presentationml/2006/main">
   <p:cSld>
     <p:bg>
@@ -5656,7 +6135,7 @@
         <p:spPr>
           <a:xfrm>
             <a:off x="1000100" y="1071553"/>
-            <a:ext cx="7215238" cy="5170646"/>
+            <a:ext cx="7215238" cy="4832092"/>
           </a:xfrm>
           <a:prstGeom prst="rect">
             <a:avLst/>
@@ -5694,7 +6173,7 @@
               <a:t>How to Make the Perfect Fireworks Display: Two Strategies for </a:t>
             </a:r>
             <a:r>
-              <a:rPr lang="en-US" b="1" dirty="0" err="1">
+              <a:rPr lang="en-US" b="1" dirty="0" err="1" smtClean="0">
                 <a:solidFill>
                   <a:schemeClr val="bg1">
                     <a:lumMod val="85000"/>
@@ -5704,120 +6183,27 @@
               <a:t>Hanabi</a:t>
             </a:r>
             <a:r>
-              <a:rPr lang="en-US" dirty="0" smtClean="0">
+              <a:rPr lang="en-US" b="1" dirty="0" smtClean="0">
                 <a:solidFill>
                   <a:schemeClr val="bg1">
                     <a:lumMod val="85000"/>
                   </a:schemeClr>
                 </a:solidFill>
               </a:rPr>
-              <a:t> </a:t>
-            </a:r>
-            <a:r>
-              <a:rPr lang="en-US" u="sng" dirty="0" smtClean="0">
+              <a:t>**</a:t>
+            </a:r>
+          </a:p>
+          <a:p>
+            <a:pPr algn="l" rtl="0"/>
+            <a:r>
+              <a:rPr lang="en-US" dirty="0" smtClean="0">
                 <a:solidFill>
                   <a:schemeClr val="bg1">
                     <a:lumMod val="85000"/>
                   </a:schemeClr>
                 </a:solidFill>
               </a:rPr>
-              <a:t>Writers:</a:t>
-            </a:r>
-            <a:r>
-              <a:rPr lang="en-US" dirty="0" smtClean="0">
-                <a:solidFill>
-                  <a:schemeClr val="bg1">
-                    <a:lumMod val="85000"/>
-                  </a:schemeClr>
-                </a:solidFill>
-              </a:rPr>
-              <a:t> Cox, De Silva, </a:t>
-            </a:r>
-            <a:r>
-              <a:rPr lang="en-US" dirty="0" err="1" smtClean="0">
-                <a:solidFill>
-                  <a:schemeClr val="bg1">
-                    <a:lumMod val="85000"/>
-                  </a:schemeClr>
-                </a:solidFill>
-              </a:rPr>
-              <a:t>Deorsey</a:t>
-            </a:r>
-            <a:r>
-              <a:rPr lang="en-US" dirty="0" smtClean="0">
-                <a:solidFill>
-                  <a:schemeClr val="bg1">
-                    <a:lumMod val="85000"/>
-                  </a:schemeClr>
-                </a:solidFill>
-              </a:rPr>
-              <a:t>, </a:t>
-            </a:r>
-            <a:r>
-              <a:rPr lang="en-US" dirty="0" err="1" smtClean="0">
-                <a:solidFill>
-                  <a:schemeClr val="bg1">
-                    <a:lumMod val="85000"/>
-                  </a:schemeClr>
-                </a:solidFill>
-              </a:rPr>
-              <a:t>Kenter</a:t>
-            </a:r>
-            <a:r>
-              <a:rPr lang="en-US" dirty="0" smtClean="0">
-                <a:solidFill>
-                  <a:schemeClr val="bg1">
-                    <a:lumMod val="85000"/>
-                  </a:schemeClr>
-                </a:solidFill>
-              </a:rPr>
-              <a:t>, </a:t>
-            </a:r>
-            <a:r>
-              <a:rPr lang="en-US" dirty="0" err="1" smtClean="0">
-                <a:solidFill>
-                  <a:schemeClr val="bg1">
-                    <a:lumMod val="85000"/>
-                  </a:schemeClr>
-                </a:solidFill>
-              </a:rPr>
-              <a:t>Retter</a:t>
-            </a:r>
-            <a:r>
-              <a:rPr lang="en-US" dirty="0" smtClean="0">
-                <a:solidFill>
-                  <a:schemeClr val="bg1">
-                    <a:lumMod val="85000"/>
-                  </a:schemeClr>
-                </a:solidFill>
-              </a:rPr>
-              <a:t>, Tobin.</a:t>
-            </a:r>
-          </a:p>
-          <a:p>
-            <a:pPr lvl="1" algn="l" rtl="0">
-              <a:buFont typeface="Arial" pitchFamily="34" charset="0"/>
-              <a:buChar char="•"/>
-            </a:pPr>
-            <a:r>
-              <a:rPr lang="en-US" u="sng" dirty="0" smtClean="0">
-                <a:solidFill>
-                  <a:schemeClr val="bg1">
-                    <a:lumMod val="85000"/>
-                  </a:schemeClr>
-                </a:solidFill>
-              </a:rPr>
-              <a:t> Published in:</a:t>
-            </a:r>
-            <a:r>
-              <a:rPr lang="en-US" dirty="0" smtClean="0">
-                <a:solidFill>
-                  <a:schemeClr val="bg1">
-                    <a:lumMod val="85000"/>
-                  </a:schemeClr>
-                </a:solidFill>
-              </a:rPr>
-              <a:t> Mathematics Magazine</a:t>
+              <a:t> </a:t>
             </a:r>
           </a:p>
           <a:p>
@@ -5833,13 +6219,13 @@
                   </a:schemeClr>
                 </a:solidFill>
               </a:rPr>
-              <a:t> In this paper:</a:t>
-            </a:r>
-          </a:p>
-          <a:p>
-            <a:pPr lvl="1" algn="l" rtl="0">
-              <a:buFont typeface="Arial" pitchFamily="34" charset="0"/>
-              <a:buChar char="•"/>
+              <a:t>In this paper:</a:t>
+            </a:r>
+          </a:p>
+          <a:p>
+            <a:pPr marL="742950" lvl="1" indent="-285750" algn="l" rtl="0">
+              <a:buFont typeface="Wingdings" panose="05000000000000000000" pitchFamily="2" charset="2"/>
+              <a:buChar char="§"/>
             </a:pPr>
             <a:r>
               <a:rPr lang="en-US" dirty="0" smtClean="0">
@@ -5849,49 +6235,43 @@
                   </a:schemeClr>
                 </a:solidFill>
               </a:rPr>
-              <a:t>A description of </a:t>
-            </a:r>
-            <a:r>
-              <a:rPr lang="en-US" dirty="0" err="1" smtClean="0">
+              <a:t>A </a:t>
+            </a:r>
+            <a:r>
+              <a:rPr lang="en-US" dirty="0" smtClean="0">
                 <a:solidFill>
                   <a:schemeClr val="bg1">
                     <a:lumMod val="85000"/>
                   </a:schemeClr>
                 </a:solidFill>
               </a:rPr>
-              <a:t>Hanabi</a:t>
-            </a:r>
-            <a:r>
-              <a:rPr lang="en-US" dirty="0" smtClean="0">
+              <a:t>description of </a:t>
+            </a:r>
+            <a:r>
+              <a:rPr lang="en-US" dirty="0" err="1" smtClean="0">
                 <a:solidFill>
                   <a:schemeClr val="bg1">
                     <a:lumMod val="85000"/>
                   </a:schemeClr>
                 </a:solidFill>
               </a:rPr>
-              <a:t> strategies based on the mathematical “hat guessing game”.</a:t>
-            </a:r>
-          </a:p>
-          <a:p>
-            <a:pPr lvl="1" algn="l" rtl="0">
-              <a:buFont typeface="Arial" pitchFamily="34" charset="0"/>
-              <a:buChar char="•"/>
-            </a:pPr>
-            <a:r>
-              <a:rPr lang="en-US" sz="2000" dirty="0" smtClean="0">
+              <a:t>Hanabi</a:t>
+            </a:r>
+            <a:r>
+              <a:rPr lang="en-US" dirty="0" smtClean="0">
                 <a:solidFill>
                   <a:schemeClr val="bg1">
                     <a:lumMod val="85000"/>
                   </a:schemeClr>
                 </a:solidFill>
               </a:rPr>
-              <a:t>In the first strategy players can recommend moves for other players (as part of a strategy).</a:t>
-            </a:r>
-          </a:p>
-          <a:p>
-            <a:pPr lvl="1" algn="l" rtl="0">
-              <a:buFont typeface="Arial" pitchFamily="34" charset="0"/>
-              <a:buChar char="•"/>
+              <a:t> strategies based on the mathematical “hat guessing game”.</a:t>
+            </a:r>
+          </a:p>
+          <a:p>
+            <a:pPr marL="800100" lvl="1" indent="-342900" algn="l" rtl="0">
+              <a:buFont typeface="Wingdings" panose="05000000000000000000" pitchFamily="2" charset="2"/>
+              <a:buChar char="§"/>
             </a:pPr>
             <a:r>
               <a:rPr lang="en-US" sz="2000" dirty="0" smtClean="0">
@@ -5901,13 +6281,13 @@
                   </a:schemeClr>
                 </a:solidFill>
               </a:rPr>
-              <a:t>The second strategy allows the player to determine the content of his hand.</a:t>
-            </a:r>
-          </a:p>
-          <a:p>
-            <a:pPr lvl="1" algn="l" rtl="0">
-              <a:buFont typeface="Arial" pitchFamily="34" charset="0"/>
-              <a:buChar char="•"/>
+              <a:t>In the first strategy players can recommend moves for other players (as part of a strategy).</a:t>
+            </a:r>
+          </a:p>
+          <a:p>
+            <a:pPr marL="800100" lvl="1" indent="-342900" algn="l" rtl="0">
+              <a:buFont typeface="Wingdings" panose="05000000000000000000" pitchFamily="2" charset="2"/>
+              <a:buChar char="§"/>
             </a:pPr>
             <a:r>
               <a:rPr lang="en-US" sz="2000" dirty="0" smtClean="0">
@@ -5917,25 +6297,24 @@
                   </a:schemeClr>
                 </a:solidFill>
               </a:rPr>
-              <a:t>Strategies are based on </a:t>
-            </a:r>
-            <a:r>
-              <a:rPr lang="en-US" sz="2000" smtClean="0">
+              <a:t>The second strategy allows the player to determine the content of his hand.</a:t>
+            </a:r>
+          </a:p>
+          <a:p>
+            <a:pPr marL="800100" lvl="1" indent="-342900" algn="l" rtl="0">
+              <a:buFont typeface="Wingdings" panose="05000000000000000000" pitchFamily="2" charset="2"/>
+              <a:buChar char="§"/>
+            </a:pPr>
+            <a:r>
+              <a:rPr lang="en-US" sz="2000" dirty="0" smtClean="0">
                 <a:solidFill>
                   <a:schemeClr val="bg1">
                     <a:lumMod val="85000"/>
                   </a:schemeClr>
                 </a:solidFill>
               </a:rPr>
-              <a:t>network coding.</a:t>
-            </a:r>
-            <a:endParaRPr lang="en-US" sz="2000" dirty="0" smtClean="0">
-              <a:solidFill>
-                <a:schemeClr val="bg1">
-                  <a:lumMod val="85000"/>
-                </a:schemeClr>
-              </a:solidFill>
-            </a:endParaRPr>
+              <a:t>Strategies are based on network coding.</a:t>
+            </a:r>
           </a:p>
           <a:p>
             <a:pPr lvl="1" algn="l" rtl="0">
@@ -5951,12 +6330,122 @@
             </a:endParaRPr>
           </a:p>
           <a:p>
-            <a:pPr lvl="1" algn="l" rtl="0"/>
-            <a:endParaRPr lang="en-US" sz="2000" dirty="0" smtClean="0">
+            <a:pPr algn="l" rtl="0"/>
+            <a:r>
+              <a:rPr lang="en-US" sz="800" dirty="0" smtClean="0">
+                <a:solidFill>
+                  <a:schemeClr val="bg1"/>
+                </a:solidFill>
+              </a:rPr>
+              <a:t>**Cox</a:t>
+            </a:r>
+            <a:r>
+              <a:rPr lang="en-US" sz="800" dirty="0">
+                <a:solidFill>
+                  <a:schemeClr val="bg1"/>
+                </a:solidFill>
+              </a:rPr>
+              <a:t>, C., De Silva, J., </a:t>
+            </a:r>
+            <a:r>
+              <a:rPr lang="en-US" sz="800" dirty="0" err="1">
+                <a:solidFill>
+                  <a:schemeClr val="bg1"/>
+                </a:solidFill>
+              </a:rPr>
+              <a:t>Deorsey</a:t>
+            </a:r>
+            <a:r>
+              <a:rPr lang="en-US" sz="800" dirty="0">
+                <a:solidFill>
+                  <a:schemeClr val="bg1"/>
+                </a:solidFill>
+              </a:rPr>
+              <a:t>, P., </a:t>
+            </a:r>
+            <a:r>
+              <a:rPr lang="en-US" sz="800" dirty="0" err="1">
+                <a:solidFill>
+                  <a:schemeClr val="bg1"/>
+                </a:solidFill>
+              </a:rPr>
+              <a:t>Kenter</a:t>
+            </a:r>
+            <a:r>
+              <a:rPr lang="en-US" sz="800" dirty="0">
+                <a:solidFill>
+                  <a:schemeClr val="bg1"/>
+                </a:solidFill>
+              </a:rPr>
+              <a:t>, F. H., </a:t>
+            </a:r>
+            <a:r>
+              <a:rPr lang="en-US" sz="800" dirty="0" err="1">
+                <a:solidFill>
+                  <a:schemeClr val="bg1"/>
+                </a:solidFill>
+              </a:rPr>
+              <a:t>Retter</a:t>
+            </a:r>
+            <a:r>
+              <a:rPr lang="en-US" sz="800" dirty="0">
+                <a:solidFill>
+                  <a:schemeClr val="bg1"/>
+                </a:solidFill>
+              </a:rPr>
+              <a:t>, T., &amp; Tobin, J. (2015). How to make the perfect fireworks display: Two strategies for </a:t>
+            </a:r>
+            <a:r>
+              <a:rPr lang="en-US" sz="800" dirty="0" err="1">
+                <a:solidFill>
+                  <a:schemeClr val="bg1"/>
+                </a:solidFill>
+              </a:rPr>
+              <a:t>hanabi</a:t>
+            </a:r>
+            <a:r>
+              <a:rPr lang="en-US" sz="800" dirty="0">
+                <a:solidFill>
+                  <a:schemeClr val="bg1"/>
+                </a:solidFill>
+              </a:rPr>
+              <a:t>. </a:t>
+            </a:r>
+            <a:r>
+              <a:rPr lang="en-US" sz="800" i="1" dirty="0">
+                <a:solidFill>
+                  <a:schemeClr val="bg1"/>
+                </a:solidFill>
+              </a:rPr>
+              <a:t>Mathematics Magazine</a:t>
+            </a:r>
+            <a:r>
+              <a:rPr lang="en-US" sz="800" dirty="0">
+                <a:solidFill>
+                  <a:schemeClr val="bg1"/>
+                </a:solidFill>
+              </a:rPr>
+              <a:t>, </a:t>
+            </a:r>
+            <a:r>
+              <a:rPr lang="en-US" sz="800" i="1" dirty="0">
+                <a:solidFill>
+                  <a:schemeClr val="bg1"/>
+                </a:solidFill>
+              </a:rPr>
+              <a:t>88</a:t>
+            </a:r>
+            <a:r>
+              <a:rPr lang="en-US" sz="800" dirty="0">
+                <a:solidFill>
+                  <a:schemeClr val="bg1"/>
+                </a:solidFill>
+              </a:rPr>
+              <a:t>(5), 323-336.‏</a:t>
+            </a:r>
+            <a:endParaRPr lang="en-US" sz="800" dirty="0" smtClean="0">
               <a:solidFill>
-                <a:schemeClr val="bg1">
-                  <a:lumMod val="85000"/>
-                </a:schemeClr>
+                <a:schemeClr val="bg1"/>
               </a:solidFill>
             </a:endParaRPr>
           </a:p>
@@ -6008,7 +6497,7 @@
     </p:spTree>
     <p:extLst>
       <p:ext uri="{BB962C8B-B14F-4D97-AF65-F5344CB8AC3E}">
-        <p14:creationId xmlns:p14="http://schemas.microsoft.com/office/powerpoint/2010/main" xmlns="" val="990349614"/>
+        <p14:creationId xmlns:p14="http://schemas.microsoft.com/office/powerpoint/2010/main" val="990349614"/>
       </p:ext>
     </p:extLst>
   </p:cSld>
@@ -6025,7 +6514,7 @@
 </p:sld>
 </file>
 
-<file path=ppt/slides/slide7.xml><?xml version="1.0" encoding="utf-8"?>
+<file path=ppt/slides/slide8.xml><?xml version="1.0" encoding="utf-8"?>
 <p:sld xmlns:a="http://schemas.openxmlformats.org/drawingml/2006/main" xmlns:r="http://schemas.openxmlformats.org/officeDocument/2006/relationships" xmlns:p="http://schemas.openxmlformats.org/presentationml/2006/main">
   <p:cSld>
     <p:bg>
@@ -6223,27 +6712,7 @@
                   </a:schemeClr>
                 </a:solidFill>
               </a:rPr>
-              <a:t>Develop an agent using genetic programming algorithm that can play th</a:t>
-            </a:r>
-            <a:r>
-              <a:rPr lang="en-US" sz="2000" dirty="0" smtClean="0">
-                <a:solidFill>
-                  <a:schemeClr val="bg1">
-                    <a:lumMod val="85000"/>
-                  </a:schemeClr>
-                </a:solidFill>
-              </a:rPr>
-              <a:t>e </a:t>
-            </a:r>
-            <a:r>
-              <a:rPr lang="en-US" sz="2000" dirty="0" smtClean="0">
-                <a:solidFill>
-                  <a:schemeClr val="bg1">
-                    <a:lumMod val="85000"/>
-                  </a:schemeClr>
-                </a:solidFill>
-              </a:rPr>
-              <a:t>Hanabi game. </a:t>
+              <a:t>Develop an agent using genetic programming algorithm that can play the Hanabi game. </a:t>
             </a:r>
           </a:p>
           <a:p>
@@ -6259,32 +6728,15 @@
                   </a:schemeClr>
                 </a:solidFill>
               </a:rPr>
-              <a:t> </a:t>
-            </a:r>
-            <a:r>
-              <a:rPr lang="en-US" sz="2000" dirty="0" smtClean="0">
-                <a:solidFill>
-                  <a:schemeClr val="bg1">
-                    <a:lumMod val="85000"/>
-                  </a:schemeClr>
-                </a:solidFill>
-              </a:rPr>
-              <a:t>The model gets the game state: desk cards,  discarded cards, players hands, info tokens, etc… the output is the next action the player should take.</a:t>
-            </a:r>
-            <a:endParaRPr lang="en-US" sz="2000" dirty="0" smtClean="0">
-              <a:solidFill>
-                <a:schemeClr val="bg1">
-                  <a:lumMod val="85000"/>
-                </a:schemeClr>
-              </a:solidFill>
-            </a:endParaRPr>
+              <a:t> The model gets the game state: desk cards,  discarded cards, players hands, info tokens, etc… the output is the next action the player should take.</a:t>
+            </a:r>
           </a:p>
         </p:txBody>
       </p:sp>
     </p:spTree>
     <p:extLst>
       <p:ext uri="{BB962C8B-B14F-4D97-AF65-F5344CB8AC3E}">
-        <p14:creationId xmlns:p14="http://schemas.microsoft.com/office/powerpoint/2010/main" xmlns="" val="990349614"/>
+        <p14:creationId xmlns:p14="http://schemas.microsoft.com/office/powerpoint/2010/main" val="990349614"/>
       </p:ext>
     </p:extLst>
   </p:cSld>
@@ -6301,7 +6753,7 @@
 </p:sld>
 </file>
 
-<file path=ppt/slides/slide8.xml><?xml version="1.0" encoding="utf-8"?>
+<file path=ppt/slides/slide9.xml><?xml version="1.0" encoding="utf-8"?>
 <p:sld xmlns:a="http://schemas.openxmlformats.org/drawingml/2006/main" xmlns:r="http://schemas.openxmlformats.org/officeDocument/2006/relationships" xmlns:p="http://schemas.openxmlformats.org/presentationml/2006/main">
   <p:cSld>
     <p:bg>
@@ -6595,7 +7047,7 @@
     </p:spTree>
     <p:extLst>
       <p:ext uri="{BB962C8B-B14F-4D97-AF65-F5344CB8AC3E}">
-        <p14:creationId xmlns:p14="http://schemas.microsoft.com/office/powerpoint/2010/main" xmlns="" val="3625635007"/>
+        <p14:creationId xmlns:p14="http://schemas.microsoft.com/office/powerpoint/2010/main" val="3625635007"/>
       </p:ext>
     </p:extLst>
   </p:cSld>

--- a/hanabi (1).pptx
+++ b/hanabi (1).pptx
@@ -5,7 +5,7 @@
     <p:sldMasterId id="2147483696" r:id="rId1"/>
   </p:sldMasterIdLst>
   <p:notesMasterIdLst>
-    <p:notesMasterId r:id="rId11"/>
+    <p:notesMasterId r:id="rId12"/>
   </p:notesMasterIdLst>
   <p:sldIdLst>
     <p:sldId id="256" r:id="rId2"/>
@@ -17,6 +17,7 @@
     <p:sldId id="262" r:id="rId8"/>
     <p:sldId id="264" r:id="rId9"/>
     <p:sldId id="263" r:id="rId10"/>
+    <p:sldId id="266" r:id="rId11"/>
   </p:sldIdLst>
   <p:sldSz cx="9144000" cy="5143500" type="screen16x9"/>
   <p:notesSz cx="6858000" cy="9144000"/>
@@ -148,6 +149,2274 @@
 </p:presentation>
 </file>
 
+<file path=ppt/charts/chart1.xml><?xml version="1.0" encoding="utf-8"?>
+<c:chartSpace xmlns:c="http://schemas.openxmlformats.org/drawingml/2006/chart" xmlns:a="http://schemas.openxmlformats.org/drawingml/2006/main" xmlns:r="http://schemas.openxmlformats.org/officeDocument/2006/relationships" xmlns:c16r2="http://schemas.microsoft.com/office/drawing/2015/06/chart">
+  <c:date1904 val="0"/>
+  <c:lang val="en-US"/>
+  <c:roundedCorners val="0"/>
+  <mc:AlternateContent xmlns:mc="http://schemas.openxmlformats.org/markup-compatibility/2006">
+    <mc:Choice xmlns:c14="http://schemas.microsoft.com/office/drawing/2007/8/2/chart" Requires="c14">
+      <c14:style val="102"/>
+    </mc:Choice>
+    <mc:Fallback>
+      <c:style val="2"/>
+    </mc:Fallback>
+  </mc:AlternateContent>
+  <c:chart>
+    <c:title>
+      <c:tx>
+        <c:rich>
+          <a:bodyPr rot="0" spcFirstLastPara="1" vertOverflow="ellipsis" vert="horz" wrap="square" anchor="ctr" anchorCtr="1"/>
+          <a:lstStyle/>
+          <a:p>
+            <a:pPr>
+              <a:defRPr sz="1400" b="0" i="0" u="none" strike="noStrike" kern="1200" spc="0" baseline="0">
+                <a:solidFill>
+                  <a:schemeClr val="tx1">
+                    <a:lumMod val="65000"/>
+                    <a:lumOff val="35000"/>
+                  </a:schemeClr>
+                </a:solidFill>
+                <a:latin typeface="+mn-lt"/>
+                <a:ea typeface="+mn-ea"/>
+                <a:cs typeface="+mn-cs"/>
+              </a:defRPr>
+            </a:pPr>
+            <a:r>
+              <a:rPr lang="en-US" sz="1800"/>
+              <a:t>Fitness as a function of generations</a:t>
+            </a:r>
+          </a:p>
+        </c:rich>
+      </c:tx>
+      <c:layout/>
+      <c:overlay val="0"/>
+      <c:spPr>
+        <a:noFill/>
+        <a:ln>
+          <a:noFill/>
+        </a:ln>
+        <a:effectLst/>
+      </c:spPr>
+      <c:txPr>
+        <a:bodyPr rot="0" spcFirstLastPara="1" vertOverflow="ellipsis" vert="horz" wrap="square" anchor="ctr" anchorCtr="1"/>
+        <a:lstStyle/>
+        <a:p>
+          <a:pPr>
+            <a:defRPr sz="1400" b="0" i="0" u="none" strike="noStrike" kern="1200" spc="0" baseline="0">
+              <a:solidFill>
+                <a:schemeClr val="tx1">
+                  <a:lumMod val="65000"/>
+                  <a:lumOff val="35000"/>
+                </a:schemeClr>
+              </a:solidFill>
+              <a:latin typeface="+mn-lt"/>
+              <a:ea typeface="+mn-ea"/>
+              <a:cs typeface="+mn-cs"/>
+            </a:defRPr>
+          </a:pPr>
+          <a:endParaRPr lang="en-US"/>
+        </a:p>
+      </c:txPr>
+    </c:title>
+    <c:autoTitleDeleted val="0"/>
+    <c:plotArea>
+      <c:layout/>
+      <c:lineChart>
+        <c:grouping val="standard"/>
+        <c:varyColors val="0"/>
+        <c:ser>
+          <c:idx val="1"/>
+          <c:order val="1"/>
+          <c:tx>
+            <c:v>Avg_fitness</c:v>
+          </c:tx>
+          <c:spPr>
+            <a:ln w="28575" cap="rnd">
+              <a:solidFill>
+                <a:schemeClr val="accent2"/>
+              </a:solidFill>
+              <a:round/>
+            </a:ln>
+            <a:effectLst/>
+          </c:spPr>
+          <c:marker>
+            <c:symbol val="none"/>
+          </c:marker>
+          <c:val>
+            <c:numRef>
+              <c:f>Sheet1!$C$2:$C$102</c:f>
+              <c:numCache>
+                <c:formatCode>General</c:formatCode>
+                <c:ptCount val="101"/>
+                <c:pt idx="0">
+                  <c:v>0.58333299999999999</c:v>
+                </c:pt>
+                <c:pt idx="1">
+                  <c:v>1.4</c:v>
+                </c:pt>
+                <c:pt idx="2">
+                  <c:v>1.4666699999999999</c:v>
+                </c:pt>
+                <c:pt idx="3">
+                  <c:v>1.51667</c:v>
+                </c:pt>
+                <c:pt idx="4">
+                  <c:v>1.3333299999999999</c:v>
+                </c:pt>
+                <c:pt idx="5">
+                  <c:v>1.7833300000000001</c:v>
+                </c:pt>
+                <c:pt idx="6">
+                  <c:v>1.2166699999999999</c:v>
+                </c:pt>
+                <c:pt idx="7">
+                  <c:v>1.48333</c:v>
+                </c:pt>
+                <c:pt idx="8">
+                  <c:v>1.23333</c:v>
+                </c:pt>
+                <c:pt idx="9">
+                  <c:v>1.55</c:v>
+                </c:pt>
+                <c:pt idx="10">
+                  <c:v>2.5</c:v>
+                </c:pt>
+                <c:pt idx="11">
+                  <c:v>3.2166700000000001</c:v>
+                </c:pt>
+                <c:pt idx="12">
+                  <c:v>3.9333300000000002</c:v>
+                </c:pt>
+                <c:pt idx="13">
+                  <c:v>5.3166700000000002</c:v>
+                </c:pt>
+                <c:pt idx="14">
+                  <c:v>6.3</c:v>
+                </c:pt>
+                <c:pt idx="15">
+                  <c:v>8.2166700000000006</c:v>
+                </c:pt>
+                <c:pt idx="16">
+                  <c:v>7.4833299999999996</c:v>
+                </c:pt>
+                <c:pt idx="17">
+                  <c:v>7.7166699999999997</c:v>
+                </c:pt>
+                <c:pt idx="18">
+                  <c:v>10.1</c:v>
+                </c:pt>
+                <c:pt idx="19">
+                  <c:v>8.7666699999999995</c:v>
+                </c:pt>
+                <c:pt idx="20">
+                  <c:v>9.1</c:v>
+                </c:pt>
+                <c:pt idx="21">
+                  <c:v>8.4499999999999993</c:v>
+                </c:pt>
+                <c:pt idx="22">
+                  <c:v>8.8666699999999992</c:v>
+                </c:pt>
+                <c:pt idx="23">
+                  <c:v>11.1333</c:v>
+                </c:pt>
+                <c:pt idx="24">
+                  <c:v>9.8666699999999992</c:v>
+                </c:pt>
+                <c:pt idx="25">
+                  <c:v>10.066700000000001</c:v>
+                </c:pt>
+                <c:pt idx="26">
+                  <c:v>10.083299999999999</c:v>
+                </c:pt>
+                <c:pt idx="27">
+                  <c:v>10.85</c:v>
+                </c:pt>
+                <c:pt idx="28">
+                  <c:v>10.199999999999999</c:v>
+                </c:pt>
+                <c:pt idx="29">
+                  <c:v>9.4</c:v>
+                </c:pt>
+                <c:pt idx="30">
+                  <c:v>11.65</c:v>
+                </c:pt>
+                <c:pt idx="31">
+                  <c:v>9.5500000000000007</c:v>
+                </c:pt>
+                <c:pt idx="32">
+                  <c:v>9.6833299999999998</c:v>
+                </c:pt>
+                <c:pt idx="33">
+                  <c:v>11.05</c:v>
+                </c:pt>
+                <c:pt idx="34">
+                  <c:v>11.083299999999999</c:v>
+                </c:pt>
+                <c:pt idx="35">
+                  <c:v>10.033300000000001</c:v>
+                </c:pt>
+                <c:pt idx="36">
+                  <c:v>11.916700000000001</c:v>
+                </c:pt>
+                <c:pt idx="37">
+                  <c:v>8.9833300000000005</c:v>
+                </c:pt>
+                <c:pt idx="38">
+                  <c:v>10.3</c:v>
+                </c:pt>
+                <c:pt idx="39">
+                  <c:v>11.8833</c:v>
+                </c:pt>
+                <c:pt idx="40">
+                  <c:v>11.8</c:v>
+                </c:pt>
+                <c:pt idx="41">
+                  <c:v>9.8166700000000002</c:v>
+                </c:pt>
+                <c:pt idx="42">
+                  <c:v>11.966699999999999</c:v>
+                </c:pt>
+                <c:pt idx="43">
+                  <c:v>10</c:v>
+                </c:pt>
+                <c:pt idx="44">
+                  <c:v>10.316700000000001</c:v>
+                </c:pt>
+                <c:pt idx="45">
+                  <c:v>11.533300000000001</c:v>
+                </c:pt>
+                <c:pt idx="46">
+                  <c:v>10.45</c:v>
+                </c:pt>
+                <c:pt idx="47">
+                  <c:v>11.066700000000001</c:v>
+                </c:pt>
+                <c:pt idx="48">
+                  <c:v>11.683299999999999</c:v>
+                </c:pt>
+                <c:pt idx="49">
+                  <c:v>11</c:v>
+                </c:pt>
+                <c:pt idx="50">
+                  <c:v>12.0167</c:v>
+                </c:pt>
+                <c:pt idx="51">
+                  <c:v>9.75</c:v>
+                </c:pt>
+                <c:pt idx="52">
+                  <c:v>11.35</c:v>
+                </c:pt>
+                <c:pt idx="53">
+                  <c:v>9.65</c:v>
+                </c:pt>
+                <c:pt idx="54">
+                  <c:v>11.8833</c:v>
+                </c:pt>
+                <c:pt idx="55">
+                  <c:v>10.7</c:v>
+                </c:pt>
+                <c:pt idx="56">
+                  <c:v>11.9833</c:v>
+                </c:pt>
+                <c:pt idx="57">
+                  <c:v>10.916700000000001</c:v>
+                </c:pt>
+                <c:pt idx="58">
+                  <c:v>11.033300000000001</c:v>
+                </c:pt>
+                <c:pt idx="59">
+                  <c:v>10.8833</c:v>
+                </c:pt>
+                <c:pt idx="60">
+                  <c:v>11.6167</c:v>
+                </c:pt>
+                <c:pt idx="61">
+                  <c:v>12.3667</c:v>
+                </c:pt>
+                <c:pt idx="62">
+                  <c:v>10.0167</c:v>
+                </c:pt>
+                <c:pt idx="63">
+                  <c:v>13.666700000000001</c:v>
+                </c:pt>
+                <c:pt idx="64">
+                  <c:v>12.2</c:v>
+                </c:pt>
+                <c:pt idx="65">
+                  <c:v>11.0167</c:v>
+                </c:pt>
+                <c:pt idx="66">
+                  <c:v>10.666700000000001</c:v>
+                </c:pt>
+                <c:pt idx="67">
+                  <c:v>11.033300000000001</c:v>
+                </c:pt>
+                <c:pt idx="68">
+                  <c:v>11.933299999999999</c:v>
+                </c:pt>
+                <c:pt idx="69">
+                  <c:v>10.9833</c:v>
+                </c:pt>
+                <c:pt idx="70">
+                  <c:v>11.333299999999999</c:v>
+                </c:pt>
+                <c:pt idx="71">
+                  <c:v>10.283300000000001</c:v>
+                </c:pt>
+                <c:pt idx="72">
+                  <c:v>11.316700000000001</c:v>
+                </c:pt>
+                <c:pt idx="73">
+                  <c:v>10.316700000000001</c:v>
+                </c:pt>
+                <c:pt idx="74">
+                  <c:v>10.5167</c:v>
+                </c:pt>
+                <c:pt idx="75">
+                  <c:v>12.0167</c:v>
+                </c:pt>
+                <c:pt idx="76">
+                  <c:v>11.316700000000001</c:v>
+                </c:pt>
+                <c:pt idx="77">
+                  <c:v>10.15</c:v>
+                </c:pt>
+                <c:pt idx="78">
+                  <c:v>11.25</c:v>
+                </c:pt>
+                <c:pt idx="79">
+                  <c:v>12.35</c:v>
+                </c:pt>
+                <c:pt idx="80">
+                  <c:v>13.033300000000001</c:v>
+                </c:pt>
+                <c:pt idx="81">
+                  <c:v>11.716699999999999</c:v>
+                </c:pt>
+                <c:pt idx="82">
+                  <c:v>11.466699999999999</c:v>
+                </c:pt>
+                <c:pt idx="83">
+                  <c:v>11.333299999999999</c:v>
+                </c:pt>
+                <c:pt idx="84">
+                  <c:v>12.083299999999999</c:v>
+                </c:pt>
+                <c:pt idx="85">
+                  <c:v>11.95</c:v>
+                </c:pt>
+                <c:pt idx="86">
+                  <c:v>11.1167</c:v>
+                </c:pt>
+                <c:pt idx="87">
+                  <c:v>11.5</c:v>
+                </c:pt>
+                <c:pt idx="88">
+                  <c:v>11.35</c:v>
+                </c:pt>
+                <c:pt idx="89">
+                  <c:v>11.4</c:v>
+                </c:pt>
+                <c:pt idx="90">
+                  <c:v>11.6333</c:v>
+                </c:pt>
+                <c:pt idx="91">
+                  <c:v>12.55</c:v>
+                </c:pt>
+                <c:pt idx="92">
+                  <c:v>11.933299999999999</c:v>
+                </c:pt>
+                <c:pt idx="93">
+                  <c:v>9.5666700000000002</c:v>
+                </c:pt>
+                <c:pt idx="94">
+                  <c:v>10.033300000000001</c:v>
+                </c:pt>
+                <c:pt idx="95">
+                  <c:v>11.4</c:v>
+                </c:pt>
+                <c:pt idx="96">
+                  <c:v>11.9</c:v>
+                </c:pt>
+                <c:pt idx="97">
+                  <c:v>9.6166699999999992</c:v>
+                </c:pt>
+                <c:pt idx="98">
+                  <c:v>11.2</c:v>
+                </c:pt>
+                <c:pt idx="99">
+                  <c:v>12.316700000000001</c:v>
+                </c:pt>
+                <c:pt idx="100">
+                  <c:v>10.683299999999999</c:v>
+                </c:pt>
+              </c:numCache>
+            </c:numRef>
+          </c:val>
+          <c:smooth val="0"/>
+          <c:extLst>
+            <c:ext xmlns:c16="http://schemas.microsoft.com/office/drawing/2014/chart" uri="{C3380CC4-5D6E-409C-BE32-E72D297353CC}">
+              <c16:uniqueId val="{00000000-3437-45D7-AF20-005D115F4F58}"/>
+            </c:ext>
+          </c:extLst>
+        </c:ser>
+        <c:ser>
+          <c:idx val="2"/>
+          <c:order val="2"/>
+          <c:tx>
+            <c:v>Max_score</c:v>
+          </c:tx>
+          <c:spPr>
+            <a:ln w="28575" cap="rnd">
+              <a:solidFill>
+                <a:schemeClr val="accent3"/>
+              </a:solidFill>
+              <a:round/>
+            </a:ln>
+            <a:effectLst/>
+          </c:spPr>
+          <c:marker>
+            <c:symbol val="none"/>
+          </c:marker>
+          <c:val>
+            <c:numRef>
+              <c:f>Sheet1!$F$2:$F$102</c:f>
+              <c:numCache>
+                <c:formatCode>General</c:formatCode>
+                <c:ptCount val="101"/>
+                <c:pt idx="0">
+                  <c:v>4.5</c:v>
+                </c:pt>
+                <c:pt idx="1">
+                  <c:v>4</c:v>
+                </c:pt>
+                <c:pt idx="2">
+                  <c:v>3.5</c:v>
+                </c:pt>
+                <c:pt idx="3">
+                  <c:v>5</c:v>
+                </c:pt>
+                <c:pt idx="4">
+                  <c:v>4</c:v>
+                </c:pt>
+                <c:pt idx="5">
+                  <c:v>4.5</c:v>
+                </c:pt>
+                <c:pt idx="6">
+                  <c:v>4.5</c:v>
+                </c:pt>
+                <c:pt idx="7">
+                  <c:v>3.5</c:v>
+                </c:pt>
+                <c:pt idx="8">
+                  <c:v>5</c:v>
+                </c:pt>
+                <c:pt idx="9">
+                  <c:v>4.5</c:v>
+                </c:pt>
+                <c:pt idx="10">
+                  <c:v>8.5</c:v>
+                </c:pt>
+                <c:pt idx="11">
+                  <c:v>10</c:v>
+                </c:pt>
+                <c:pt idx="12">
+                  <c:v>11.5</c:v>
+                </c:pt>
+                <c:pt idx="13">
+                  <c:v>15</c:v>
+                </c:pt>
+                <c:pt idx="14">
+                  <c:v>15</c:v>
+                </c:pt>
+                <c:pt idx="15">
+                  <c:v>15.5</c:v>
+                </c:pt>
+                <c:pt idx="16">
+                  <c:v>14</c:v>
+                </c:pt>
+                <c:pt idx="17">
+                  <c:v>16</c:v>
+                </c:pt>
+                <c:pt idx="18">
+                  <c:v>17</c:v>
+                </c:pt>
+                <c:pt idx="19">
+                  <c:v>16</c:v>
+                </c:pt>
+                <c:pt idx="20">
+                  <c:v>15</c:v>
+                </c:pt>
+                <c:pt idx="21">
+                  <c:v>15.5</c:v>
+                </c:pt>
+                <c:pt idx="22">
+                  <c:v>18.5</c:v>
+                </c:pt>
+                <c:pt idx="23">
+                  <c:v>18.5</c:v>
+                </c:pt>
+                <c:pt idx="24">
+                  <c:v>16.5</c:v>
+                </c:pt>
+                <c:pt idx="25">
+                  <c:v>16.5</c:v>
+                </c:pt>
+                <c:pt idx="26">
+                  <c:v>16.5</c:v>
+                </c:pt>
+                <c:pt idx="27">
+                  <c:v>16.5</c:v>
+                </c:pt>
+                <c:pt idx="28">
+                  <c:v>17</c:v>
+                </c:pt>
+                <c:pt idx="29">
+                  <c:v>16</c:v>
+                </c:pt>
+                <c:pt idx="30">
+                  <c:v>16.5</c:v>
+                </c:pt>
+                <c:pt idx="31">
+                  <c:v>16</c:v>
+                </c:pt>
+                <c:pt idx="32">
+                  <c:v>15</c:v>
+                </c:pt>
+                <c:pt idx="33">
+                  <c:v>16</c:v>
+                </c:pt>
+                <c:pt idx="34">
+                  <c:v>16</c:v>
+                </c:pt>
+                <c:pt idx="35">
+                  <c:v>16</c:v>
+                </c:pt>
+                <c:pt idx="36">
+                  <c:v>16.5</c:v>
+                </c:pt>
+                <c:pt idx="37">
+                  <c:v>17.5</c:v>
+                </c:pt>
+                <c:pt idx="38">
+                  <c:v>17.5</c:v>
+                </c:pt>
+                <c:pt idx="39">
+                  <c:v>17.5</c:v>
+                </c:pt>
+                <c:pt idx="40">
+                  <c:v>17.5</c:v>
+                </c:pt>
+                <c:pt idx="41">
+                  <c:v>15.5</c:v>
+                </c:pt>
+                <c:pt idx="42">
+                  <c:v>17</c:v>
+                </c:pt>
+                <c:pt idx="43">
+                  <c:v>16</c:v>
+                </c:pt>
+                <c:pt idx="44">
+                  <c:v>16.5</c:v>
+                </c:pt>
+                <c:pt idx="45">
+                  <c:v>16</c:v>
+                </c:pt>
+                <c:pt idx="46">
+                  <c:v>18</c:v>
+                </c:pt>
+                <c:pt idx="47">
+                  <c:v>17</c:v>
+                </c:pt>
+                <c:pt idx="48">
+                  <c:v>16.5</c:v>
+                </c:pt>
+                <c:pt idx="49">
+                  <c:v>16</c:v>
+                </c:pt>
+                <c:pt idx="50">
+                  <c:v>17</c:v>
+                </c:pt>
+                <c:pt idx="51">
+                  <c:v>17</c:v>
+                </c:pt>
+                <c:pt idx="52">
+                  <c:v>17</c:v>
+                </c:pt>
+                <c:pt idx="53">
+                  <c:v>17</c:v>
+                </c:pt>
+                <c:pt idx="54">
+                  <c:v>17</c:v>
+                </c:pt>
+                <c:pt idx="55">
+                  <c:v>16</c:v>
+                </c:pt>
+                <c:pt idx="56">
+                  <c:v>17</c:v>
+                </c:pt>
+                <c:pt idx="57">
+                  <c:v>17</c:v>
+                </c:pt>
+                <c:pt idx="58">
+                  <c:v>16.5</c:v>
+                </c:pt>
+                <c:pt idx="59">
+                  <c:v>16.5</c:v>
+                </c:pt>
+                <c:pt idx="60">
+                  <c:v>16.5</c:v>
+                </c:pt>
+                <c:pt idx="61">
+                  <c:v>16.5</c:v>
+                </c:pt>
+                <c:pt idx="62">
+                  <c:v>16.5</c:v>
+                </c:pt>
+                <c:pt idx="63">
+                  <c:v>17</c:v>
+                </c:pt>
+                <c:pt idx="64">
+                  <c:v>16.5</c:v>
+                </c:pt>
+                <c:pt idx="65">
+                  <c:v>16.5</c:v>
+                </c:pt>
+                <c:pt idx="66">
+                  <c:v>15.5</c:v>
+                </c:pt>
+                <c:pt idx="67">
+                  <c:v>18.5</c:v>
+                </c:pt>
+                <c:pt idx="68">
+                  <c:v>19</c:v>
+                </c:pt>
+                <c:pt idx="69">
+                  <c:v>17.5</c:v>
+                </c:pt>
+                <c:pt idx="70">
+                  <c:v>18</c:v>
+                </c:pt>
+                <c:pt idx="71">
+                  <c:v>16</c:v>
+                </c:pt>
+                <c:pt idx="72">
+                  <c:v>16</c:v>
+                </c:pt>
+                <c:pt idx="73">
+                  <c:v>16</c:v>
+                </c:pt>
+                <c:pt idx="74">
+                  <c:v>16</c:v>
+                </c:pt>
+                <c:pt idx="75">
+                  <c:v>15.5</c:v>
+                </c:pt>
+                <c:pt idx="76">
+                  <c:v>15.5</c:v>
+                </c:pt>
+                <c:pt idx="77">
+                  <c:v>15.5</c:v>
+                </c:pt>
+                <c:pt idx="78">
+                  <c:v>17.5</c:v>
+                </c:pt>
+                <c:pt idx="79">
+                  <c:v>17.5</c:v>
+                </c:pt>
+                <c:pt idx="80">
+                  <c:v>17.5</c:v>
+                </c:pt>
+                <c:pt idx="81">
+                  <c:v>17.5</c:v>
+                </c:pt>
+                <c:pt idx="82">
+                  <c:v>16.5</c:v>
+                </c:pt>
+                <c:pt idx="83">
+                  <c:v>16.5</c:v>
+                </c:pt>
+                <c:pt idx="84">
+                  <c:v>17</c:v>
+                </c:pt>
+                <c:pt idx="85">
+                  <c:v>17</c:v>
+                </c:pt>
+                <c:pt idx="86">
+                  <c:v>17</c:v>
+                </c:pt>
+                <c:pt idx="87">
+                  <c:v>17</c:v>
+                </c:pt>
+                <c:pt idx="88">
+                  <c:v>15.5</c:v>
+                </c:pt>
+                <c:pt idx="89">
+                  <c:v>16</c:v>
+                </c:pt>
+                <c:pt idx="90">
+                  <c:v>16.5</c:v>
+                </c:pt>
+                <c:pt idx="91">
+                  <c:v>16.5</c:v>
+                </c:pt>
+                <c:pt idx="92">
+                  <c:v>17</c:v>
+                </c:pt>
+                <c:pt idx="93">
+                  <c:v>17</c:v>
+                </c:pt>
+                <c:pt idx="94">
+                  <c:v>15.5</c:v>
+                </c:pt>
+                <c:pt idx="95">
+                  <c:v>15.5</c:v>
+                </c:pt>
+                <c:pt idx="96">
+                  <c:v>15.5</c:v>
+                </c:pt>
+                <c:pt idx="97">
+                  <c:v>15</c:v>
+                </c:pt>
+                <c:pt idx="98">
+                  <c:v>16.5</c:v>
+                </c:pt>
+                <c:pt idx="99">
+                  <c:v>16.5</c:v>
+                </c:pt>
+                <c:pt idx="100">
+                  <c:v>15.5</c:v>
+                </c:pt>
+              </c:numCache>
+            </c:numRef>
+          </c:val>
+          <c:smooth val="0"/>
+          <c:extLst>
+            <c:ext xmlns:c16="http://schemas.microsoft.com/office/drawing/2014/chart" uri="{C3380CC4-5D6E-409C-BE32-E72D297353CC}">
+              <c16:uniqueId val="{00000001-3437-45D7-AF20-005D115F4F58}"/>
+            </c:ext>
+          </c:extLst>
+        </c:ser>
+        <c:dLbls>
+          <c:showLegendKey val="0"/>
+          <c:showVal val="0"/>
+          <c:showCatName val="0"/>
+          <c:showSerName val="0"/>
+          <c:showPercent val="0"/>
+          <c:showBubbleSize val="0"/>
+        </c:dLbls>
+        <c:smooth val="0"/>
+        <c:axId val="394856799"/>
+        <c:axId val="394857215"/>
+        <c:extLst>
+          <c:ext xmlns:c15="http://schemas.microsoft.com/office/drawing/2012/chart" uri="{02D57815-91ED-43cb-92C2-25804820EDAC}">
+            <c15:filteredLineSeries>
+              <c15:ser>
+                <c:idx val="0"/>
+                <c:order val="0"/>
+                <c:tx>
+                  <c:strRef>
+                    <c:extLst>
+                      <c:ext uri="{02D57815-91ED-43cb-92C2-25804820EDAC}">
+                        <c15:formulaRef>
+                          <c15:sqref>Sheet1!$A$2:$A$102</c15:sqref>
+                        </c15:formulaRef>
+                      </c:ext>
+                    </c:extLst>
+                    <c:strCache>
+                      <c:ptCount val="101"/>
+                      <c:pt idx="0">
+                        <c:v>0</c:v>
+                      </c:pt>
+                      <c:pt idx="1">
+                        <c:v>1</c:v>
+                      </c:pt>
+                      <c:pt idx="2">
+                        <c:v>2</c:v>
+                      </c:pt>
+                      <c:pt idx="3">
+                        <c:v>3</c:v>
+                      </c:pt>
+                      <c:pt idx="4">
+                        <c:v>4</c:v>
+                      </c:pt>
+                      <c:pt idx="5">
+                        <c:v>5</c:v>
+                      </c:pt>
+                      <c:pt idx="6">
+                        <c:v>6</c:v>
+                      </c:pt>
+                      <c:pt idx="7">
+                        <c:v>7</c:v>
+                      </c:pt>
+                      <c:pt idx="8">
+                        <c:v>8</c:v>
+                      </c:pt>
+                      <c:pt idx="9">
+                        <c:v>9</c:v>
+                      </c:pt>
+                      <c:pt idx="10">
+                        <c:v>10</c:v>
+                      </c:pt>
+                      <c:pt idx="11">
+                        <c:v>11</c:v>
+                      </c:pt>
+                      <c:pt idx="12">
+                        <c:v>12</c:v>
+                      </c:pt>
+                      <c:pt idx="13">
+                        <c:v>13</c:v>
+                      </c:pt>
+                      <c:pt idx="14">
+                        <c:v>14</c:v>
+                      </c:pt>
+                      <c:pt idx="15">
+                        <c:v>15</c:v>
+                      </c:pt>
+                      <c:pt idx="16">
+                        <c:v>16</c:v>
+                      </c:pt>
+                      <c:pt idx="17">
+                        <c:v>17</c:v>
+                      </c:pt>
+                      <c:pt idx="18">
+                        <c:v>18</c:v>
+                      </c:pt>
+                      <c:pt idx="19">
+                        <c:v>19</c:v>
+                      </c:pt>
+                      <c:pt idx="20">
+                        <c:v>20</c:v>
+                      </c:pt>
+                      <c:pt idx="21">
+                        <c:v>21</c:v>
+                      </c:pt>
+                      <c:pt idx="22">
+                        <c:v>22</c:v>
+                      </c:pt>
+                      <c:pt idx="23">
+                        <c:v>23</c:v>
+                      </c:pt>
+                      <c:pt idx="24">
+                        <c:v>24</c:v>
+                      </c:pt>
+                      <c:pt idx="25">
+                        <c:v>25</c:v>
+                      </c:pt>
+                      <c:pt idx="26">
+                        <c:v>26</c:v>
+                      </c:pt>
+                      <c:pt idx="27">
+                        <c:v>27</c:v>
+                      </c:pt>
+                      <c:pt idx="28">
+                        <c:v>28</c:v>
+                      </c:pt>
+                      <c:pt idx="29">
+                        <c:v>29</c:v>
+                      </c:pt>
+                      <c:pt idx="30">
+                        <c:v>30</c:v>
+                      </c:pt>
+                      <c:pt idx="31">
+                        <c:v>31</c:v>
+                      </c:pt>
+                      <c:pt idx="32">
+                        <c:v>32</c:v>
+                      </c:pt>
+                      <c:pt idx="33">
+                        <c:v>33</c:v>
+                      </c:pt>
+                      <c:pt idx="34">
+                        <c:v>34</c:v>
+                      </c:pt>
+                      <c:pt idx="35">
+                        <c:v>35</c:v>
+                      </c:pt>
+                      <c:pt idx="36">
+                        <c:v>36</c:v>
+                      </c:pt>
+                      <c:pt idx="37">
+                        <c:v>37</c:v>
+                      </c:pt>
+                      <c:pt idx="38">
+                        <c:v>38</c:v>
+                      </c:pt>
+                      <c:pt idx="39">
+                        <c:v>39</c:v>
+                      </c:pt>
+                      <c:pt idx="40">
+                        <c:v>40</c:v>
+                      </c:pt>
+                      <c:pt idx="41">
+                        <c:v>41</c:v>
+                      </c:pt>
+                      <c:pt idx="42">
+                        <c:v>42</c:v>
+                      </c:pt>
+                      <c:pt idx="43">
+                        <c:v>43</c:v>
+                      </c:pt>
+                      <c:pt idx="44">
+                        <c:v>44</c:v>
+                      </c:pt>
+                      <c:pt idx="45">
+                        <c:v>45</c:v>
+                      </c:pt>
+                      <c:pt idx="46">
+                        <c:v>46</c:v>
+                      </c:pt>
+                      <c:pt idx="47">
+                        <c:v>47</c:v>
+                      </c:pt>
+                      <c:pt idx="48">
+                        <c:v>48</c:v>
+                      </c:pt>
+                      <c:pt idx="49">
+                        <c:v>49</c:v>
+                      </c:pt>
+                      <c:pt idx="50">
+                        <c:v>50</c:v>
+                      </c:pt>
+                      <c:pt idx="51">
+                        <c:v>51</c:v>
+                      </c:pt>
+                      <c:pt idx="52">
+                        <c:v>52</c:v>
+                      </c:pt>
+                      <c:pt idx="53">
+                        <c:v>53</c:v>
+                      </c:pt>
+                      <c:pt idx="54">
+                        <c:v>54</c:v>
+                      </c:pt>
+                      <c:pt idx="55">
+                        <c:v>55</c:v>
+                      </c:pt>
+                      <c:pt idx="56">
+                        <c:v>56</c:v>
+                      </c:pt>
+                      <c:pt idx="57">
+                        <c:v>57</c:v>
+                      </c:pt>
+                      <c:pt idx="58">
+                        <c:v>58</c:v>
+                      </c:pt>
+                      <c:pt idx="59">
+                        <c:v>59</c:v>
+                      </c:pt>
+                      <c:pt idx="60">
+                        <c:v>60</c:v>
+                      </c:pt>
+                      <c:pt idx="61">
+                        <c:v>61</c:v>
+                      </c:pt>
+                      <c:pt idx="62">
+                        <c:v>62</c:v>
+                      </c:pt>
+                      <c:pt idx="63">
+                        <c:v>63</c:v>
+                      </c:pt>
+                      <c:pt idx="64">
+                        <c:v>64</c:v>
+                      </c:pt>
+                      <c:pt idx="65">
+                        <c:v>65</c:v>
+                      </c:pt>
+                      <c:pt idx="66">
+                        <c:v>66</c:v>
+                      </c:pt>
+                      <c:pt idx="67">
+                        <c:v>67</c:v>
+                      </c:pt>
+                      <c:pt idx="68">
+                        <c:v>68</c:v>
+                      </c:pt>
+                      <c:pt idx="69">
+                        <c:v>69</c:v>
+                      </c:pt>
+                      <c:pt idx="70">
+                        <c:v>70</c:v>
+                      </c:pt>
+                      <c:pt idx="71">
+                        <c:v>71</c:v>
+                      </c:pt>
+                      <c:pt idx="72">
+                        <c:v>72</c:v>
+                      </c:pt>
+                      <c:pt idx="73">
+                        <c:v>73</c:v>
+                      </c:pt>
+                      <c:pt idx="74">
+                        <c:v>74</c:v>
+                      </c:pt>
+                      <c:pt idx="75">
+                        <c:v>75</c:v>
+                      </c:pt>
+                      <c:pt idx="76">
+                        <c:v>76</c:v>
+                      </c:pt>
+                      <c:pt idx="77">
+                        <c:v>77</c:v>
+                      </c:pt>
+                      <c:pt idx="78">
+                        <c:v>78</c:v>
+                      </c:pt>
+                      <c:pt idx="79">
+                        <c:v>79</c:v>
+                      </c:pt>
+                      <c:pt idx="80">
+                        <c:v>80</c:v>
+                      </c:pt>
+                      <c:pt idx="81">
+                        <c:v>81</c:v>
+                      </c:pt>
+                      <c:pt idx="82">
+                        <c:v>82</c:v>
+                      </c:pt>
+                      <c:pt idx="83">
+                        <c:v>83</c:v>
+                      </c:pt>
+                      <c:pt idx="84">
+                        <c:v>84</c:v>
+                      </c:pt>
+                      <c:pt idx="85">
+                        <c:v>85</c:v>
+                      </c:pt>
+                      <c:pt idx="86">
+                        <c:v>86</c:v>
+                      </c:pt>
+                      <c:pt idx="87">
+                        <c:v>87</c:v>
+                      </c:pt>
+                      <c:pt idx="88">
+                        <c:v>88</c:v>
+                      </c:pt>
+                      <c:pt idx="89">
+                        <c:v>89</c:v>
+                      </c:pt>
+                      <c:pt idx="90">
+                        <c:v>90</c:v>
+                      </c:pt>
+                      <c:pt idx="91">
+                        <c:v>91</c:v>
+                      </c:pt>
+                      <c:pt idx="92">
+                        <c:v>92</c:v>
+                      </c:pt>
+                      <c:pt idx="93">
+                        <c:v>93</c:v>
+                      </c:pt>
+                      <c:pt idx="94">
+                        <c:v>94</c:v>
+                      </c:pt>
+                      <c:pt idx="95">
+                        <c:v>95</c:v>
+                      </c:pt>
+                      <c:pt idx="96">
+                        <c:v>96</c:v>
+                      </c:pt>
+                      <c:pt idx="97">
+                        <c:v>97</c:v>
+                      </c:pt>
+                      <c:pt idx="98">
+                        <c:v>98</c:v>
+                      </c:pt>
+                      <c:pt idx="99">
+                        <c:v>99</c:v>
+                      </c:pt>
+                      <c:pt idx="100">
+                        <c:v>100</c:v>
+                      </c:pt>
+                    </c:strCache>
+                  </c:strRef>
+                </c:tx>
+                <c:spPr>
+                  <a:ln w="28575" cap="rnd">
+                    <a:solidFill>
+                      <a:schemeClr val="accent1"/>
+                    </a:solidFill>
+                    <a:round/>
+                  </a:ln>
+                  <a:effectLst/>
+                </c:spPr>
+                <c:marker>
+                  <c:symbol val="none"/>
+                </c:marker>
+                <c:val>
+                  <c:numRef>
+                    <c:extLst>
+                      <c:ext uri="{02D57815-91ED-43cb-92C2-25804820EDAC}">
+                        <c15:formulaRef>
+                          <c15:sqref>Sheet1!$A$2:$A$102</c15:sqref>
+                        </c15:formulaRef>
+                      </c:ext>
+                    </c:extLst>
+                    <c:numCache>
+                      <c:formatCode>General</c:formatCode>
+                      <c:ptCount val="101"/>
+                      <c:pt idx="0">
+                        <c:v>0</c:v>
+                      </c:pt>
+                      <c:pt idx="1">
+                        <c:v>1</c:v>
+                      </c:pt>
+                      <c:pt idx="2">
+                        <c:v>2</c:v>
+                      </c:pt>
+                      <c:pt idx="3">
+                        <c:v>3</c:v>
+                      </c:pt>
+                      <c:pt idx="4">
+                        <c:v>4</c:v>
+                      </c:pt>
+                      <c:pt idx="5">
+                        <c:v>5</c:v>
+                      </c:pt>
+                      <c:pt idx="6">
+                        <c:v>6</c:v>
+                      </c:pt>
+                      <c:pt idx="7">
+                        <c:v>7</c:v>
+                      </c:pt>
+                      <c:pt idx="8">
+                        <c:v>8</c:v>
+                      </c:pt>
+                      <c:pt idx="9">
+                        <c:v>9</c:v>
+                      </c:pt>
+                      <c:pt idx="10">
+                        <c:v>10</c:v>
+                      </c:pt>
+                      <c:pt idx="11">
+                        <c:v>11</c:v>
+                      </c:pt>
+                      <c:pt idx="12">
+                        <c:v>12</c:v>
+                      </c:pt>
+                      <c:pt idx="13">
+                        <c:v>13</c:v>
+                      </c:pt>
+                      <c:pt idx="14">
+                        <c:v>14</c:v>
+                      </c:pt>
+                      <c:pt idx="15">
+                        <c:v>15</c:v>
+                      </c:pt>
+                      <c:pt idx="16">
+                        <c:v>16</c:v>
+                      </c:pt>
+                      <c:pt idx="17">
+                        <c:v>17</c:v>
+                      </c:pt>
+                      <c:pt idx="18">
+                        <c:v>18</c:v>
+                      </c:pt>
+                      <c:pt idx="19">
+                        <c:v>19</c:v>
+                      </c:pt>
+                      <c:pt idx="20">
+                        <c:v>20</c:v>
+                      </c:pt>
+                      <c:pt idx="21">
+                        <c:v>21</c:v>
+                      </c:pt>
+                      <c:pt idx="22">
+                        <c:v>22</c:v>
+                      </c:pt>
+                      <c:pt idx="23">
+                        <c:v>23</c:v>
+                      </c:pt>
+                      <c:pt idx="24">
+                        <c:v>24</c:v>
+                      </c:pt>
+                      <c:pt idx="25">
+                        <c:v>25</c:v>
+                      </c:pt>
+                      <c:pt idx="26">
+                        <c:v>26</c:v>
+                      </c:pt>
+                      <c:pt idx="27">
+                        <c:v>27</c:v>
+                      </c:pt>
+                      <c:pt idx="28">
+                        <c:v>28</c:v>
+                      </c:pt>
+                      <c:pt idx="29">
+                        <c:v>29</c:v>
+                      </c:pt>
+                      <c:pt idx="30">
+                        <c:v>30</c:v>
+                      </c:pt>
+                      <c:pt idx="31">
+                        <c:v>31</c:v>
+                      </c:pt>
+                      <c:pt idx="32">
+                        <c:v>32</c:v>
+                      </c:pt>
+                      <c:pt idx="33">
+                        <c:v>33</c:v>
+                      </c:pt>
+                      <c:pt idx="34">
+                        <c:v>34</c:v>
+                      </c:pt>
+                      <c:pt idx="35">
+                        <c:v>35</c:v>
+                      </c:pt>
+                      <c:pt idx="36">
+                        <c:v>36</c:v>
+                      </c:pt>
+                      <c:pt idx="37">
+                        <c:v>37</c:v>
+                      </c:pt>
+                      <c:pt idx="38">
+                        <c:v>38</c:v>
+                      </c:pt>
+                      <c:pt idx="39">
+                        <c:v>39</c:v>
+                      </c:pt>
+                      <c:pt idx="40">
+                        <c:v>40</c:v>
+                      </c:pt>
+                      <c:pt idx="41">
+                        <c:v>41</c:v>
+                      </c:pt>
+                      <c:pt idx="42">
+                        <c:v>42</c:v>
+                      </c:pt>
+                      <c:pt idx="43">
+                        <c:v>43</c:v>
+                      </c:pt>
+                      <c:pt idx="44">
+                        <c:v>44</c:v>
+                      </c:pt>
+                      <c:pt idx="45">
+                        <c:v>45</c:v>
+                      </c:pt>
+                      <c:pt idx="46">
+                        <c:v>46</c:v>
+                      </c:pt>
+                      <c:pt idx="47">
+                        <c:v>47</c:v>
+                      </c:pt>
+                      <c:pt idx="48">
+                        <c:v>48</c:v>
+                      </c:pt>
+                      <c:pt idx="49">
+                        <c:v>49</c:v>
+                      </c:pt>
+                      <c:pt idx="50">
+                        <c:v>50</c:v>
+                      </c:pt>
+                      <c:pt idx="51">
+                        <c:v>51</c:v>
+                      </c:pt>
+                      <c:pt idx="52">
+                        <c:v>52</c:v>
+                      </c:pt>
+                      <c:pt idx="53">
+                        <c:v>53</c:v>
+                      </c:pt>
+                      <c:pt idx="54">
+                        <c:v>54</c:v>
+                      </c:pt>
+                      <c:pt idx="55">
+                        <c:v>55</c:v>
+                      </c:pt>
+                      <c:pt idx="56">
+                        <c:v>56</c:v>
+                      </c:pt>
+                      <c:pt idx="57">
+                        <c:v>57</c:v>
+                      </c:pt>
+                      <c:pt idx="58">
+                        <c:v>58</c:v>
+                      </c:pt>
+                      <c:pt idx="59">
+                        <c:v>59</c:v>
+                      </c:pt>
+                      <c:pt idx="60">
+                        <c:v>60</c:v>
+                      </c:pt>
+                      <c:pt idx="61">
+                        <c:v>61</c:v>
+                      </c:pt>
+                      <c:pt idx="62">
+                        <c:v>62</c:v>
+                      </c:pt>
+                      <c:pt idx="63">
+                        <c:v>63</c:v>
+                      </c:pt>
+                      <c:pt idx="64">
+                        <c:v>64</c:v>
+                      </c:pt>
+                      <c:pt idx="65">
+                        <c:v>65</c:v>
+                      </c:pt>
+                      <c:pt idx="66">
+                        <c:v>66</c:v>
+                      </c:pt>
+                      <c:pt idx="67">
+                        <c:v>67</c:v>
+                      </c:pt>
+                      <c:pt idx="68">
+                        <c:v>68</c:v>
+                      </c:pt>
+                      <c:pt idx="69">
+                        <c:v>69</c:v>
+                      </c:pt>
+                      <c:pt idx="70">
+                        <c:v>70</c:v>
+                      </c:pt>
+                      <c:pt idx="71">
+                        <c:v>71</c:v>
+                      </c:pt>
+                      <c:pt idx="72">
+                        <c:v>72</c:v>
+                      </c:pt>
+                      <c:pt idx="73">
+                        <c:v>73</c:v>
+                      </c:pt>
+                      <c:pt idx="74">
+                        <c:v>74</c:v>
+                      </c:pt>
+                      <c:pt idx="75">
+                        <c:v>75</c:v>
+                      </c:pt>
+                      <c:pt idx="76">
+                        <c:v>76</c:v>
+                      </c:pt>
+                      <c:pt idx="77">
+                        <c:v>77</c:v>
+                      </c:pt>
+                      <c:pt idx="78">
+                        <c:v>78</c:v>
+                      </c:pt>
+                      <c:pt idx="79">
+                        <c:v>79</c:v>
+                      </c:pt>
+                      <c:pt idx="80">
+                        <c:v>80</c:v>
+                      </c:pt>
+                      <c:pt idx="81">
+                        <c:v>81</c:v>
+                      </c:pt>
+                      <c:pt idx="82">
+                        <c:v>82</c:v>
+                      </c:pt>
+                      <c:pt idx="83">
+                        <c:v>83</c:v>
+                      </c:pt>
+                      <c:pt idx="84">
+                        <c:v>84</c:v>
+                      </c:pt>
+                      <c:pt idx="85">
+                        <c:v>85</c:v>
+                      </c:pt>
+                      <c:pt idx="86">
+                        <c:v>86</c:v>
+                      </c:pt>
+                      <c:pt idx="87">
+                        <c:v>87</c:v>
+                      </c:pt>
+                      <c:pt idx="88">
+                        <c:v>88</c:v>
+                      </c:pt>
+                      <c:pt idx="89">
+                        <c:v>89</c:v>
+                      </c:pt>
+                      <c:pt idx="90">
+                        <c:v>90</c:v>
+                      </c:pt>
+                      <c:pt idx="91">
+                        <c:v>91</c:v>
+                      </c:pt>
+                      <c:pt idx="92">
+                        <c:v>92</c:v>
+                      </c:pt>
+                      <c:pt idx="93">
+                        <c:v>93</c:v>
+                      </c:pt>
+                      <c:pt idx="94">
+                        <c:v>94</c:v>
+                      </c:pt>
+                      <c:pt idx="95">
+                        <c:v>95</c:v>
+                      </c:pt>
+                      <c:pt idx="96">
+                        <c:v>96</c:v>
+                      </c:pt>
+                      <c:pt idx="97">
+                        <c:v>97</c:v>
+                      </c:pt>
+                      <c:pt idx="98">
+                        <c:v>98</c:v>
+                      </c:pt>
+                      <c:pt idx="99">
+                        <c:v>99</c:v>
+                      </c:pt>
+                      <c:pt idx="100">
+                        <c:v>100</c:v>
+                      </c:pt>
+                    </c:numCache>
+                  </c:numRef>
+                </c:val>
+                <c:smooth val="0"/>
+                <c:extLst>
+                  <c:ext xmlns:c16="http://schemas.microsoft.com/office/drawing/2014/chart" uri="{C3380CC4-5D6E-409C-BE32-E72D297353CC}">
+                    <c16:uniqueId val="{00000002-3437-45D7-AF20-005D115F4F58}"/>
+                  </c:ext>
+                </c:extLst>
+              </c15:ser>
+            </c15:filteredLineSeries>
+          </c:ext>
+        </c:extLst>
+      </c:lineChart>
+      <c:catAx>
+        <c:axId val="394856799"/>
+        <c:scaling>
+          <c:orientation val="minMax"/>
+        </c:scaling>
+        <c:delete val="0"/>
+        <c:axPos val="b"/>
+        <c:title>
+          <c:tx>
+            <c:rich>
+              <a:bodyPr rot="0" spcFirstLastPara="1" vertOverflow="ellipsis" vert="horz" wrap="square" anchor="ctr" anchorCtr="1"/>
+              <a:lstStyle/>
+              <a:p>
+                <a:pPr>
+                  <a:defRPr sz="1000" b="0" i="0" u="none" strike="noStrike" kern="1200" baseline="0">
+                    <a:solidFill>
+                      <a:schemeClr val="tx1">
+                        <a:lumMod val="65000"/>
+                        <a:lumOff val="35000"/>
+                      </a:schemeClr>
+                    </a:solidFill>
+                    <a:latin typeface="+mn-lt"/>
+                    <a:ea typeface="+mn-ea"/>
+                    <a:cs typeface="+mn-cs"/>
+                  </a:defRPr>
+                </a:pPr>
+                <a:r>
+                  <a:rPr lang="en-US" sz="1600"/>
+                  <a:t>Generation_num</a:t>
+                </a:r>
+              </a:p>
+            </c:rich>
+          </c:tx>
+          <c:layout/>
+          <c:overlay val="0"/>
+          <c:spPr>
+            <a:noFill/>
+            <a:ln>
+              <a:noFill/>
+            </a:ln>
+            <a:effectLst/>
+          </c:spPr>
+          <c:txPr>
+            <a:bodyPr rot="0" spcFirstLastPara="1" vertOverflow="ellipsis" vert="horz" wrap="square" anchor="ctr" anchorCtr="1"/>
+            <a:lstStyle/>
+            <a:p>
+              <a:pPr>
+                <a:defRPr sz="1000" b="0" i="0" u="none" strike="noStrike" kern="1200" baseline="0">
+                  <a:solidFill>
+                    <a:schemeClr val="tx1">
+                      <a:lumMod val="65000"/>
+                      <a:lumOff val="35000"/>
+                    </a:schemeClr>
+                  </a:solidFill>
+                  <a:latin typeface="+mn-lt"/>
+                  <a:ea typeface="+mn-ea"/>
+                  <a:cs typeface="+mn-cs"/>
+                </a:defRPr>
+              </a:pPr>
+              <a:endParaRPr lang="en-US"/>
+            </a:p>
+          </c:txPr>
+        </c:title>
+        <c:majorTickMark val="none"/>
+        <c:minorTickMark val="none"/>
+        <c:tickLblPos val="nextTo"/>
+        <c:spPr>
+          <a:noFill/>
+          <a:ln w="9525" cap="flat" cmpd="sng" algn="ctr">
+            <a:solidFill>
+              <a:schemeClr val="tx1">
+                <a:lumMod val="15000"/>
+                <a:lumOff val="85000"/>
+              </a:schemeClr>
+            </a:solidFill>
+            <a:round/>
+          </a:ln>
+          <a:effectLst/>
+        </c:spPr>
+        <c:txPr>
+          <a:bodyPr rot="-60000000" spcFirstLastPara="1" vertOverflow="ellipsis" vert="horz" wrap="square" anchor="ctr" anchorCtr="1"/>
+          <a:lstStyle/>
+          <a:p>
+            <a:pPr>
+              <a:defRPr sz="900" b="0" i="0" u="none" strike="noStrike" kern="1200" baseline="0">
+                <a:solidFill>
+                  <a:schemeClr val="tx1">
+                    <a:lumMod val="65000"/>
+                    <a:lumOff val="35000"/>
+                  </a:schemeClr>
+                </a:solidFill>
+                <a:latin typeface="+mn-lt"/>
+                <a:ea typeface="+mn-ea"/>
+                <a:cs typeface="+mn-cs"/>
+              </a:defRPr>
+            </a:pPr>
+            <a:endParaRPr lang="en-US"/>
+          </a:p>
+        </c:txPr>
+        <c:crossAx val="394857215"/>
+        <c:crosses val="autoZero"/>
+        <c:auto val="1"/>
+        <c:lblAlgn val="ctr"/>
+        <c:lblOffset val="100"/>
+        <c:noMultiLvlLbl val="0"/>
+      </c:catAx>
+      <c:valAx>
+        <c:axId val="394857215"/>
+        <c:scaling>
+          <c:orientation val="minMax"/>
+        </c:scaling>
+        <c:delete val="0"/>
+        <c:axPos val="l"/>
+        <c:majorGridlines>
+          <c:spPr>
+            <a:ln w="9525" cap="flat" cmpd="sng" algn="ctr">
+              <a:solidFill>
+                <a:schemeClr val="tx1">
+                  <a:lumMod val="15000"/>
+                  <a:lumOff val="85000"/>
+                </a:schemeClr>
+              </a:solidFill>
+              <a:round/>
+            </a:ln>
+            <a:effectLst/>
+          </c:spPr>
+        </c:majorGridlines>
+        <c:title>
+          <c:tx>
+            <c:rich>
+              <a:bodyPr rot="-5400000" spcFirstLastPara="1" vertOverflow="ellipsis" vert="horz" wrap="square" anchor="ctr" anchorCtr="1"/>
+              <a:lstStyle/>
+              <a:p>
+                <a:pPr>
+                  <a:defRPr sz="1000" b="0" i="0" u="none" strike="noStrike" kern="1200" baseline="0">
+                    <a:solidFill>
+                      <a:schemeClr val="tx1">
+                        <a:lumMod val="65000"/>
+                        <a:lumOff val="35000"/>
+                      </a:schemeClr>
+                    </a:solidFill>
+                    <a:latin typeface="+mn-lt"/>
+                    <a:ea typeface="+mn-ea"/>
+                    <a:cs typeface="+mn-cs"/>
+                  </a:defRPr>
+                </a:pPr>
+                <a:r>
+                  <a:rPr lang="en-US" sz="1600"/>
+                  <a:t>Score</a:t>
+                </a:r>
+              </a:p>
+            </c:rich>
+          </c:tx>
+          <c:layout/>
+          <c:overlay val="0"/>
+          <c:spPr>
+            <a:noFill/>
+            <a:ln>
+              <a:noFill/>
+            </a:ln>
+            <a:effectLst/>
+          </c:spPr>
+          <c:txPr>
+            <a:bodyPr rot="-5400000" spcFirstLastPara="1" vertOverflow="ellipsis" vert="horz" wrap="square" anchor="ctr" anchorCtr="1"/>
+            <a:lstStyle/>
+            <a:p>
+              <a:pPr>
+                <a:defRPr sz="1000" b="0" i="0" u="none" strike="noStrike" kern="1200" baseline="0">
+                  <a:solidFill>
+                    <a:schemeClr val="tx1">
+                      <a:lumMod val="65000"/>
+                      <a:lumOff val="35000"/>
+                    </a:schemeClr>
+                  </a:solidFill>
+                  <a:latin typeface="+mn-lt"/>
+                  <a:ea typeface="+mn-ea"/>
+                  <a:cs typeface="+mn-cs"/>
+                </a:defRPr>
+              </a:pPr>
+              <a:endParaRPr lang="en-US"/>
+            </a:p>
+          </c:txPr>
+        </c:title>
+        <c:numFmt formatCode="General" sourceLinked="1"/>
+        <c:majorTickMark val="none"/>
+        <c:minorTickMark val="none"/>
+        <c:tickLblPos val="nextTo"/>
+        <c:spPr>
+          <a:noFill/>
+          <a:ln>
+            <a:noFill/>
+          </a:ln>
+          <a:effectLst/>
+        </c:spPr>
+        <c:txPr>
+          <a:bodyPr rot="-60000000" spcFirstLastPara="1" vertOverflow="ellipsis" vert="horz" wrap="square" anchor="ctr" anchorCtr="1"/>
+          <a:lstStyle/>
+          <a:p>
+            <a:pPr>
+              <a:defRPr sz="900" b="0" i="0" u="none" strike="noStrike" kern="1200" baseline="0">
+                <a:solidFill>
+                  <a:schemeClr val="tx1">
+                    <a:lumMod val="65000"/>
+                    <a:lumOff val="35000"/>
+                  </a:schemeClr>
+                </a:solidFill>
+                <a:latin typeface="+mn-lt"/>
+                <a:ea typeface="+mn-ea"/>
+                <a:cs typeface="+mn-cs"/>
+              </a:defRPr>
+            </a:pPr>
+            <a:endParaRPr lang="en-US"/>
+          </a:p>
+        </c:txPr>
+        <c:crossAx val="394856799"/>
+        <c:crosses val="autoZero"/>
+        <c:crossBetween val="between"/>
+      </c:valAx>
+      <c:spPr>
+        <a:noFill/>
+        <a:ln>
+          <a:noFill/>
+        </a:ln>
+        <a:effectLst/>
+      </c:spPr>
+    </c:plotArea>
+    <c:legend>
+      <c:legendPos val="r"/>
+      <c:layout/>
+      <c:overlay val="0"/>
+      <c:spPr>
+        <a:noFill/>
+        <a:ln>
+          <a:noFill/>
+        </a:ln>
+        <a:effectLst/>
+      </c:spPr>
+      <c:txPr>
+        <a:bodyPr rot="0" spcFirstLastPara="1" vertOverflow="ellipsis" vert="horz" wrap="square" anchor="ctr" anchorCtr="1"/>
+        <a:lstStyle/>
+        <a:p>
+          <a:pPr>
+            <a:defRPr sz="900" b="0" i="0" u="none" strike="noStrike" kern="1200" baseline="0">
+              <a:solidFill>
+                <a:schemeClr val="tx1">
+                  <a:lumMod val="65000"/>
+                  <a:lumOff val="35000"/>
+                </a:schemeClr>
+              </a:solidFill>
+              <a:latin typeface="+mn-lt"/>
+              <a:ea typeface="+mn-ea"/>
+              <a:cs typeface="+mn-cs"/>
+            </a:defRPr>
+          </a:pPr>
+          <a:endParaRPr lang="en-US"/>
+        </a:p>
+      </c:txPr>
+    </c:legend>
+    <c:plotVisOnly val="1"/>
+    <c:dispBlanksAs val="gap"/>
+    <c:showDLblsOverMax val="0"/>
+  </c:chart>
+  <c:spPr>
+    <a:solidFill>
+      <a:schemeClr val="bg1"/>
+    </a:solidFill>
+    <a:ln>
+      <a:noFill/>
+    </a:ln>
+    <a:effectLst/>
+  </c:spPr>
+  <c:txPr>
+    <a:bodyPr/>
+    <a:lstStyle/>
+    <a:p>
+      <a:pPr>
+        <a:defRPr/>
+      </a:pPr>
+      <a:endParaRPr lang="en-US"/>
+    </a:p>
+  </c:txPr>
+  <c:externalData r:id="rId3">
+    <c:autoUpdate val="0"/>
+  </c:externalData>
+</c:chartSpace>
+</file>
+
+<file path=ppt/charts/colors1.xml><?xml version="1.0" encoding="utf-8"?>
+<cs:colorStyle xmlns:cs="http://schemas.microsoft.com/office/drawing/2012/chartStyle" xmlns:a="http://schemas.openxmlformats.org/drawingml/2006/main" meth="cycle" id="10">
+  <a:schemeClr val="accent1"/>
+  <a:schemeClr val="accent2"/>
+  <a:schemeClr val="accent3"/>
+  <a:schemeClr val="accent4"/>
+  <a:schemeClr val="accent5"/>
+  <a:schemeClr val="accent6"/>
+  <cs:variation/>
+  <cs:variation>
+    <a:lumMod val="60000"/>
+  </cs:variation>
+  <cs:variation>
+    <a:lumMod val="80000"/>
+    <a:lumOff val="20000"/>
+  </cs:variation>
+  <cs:variation>
+    <a:lumMod val="80000"/>
+  </cs:variation>
+  <cs:variation>
+    <a:lumMod val="60000"/>
+    <a:lumOff val="40000"/>
+  </cs:variation>
+  <cs:variation>
+    <a:lumMod val="50000"/>
+  </cs:variation>
+  <cs:variation>
+    <a:lumMod val="70000"/>
+    <a:lumOff val="30000"/>
+  </cs:variation>
+  <cs:variation>
+    <a:lumMod val="70000"/>
+  </cs:variation>
+  <cs:variation>
+    <a:lumMod val="50000"/>
+    <a:lumOff val="50000"/>
+  </cs:variation>
+</cs:colorStyle>
+</file>
+
+<file path=ppt/charts/style1.xml><?xml version="1.0" encoding="utf-8"?>
+<cs:chartStyle xmlns:cs="http://schemas.microsoft.com/office/drawing/2012/chartStyle" xmlns:a="http://schemas.openxmlformats.org/drawingml/2006/main" id="227">
+  <cs:axisTitle>
+    <cs:lnRef idx="0"/>
+    <cs:fillRef idx="0"/>
+    <cs:effectRef idx="0"/>
+    <cs:fontRef idx="minor">
+      <a:schemeClr val="tx1">
+        <a:lumMod val="65000"/>
+        <a:lumOff val="35000"/>
+      </a:schemeClr>
+    </cs:fontRef>
+    <cs:defRPr sz="1000" kern="1200"/>
+  </cs:axisTitle>
+  <cs:categoryAxis>
+    <cs:lnRef idx="0"/>
+    <cs:fillRef idx="0"/>
+    <cs:effectRef idx="0"/>
+    <cs:fontRef idx="minor">
+      <a:schemeClr val="tx1">
+        <a:lumMod val="65000"/>
+        <a:lumOff val="35000"/>
+      </a:schemeClr>
+    </cs:fontRef>
+    <cs:spPr>
+      <a:ln w="9525" cap="flat" cmpd="sng" algn="ctr">
+        <a:solidFill>
+          <a:schemeClr val="tx1">
+            <a:lumMod val="15000"/>
+            <a:lumOff val="85000"/>
+          </a:schemeClr>
+        </a:solidFill>
+        <a:round/>
+      </a:ln>
+    </cs:spPr>
+    <cs:defRPr sz="900" kern="1200"/>
+  </cs:categoryAxis>
+  <cs:chartArea mods="allowNoFillOverride allowNoLineOverride">
+    <cs:lnRef idx="0"/>
+    <cs:fillRef idx="0"/>
+    <cs:effectRef idx="0"/>
+    <cs:fontRef idx="minor">
+      <a:schemeClr val="tx1"/>
+    </cs:fontRef>
+    <cs:spPr>
+      <a:solidFill>
+        <a:schemeClr val="bg1"/>
+      </a:solidFill>
+      <a:ln w="9525" cap="flat" cmpd="sng" algn="ctr">
+        <a:solidFill>
+          <a:schemeClr val="tx1">
+            <a:lumMod val="15000"/>
+            <a:lumOff val="85000"/>
+          </a:schemeClr>
+        </a:solidFill>
+        <a:round/>
+      </a:ln>
+    </cs:spPr>
+    <cs:defRPr sz="1000" kern="1200"/>
+  </cs:chartArea>
+  <cs:dataLabel>
+    <cs:lnRef idx="0"/>
+    <cs:fillRef idx="0"/>
+    <cs:effectRef idx="0"/>
+    <cs:fontRef idx="minor">
+      <a:schemeClr val="tx1">
+        <a:lumMod val="75000"/>
+        <a:lumOff val="25000"/>
+      </a:schemeClr>
+    </cs:fontRef>
+    <cs:defRPr sz="900" kern="1200"/>
+  </cs:dataLabel>
+  <cs:dataLabelCallout>
+    <cs:lnRef idx="0"/>
+    <cs:fillRef idx="0"/>
+    <cs:effectRef idx="0"/>
+    <cs:fontRef idx="minor">
+      <a:schemeClr val="dk1">
+        <a:lumMod val="65000"/>
+        <a:lumOff val="35000"/>
+      </a:schemeClr>
+    </cs:fontRef>
+    <cs:spPr>
+      <a:solidFill>
+        <a:schemeClr val="lt1"/>
+      </a:solidFill>
+      <a:ln>
+        <a:solidFill>
+          <a:schemeClr val="dk1">
+            <a:lumMod val="25000"/>
+            <a:lumOff val="75000"/>
+          </a:schemeClr>
+        </a:solidFill>
+      </a:ln>
+    </cs:spPr>
+    <cs:defRPr sz="900" kern="1200"/>
+    <cs:bodyPr rot="0" spcFirstLastPara="1" vertOverflow="clip" horzOverflow="clip" vert="horz" wrap="square" lIns="36576" tIns="18288" rIns="36576" bIns="18288" anchor="ctr" anchorCtr="1">
+      <a:spAutoFit/>
+    </cs:bodyPr>
+  </cs:dataLabelCallout>
+  <cs:dataPoint>
+    <cs:lnRef idx="0"/>
+    <cs:fillRef idx="1">
+      <cs:styleClr val="auto"/>
+    </cs:fillRef>
+    <cs:effectRef idx="0"/>
+    <cs:fontRef idx="minor">
+      <a:schemeClr val="tx1"/>
+    </cs:fontRef>
+    <cs:spPr>
+      <a:solidFill>
+        <a:schemeClr val="phClr"/>
+      </a:solidFill>
+    </cs:spPr>
+  </cs:dataPoint>
+  <cs:dataPoint3D>
+    <cs:lnRef idx="0"/>
+    <cs:fillRef idx="1">
+      <cs:styleClr val="auto"/>
+    </cs:fillRef>
+    <cs:effectRef idx="0"/>
+    <cs:fontRef idx="minor">
+      <a:schemeClr val="tx1"/>
+    </cs:fontRef>
+    <cs:spPr>
+      <a:solidFill>
+        <a:schemeClr val="phClr"/>
+      </a:solidFill>
+    </cs:spPr>
+  </cs:dataPoint3D>
+  <cs:dataPointLine>
+    <cs:lnRef idx="0">
+      <cs:styleClr val="auto"/>
+    </cs:lnRef>
+    <cs:fillRef idx="1"/>
+    <cs:effectRef idx="0"/>
+    <cs:fontRef idx="minor">
+      <a:schemeClr val="tx1"/>
+    </cs:fontRef>
+    <cs:spPr>
+      <a:ln w="28575" cap="rnd">
+        <a:solidFill>
+          <a:schemeClr val="phClr"/>
+        </a:solidFill>
+        <a:round/>
+      </a:ln>
+    </cs:spPr>
+  </cs:dataPointLine>
+  <cs:dataPointMarker>
+    <cs:lnRef idx="0">
+      <cs:styleClr val="auto"/>
+    </cs:lnRef>
+    <cs:fillRef idx="1">
+      <cs:styleClr val="auto"/>
+    </cs:fillRef>
+    <cs:effectRef idx="0"/>
+    <cs:fontRef idx="minor">
+      <a:schemeClr val="tx1"/>
+    </cs:fontRef>
+    <cs:spPr>
+      <a:solidFill>
+        <a:schemeClr val="phClr"/>
+      </a:solidFill>
+      <a:ln w="9525">
+        <a:solidFill>
+          <a:schemeClr val="phClr"/>
+        </a:solidFill>
+      </a:ln>
+    </cs:spPr>
+  </cs:dataPointMarker>
+  <cs:dataPointMarkerLayout symbol="circle" size="5"/>
+  <cs:dataPointWireframe>
+    <cs:lnRef idx="0">
+      <cs:styleClr val="auto"/>
+    </cs:lnRef>
+    <cs:fillRef idx="1"/>
+    <cs:effectRef idx="0"/>
+    <cs:fontRef idx="minor">
+      <a:schemeClr val="tx1"/>
+    </cs:fontRef>
+    <cs:spPr>
+      <a:ln w="9525" cap="rnd">
+        <a:solidFill>
+          <a:schemeClr val="phClr"/>
+        </a:solidFill>
+        <a:round/>
+      </a:ln>
+    </cs:spPr>
+  </cs:dataPointWireframe>
+  <cs:dataTable>
+    <cs:lnRef idx="0"/>
+    <cs:fillRef idx="0"/>
+    <cs:effectRef idx="0"/>
+    <cs:fontRef idx="minor">
+      <a:schemeClr val="tx1">
+        <a:lumMod val="65000"/>
+        <a:lumOff val="35000"/>
+      </a:schemeClr>
+    </cs:fontRef>
+    <cs:spPr>
+      <a:noFill/>
+      <a:ln w="9525" cap="flat" cmpd="sng" algn="ctr">
+        <a:solidFill>
+          <a:schemeClr val="tx1">
+            <a:lumMod val="15000"/>
+            <a:lumOff val="85000"/>
+          </a:schemeClr>
+        </a:solidFill>
+        <a:round/>
+      </a:ln>
+    </cs:spPr>
+    <cs:defRPr sz="900" kern="1200"/>
+  </cs:dataTable>
+  <cs:downBar>
+    <cs:lnRef idx="0"/>
+    <cs:fillRef idx="0"/>
+    <cs:effectRef idx="0"/>
+    <cs:fontRef idx="minor">
+      <a:schemeClr val="dk1"/>
+    </cs:fontRef>
+    <cs:spPr>
+      <a:solidFill>
+        <a:schemeClr val="dk1">
+          <a:lumMod val="65000"/>
+          <a:lumOff val="35000"/>
+        </a:schemeClr>
+      </a:solidFill>
+      <a:ln w="9525">
+        <a:solidFill>
+          <a:schemeClr val="tx1">
+            <a:lumMod val="65000"/>
+            <a:lumOff val="35000"/>
+          </a:schemeClr>
+        </a:solidFill>
+      </a:ln>
+    </cs:spPr>
+  </cs:downBar>
+  <cs:dropLine>
+    <cs:lnRef idx="0"/>
+    <cs:fillRef idx="0"/>
+    <cs:effectRef idx="0"/>
+    <cs:fontRef idx="minor">
+      <a:schemeClr val="tx1"/>
+    </cs:fontRef>
+    <cs:spPr>
+      <a:ln w="9525" cap="flat" cmpd="sng" algn="ctr">
+        <a:solidFill>
+          <a:schemeClr val="tx1">
+            <a:lumMod val="35000"/>
+            <a:lumOff val="65000"/>
+          </a:schemeClr>
+        </a:solidFill>
+        <a:round/>
+      </a:ln>
+    </cs:spPr>
+  </cs:dropLine>
+  <cs:errorBar>
+    <cs:lnRef idx="0"/>
+    <cs:fillRef idx="0"/>
+    <cs:effectRef idx="0"/>
+    <cs:fontRef idx="minor">
+      <a:schemeClr val="tx1"/>
+    </cs:fontRef>
+    <cs:spPr>
+      <a:ln w="9525" cap="flat" cmpd="sng" algn="ctr">
+        <a:solidFill>
+          <a:schemeClr val="tx1">
+            <a:lumMod val="65000"/>
+            <a:lumOff val="35000"/>
+          </a:schemeClr>
+        </a:solidFill>
+        <a:round/>
+      </a:ln>
+    </cs:spPr>
+  </cs:errorBar>
+  <cs:floor>
+    <cs:lnRef idx="0"/>
+    <cs:fillRef idx="0"/>
+    <cs:effectRef idx="0"/>
+    <cs:fontRef idx="minor">
+      <a:schemeClr val="tx1"/>
+    </cs:fontRef>
+    <cs:spPr>
+      <a:noFill/>
+      <a:ln>
+        <a:noFill/>
+      </a:ln>
+    </cs:spPr>
+  </cs:floor>
+  <cs:gridlineMajor>
+    <cs:lnRef idx="0"/>
+    <cs:fillRef idx="0"/>
+    <cs:effectRef idx="0"/>
+    <cs:fontRef idx="minor">
+      <a:schemeClr val="tx1"/>
+    </cs:fontRef>
+    <cs:spPr>
+      <a:ln w="9525" cap="flat" cmpd="sng" algn="ctr">
+        <a:solidFill>
+          <a:schemeClr val="tx1">
+            <a:lumMod val="15000"/>
+            <a:lumOff val="85000"/>
+          </a:schemeClr>
+        </a:solidFill>
+        <a:round/>
+      </a:ln>
+    </cs:spPr>
+  </cs:gridlineMajor>
+  <cs:gridlineMinor>
+    <cs:lnRef idx="0"/>
+    <cs:fillRef idx="0"/>
+    <cs:effectRef idx="0"/>
+    <cs:fontRef idx="minor">
+      <a:schemeClr val="tx1"/>
+    </cs:fontRef>
+    <cs:spPr>
+      <a:ln w="9525" cap="flat" cmpd="sng" algn="ctr">
+        <a:solidFill>
+          <a:schemeClr val="tx1">
+            <a:lumMod val="5000"/>
+            <a:lumOff val="95000"/>
+          </a:schemeClr>
+        </a:solidFill>
+        <a:round/>
+      </a:ln>
+    </cs:spPr>
+  </cs:gridlineMinor>
+  <cs:hiLoLine>
+    <cs:lnRef idx="0"/>
+    <cs:fillRef idx="0"/>
+    <cs:effectRef idx="0"/>
+    <cs:fontRef idx="minor">
+      <a:schemeClr val="tx1"/>
+    </cs:fontRef>
+    <cs:spPr>
+      <a:ln w="9525" cap="flat" cmpd="sng" algn="ctr">
+        <a:solidFill>
+          <a:schemeClr val="tx1">
+            <a:lumMod val="75000"/>
+            <a:lumOff val="25000"/>
+          </a:schemeClr>
+        </a:solidFill>
+        <a:round/>
+      </a:ln>
+    </cs:spPr>
+  </cs:hiLoLine>
+  <cs:leaderLine>
+    <cs:lnRef idx="0"/>
+    <cs:fillRef idx="0"/>
+    <cs:effectRef idx="0"/>
+    <cs:fontRef idx="minor">
+      <a:schemeClr val="tx1"/>
+    </cs:fontRef>
+    <cs:spPr>
+      <a:ln w="9525" cap="flat" cmpd="sng" algn="ctr">
+        <a:solidFill>
+          <a:schemeClr val="tx1">
+            <a:lumMod val="35000"/>
+            <a:lumOff val="65000"/>
+          </a:schemeClr>
+        </a:solidFill>
+        <a:round/>
+      </a:ln>
+    </cs:spPr>
+  </cs:leaderLine>
+  <cs:legend>
+    <cs:lnRef idx="0"/>
+    <cs:fillRef idx="0"/>
+    <cs:effectRef idx="0"/>
+    <cs:fontRef idx="minor">
+      <a:schemeClr val="tx1">
+        <a:lumMod val="65000"/>
+        <a:lumOff val="35000"/>
+      </a:schemeClr>
+    </cs:fontRef>
+    <cs:defRPr sz="900" kern="1200"/>
+  </cs:legend>
+  <cs:plotArea mods="allowNoFillOverride allowNoLineOverride">
+    <cs:lnRef idx="0"/>
+    <cs:fillRef idx="0"/>
+    <cs:effectRef idx="0"/>
+    <cs:fontRef idx="minor">
+      <a:schemeClr val="tx1"/>
+    </cs:fontRef>
+  </cs:plotArea>
+  <cs:plotArea3D mods="allowNoFillOverride allowNoLineOverride">
+    <cs:lnRef idx="0"/>
+    <cs:fillRef idx="0"/>
+    <cs:effectRef idx="0"/>
+    <cs:fontRef idx="minor">
+      <a:schemeClr val="tx1"/>
+    </cs:fontRef>
+  </cs:plotArea3D>
+  <cs:seriesAxis>
+    <cs:lnRef idx="0"/>
+    <cs:fillRef idx="0"/>
+    <cs:effectRef idx="0"/>
+    <cs:fontRef idx="minor">
+      <a:schemeClr val="tx1">
+        <a:lumMod val="65000"/>
+        <a:lumOff val="35000"/>
+      </a:schemeClr>
+    </cs:fontRef>
+    <cs:defRPr sz="900" kern="1200"/>
+  </cs:seriesAxis>
+  <cs:seriesLine>
+    <cs:lnRef idx="0"/>
+    <cs:fillRef idx="0"/>
+    <cs:effectRef idx="0"/>
+    <cs:fontRef idx="minor">
+      <a:schemeClr val="tx1"/>
+    </cs:fontRef>
+    <cs:spPr>
+      <a:ln w="9525" cap="flat" cmpd="sng" algn="ctr">
+        <a:solidFill>
+          <a:schemeClr val="tx1">
+            <a:lumMod val="35000"/>
+            <a:lumOff val="65000"/>
+          </a:schemeClr>
+        </a:solidFill>
+        <a:round/>
+      </a:ln>
+    </cs:spPr>
+  </cs:seriesLine>
+  <cs:title>
+    <cs:lnRef idx="0"/>
+    <cs:fillRef idx="0"/>
+    <cs:effectRef idx="0"/>
+    <cs:fontRef idx="minor">
+      <a:schemeClr val="tx1">
+        <a:lumMod val="65000"/>
+        <a:lumOff val="35000"/>
+      </a:schemeClr>
+    </cs:fontRef>
+    <cs:defRPr sz="1400" b="0" kern="1200" spc="0" baseline="0"/>
+  </cs:title>
+  <cs:trendline>
+    <cs:lnRef idx="0">
+      <cs:styleClr val="auto"/>
+    </cs:lnRef>
+    <cs:fillRef idx="0"/>
+    <cs:effectRef idx="0"/>
+    <cs:fontRef idx="minor">
+      <a:schemeClr val="tx1"/>
+    </cs:fontRef>
+    <cs:spPr>
+      <a:ln w="19050" cap="rnd">
+        <a:solidFill>
+          <a:schemeClr val="phClr"/>
+        </a:solidFill>
+        <a:prstDash val="sysDot"/>
+      </a:ln>
+    </cs:spPr>
+  </cs:trendline>
+  <cs:trendlineLabel>
+    <cs:lnRef idx="0"/>
+    <cs:fillRef idx="0"/>
+    <cs:effectRef idx="0"/>
+    <cs:fontRef idx="minor">
+      <a:schemeClr val="tx1">
+        <a:lumMod val="65000"/>
+        <a:lumOff val="35000"/>
+      </a:schemeClr>
+    </cs:fontRef>
+    <cs:defRPr sz="900" kern="1200"/>
+  </cs:trendlineLabel>
+  <cs:upBar>
+    <cs:lnRef idx="0"/>
+    <cs:fillRef idx="0"/>
+    <cs:effectRef idx="0"/>
+    <cs:fontRef idx="minor">
+      <a:schemeClr val="dk1"/>
+    </cs:fontRef>
+    <cs:spPr>
+      <a:solidFill>
+        <a:schemeClr val="lt1"/>
+      </a:solidFill>
+      <a:ln w="9525">
+        <a:solidFill>
+          <a:schemeClr val="tx1">
+            <a:lumMod val="15000"/>
+            <a:lumOff val="85000"/>
+          </a:schemeClr>
+        </a:solidFill>
+      </a:ln>
+    </cs:spPr>
+  </cs:upBar>
+  <cs:valueAxis>
+    <cs:lnRef idx="0"/>
+    <cs:fillRef idx="0"/>
+    <cs:effectRef idx="0"/>
+    <cs:fontRef idx="minor">
+      <a:schemeClr val="tx1">
+        <a:lumMod val="65000"/>
+        <a:lumOff val="35000"/>
+      </a:schemeClr>
+    </cs:fontRef>
+    <cs:defRPr sz="900" kern="1200"/>
+  </cs:valueAxis>
+  <cs:wall>
+    <cs:lnRef idx="0"/>
+    <cs:fillRef idx="0"/>
+    <cs:effectRef idx="0"/>
+    <cs:fontRef idx="minor">
+      <a:schemeClr val="tx1"/>
+    </cs:fontRef>
+    <cs:spPr>
+      <a:noFill/>
+      <a:ln>
+        <a:noFill/>
+      </a:ln>
+    </cs:spPr>
+  </cs:wall>
+</cs:chartStyle>
+</file>
+
 <file path=ppt/notesMasters/notesMaster1.xml><?xml version="1.0" encoding="utf-8"?>
 <p:notesMaster xmlns:a="http://schemas.openxmlformats.org/drawingml/2006/main" xmlns:r="http://schemas.openxmlformats.org/officeDocument/2006/relationships" xmlns:p="http://schemas.openxmlformats.org/presentationml/2006/main">
   <p:cSld>
@@ -231,7 +2500,7 @@
             <a:fld id="{555AB46F-D0DD-4299-A227-5787DFAC4E78}" type="datetimeFigureOut">
               <a:rPr lang="he-IL" smtClean="0"/>
               <a:pPr/>
-              <a:t>כ"ו/טבת/תשע"ט</a:t>
+              <a:t>א'/שבט/תשע"ט</a:t>
             </a:fld>
             <a:endParaRPr lang="he-IL"/>
           </a:p>
@@ -843,7 +3112,7 @@
             <a:fld id="{0BAAA6C0-FC25-41E4-8636-655D3F15062E}" type="datetimeFigureOut">
               <a:rPr lang="he-IL" smtClean="0"/>
               <a:pPr/>
-              <a:t>כ"ו/טבת/תשע"ט</a:t>
+              <a:t>א'/שבט/תשע"ט</a:t>
             </a:fld>
             <a:endParaRPr lang="he-IL"/>
           </a:p>
@@ -1010,7 +3279,7 @@
             <a:fld id="{0BAAA6C0-FC25-41E4-8636-655D3F15062E}" type="datetimeFigureOut">
               <a:rPr lang="he-IL" smtClean="0"/>
               <a:pPr/>
-              <a:t>כ"ו/טבת/תשע"ט</a:t>
+              <a:t>א'/שבט/תשע"ט</a:t>
             </a:fld>
             <a:endParaRPr lang="he-IL"/>
           </a:p>
@@ -1187,7 +3456,7 @@
             <a:fld id="{0BAAA6C0-FC25-41E4-8636-655D3F15062E}" type="datetimeFigureOut">
               <a:rPr lang="he-IL" smtClean="0"/>
               <a:pPr/>
-              <a:t>כ"ו/טבת/תשע"ט</a:t>
+              <a:t>א'/שבט/תשע"ט</a:t>
             </a:fld>
             <a:endParaRPr lang="he-IL"/>
           </a:p>
@@ -1354,7 +3623,7 @@
             <a:fld id="{0BAAA6C0-FC25-41E4-8636-655D3F15062E}" type="datetimeFigureOut">
               <a:rPr lang="he-IL" smtClean="0"/>
               <a:pPr/>
-              <a:t>כ"ו/טבת/תשע"ט</a:t>
+              <a:t>א'/שבט/תשע"ט</a:t>
             </a:fld>
             <a:endParaRPr lang="he-IL"/>
           </a:p>
@@ -1597,7 +3866,7 @@
             <a:fld id="{0BAAA6C0-FC25-41E4-8636-655D3F15062E}" type="datetimeFigureOut">
               <a:rPr lang="he-IL" smtClean="0"/>
               <a:pPr/>
-              <a:t>כ"ו/טבת/תשע"ט</a:t>
+              <a:t>א'/שבט/תשע"ט</a:t>
             </a:fld>
             <a:endParaRPr lang="he-IL"/>
           </a:p>
@@ -1882,7 +4151,7 @@
             <a:fld id="{0BAAA6C0-FC25-41E4-8636-655D3F15062E}" type="datetimeFigureOut">
               <a:rPr lang="he-IL" smtClean="0"/>
               <a:pPr/>
-              <a:t>כ"ו/טבת/תשע"ט</a:t>
+              <a:t>א'/שבט/תשע"ט</a:t>
             </a:fld>
             <a:endParaRPr lang="he-IL"/>
           </a:p>
@@ -2306,7 +4575,7 @@
             <a:fld id="{0BAAA6C0-FC25-41E4-8636-655D3F15062E}" type="datetimeFigureOut">
               <a:rPr lang="he-IL" smtClean="0"/>
               <a:pPr/>
-              <a:t>כ"ו/טבת/תשע"ט</a:t>
+              <a:t>א'/שבט/תשע"ט</a:t>
             </a:fld>
             <a:endParaRPr lang="he-IL"/>
           </a:p>
@@ -2421,7 +4690,7 @@
             <a:fld id="{0BAAA6C0-FC25-41E4-8636-655D3F15062E}" type="datetimeFigureOut">
               <a:rPr lang="he-IL" smtClean="0"/>
               <a:pPr/>
-              <a:t>כ"ו/טבת/תשע"ט</a:t>
+              <a:t>א'/שבט/תשע"ט</a:t>
             </a:fld>
             <a:endParaRPr lang="he-IL"/>
           </a:p>
@@ -2513,7 +4782,7 @@
             <a:fld id="{0BAAA6C0-FC25-41E4-8636-655D3F15062E}" type="datetimeFigureOut">
               <a:rPr lang="he-IL" smtClean="0"/>
               <a:pPr/>
-              <a:t>כ"ו/טבת/תשע"ט</a:t>
+              <a:t>א'/שבט/תשע"ט</a:t>
             </a:fld>
             <a:endParaRPr lang="he-IL"/>
           </a:p>
@@ -2787,7 +5056,7 @@
             <a:fld id="{0BAAA6C0-FC25-41E4-8636-655D3F15062E}" type="datetimeFigureOut">
               <a:rPr lang="he-IL" smtClean="0"/>
               <a:pPr/>
-              <a:t>כ"ו/טבת/תשע"ט</a:t>
+              <a:t>א'/שבט/תשע"ט</a:t>
             </a:fld>
             <a:endParaRPr lang="he-IL"/>
           </a:p>
@@ -3037,7 +5306,7 @@
             <a:fld id="{0BAAA6C0-FC25-41E4-8636-655D3F15062E}" type="datetimeFigureOut">
               <a:rPr lang="he-IL" smtClean="0"/>
               <a:pPr/>
-              <a:t>כ"ו/טבת/תשע"ט</a:t>
+              <a:t>א'/שבט/תשע"ט</a:t>
             </a:fld>
             <a:endParaRPr lang="he-IL"/>
           </a:p>
@@ -3247,7 +5516,7 @@
             <a:fld id="{0BAAA6C0-FC25-41E4-8636-655D3F15062E}" type="datetimeFigureOut">
               <a:rPr lang="he-IL" smtClean="0"/>
               <a:pPr/>
-              <a:t>כ"ו/טבת/תשע"ט</a:t>
+              <a:t>א'/שבט/תשע"ט</a:t>
             </a:fld>
             <a:endParaRPr lang="he-IL"/>
           </a:p>
@@ -3846,6 +6115,315 @@
 </p:sld>
 </file>
 
+<file path=ppt/slides/slide10.xml><?xml version="1.0" encoding="utf-8"?>
+<p:sld xmlns:a="http://schemas.openxmlformats.org/drawingml/2006/main" xmlns:r="http://schemas.openxmlformats.org/officeDocument/2006/relationships" xmlns:p="http://schemas.openxmlformats.org/presentationml/2006/main">
+  <p:cSld>
+    <p:bg>
+      <p:bgPr>
+        <a:solidFill>
+          <a:schemeClr val="tx1"/>
+        </a:solidFill>
+        <a:effectLst/>
+      </p:bgPr>
+    </p:bg>
+    <p:spTree>
+      <p:nvGrpSpPr>
+        <p:cNvPr id="1" name=""/>
+        <p:cNvGrpSpPr/>
+        <p:nvPr/>
+      </p:nvGrpSpPr>
+      <p:grpSpPr>
+        <a:xfrm>
+          <a:off x="0" y="0"/>
+          <a:ext cx="0" cy="0"/>
+          <a:chOff x="0" y="0"/>
+          <a:chExt cx="0" cy="0"/>
+        </a:xfrm>
+      </p:grpSpPr>
+      <p:sp>
+        <p:nvSpPr>
+          <p:cNvPr id="2" name="כותרת 1"/>
+          <p:cNvSpPr>
+            <a:spLocks noGrp="1"/>
+          </p:cNvSpPr>
+          <p:nvPr>
+            <p:ph type="title"/>
+          </p:nvPr>
+        </p:nvSpPr>
+        <p:spPr/>
+        <p:txBody>
+          <a:bodyPr>
+            <a:noAutofit/>
+          </a:bodyPr>
+          <a:lstStyle/>
+          <a:p>
+            <a:r>
+              <a:rPr lang="en-US" dirty="0" smtClean="0">
+                <a:solidFill>
+                  <a:schemeClr val="bg1">
+                    <a:lumMod val="85000"/>
+                  </a:schemeClr>
+                </a:solidFill>
+                <a:latin typeface="Arial" pitchFamily="34" charset="0"/>
+                <a:cs typeface="Arial" pitchFamily="34" charset="0"/>
+              </a:rPr>
+              <a:t>FITNESS FUNCTION</a:t>
+            </a:r>
+            <a:endParaRPr lang="he-IL" dirty="0">
+              <a:solidFill>
+                <a:schemeClr val="bg1">
+                  <a:lumMod val="85000"/>
+                </a:schemeClr>
+              </a:solidFill>
+              <a:latin typeface="Arial" pitchFamily="34" charset="0"/>
+              <a:cs typeface="Arial" pitchFamily="34" charset="0"/>
+            </a:endParaRPr>
+          </a:p>
+        </p:txBody>
+      </p:sp>
+      <p:pic>
+        <p:nvPicPr>
+          <p:cNvPr id="10" name="מציין מיקום תוכן 9" descr="fireworkbig-1.jpg"/>
+          <p:cNvPicPr>
+            <a:picLocks noGrp="1" noChangeAspect="1"/>
+          </p:cNvPicPr>
+          <p:nvPr>
+            <p:ph idx="1"/>
+          </p:nvPr>
+        </p:nvPicPr>
+        <p:blipFill>
+          <a:blip r:embed="rId2" cstate="print"/>
+          <a:stretch>
+            <a:fillRect/>
+          </a:stretch>
+        </p:blipFill>
+        <p:spPr>
+          <a:xfrm>
+            <a:off x="7358082" y="-17"/>
+            <a:ext cx="1785950" cy="1181176"/>
+          </a:xfrm>
+        </p:spPr>
+      </p:pic>
+      <p:pic>
+        <p:nvPicPr>
+          <p:cNvPr id="12" name="מציין מיקום תוכן 9" descr="fireworkbig-1.jpg"/>
+          <p:cNvPicPr>
+            <a:picLocks noChangeAspect="1"/>
+          </p:cNvPicPr>
+          <p:nvPr/>
+        </p:nvPicPr>
+        <p:blipFill>
+          <a:blip r:embed="rId2" cstate="print"/>
+          <a:stretch>
+            <a:fillRect/>
+          </a:stretch>
+        </p:blipFill>
+        <p:spPr>
+          <a:xfrm>
+            <a:off x="-32" y="-18"/>
+            <a:ext cx="1785950" cy="1181176"/>
+          </a:xfrm>
+          <a:prstGeom prst="rect">
+            <a:avLst/>
+          </a:prstGeom>
+        </p:spPr>
+      </p:pic>
+      <p:pic>
+        <p:nvPicPr>
+          <p:cNvPr id="14" name="תמונה 13" descr="images (4).jpg"/>
+          <p:cNvPicPr>
+            <a:picLocks noChangeAspect="1"/>
+          </p:cNvPicPr>
+          <p:nvPr/>
+        </p:nvPicPr>
+        <p:blipFill>
+          <a:blip r:embed="rId3"/>
+          <a:srcRect l="20199" r="17715"/>
+          <a:stretch>
+            <a:fillRect/>
+          </a:stretch>
+        </p:blipFill>
+        <p:spPr>
+          <a:xfrm>
+            <a:off x="8143900" y="1142990"/>
+            <a:ext cx="1000132" cy="890778"/>
+          </a:xfrm>
+          <a:prstGeom prst="rect">
+            <a:avLst/>
+          </a:prstGeom>
+        </p:spPr>
+      </p:pic>
+      <p:pic>
+        <p:nvPicPr>
+          <p:cNvPr id="15" name="תמונה 14" descr="images (4).jpg"/>
+          <p:cNvPicPr>
+            <a:picLocks noChangeAspect="1"/>
+          </p:cNvPicPr>
+          <p:nvPr/>
+        </p:nvPicPr>
+        <p:blipFill>
+          <a:blip r:embed="rId3"/>
+          <a:srcRect l="20199" r="17715"/>
+          <a:stretch>
+            <a:fillRect/>
+          </a:stretch>
+        </p:blipFill>
+        <p:spPr>
+          <a:xfrm>
+            <a:off x="-32" y="1071552"/>
+            <a:ext cx="1000132" cy="890778"/>
+          </a:xfrm>
+          <a:prstGeom prst="rect">
+            <a:avLst/>
+          </a:prstGeom>
+        </p:spPr>
+      </p:pic>
+      <p:sp>
+        <p:nvSpPr>
+          <p:cNvPr id="7" name="TextBox 6"/>
+          <p:cNvSpPr txBox="1"/>
+          <p:nvPr/>
+        </p:nvSpPr>
+        <p:spPr>
+          <a:xfrm>
+            <a:off x="1000100" y="1071553"/>
+            <a:ext cx="7215238" cy="2246769"/>
+          </a:xfrm>
+          <a:prstGeom prst="rect">
+            <a:avLst/>
+          </a:prstGeom>
+          <a:noFill/>
+        </p:spPr>
+        <p:txBody>
+          <a:bodyPr wrap="square" rtlCol="1">
+            <a:spAutoFit/>
+          </a:bodyPr>
+          <a:lstStyle/>
+          <a:p>
+            <a:pPr algn="l" rtl="0">
+              <a:buFont typeface="Arial" pitchFamily="34" charset="0"/>
+              <a:buChar char="•"/>
+            </a:pPr>
+            <a:endParaRPr lang="en-US" sz="2000" dirty="0" smtClean="0">
+              <a:solidFill>
+                <a:schemeClr val="bg1">
+                  <a:lumMod val="85000"/>
+                </a:schemeClr>
+              </a:solidFill>
+            </a:endParaRPr>
+          </a:p>
+          <a:p>
+            <a:pPr lvl="1" algn="l" rtl="0">
+              <a:buFont typeface="Arial" pitchFamily="34" charset="0"/>
+              <a:buChar char="•"/>
+            </a:pPr>
+            <a:endParaRPr lang="en-US" sz="2000" dirty="0" smtClean="0">
+              <a:solidFill>
+                <a:schemeClr val="bg1">
+                  <a:lumMod val="85000"/>
+                </a:schemeClr>
+              </a:solidFill>
+            </a:endParaRPr>
+          </a:p>
+          <a:p>
+            <a:pPr lvl="1" algn="l" rtl="0"/>
+            <a:endParaRPr lang="en-US" sz="2000" dirty="0" smtClean="0">
+              <a:solidFill>
+                <a:schemeClr val="bg1">
+                  <a:lumMod val="85000"/>
+                </a:schemeClr>
+              </a:solidFill>
+            </a:endParaRPr>
+          </a:p>
+          <a:p>
+            <a:pPr lvl="1" algn="l" rtl="0"/>
+            <a:endParaRPr lang="en-US" sz="2000" dirty="0" smtClean="0">
+              <a:solidFill>
+                <a:schemeClr val="bg1">
+                  <a:lumMod val="85000"/>
+                </a:schemeClr>
+              </a:solidFill>
+            </a:endParaRPr>
+          </a:p>
+          <a:p>
+            <a:pPr lvl="1" algn="l" rtl="0"/>
+            <a:endParaRPr lang="en-US" sz="2000" dirty="0" smtClean="0">
+              <a:solidFill>
+                <a:schemeClr val="bg1">
+                  <a:lumMod val="85000"/>
+                </a:schemeClr>
+              </a:solidFill>
+            </a:endParaRPr>
+          </a:p>
+          <a:p>
+            <a:pPr lvl="1" algn="l" rtl="0"/>
+            <a:endParaRPr lang="en-US" sz="2000" dirty="0" smtClean="0">
+              <a:solidFill>
+                <a:schemeClr val="bg1">
+                  <a:lumMod val="85000"/>
+                </a:schemeClr>
+              </a:solidFill>
+            </a:endParaRPr>
+          </a:p>
+          <a:p>
+            <a:pPr lvl="1" algn="l" rtl="0">
+              <a:buFont typeface="Arial" pitchFamily="34" charset="0"/>
+              <a:buChar char="•"/>
+            </a:pPr>
+            <a:endParaRPr lang="en-US" sz="2000" dirty="0" smtClean="0">
+              <a:solidFill>
+                <a:schemeClr val="bg1">
+                  <a:lumMod val="85000"/>
+                </a:schemeClr>
+              </a:solidFill>
+            </a:endParaRPr>
+          </a:p>
+        </p:txBody>
+      </p:sp>
+      <p:graphicFrame>
+        <p:nvGraphicFramePr>
+          <p:cNvPr id="9" name="Chart 8"/>
+          <p:cNvGraphicFramePr>
+            <a:graphicFrameLocks/>
+          </p:cNvGraphicFramePr>
+          <p:nvPr>
+            <p:extLst>
+              <p:ext uri="{D42A27DB-BD31-4B8C-83A1-F6EECF244321}">
+                <p14:modId xmlns:p14="http://schemas.microsoft.com/office/powerpoint/2010/main" val="1299560986"/>
+              </p:ext>
+            </p:extLst>
+          </p:nvPr>
+        </p:nvGraphicFramePr>
+        <p:xfrm>
+          <a:off x="619125" y="483518"/>
+          <a:ext cx="7265243" cy="4621882"/>
+        </p:xfrm>
+        <a:graphic>
+          <a:graphicData uri="http://schemas.openxmlformats.org/drawingml/2006/chart">
+            <c:chart xmlns:c="http://schemas.openxmlformats.org/drawingml/2006/chart" xmlns:r="http://schemas.openxmlformats.org/officeDocument/2006/relationships" r:id="rId4"/>
+          </a:graphicData>
+        </a:graphic>
+      </p:graphicFrame>
+    </p:spTree>
+    <p:extLst>
+      <p:ext uri="{BB962C8B-B14F-4D97-AF65-F5344CB8AC3E}">
+        <p14:creationId xmlns:p14="http://schemas.microsoft.com/office/powerpoint/2010/main" val="1382359092"/>
+      </p:ext>
+    </p:extLst>
+  </p:cSld>
+  <p:clrMapOvr>
+    <a:masterClrMapping/>
+  </p:clrMapOvr>
+  <p:timing>
+    <p:tnLst>
+      <p:par>
+        <p:cTn id="1" dur="indefinite" restart="never" nodeType="tmRoot"/>
+      </p:par>
+    </p:tnLst>
+  </p:timing>
+</p:sld>
+</file>
+
 <file path=ppt/slides/slide2.xml><?xml version="1.0" encoding="utf-8"?>
 <p:sld xmlns:a="http://schemas.openxmlformats.org/drawingml/2006/main" xmlns:r="http://schemas.openxmlformats.org/officeDocument/2006/relationships" xmlns:p="http://schemas.openxmlformats.org/presentationml/2006/main">
   <p:cSld>
@@ -4716,27 +7294,7 @@
                   </a:schemeClr>
                 </a:solidFill>
               </a:rPr>
-              <a:t> game </a:t>
-            </a:r>
-            <a:r>
-              <a:rPr lang="en-US" sz="2000" b="1" dirty="0" smtClean="0">
-                <a:solidFill>
-                  <a:schemeClr val="bg1">
-                    <a:lumMod val="85000"/>
-                  </a:schemeClr>
-                </a:solidFill>
-              </a:rPr>
-              <a:t>was proven</a:t>
-            </a:r>
-            <a:r>
-              <a:rPr lang="en-US" sz="2000" b="1" dirty="0" smtClean="0">
-                <a:solidFill>
-                  <a:schemeClr val="bg1">
-                    <a:lumMod val="85000"/>
-                  </a:schemeClr>
-                </a:solidFill>
-              </a:rPr>
-              <a:t> to be NP-complete (even for cheaters who look at their cards)**.</a:t>
+              <a:t> game was proven to be NP-complete (even for cheaters who look at their cards)**.</a:t>
             </a:r>
           </a:p>
           <a:p>
@@ -5153,25 +7711,8 @@
                   </a:schemeClr>
                 </a:solidFill>
               </a:rPr>
-              <a:t>Evolving Agents for the Hanabi 2018 CIG </a:t>
-            </a:r>
-            <a:r>
-              <a:rPr lang="en-US" b="1" dirty="0" smtClean="0">
-                <a:solidFill>
-                  <a:schemeClr val="bg1">
-                    <a:lumMod val="85000"/>
-                  </a:schemeClr>
-                </a:solidFill>
-              </a:rPr>
-              <a:t>Competition**</a:t>
-            </a:r>
-            <a:endParaRPr lang="en-US" b="1" dirty="0" smtClean="0">
-              <a:solidFill>
-                <a:schemeClr val="bg1">
-                  <a:lumMod val="85000"/>
-                </a:schemeClr>
-              </a:solidFill>
-            </a:endParaRPr>
+              <a:t>Evolving Agents for the Hanabi 2018 CIG Competition**</a:t>
+            </a:r>
           </a:p>
           <a:p>
             <a:pPr lvl="1" algn="l" rtl="0">
@@ -5186,17 +7727,7 @@
                   </a:schemeClr>
                 </a:solidFill>
               </a:rPr>
-              <a:t>In </a:t>
-            </a:r>
-            <a:r>
-              <a:rPr lang="en-US" dirty="0" smtClean="0">
-                <a:solidFill>
-                  <a:schemeClr val="bg1">
-                    <a:lumMod val="85000"/>
-                  </a:schemeClr>
-                </a:solidFill>
-              </a:rPr>
-              <a:t>this paper:</a:t>
+              <a:t>In this paper:</a:t>
             </a:r>
           </a:p>
           <a:p>
@@ -6235,17 +8766,7 @@
                   </a:schemeClr>
                 </a:solidFill>
               </a:rPr>
-              <a:t>A </a:t>
-            </a:r>
-            <a:r>
-              <a:rPr lang="en-US" dirty="0" smtClean="0">
-                <a:solidFill>
-                  <a:schemeClr val="bg1">
-                    <a:lumMod val="85000"/>
-                  </a:schemeClr>
-                </a:solidFill>
-              </a:rPr>
-              <a:t>description of </a:t>
+              <a:t>A description of </a:t>
             </a:r>
             <a:r>
               <a:rPr lang="en-US" dirty="0" err="1" smtClean="0">

--- a/hanabi (1).pptx
+++ b/hanabi (1).pptx
@@ -2930,6 +2930,165 @@
 </p:notes>
 </file>
 
+<file path=ppt/notesSlides/notesSlide3.xml><?xml version="1.0" encoding="utf-8"?>
+<p:notes xmlns:a="http://schemas.openxmlformats.org/drawingml/2006/main" xmlns:r="http://schemas.openxmlformats.org/officeDocument/2006/relationships" xmlns:p="http://schemas.openxmlformats.org/presentationml/2006/main">
+  <p:cSld>
+    <p:spTree>
+      <p:nvGrpSpPr>
+        <p:cNvPr id="1" name=""/>
+        <p:cNvGrpSpPr/>
+        <p:nvPr/>
+      </p:nvGrpSpPr>
+      <p:grpSpPr>
+        <a:xfrm>
+          <a:off x="0" y="0"/>
+          <a:ext cx="0" cy="0"/>
+          <a:chOff x="0" y="0"/>
+          <a:chExt cx="0" cy="0"/>
+        </a:xfrm>
+      </p:grpSpPr>
+      <p:sp>
+        <p:nvSpPr>
+          <p:cNvPr id="2" name="Slide Image Placeholder 1"/>
+          <p:cNvSpPr>
+            <a:spLocks noGrp="1" noRot="1" noChangeAspect="1"/>
+          </p:cNvSpPr>
+          <p:nvPr>
+            <p:ph type="sldImg"/>
+          </p:nvPr>
+        </p:nvSpPr>
+        <p:spPr/>
+      </p:sp>
+      <p:sp>
+        <p:nvSpPr>
+          <p:cNvPr id="3" name="Notes Placeholder 2"/>
+          <p:cNvSpPr>
+            <a:spLocks noGrp="1"/>
+          </p:cNvSpPr>
+          <p:nvPr>
+            <p:ph type="body" idx="1"/>
+          </p:nvPr>
+        </p:nvSpPr>
+        <p:spPr/>
+        <p:txBody>
+          <a:bodyPr/>
+          <a:lstStyle/>
+          <a:p>
+            <a:pPr algn="l" rtl="0"/>
+            <a:r>
+              <a:rPr lang="en-US" dirty="0" smtClean="0"/>
+              <a:t>Pop</a:t>
+            </a:r>
+            <a:r>
+              <a:rPr lang="en-US" baseline="0" dirty="0" smtClean="0"/>
+              <a:t> size = 30</a:t>
+            </a:r>
+          </a:p>
+          <a:p>
+            <a:pPr algn="l" rtl="0"/>
+            <a:r>
+              <a:rPr lang="en-US" baseline="0" dirty="0" smtClean="0"/>
+              <a:t>Starter individual depth 4-10</a:t>
+            </a:r>
+          </a:p>
+          <a:p>
+            <a:pPr algn="l" rtl="0"/>
+            <a:r>
+              <a:rPr lang="en-US" baseline="0" dirty="0" smtClean="0"/>
+              <a:t>Selection tournament selection with size 7</a:t>
+            </a:r>
+          </a:p>
+          <a:p>
+            <a:pPr algn="l" rtl="0"/>
+            <a:r>
+              <a:rPr lang="en-US" baseline="0" dirty="0" err="1" smtClean="0"/>
+              <a:t>Cx</a:t>
+            </a:r>
+            <a:r>
+              <a:rPr lang="en-US" baseline="0" dirty="0" smtClean="0"/>
+              <a:t> one point crossover</a:t>
+            </a:r>
+          </a:p>
+          <a:p>
+            <a:pPr algn="l" rtl="0"/>
+            <a:r>
+              <a:rPr lang="en-US" baseline="0" dirty="0" smtClean="0"/>
+              <a:t>Mutation </a:t>
+            </a:r>
+          </a:p>
+          <a:p>
+            <a:pPr algn="l" rtl="0"/>
+            <a:r>
+              <a:rPr lang="en-US" baseline="0" dirty="0" err="1" smtClean="0"/>
+              <a:t>Ngenerations</a:t>
+            </a:r>
+            <a:r>
+              <a:rPr lang="en-US" baseline="0" dirty="0" smtClean="0"/>
+              <a:t> = 100</a:t>
+            </a:r>
+          </a:p>
+          <a:p>
+            <a:pPr algn="l" rtl="0"/>
+            <a:r>
+              <a:rPr lang="en-US" baseline="0" dirty="0" err="1" smtClean="0"/>
+              <a:t>Cxpb</a:t>
+            </a:r>
+            <a:r>
+              <a:rPr lang="en-US" baseline="0" dirty="0" smtClean="0"/>
+              <a:t> 0.9</a:t>
+            </a:r>
+          </a:p>
+          <a:p>
+            <a:pPr algn="l" rtl="0"/>
+            <a:r>
+              <a:rPr lang="en-US" baseline="0" dirty="0" err="1" smtClean="0"/>
+              <a:t>Mutpb</a:t>
+            </a:r>
+            <a:r>
+              <a:rPr lang="en-US" baseline="0" smtClean="0"/>
+              <a:t> 0.1</a:t>
+            </a:r>
+            <a:endParaRPr lang="en-US"/>
+          </a:p>
+        </p:txBody>
+      </p:sp>
+      <p:sp>
+        <p:nvSpPr>
+          <p:cNvPr id="4" name="Slide Number Placeholder 3"/>
+          <p:cNvSpPr>
+            <a:spLocks noGrp="1"/>
+          </p:cNvSpPr>
+          <p:nvPr>
+            <p:ph type="sldNum" sz="quarter" idx="10"/>
+          </p:nvPr>
+        </p:nvSpPr>
+        <p:spPr/>
+        <p:txBody>
+          <a:bodyPr/>
+          <a:lstStyle/>
+          <a:p>
+            <a:fld id="{FA9F4918-BB4A-4548-A893-97BC975CF3BD}" type="slidenum">
+              <a:rPr lang="he-IL" smtClean="0"/>
+              <a:pPr/>
+              <a:t>10</a:t>
+            </a:fld>
+            <a:endParaRPr lang="he-IL"/>
+          </a:p>
+        </p:txBody>
+      </p:sp>
+    </p:spTree>
+    <p:extLst>
+      <p:ext uri="{BB962C8B-B14F-4D97-AF65-F5344CB8AC3E}">
+        <p14:creationId xmlns:p14="http://schemas.microsoft.com/office/powerpoint/2010/main" val="2561227113"/>
+      </p:ext>
+    </p:extLst>
+  </p:cSld>
+  <p:clrMapOvr>
+    <a:masterClrMapping/>
+  </p:clrMapOvr>
+</p:notes>
+</file>
+
 <file path=ppt/slideLayouts/slideLayout1.xml><?xml version="1.0" encoding="utf-8"?>
 <p:sldLayout xmlns:a="http://schemas.openxmlformats.org/drawingml/2006/main" xmlns:r="http://schemas.openxmlformats.org/officeDocument/2006/relationships" xmlns:p="http://schemas.openxmlformats.org/presentationml/2006/main" type="title" preserve="1">
   <p:cSld name="שקופית כותרת">
@@ -6192,7 +6351,7 @@
           </p:nvPr>
         </p:nvPicPr>
         <p:blipFill>
-          <a:blip r:embed="rId2" cstate="print"/>
+          <a:blip r:embed="rId3" cstate="print"/>
           <a:stretch>
             <a:fillRect/>
           </a:stretch>
@@ -6213,7 +6372,7 @@
           <p:nvPr/>
         </p:nvPicPr>
         <p:blipFill>
-          <a:blip r:embed="rId2" cstate="print"/>
+          <a:blip r:embed="rId3" cstate="print"/>
           <a:stretch>
             <a:fillRect/>
           </a:stretch>
@@ -6237,7 +6396,7 @@
           <p:nvPr/>
         </p:nvPicPr>
         <p:blipFill>
-          <a:blip r:embed="rId3"/>
+          <a:blip r:embed="rId4"/>
           <a:srcRect l="20199" r="17715"/>
           <a:stretch>
             <a:fillRect/>
@@ -6262,7 +6421,7 @@
           <p:nvPr/>
         </p:nvPicPr>
         <p:blipFill>
-          <a:blip r:embed="rId3"/>
+          <a:blip r:embed="rId4"/>
           <a:srcRect l="20199" r="17715"/>
           <a:stretch>
             <a:fillRect/>
@@ -6400,7 +6559,7 @@
         </p:xfrm>
         <a:graphic>
           <a:graphicData uri="http://schemas.openxmlformats.org/drawingml/2006/chart">
-            <c:chart xmlns:c="http://schemas.openxmlformats.org/drawingml/2006/chart" xmlns:r="http://schemas.openxmlformats.org/officeDocument/2006/relationships" r:id="rId4"/>
+            <c:chart xmlns:c="http://schemas.openxmlformats.org/drawingml/2006/chart" xmlns:r="http://schemas.openxmlformats.org/officeDocument/2006/relationships" r:id="rId5"/>
           </a:graphicData>
         </a:graphic>
       </p:graphicFrame>

--- a/hanabi (1).pptx
+++ b/hanabi (1).pptx
@@ -5,7 +5,7 @@
     <p:sldMasterId id="2147483696" r:id="rId1"/>
   </p:sldMasterIdLst>
   <p:notesMasterIdLst>
-    <p:notesMasterId r:id="rId12"/>
+    <p:notesMasterId r:id="rId13"/>
   </p:notesMasterIdLst>
   <p:sldIdLst>
     <p:sldId id="256" r:id="rId2"/>
@@ -16,8 +16,9 @@
     <p:sldId id="261" r:id="rId7"/>
     <p:sldId id="262" r:id="rId8"/>
     <p:sldId id="264" r:id="rId9"/>
-    <p:sldId id="263" r:id="rId10"/>
-    <p:sldId id="266" r:id="rId11"/>
+    <p:sldId id="267" r:id="rId10"/>
+    <p:sldId id="263" r:id="rId11"/>
+    <p:sldId id="266" r:id="rId12"/>
   </p:sldIdLst>
   <p:sldSz cx="9144000" cy="5143500" type="screen16x9"/>
   <p:notesSz cx="6858000" cy="9144000"/>
@@ -118,7 +119,7 @@
   </p:defaultTextStyle>
   <p:extLst>
     <p:ext uri="{EFAFB233-063F-42B5-8137-9DF3F51BA10A}">
-      <p15:sldGuideLst xmlns:p15="http://schemas.microsoft.com/office/powerpoint/2012/main">
+      <p15:sldGuideLst xmlns:p15="http://schemas.microsoft.com/office/powerpoint/2012/main" xmlns="">
         <p15:guide id="1" orient="horz" pos="1620">
           <p15:clr>
             <a:srgbClr val="A4A3A4"/>
@@ -132,7 +133,7 @@
       </p15:sldGuideLst>
     </p:ext>
     <p:ext uri="{2D200454-40CA-4A62-9FC3-DE9A4176ACB9}">
-      <p15:notesGuideLst xmlns:p15="http://schemas.microsoft.com/office/powerpoint/2012/main">
+      <p15:notesGuideLst xmlns:p15="http://schemas.microsoft.com/office/powerpoint/2012/main" xmlns="">
         <p15:guide id="1" orient="horz" pos="2880">
           <p15:clr>
             <a:srgbClr val="A4A3A4"/>
@@ -150,18 +151,8 @@
 </file>
 
 <file path=ppt/charts/chart1.xml><?xml version="1.0" encoding="utf-8"?>
-<c:chartSpace xmlns:c="http://schemas.openxmlformats.org/drawingml/2006/chart" xmlns:a="http://schemas.openxmlformats.org/drawingml/2006/main" xmlns:r="http://schemas.openxmlformats.org/officeDocument/2006/relationships" xmlns:c16r2="http://schemas.microsoft.com/office/drawing/2015/06/chart">
-  <c:date1904 val="0"/>
-  <c:lang val="en-US"/>
-  <c:roundedCorners val="0"/>
-  <mc:AlternateContent xmlns:mc="http://schemas.openxmlformats.org/markup-compatibility/2006">
-    <mc:Choice xmlns:c14="http://schemas.microsoft.com/office/drawing/2007/8/2/chart" Requires="c14">
-      <c14:style val="102"/>
-    </mc:Choice>
-    <mc:Fallback>
-      <c:style val="2"/>
-    </mc:Fallback>
-  </mc:AlternateContent>
+<c:chartSpace xmlns:c="http://schemas.openxmlformats.org/drawingml/2006/chart" xmlns:a="http://schemas.openxmlformats.org/drawingml/2006/main" xmlns:r="http://schemas.openxmlformats.org/officeDocument/2006/relationships">
+  <c:lang val="he-IL"/>
   <c:chart>
     <c:title>
       <c:tx>
@@ -170,7 +161,7 @@
           <a:lstStyle/>
           <a:p>
             <a:pPr>
-              <a:defRPr sz="1400" b="0" i="0" u="none" strike="noStrike" kern="1200" spc="0" baseline="0">
+              <a:defRPr lang="en-US" sz="1400" b="0" i="0" u="none" strike="noStrike" kern="1200" spc="0" baseline="0">
                 <a:solidFill>
                   <a:schemeClr val="tx1">
                     <a:lumMod val="65000"/>
@@ -190,7 +181,6 @@
         </c:rich>
       </c:tx>
       <c:layout/>
-      <c:overlay val="0"/>
       <c:spPr>
         <a:noFill/>
         <a:ln>
@@ -198,36 +188,14 @@
         </a:ln>
         <a:effectLst/>
       </c:spPr>
-      <c:txPr>
-        <a:bodyPr rot="0" spcFirstLastPara="1" vertOverflow="ellipsis" vert="horz" wrap="square" anchor="ctr" anchorCtr="1"/>
-        <a:lstStyle/>
-        <a:p>
-          <a:pPr>
-            <a:defRPr sz="1400" b="0" i="0" u="none" strike="noStrike" kern="1200" spc="0" baseline="0">
-              <a:solidFill>
-                <a:schemeClr val="tx1">
-                  <a:lumMod val="65000"/>
-                  <a:lumOff val="35000"/>
-                </a:schemeClr>
-              </a:solidFill>
-              <a:latin typeface="+mn-lt"/>
-              <a:ea typeface="+mn-ea"/>
-              <a:cs typeface="+mn-cs"/>
-            </a:defRPr>
-          </a:pPr>
-          <a:endParaRPr lang="en-US"/>
-        </a:p>
-      </c:txPr>
     </c:title>
-    <c:autoTitleDeleted val="0"/>
     <c:plotArea>
       <c:layout/>
       <c:lineChart>
         <c:grouping val="standard"/>
-        <c:varyColors val="0"/>
         <c:ser>
           <c:idx val="1"/>
-          <c:order val="1"/>
+          <c:order val="0"/>
           <c:tx>
             <c:v>Avg_fitness</c:v>
           </c:tx>
@@ -250,31 +218,31 @@
                 <c:formatCode>General</c:formatCode>
                 <c:ptCount val="101"/>
                 <c:pt idx="0">
-                  <c:v>0.58333299999999999</c:v>
+                  <c:v>0.58333299999999988</c:v>
                 </c:pt>
                 <c:pt idx="1">
                   <c:v>1.4</c:v>
                 </c:pt>
                 <c:pt idx="2">
-                  <c:v>1.4666699999999999</c:v>
+                  <c:v>1.4666699999999997</c:v>
                 </c:pt>
                 <c:pt idx="3">
                   <c:v>1.51667</c:v>
                 </c:pt>
                 <c:pt idx="4">
-                  <c:v>1.3333299999999999</c:v>
+                  <c:v>1.3333299999999997</c:v>
                 </c:pt>
                 <c:pt idx="5">
                   <c:v>1.7833300000000001</c:v>
                 </c:pt>
                 <c:pt idx="6">
-                  <c:v>1.2166699999999999</c:v>
+                  <c:v>1.2166699999999997</c:v>
                 </c:pt>
                 <c:pt idx="7">
-                  <c:v>1.48333</c:v>
+                  <c:v>1.4833299999999998</c:v>
                 </c:pt>
                 <c:pt idx="8">
-                  <c:v>1.23333</c:v>
+                  <c:v>1.2333299999999998</c:v>
                 </c:pt>
                 <c:pt idx="9">
                   <c:v>1.55</c:v>
@@ -283,7 +251,7 @@
                   <c:v>2.5</c:v>
                 </c:pt>
                 <c:pt idx="11">
-                  <c:v>3.2166700000000001</c:v>
+                  <c:v>3.2166699999999997</c:v>
                 </c:pt>
                 <c:pt idx="12">
                   <c:v>3.9333300000000002</c:v>
@@ -295,46 +263,46 @@
                   <c:v>6.3</c:v>
                 </c:pt>
                 <c:pt idx="15">
-                  <c:v>8.2166700000000006</c:v>
+                  <c:v>8.2166699999999988</c:v>
                 </c:pt>
                 <c:pt idx="16">
-                  <c:v>7.4833299999999996</c:v>
+                  <c:v>7.4833300000000005</c:v>
                 </c:pt>
                 <c:pt idx="17">
-                  <c:v>7.7166699999999997</c:v>
+                  <c:v>7.7166700000000006</c:v>
                 </c:pt>
                 <c:pt idx="18">
                   <c:v>10.1</c:v>
                 </c:pt>
                 <c:pt idx="19">
-                  <c:v>8.7666699999999995</c:v>
+                  <c:v>8.7666700000000013</c:v>
                 </c:pt>
                 <c:pt idx="20">
                   <c:v>9.1</c:v>
                 </c:pt>
                 <c:pt idx="21">
-                  <c:v>8.4499999999999993</c:v>
+                  <c:v>8.4500000000000011</c:v>
                 </c:pt>
                 <c:pt idx="22">
-                  <c:v>8.8666699999999992</c:v>
+                  <c:v>8.8666700000000027</c:v>
                 </c:pt>
                 <c:pt idx="23">
-                  <c:v>11.1333</c:v>
+                  <c:v>11.133299999999998</c:v>
                 </c:pt>
                 <c:pt idx="24">
-                  <c:v>9.8666699999999992</c:v>
+                  <c:v>9.8666700000000027</c:v>
                 </c:pt>
                 <c:pt idx="25">
-                  <c:v>10.066700000000001</c:v>
+                  <c:v>10.066700000000003</c:v>
                 </c:pt>
                 <c:pt idx="26">
-                  <c:v>10.083299999999999</c:v>
+                  <c:v>10.083300000000001</c:v>
                 </c:pt>
                 <c:pt idx="27">
-                  <c:v>10.85</c:v>
+                  <c:v>10.850000000000001</c:v>
                 </c:pt>
                 <c:pt idx="28">
-                  <c:v>10.199999999999999</c:v>
+                  <c:v>10.200000000000001</c:v>
                 </c:pt>
                 <c:pt idx="29">
                   <c:v>9.4</c:v>
@@ -352,13 +320,13 @@
                   <c:v>11.05</c:v>
                 </c:pt>
                 <c:pt idx="34">
-                  <c:v>11.083299999999999</c:v>
+                  <c:v>11.083300000000001</c:v>
                 </c:pt>
                 <c:pt idx="35">
                   <c:v>10.033300000000001</c:v>
                 </c:pt>
                 <c:pt idx="36">
-                  <c:v>11.916700000000001</c:v>
+                  <c:v>11.916700000000002</c:v>
                 </c:pt>
                 <c:pt idx="37">
                   <c:v>8.9833300000000005</c:v>
@@ -376,25 +344,25 @@
                   <c:v>9.8166700000000002</c:v>
                 </c:pt>
                 <c:pt idx="42">
-                  <c:v>11.966699999999999</c:v>
+                  <c:v>11.966700000000003</c:v>
                 </c:pt>
                 <c:pt idx="43">
                   <c:v>10</c:v>
                 </c:pt>
                 <c:pt idx="44">
-                  <c:v>10.316700000000001</c:v>
+                  <c:v>10.316700000000003</c:v>
                 </c:pt>
                 <c:pt idx="45">
                   <c:v>11.533300000000001</c:v>
                 </c:pt>
                 <c:pt idx="46">
-                  <c:v>10.45</c:v>
+                  <c:v>10.450000000000001</c:v>
                 </c:pt>
                 <c:pt idx="47">
-                  <c:v>11.066700000000001</c:v>
+                  <c:v>11.066700000000003</c:v>
                 </c:pt>
                 <c:pt idx="48">
-                  <c:v>11.683299999999999</c:v>
+                  <c:v>11.683300000000001</c:v>
                 </c:pt>
                 <c:pt idx="49">
                   <c:v>11</c:v>
@@ -406,7 +374,7 @@
                   <c:v>9.75</c:v>
                 </c:pt>
                 <c:pt idx="52">
-                  <c:v>11.35</c:v>
+                  <c:v>11.350000000000001</c:v>
                 </c:pt>
                 <c:pt idx="53">
                   <c:v>9.65</c:v>
@@ -421,7 +389,7 @@
                   <c:v>11.9833</c:v>
                 </c:pt>
                 <c:pt idx="57">
-                  <c:v>10.916700000000001</c:v>
+                  <c:v>10.916700000000002</c:v>
                 </c:pt>
                 <c:pt idx="58">
                   <c:v>11.033300000000001</c:v>
@@ -433,13 +401,13 @@
                   <c:v>11.6167</c:v>
                 </c:pt>
                 <c:pt idx="61">
-                  <c:v>12.3667</c:v>
+                  <c:v>12.366700000000002</c:v>
                 </c:pt>
                 <c:pt idx="62">
                   <c:v>10.0167</c:v>
                 </c:pt>
                 <c:pt idx="63">
-                  <c:v>13.666700000000001</c:v>
+                  <c:v>13.666700000000002</c:v>
                 </c:pt>
                 <c:pt idx="64">
                   <c:v>12.2</c:v>
@@ -448,28 +416,28 @@
                   <c:v>11.0167</c:v>
                 </c:pt>
                 <c:pt idx="66">
-                  <c:v>10.666700000000001</c:v>
+                  <c:v>10.666700000000002</c:v>
                 </c:pt>
                 <c:pt idx="67">
                   <c:v>11.033300000000001</c:v>
                 </c:pt>
                 <c:pt idx="68">
-                  <c:v>11.933299999999999</c:v>
+                  <c:v>11.933300000000001</c:v>
                 </c:pt>
                 <c:pt idx="69">
                   <c:v>10.9833</c:v>
                 </c:pt>
                 <c:pt idx="70">
-                  <c:v>11.333299999999999</c:v>
+                  <c:v>11.333300000000001</c:v>
                 </c:pt>
                 <c:pt idx="71">
                   <c:v>10.283300000000001</c:v>
                 </c:pt>
                 <c:pt idx="72">
-                  <c:v>11.316700000000001</c:v>
+                  <c:v>11.316700000000003</c:v>
                 </c:pt>
                 <c:pt idx="73">
-                  <c:v>10.316700000000001</c:v>
+                  <c:v>10.316700000000003</c:v>
                 </c:pt>
                 <c:pt idx="74">
                   <c:v>10.5167</c:v>
@@ -478,7 +446,7 @@
                   <c:v>12.0167</c:v>
                 </c:pt>
                 <c:pt idx="76">
-                  <c:v>11.316700000000001</c:v>
+                  <c:v>11.316700000000003</c:v>
                 </c:pt>
                 <c:pt idx="77">
                   <c:v>10.15</c:v>
@@ -487,25 +455,25 @@
                   <c:v>11.25</c:v>
                 </c:pt>
                 <c:pt idx="79">
-                  <c:v>12.35</c:v>
+                  <c:v>12.350000000000001</c:v>
                 </c:pt>
                 <c:pt idx="80">
                   <c:v>13.033300000000001</c:v>
                 </c:pt>
                 <c:pt idx="81">
-                  <c:v>11.716699999999999</c:v>
+                  <c:v>11.716700000000001</c:v>
                 </c:pt>
                 <c:pt idx="82">
-                  <c:v>11.466699999999999</c:v>
+                  <c:v>11.466700000000003</c:v>
                 </c:pt>
                 <c:pt idx="83">
-                  <c:v>11.333299999999999</c:v>
+                  <c:v>11.333300000000001</c:v>
                 </c:pt>
                 <c:pt idx="84">
-                  <c:v>12.083299999999999</c:v>
+                  <c:v>12.083300000000001</c:v>
                 </c:pt>
                 <c:pt idx="85">
-                  <c:v>11.95</c:v>
+                  <c:v>11.950000000000001</c:v>
                 </c:pt>
                 <c:pt idx="86">
                   <c:v>11.1167</c:v>
@@ -514,19 +482,19 @@
                   <c:v>11.5</c:v>
                 </c:pt>
                 <c:pt idx="88">
-                  <c:v>11.35</c:v>
+                  <c:v>11.350000000000001</c:v>
                 </c:pt>
                 <c:pt idx="89">
                   <c:v>11.4</c:v>
                 </c:pt>
                 <c:pt idx="90">
-                  <c:v>11.6333</c:v>
+                  <c:v>11.633299999999998</c:v>
                 </c:pt>
                 <c:pt idx="91">
                   <c:v>12.55</c:v>
                 </c:pt>
                 <c:pt idx="92">
-                  <c:v>11.933299999999999</c:v>
+                  <c:v>11.933300000000001</c:v>
                 </c:pt>
                 <c:pt idx="93">
                   <c:v>9.5666700000000002</c:v>
@@ -541,22 +509,21 @@
                   <c:v>11.9</c:v>
                 </c:pt>
                 <c:pt idx="97">
-                  <c:v>9.6166699999999992</c:v>
+                  <c:v>9.6166700000000009</c:v>
                 </c:pt>
                 <c:pt idx="98">
                   <c:v>11.2</c:v>
                 </c:pt>
                 <c:pt idx="99">
-                  <c:v>12.316700000000001</c:v>
+                  <c:v>12.316700000000003</c:v>
                 </c:pt>
                 <c:pt idx="100">
-                  <c:v>10.683299999999999</c:v>
+                  <c:v>10.683300000000001</c:v>
                 </c:pt>
               </c:numCache>
             </c:numRef>
           </c:val>
-          <c:smooth val="0"/>
-          <c:extLst>
+          <c:extLst xmlns:c16r2="http://schemas.microsoft.com/office/drawing/2015/06/chart">
             <c:ext xmlns:c16="http://schemas.microsoft.com/office/drawing/2014/chart" uri="{C3380CC4-5D6E-409C-BE32-E72D297353CC}">
               <c16:uniqueId val="{00000000-3437-45D7-AF20-005D115F4F58}"/>
             </c:ext>
@@ -564,7 +531,7 @@
         </c:ser>
         <c:ser>
           <c:idx val="2"/>
-          <c:order val="2"/>
+          <c:order val="1"/>
           <c:tx>
             <c:v>Max_score</c:v>
           </c:tx>
@@ -892,25 +859,17 @@
               </c:numCache>
             </c:numRef>
           </c:val>
-          <c:smooth val="0"/>
-          <c:extLst>
+          <c:extLst xmlns:c16r2="http://schemas.microsoft.com/office/drawing/2015/06/chart">
             <c:ext xmlns:c16="http://schemas.microsoft.com/office/drawing/2014/chart" uri="{C3380CC4-5D6E-409C-BE32-E72D297353CC}">
               <c16:uniqueId val="{00000001-3437-45D7-AF20-005D115F4F58}"/>
             </c:ext>
           </c:extLst>
         </c:ser>
-        <c:dLbls>
-          <c:showLegendKey val="0"/>
-          <c:showVal val="0"/>
-          <c:showCatName val="0"/>
-          <c:showSerName val="0"/>
-          <c:showPercent val="0"/>
-          <c:showBubbleSize val="0"/>
-        </c:dLbls>
-        <c:smooth val="0"/>
-        <c:axId val="394856799"/>
-        <c:axId val="394857215"/>
-        <c:extLst>
+        <c:dLbls/>
+        <c:marker val="1"/>
+        <c:axId val="130527616"/>
+        <c:axId val="130529536"/>
+        <c:extLst xmlns:c16r2="http://schemas.microsoft.com/office/drawing/2015/06/chart">
           <c:ext xmlns:c15="http://schemas.microsoft.com/office/drawing/2012/chart" uri="{02D57815-91ED-43cb-92C2-25804820EDAC}">
             <c15:filteredLineSeries>
               <c15:ser>
@@ -1575,11 +1534,10 @@
         </c:extLst>
       </c:lineChart>
       <c:catAx>
-        <c:axId val="394856799"/>
+        <c:axId val="130527616"/>
         <c:scaling>
           <c:orientation val="minMax"/>
         </c:scaling>
-        <c:delete val="0"/>
         <c:axPos val="b"/>
         <c:title>
           <c:tx>
@@ -1588,7 +1546,7 @@
               <a:lstStyle/>
               <a:p>
                 <a:pPr>
-                  <a:defRPr sz="1000" b="0" i="0" u="none" strike="noStrike" kern="1200" baseline="0">
+                  <a:defRPr lang="en-US" sz="1000" b="0" i="0" u="none" strike="noStrike" kern="1200" baseline="0">
                     <a:solidFill>
                       <a:schemeClr val="tx1">
                         <a:lumMod val="65000"/>
@@ -1608,7 +1566,6 @@
             </c:rich>
           </c:tx>
           <c:layout/>
-          <c:overlay val="0"/>
           <c:spPr>
             <a:noFill/>
             <a:ln>
@@ -1616,29 +1573,8 @@
             </a:ln>
             <a:effectLst/>
           </c:spPr>
-          <c:txPr>
-            <a:bodyPr rot="0" spcFirstLastPara="1" vertOverflow="ellipsis" vert="horz" wrap="square" anchor="ctr" anchorCtr="1"/>
-            <a:lstStyle/>
-            <a:p>
-              <a:pPr>
-                <a:defRPr sz="1000" b="0" i="0" u="none" strike="noStrike" kern="1200" baseline="0">
-                  <a:solidFill>
-                    <a:schemeClr val="tx1">
-                      <a:lumMod val="65000"/>
-                      <a:lumOff val="35000"/>
-                    </a:schemeClr>
-                  </a:solidFill>
-                  <a:latin typeface="+mn-lt"/>
-                  <a:ea typeface="+mn-ea"/>
-                  <a:cs typeface="+mn-cs"/>
-                </a:defRPr>
-              </a:pPr>
-              <a:endParaRPr lang="en-US"/>
-            </a:p>
-          </c:txPr>
         </c:title>
         <c:majorTickMark val="none"/>
-        <c:minorTickMark val="none"/>
         <c:tickLblPos val="nextTo"/>
         <c:spPr>
           <a:noFill/>
@@ -1658,7 +1594,7 @@
           <a:lstStyle/>
           <a:p>
             <a:pPr>
-              <a:defRPr sz="900" b="0" i="0" u="none" strike="noStrike" kern="1200" baseline="0">
+              <a:defRPr lang="en-US" sz="900" b="0" i="0" u="none" strike="noStrike" kern="1200" baseline="0">
                 <a:solidFill>
                   <a:schemeClr val="tx1">
                     <a:lumMod val="65000"/>
@@ -1670,22 +1606,20 @@
                 <a:cs typeface="+mn-cs"/>
               </a:defRPr>
             </a:pPr>
-            <a:endParaRPr lang="en-US"/>
+            <a:endParaRPr lang="he-IL"/>
           </a:p>
         </c:txPr>
-        <c:crossAx val="394857215"/>
+        <c:crossAx val="130529536"/>
         <c:crosses val="autoZero"/>
         <c:auto val="1"/>
         <c:lblAlgn val="ctr"/>
         <c:lblOffset val="100"/>
-        <c:noMultiLvlLbl val="0"/>
       </c:catAx>
       <c:valAx>
-        <c:axId val="394857215"/>
+        <c:axId val="130529536"/>
         <c:scaling>
           <c:orientation val="minMax"/>
         </c:scaling>
-        <c:delete val="0"/>
         <c:axPos val="l"/>
         <c:majorGridlines>
           <c:spPr>
@@ -1708,7 +1642,7 @@
               <a:lstStyle/>
               <a:p>
                 <a:pPr>
-                  <a:defRPr sz="1000" b="0" i="0" u="none" strike="noStrike" kern="1200" baseline="0">
+                  <a:defRPr lang="en-US" sz="1000" b="0" i="0" u="none" strike="noStrike" kern="1200" baseline="0">
                     <a:solidFill>
                       <a:schemeClr val="tx1">
                         <a:lumMod val="65000"/>
@@ -1728,7 +1662,6 @@
             </c:rich>
           </c:tx>
           <c:layout/>
-          <c:overlay val="0"/>
           <c:spPr>
             <a:noFill/>
             <a:ln>
@@ -1736,30 +1669,9 @@
             </a:ln>
             <a:effectLst/>
           </c:spPr>
-          <c:txPr>
-            <a:bodyPr rot="-5400000" spcFirstLastPara="1" vertOverflow="ellipsis" vert="horz" wrap="square" anchor="ctr" anchorCtr="1"/>
-            <a:lstStyle/>
-            <a:p>
-              <a:pPr>
-                <a:defRPr sz="1000" b="0" i="0" u="none" strike="noStrike" kern="1200" baseline="0">
-                  <a:solidFill>
-                    <a:schemeClr val="tx1">
-                      <a:lumMod val="65000"/>
-                      <a:lumOff val="35000"/>
-                    </a:schemeClr>
-                  </a:solidFill>
-                  <a:latin typeface="+mn-lt"/>
-                  <a:ea typeface="+mn-ea"/>
-                  <a:cs typeface="+mn-cs"/>
-                </a:defRPr>
-              </a:pPr>
-              <a:endParaRPr lang="en-US"/>
-            </a:p>
-          </c:txPr>
         </c:title>
         <c:numFmt formatCode="General" sourceLinked="1"/>
         <c:majorTickMark val="none"/>
-        <c:minorTickMark val="none"/>
         <c:tickLblPos val="nextTo"/>
         <c:spPr>
           <a:noFill/>
@@ -1773,7 +1685,7 @@
           <a:lstStyle/>
           <a:p>
             <a:pPr>
-              <a:defRPr sz="900" b="0" i="0" u="none" strike="noStrike" kern="1200" baseline="0">
+              <a:defRPr lang="en-US" sz="900" b="0" i="0" u="none" strike="noStrike" kern="1200" baseline="0">
                 <a:solidFill>
                   <a:schemeClr val="tx1">
                     <a:lumMod val="65000"/>
@@ -1785,10 +1697,10 @@
                 <a:cs typeface="+mn-cs"/>
               </a:defRPr>
             </a:pPr>
-            <a:endParaRPr lang="en-US"/>
+            <a:endParaRPr lang="he-IL"/>
           </a:p>
         </c:txPr>
-        <c:crossAx val="394856799"/>
+        <c:crossAx val="130527616"/>
         <c:crosses val="autoZero"/>
         <c:crossBetween val="between"/>
       </c:valAx>
@@ -1803,7 +1715,6 @@
     <c:legend>
       <c:legendPos val="r"/>
       <c:layout/>
-      <c:overlay val="0"/>
       <c:spPr>
         <a:noFill/>
         <a:ln>
@@ -1816,7 +1727,7 @@
         <a:lstStyle/>
         <a:p>
           <a:pPr>
-            <a:defRPr sz="900" b="0" i="0" u="none" strike="noStrike" kern="1200" baseline="0">
+            <a:defRPr lang="en-US" sz="900" b="0" i="0" u="none" strike="noStrike" kern="1200" baseline="0">
               <a:solidFill>
                 <a:schemeClr val="tx1">
                   <a:lumMod val="65000"/>
@@ -1828,13 +1739,12 @@
               <a:cs typeface="+mn-cs"/>
             </a:defRPr>
           </a:pPr>
-          <a:endParaRPr lang="en-US"/>
+          <a:endParaRPr lang="he-IL"/>
         </a:p>
       </c:txPr>
     </c:legend>
     <c:plotVisOnly val="1"/>
     <c:dispBlanksAs val="gap"/>
-    <c:showDLblsOverMax val="0"/>
   </c:chart>
   <c:spPr>
     <a:solidFill>
@@ -1852,12 +1762,10 @@
       <a:pPr>
         <a:defRPr/>
       </a:pPr>
-      <a:endParaRPr lang="en-US"/>
+      <a:endParaRPr lang="he-IL"/>
     </a:p>
   </c:txPr>
-  <c:externalData r:id="rId3">
-    <c:autoUpdate val="0"/>
-  </c:externalData>
+  <c:externalData r:id="rId1"/>
 </c:chartSpace>
 </file>
 
@@ -3045,10 +2953,10 @@
               <a:t>Mutpb</a:t>
             </a:r>
             <a:r>
-              <a:rPr lang="en-US" baseline="0" smtClean="0"/>
+              <a:rPr lang="en-US" baseline="0" dirty="0" smtClean="0"/>
               <a:t> 0.1</a:t>
             </a:r>
-            <a:endParaRPr lang="en-US"/>
+            <a:endParaRPr lang="en-US" dirty="0"/>
           </a:p>
         </p:txBody>
       </p:sp>
@@ -3070,7 +2978,7 @@
             <a:fld id="{FA9F4918-BB4A-4548-A893-97BC975CF3BD}" type="slidenum">
               <a:rPr lang="he-IL" smtClean="0"/>
               <a:pPr/>
-              <a:t>10</a:t>
+              <a:t>11</a:t>
             </a:fld>
             <a:endParaRPr lang="he-IL"/>
           </a:p>
@@ -3079,7 +2987,7 @@
     </p:spTree>
     <p:extLst>
       <p:ext uri="{BB962C8B-B14F-4D97-AF65-F5344CB8AC3E}">
-        <p14:creationId xmlns:p14="http://schemas.microsoft.com/office/powerpoint/2010/main" val="2561227113"/>
+        <p14:creationId xmlns:p14="http://schemas.microsoft.com/office/powerpoint/2010/main" xmlns="" val="2561227113"/>
       </p:ext>
     </p:extLst>
   </p:cSld>
@@ -6351,6 +6259,317 @@
           </p:nvPr>
         </p:nvPicPr>
         <p:blipFill>
+          <a:blip r:embed="rId2" cstate="print"/>
+          <a:stretch>
+            <a:fillRect/>
+          </a:stretch>
+        </p:blipFill>
+        <p:spPr>
+          <a:xfrm>
+            <a:off x="7358082" y="-17"/>
+            <a:ext cx="1785950" cy="1181176"/>
+          </a:xfrm>
+        </p:spPr>
+      </p:pic>
+      <p:pic>
+        <p:nvPicPr>
+          <p:cNvPr id="12" name="מציין מיקום תוכן 9" descr="fireworkbig-1.jpg"/>
+          <p:cNvPicPr>
+            <a:picLocks noChangeAspect="1"/>
+          </p:cNvPicPr>
+          <p:nvPr/>
+        </p:nvPicPr>
+        <p:blipFill>
+          <a:blip r:embed="rId2" cstate="print"/>
+          <a:stretch>
+            <a:fillRect/>
+          </a:stretch>
+        </p:blipFill>
+        <p:spPr>
+          <a:xfrm>
+            <a:off x="-32" y="-18"/>
+            <a:ext cx="1785950" cy="1181176"/>
+          </a:xfrm>
+          <a:prstGeom prst="rect">
+            <a:avLst/>
+          </a:prstGeom>
+        </p:spPr>
+      </p:pic>
+      <p:pic>
+        <p:nvPicPr>
+          <p:cNvPr id="14" name="תמונה 13" descr="images (4).jpg"/>
+          <p:cNvPicPr>
+            <a:picLocks noChangeAspect="1"/>
+          </p:cNvPicPr>
+          <p:nvPr/>
+        </p:nvPicPr>
+        <p:blipFill>
+          <a:blip r:embed="rId3"/>
+          <a:srcRect l="20199" r="17715"/>
+          <a:stretch>
+            <a:fillRect/>
+          </a:stretch>
+        </p:blipFill>
+        <p:spPr>
+          <a:xfrm>
+            <a:off x="8143900" y="1142990"/>
+            <a:ext cx="1000132" cy="890778"/>
+          </a:xfrm>
+          <a:prstGeom prst="rect">
+            <a:avLst/>
+          </a:prstGeom>
+        </p:spPr>
+      </p:pic>
+      <p:pic>
+        <p:nvPicPr>
+          <p:cNvPr id="15" name="תמונה 14" descr="images (4).jpg"/>
+          <p:cNvPicPr>
+            <a:picLocks noChangeAspect="1"/>
+          </p:cNvPicPr>
+          <p:nvPr/>
+        </p:nvPicPr>
+        <p:blipFill>
+          <a:blip r:embed="rId3"/>
+          <a:srcRect l="20199" r="17715"/>
+          <a:stretch>
+            <a:fillRect/>
+          </a:stretch>
+        </p:blipFill>
+        <p:spPr>
+          <a:xfrm>
+            <a:off x="-32" y="1071552"/>
+            <a:ext cx="1000132" cy="890778"/>
+          </a:xfrm>
+          <a:prstGeom prst="rect">
+            <a:avLst/>
+          </a:prstGeom>
+        </p:spPr>
+      </p:pic>
+      <p:sp>
+        <p:nvSpPr>
+          <p:cNvPr id="7" name="TextBox 6"/>
+          <p:cNvSpPr txBox="1"/>
+          <p:nvPr/>
+        </p:nvSpPr>
+        <p:spPr>
+          <a:xfrm>
+            <a:off x="1000100" y="1071553"/>
+            <a:ext cx="7215238" cy="3108543"/>
+          </a:xfrm>
+          <a:prstGeom prst="rect">
+            <a:avLst/>
+          </a:prstGeom>
+          <a:noFill/>
+        </p:spPr>
+        <p:txBody>
+          <a:bodyPr wrap="square" rtlCol="1">
+            <a:spAutoFit/>
+          </a:bodyPr>
+          <a:lstStyle/>
+          <a:p>
+            <a:pPr algn="l" rtl="0">
+              <a:buFont typeface="Arial" pitchFamily="34" charset="0"/>
+              <a:buChar char="•"/>
+            </a:pPr>
+            <a:r>
+              <a:rPr lang="en-US" sz="2000" dirty="0" smtClean="0">
+                <a:solidFill>
+                  <a:schemeClr val="bg1">
+                    <a:lumMod val="85000"/>
+                  </a:schemeClr>
+                </a:solidFill>
+              </a:rPr>
+              <a:t> </a:t>
+            </a:r>
+            <a:r>
+              <a:rPr lang="en-US" dirty="0" smtClean="0">
+                <a:solidFill>
+                  <a:schemeClr val="bg1">
+                    <a:lumMod val="85000"/>
+                  </a:schemeClr>
+                </a:solidFill>
+              </a:rPr>
+              <a:t>The Fitness function is simply running a simulation of a game N times and computing the result of each game (the fitness value is the average result of N games).</a:t>
+            </a:r>
+          </a:p>
+          <a:p>
+            <a:pPr algn="l" rtl="0">
+              <a:buFont typeface="Arial" pitchFamily="34" charset="0"/>
+              <a:buChar char="•"/>
+            </a:pPr>
+            <a:endParaRPr lang="en-US" sz="2000" dirty="0" smtClean="0">
+              <a:solidFill>
+                <a:schemeClr val="bg1">
+                  <a:lumMod val="85000"/>
+                </a:schemeClr>
+              </a:solidFill>
+            </a:endParaRPr>
+          </a:p>
+          <a:p>
+            <a:pPr lvl="1" algn="l" rtl="0">
+              <a:buFont typeface="Arial" pitchFamily="34" charset="0"/>
+              <a:buChar char="•"/>
+            </a:pPr>
+            <a:endParaRPr lang="en-US" sz="2000" dirty="0" smtClean="0">
+              <a:solidFill>
+                <a:schemeClr val="bg1">
+                  <a:lumMod val="85000"/>
+                </a:schemeClr>
+              </a:solidFill>
+            </a:endParaRPr>
+          </a:p>
+          <a:p>
+            <a:pPr lvl="1" algn="l" rtl="0"/>
+            <a:endParaRPr lang="en-US" sz="2000" dirty="0" smtClean="0">
+              <a:solidFill>
+                <a:schemeClr val="bg1">
+                  <a:lumMod val="85000"/>
+                </a:schemeClr>
+              </a:solidFill>
+            </a:endParaRPr>
+          </a:p>
+          <a:p>
+            <a:pPr lvl="1" algn="l" rtl="0"/>
+            <a:endParaRPr lang="en-US" sz="2000" dirty="0" smtClean="0">
+              <a:solidFill>
+                <a:schemeClr val="bg1">
+                  <a:lumMod val="85000"/>
+                </a:schemeClr>
+              </a:solidFill>
+            </a:endParaRPr>
+          </a:p>
+          <a:p>
+            <a:pPr lvl="1" algn="l" rtl="0"/>
+            <a:endParaRPr lang="en-US" sz="2000" dirty="0" smtClean="0">
+              <a:solidFill>
+                <a:schemeClr val="bg1">
+                  <a:lumMod val="85000"/>
+                </a:schemeClr>
+              </a:solidFill>
+            </a:endParaRPr>
+          </a:p>
+          <a:p>
+            <a:pPr lvl="1" algn="l" rtl="0"/>
+            <a:endParaRPr lang="en-US" sz="2000" dirty="0" smtClean="0">
+              <a:solidFill>
+                <a:schemeClr val="bg1">
+                  <a:lumMod val="85000"/>
+                </a:schemeClr>
+              </a:solidFill>
+            </a:endParaRPr>
+          </a:p>
+          <a:p>
+            <a:pPr lvl="1" algn="l" rtl="0">
+              <a:buFont typeface="Arial" pitchFamily="34" charset="0"/>
+              <a:buChar char="•"/>
+            </a:pPr>
+            <a:endParaRPr lang="en-US" sz="2000" dirty="0" smtClean="0">
+              <a:solidFill>
+                <a:schemeClr val="bg1">
+                  <a:lumMod val="85000"/>
+                </a:schemeClr>
+              </a:solidFill>
+            </a:endParaRPr>
+          </a:p>
+        </p:txBody>
+      </p:sp>
+    </p:spTree>
+    <p:extLst>
+      <p:ext uri="{BB962C8B-B14F-4D97-AF65-F5344CB8AC3E}">
+        <p14:creationId xmlns:p14="http://schemas.microsoft.com/office/powerpoint/2010/main" xmlns="" val="3625635007"/>
+      </p:ext>
+    </p:extLst>
+  </p:cSld>
+  <p:clrMapOvr>
+    <a:masterClrMapping/>
+  </p:clrMapOvr>
+  <p:timing>
+    <p:tnLst>
+      <p:par>
+        <p:cTn id="1" dur="indefinite" restart="never" nodeType="tmRoot"/>
+      </p:par>
+    </p:tnLst>
+  </p:timing>
+</p:sld>
+</file>
+
+<file path=ppt/slides/slide11.xml><?xml version="1.0" encoding="utf-8"?>
+<p:sld xmlns:a="http://schemas.openxmlformats.org/drawingml/2006/main" xmlns:r="http://schemas.openxmlformats.org/officeDocument/2006/relationships" xmlns:p="http://schemas.openxmlformats.org/presentationml/2006/main">
+  <p:cSld>
+    <p:bg>
+      <p:bgPr>
+        <a:solidFill>
+          <a:schemeClr val="tx1"/>
+        </a:solidFill>
+        <a:effectLst/>
+      </p:bgPr>
+    </p:bg>
+    <p:spTree>
+      <p:nvGrpSpPr>
+        <p:cNvPr id="1" name=""/>
+        <p:cNvGrpSpPr/>
+        <p:nvPr/>
+      </p:nvGrpSpPr>
+      <p:grpSpPr>
+        <a:xfrm>
+          <a:off x="0" y="0"/>
+          <a:ext cx="0" cy="0"/>
+          <a:chOff x="0" y="0"/>
+          <a:chExt cx="0" cy="0"/>
+        </a:xfrm>
+      </p:grpSpPr>
+      <p:sp>
+        <p:nvSpPr>
+          <p:cNvPr id="2" name="כותרת 1"/>
+          <p:cNvSpPr>
+            <a:spLocks noGrp="1"/>
+          </p:cNvSpPr>
+          <p:nvPr>
+            <p:ph type="title"/>
+          </p:nvPr>
+        </p:nvSpPr>
+        <p:spPr/>
+        <p:txBody>
+          <a:bodyPr>
+            <a:noAutofit/>
+          </a:bodyPr>
+          <a:lstStyle/>
+          <a:p>
+            <a:r>
+              <a:rPr lang="en-US" dirty="0" smtClean="0">
+                <a:solidFill>
+                  <a:schemeClr val="bg1">
+                    <a:lumMod val="85000"/>
+                  </a:schemeClr>
+                </a:solidFill>
+                <a:latin typeface="Arial" pitchFamily="34" charset="0"/>
+                <a:cs typeface="Arial" pitchFamily="34" charset="0"/>
+              </a:rPr>
+              <a:t>FITNESS FUNCTION</a:t>
+            </a:r>
+            <a:endParaRPr lang="he-IL" dirty="0">
+              <a:solidFill>
+                <a:schemeClr val="bg1">
+                  <a:lumMod val="85000"/>
+                </a:schemeClr>
+              </a:solidFill>
+              <a:latin typeface="Arial" pitchFamily="34" charset="0"/>
+              <a:cs typeface="Arial" pitchFamily="34" charset="0"/>
+            </a:endParaRPr>
+          </a:p>
+        </p:txBody>
+      </p:sp>
+      <p:pic>
+        <p:nvPicPr>
+          <p:cNvPr id="10" name="מציין מיקום תוכן 9" descr="fireworkbig-1.jpg"/>
+          <p:cNvPicPr>
+            <a:picLocks noGrp="1" noChangeAspect="1"/>
+          </p:cNvPicPr>
+          <p:nvPr>
+            <p:ph idx="1"/>
+          </p:nvPr>
+        </p:nvPicPr>
+        <p:blipFill>
           <a:blip r:embed="rId3" cstate="print"/>
           <a:stretch>
             <a:fillRect/>
@@ -6548,14 +6767,14 @@
           <p:nvPr>
             <p:extLst>
               <p:ext uri="{D42A27DB-BD31-4B8C-83A1-F6EECF244321}">
-                <p14:modId xmlns:p14="http://schemas.microsoft.com/office/powerpoint/2010/main" val="1299560986"/>
+                <p14:modId xmlns:p14="http://schemas.microsoft.com/office/powerpoint/2010/main" xmlns="" val="1299560986"/>
               </p:ext>
             </p:extLst>
           </p:nvPr>
         </p:nvGraphicFramePr>
         <p:xfrm>
-          <a:off x="619125" y="483518"/>
-          <a:ext cx="7265243" cy="4621882"/>
+          <a:off x="1357290" y="1214428"/>
+          <a:ext cx="6357982" cy="3533782"/>
         </p:xfrm>
         <a:graphic>
           <a:graphicData uri="http://schemas.openxmlformats.org/drawingml/2006/chart">
@@ -6566,7 +6785,7 @@
     </p:spTree>
     <p:extLst>
       <p:ext uri="{BB962C8B-B14F-4D97-AF65-F5344CB8AC3E}">
-        <p14:creationId xmlns:p14="http://schemas.microsoft.com/office/powerpoint/2010/main" val="1382359092"/>
+        <p14:creationId xmlns:p14="http://schemas.microsoft.com/office/powerpoint/2010/main" xmlns="" val="1382359092"/>
       </p:ext>
     </p:extLst>
   </p:cSld>
@@ -7646,7 +7865,7 @@
     </p:spTree>
     <p:extLst>
       <p:ext uri="{BB962C8B-B14F-4D97-AF65-F5344CB8AC3E}">
-        <p14:creationId xmlns:p14="http://schemas.microsoft.com/office/powerpoint/2010/main" val="3579436414"/>
+        <p14:creationId xmlns:p14="http://schemas.microsoft.com/office/powerpoint/2010/main" xmlns="" val="3579436414"/>
       </p:ext>
     </p:extLst>
   </p:cSld>
@@ -9177,7 +9396,7 @@
     </p:spTree>
     <p:extLst>
       <p:ext uri="{BB962C8B-B14F-4D97-AF65-F5344CB8AC3E}">
-        <p14:creationId xmlns:p14="http://schemas.microsoft.com/office/powerpoint/2010/main" val="990349614"/>
+        <p14:creationId xmlns:p14="http://schemas.microsoft.com/office/powerpoint/2010/main" xmlns="" val="990349614"/>
       </p:ext>
     </p:extLst>
   </p:cSld>
@@ -9392,7 +9611,17 @@
                   </a:schemeClr>
                 </a:solidFill>
               </a:rPr>
-              <a:t>Develop an agent using genetic programming algorithm that can play the Hanabi game. </a:t>
+              <a:t> Develop </a:t>
+            </a:r>
+            <a:r>
+              <a:rPr lang="en-US" sz="2000" dirty="0" smtClean="0">
+                <a:solidFill>
+                  <a:schemeClr val="bg1">
+                    <a:lumMod val="85000"/>
+                  </a:schemeClr>
+                </a:solidFill>
+              </a:rPr>
+              <a:t>an agent using genetic programming algorithm that can play the Hanabi game. </a:t>
             </a:r>
           </a:p>
           <a:p>
@@ -9416,7 +9645,7 @@
     </p:spTree>
     <p:extLst>
       <p:ext uri="{BB962C8B-B14F-4D97-AF65-F5344CB8AC3E}">
-        <p14:creationId xmlns:p14="http://schemas.microsoft.com/office/powerpoint/2010/main" val="990349614"/>
+        <p14:creationId xmlns:p14="http://schemas.microsoft.com/office/powerpoint/2010/main" xmlns="" val="990349614"/>
       </p:ext>
     </p:extLst>
   </p:cSld>
@@ -9485,7 +9714,7 @@
                 <a:latin typeface="Arial" pitchFamily="34" charset="0"/>
                 <a:cs typeface="Arial" pitchFamily="34" charset="0"/>
               </a:rPr>
-              <a:t>FITNESS FUNCTION</a:t>
+              <a:t>SIMULATION</a:t>
             </a:r>
             <a:endParaRPr lang="he-IL" dirty="0">
               <a:solidFill>
@@ -9605,7 +9834,7 @@
         <p:spPr>
           <a:xfrm>
             <a:off x="1000100" y="1071553"/>
-            <a:ext cx="7215238" cy="3108543"/>
+            <a:ext cx="7215238" cy="2954655"/>
           </a:xfrm>
           <a:prstGeom prst="rect">
             <a:avLst/>
@@ -9625,36 +9854,259 @@
             <a:r>
               <a:rPr lang="en-US" sz="2000" dirty="0" smtClean="0">
                 <a:solidFill>
-                  <a:schemeClr val="bg1">
-                    <a:lumMod val="85000"/>
-                  </a:schemeClr>
-                </a:solidFill>
-              </a:rPr>
-              <a:t> </a:t>
-            </a:r>
-            <a:r>
-              <a:rPr lang="en-US" dirty="0" smtClean="0">
-                <a:solidFill>
-                  <a:schemeClr val="bg1">
-                    <a:lumMod val="85000"/>
-                  </a:schemeClr>
-                </a:solidFill>
-              </a:rPr>
-              <a:t>The Fitness function is simply running a simulation of a game N times and computing the result of each game (the fitness value is the average result of N games).</a:t>
-            </a:r>
+                  <a:schemeClr val="bg1"/>
+                </a:solidFill>
+              </a:rPr>
+              <a:t> We use the python library </a:t>
+            </a:r>
+            <a:r>
+              <a:rPr lang="en-US" sz="2000" dirty="0" err="1" smtClean="0">
+                <a:solidFill>
+                  <a:schemeClr val="bg1"/>
+                </a:solidFill>
+              </a:rPr>
+              <a:t>deap</a:t>
+            </a:r>
+            <a:endParaRPr lang="en-US" sz="2000" dirty="0" smtClean="0">
+              <a:solidFill>
+                <a:schemeClr val="bg1"/>
+              </a:solidFill>
+            </a:endParaRPr>
           </a:p>
           <a:p>
             <a:pPr algn="l" rtl="0">
               <a:buFont typeface="Arial" pitchFamily="34" charset="0"/>
               <a:buChar char="•"/>
             </a:pPr>
+            <a:r>
+              <a:rPr lang="en-US" sz="2000" dirty="0" smtClean="0">
+                <a:solidFill>
+                  <a:schemeClr val="bg1"/>
+                </a:solidFill>
+              </a:rPr>
+              <a:t> Our Parameters for the simulation:</a:t>
+            </a:r>
             <a:endParaRPr lang="en-US" sz="2000" dirty="0" smtClean="0">
               <a:solidFill>
-                <a:schemeClr val="bg1">
-                  <a:lumMod val="85000"/>
-                </a:schemeClr>
+                <a:schemeClr val="bg1"/>
               </a:solidFill>
             </a:endParaRPr>
+          </a:p>
+          <a:p>
+            <a:pPr lvl="1" algn="l" rtl="0">
+              <a:buFont typeface="Arial" pitchFamily="34" charset="0"/>
+              <a:buChar char="•"/>
+            </a:pPr>
+            <a:r>
+              <a:rPr lang="en-US" dirty="0" smtClean="0">
+                <a:solidFill>
+                  <a:schemeClr val="bg1">
+                    <a:lumMod val="85000"/>
+                  </a:schemeClr>
+                </a:solidFill>
+              </a:rPr>
+              <a:t> </a:t>
+            </a:r>
+            <a:r>
+              <a:rPr lang="en-US" dirty="0" smtClean="0">
+                <a:solidFill>
+                  <a:schemeClr val="bg1">
+                    <a:lumMod val="85000"/>
+                  </a:schemeClr>
+                </a:solidFill>
+              </a:rPr>
+              <a:t>Population Size: 30</a:t>
+            </a:r>
+          </a:p>
+          <a:p>
+            <a:pPr lvl="1" algn="l" rtl="0">
+              <a:buFont typeface="Arial" pitchFamily="34" charset="0"/>
+              <a:buChar char="•"/>
+            </a:pPr>
+            <a:r>
+              <a:rPr lang="en-US" dirty="0" smtClean="0">
+                <a:solidFill>
+                  <a:schemeClr val="bg1">
+                    <a:lumMod val="85000"/>
+                  </a:schemeClr>
+                </a:solidFill>
+              </a:rPr>
+              <a:t> </a:t>
+            </a:r>
+            <a:r>
+              <a:rPr lang="en-US" dirty="0" smtClean="0">
+                <a:solidFill>
+                  <a:schemeClr val="bg1">
+                    <a:lumMod val="85000"/>
+                  </a:schemeClr>
+                </a:solidFill>
+              </a:rPr>
+              <a:t>The initial individuals are full trees of depth 4-10 </a:t>
+            </a:r>
+          </a:p>
+          <a:p>
+            <a:pPr lvl="1" algn="l" rtl="0">
+              <a:buFont typeface="Arial" pitchFamily="34" charset="0"/>
+              <a:buChar char="•"/>
+            </a:pPr>
+            <a:r>
+              <a:rPr lang="en-US" dirty="0" smtClean="0">
+                <a:solidFill>
+                  <a:schemeClr val="bg1">
+                    <a:lumMod val="85000"/>
+                  </a:schemeClr>
+                </a:solidFill>
+              </a:rPr>
+              <a:t> </a:t>
+            </a:r>
+            <a:r>
+              <a:rPr lang="en-US" dirty="0" smtClean="0">
+                <a:solidFill>
+                  <a:schemeClr val="bg1">
+                    <a:lumMod val="85000"/>
+                  </a:schemeClr>
+                </a:solidFill>
+              </a:rPr>
+              <a:t>Crossover: one point crossover, probability: 0.9</a:t>
+            </a:r>
+          </a:p>
+          <a:p>
+            <a:pPr lvl="1" algn="l" rtl="0">
+              <a:buFont typeface="Arial" pitchFamily="34" charset="0"/>
+              <a:buChar char="•"/>
+            </a:pPr>
+            <a:r>
+              <a:rPr lang="en-US" dirty="0" smtClean="0">
+                <a:solidFill>
+                  <a:schemeClr val="bg1">
+                    <a:lumMod val="85000"/>
+                  </a:schemeClr>
+                </a:solidFill>
+              </a:rPr>
+              <a:t> Mutation</a:t>
+            </a:r>
+            <a:r>
+              <a:rPr lang="en-US" dirty="0" smtClean="0">
+                <a:solidFill>
+                  <a:schemeClr val="bg1">
+                    <a:lumMod val="85000"/>
+                  </a:schemeClr>
+                </a:solidFill>
+              </a:rPr>
+              <a:t>: </a:t>
+            </a:r>
+            <a:r>
+              <a:rPr lang="en-US" dirty="0" smtClean="0">
+                <a:solidFill>
+                  <a:schemeClr val="bg1">
+                    <a:lumMod val="85000"/>
+                  </a:schemeClr>
+                </a:solidFill>
+              </a:rPr>
+              <a:t>uniform mutation - randomly </a:t>
+            </a:r>
+            <a:r>
+              <a:rPr lang="en-US" dirty="0" smtClean="0">
+                <a:solidFill>
+                  <a:schemeClr val="bg1">
+                    <a:lumMod val="85000"/>
+                  </a:schemeClr>
+                </a:solidFill>
+              </a:rPr>
+              <a:t>select a point in the tree individual, then replace the </a:t>
+            </a:r>
+            <a:r>
+              <a:rPr lang="en-US" dirty="0" err="1" smtClean="0">
+                <a:solidFill>
+                  <a:schemeClr val="bg1">
+                    <a:lumMod val="85000"/>
+                  </a:schemeClr>
+                </a:solidFill>
+              </a:rPr>
+              <a:t>subtree</a:t>
+            </a:r>
+            <a:r>
+              <a:rPr lang="en-US" dirty="0" smtClean="0">
+                <a:solidFill>
+                  <a:schemeClr val="bg1">
+                    <a:lumMod val="85000"/>
+                  </a:schemeClr>
+                </a:solidFill>
+              </a:rPr>
+              <a:t> at that point, </a:t>
+            </a:r>
+            <a:r>
+              <a:rPr lang="en-US" dirty="0" smtClean="0">
+                <a:solidFill>
+                  <a:schemeClr val="bg1">
+                    <a:lumMod val="85000"/>
+                  </a:schemeClr>
+                </a:solidFill>
+              </a:rPr>
+              <a:t>probability: 0.1 </a:t>
+            </a:r>
+          </a:p>
+          <a:p>
+            <a:pPr lvl="1" algn="l" rtl="0">
+              <a:buFont typeface="Arial" pitchFamily="34" charset="0"/>
+              <a:buChar char="•"/>
+            </a:pPr>
+            <a:r>
+              <a:rPr lang="en-US" dirty="0" smtClean="0">
+                <a:solidFill>
+                  <a:schemeClr val="bg1">
+                    <a:lumMod val="85000"/>
+                  </a:schemeClr>
+                </a:solidFill>
+              </a:rPr>
+              <a:t> </a:t>
+            </a:r>
+            <a:r>
+              <a:rPr lang="en-US" dirty="0" smtClean="0">
+                <a:solidFill>
+                  <a:schemeClr val="bg1">
+                    <a:lumMod val="85000"/>
+                  </a:schemeClr>
+                </a:solidFill>
+              </a:rPr>
+              <a:t>Generations: 100</a:t>
+            </a:r>
+          </a:p>
+          <a:p>
+            <a:pPr lvl="1" algn="l" rtl="0">
+              <a:buFont typeface="Arial" pitchFamily="34" charset="0"/>
+              <a:buChar char="•"/>
+            </a:pPr>
+            <a:r>
+              <a:rPr lang="en-US" dirty="0" smtClean="0">
+                <a:solidFill>
+                  <a:schemeClr val="bg1">
+                    <a:lumMod val="85000"/>
+                  </a:schemeClr>
+                </a:solidFill>
+              </a:rPr>
+              <a:t> </a:t>
+            </a:r>
+            <a:r>
+              <a:rPr lang="en-US" dirty="0" smtClean="0">
+                <a:solidFill>
+                  <a:schemeClr val="bg1">
+                    <a:lumMod val="85000"/>
+                  </a:schemeClr>
+                </a:solidFill>
+              </a:rPr>
+              <a:t>Selection: </a:t>
+            </a:r>
+            <a:r>
+              <a:rPr lang="en-US" dirty="0" smtClean="0">
+                <a:solidFill>
+                  <a:schemeClr val="bg1">
+                    <a:lumMod val="85000"/>
+                  </a:schemeClr>
+                </a:solidFill>
+              </a:rPr>
+              <a:t>tournament selection with size 7</a:t>
+            </a:r>
           </a:p>
           <a:p>
             <a:pPr lvl="1" algn="l" rtl="0">
@@ -9663,62 +10115,7 @@
             </a:pPr>
             <a:endParaRPr lang="en-US" sz="2000" dirty="0" smtClean="0">
               <a:solidFill>
-                <a:schemeClr val="bg1">
-                  <a:lumMod val="85000"/>
-                </a:schemeClr>
-              </a:solidFill>
-            </a:endParaRPr>
-          </a:p>
-          <a:p>
-            <a:pPr lvl="1" algn="l" rtl="0"/>
-            <a:endParaRPr lang="en-US" sz="2000" dirty="0" smtClean="0">
-              <a:solidFill>
-                <a:schemeClr val="bg1">
-                  <a:lumMod val="85000"/>
-                </a:schemeClr>
-              </a:solidFill>
-            </a:endParaRPr>
-          </a:p>
-          <a:p>
-            <a:pPr lvl="1" algn="l" rtl="0"/>
-            <a:endParaRPr lang="en-US" sz="2000" dirty="0" smtClean="0">
-              <a:solidFill>
-                <a:schemeClr val="bg1">
-                  <a:lumMod val="85000"/>
-                </a:schemeClr>
-              </a:solidFill>
-            </a:endParaRPr>
-          </a:p>
-          <a:p>
-            <a:pPr lvl="1" algn="l" rtl="0"/>
-            <a:endParaRPr lang="en-US" sz="2000" dirty="0" smtClean="0">
-              <a:solidFill>
-                <a:schemeClr val="bg1">
-                  <a:lumMod val="85000"/>
-                </a:schemeClr>
-              </a:solidFill>
-            </a:endParaRPr>
-          </a:p>
-          <a:p>
-            <a:pPr lvl="1" algn="l" rtl="0"/>
-            <a:endParaRPr lang="en-US" sz="2000" dirty="0" smtClean="0">
-              <a:solidFill>
-                <a:schemeClr val="bg1">
-                  <a:lumMod val="85000"/>
-                </a:schemeClr>
-              </a:solidFill>
-            </a:endParaRPr>
-          </a:p>
-          <a:p>
-            <a:pPr lvl="1" algn="l" rtl="0">
-              <a:buFont typeface="Arial" pitchFamily="34" charset="0"/>
-              <a:buChar char="•"/>
-            </a:pPr>
-            <a:endParaRPr lang="en-US" sz="2000" dirty="0" smtClean="0">
-              <a:solidFill>
-                <a:schemeClr val="bg1">
-                  <a:lumMod val="85000"/>
-                </a:schemeClr>
+                <a:schemeClr val="bg1"/>
               </a:solidFill>
             </a:endParaRPr>
           </a:p>
@@ -9727,7 +10124,7 @@
     </p:spTree>
     <p:extLst>
       <p:ext uri="{BB962C8B-B14F-4D97-AF65-F5344CB8AC3E}">
-        <p14:creationId xmlns:p14="http://schemas.microsoft.com/office/powerpoint/2010/main" val="3625635007"/>
+        <p14:creationId xmlns:p14="http://schemas.microsoft.com/office/powerpoint/2010/main" xmlns="" val="3625635007"/>
       </p:ext>
     </p:extLst>
   </p:cSld>

--- a/hanabi (1).pptx
+++ b/hanabi (1).pptx
@@ -5,20 +5,24 @@
     <p:sldMasterId id="2147483696" r:id="rId1"/>
   </p:sldMasterIdLst>
   <p:notesMasterIdLst>
-    <p:notesMasterId r:id="rId13"/>
+    <p:notesMasterId r:id="rId17"/>
   </p:notesMasterIdLst>
   <p:sldIdLst>
     <p:sldId id="256" r:id="rId2"/>
-    <p:sldId id="257" r:id="rId3"/>
-    <p:sldId id="259" r:id="rId4"/>
-    <p:sldId id="265" r:id="rId5"/>
-    <p:sldId id="260" r:id="rId6"/>
-    <p:sldId id="261" r:id="rId7"/>
-    <p:sldId id="262" r:id="rId8"/>
-    <p:sldId id="264" r:id="rId9"/>
-    <p:sldId id="267" r:id="rId10"/>
+    <p:sldId id="259" r:id="rId3"/>
+    <p:sldId id="257" r:id="rId4"/>
+    <p:sldId id="271" r:id="rId5"/>
+    <p:sldId id="265" r:id="rId6"/>
+    <p:sldId id="260" r:id="rId7"/>
+    <p:sldId id="261" r:id="rId8"/>
+    <p:sldId id="262" r:id="rId9"/>
+    <p:sldId id="264" r:id="rId10"/>
     <p:sldId id="263" r:id="rId11"/>
-    <p:sldId id="266" r:id="rId12"/>
+    <p:sldId id="268" r:id="rId12"/>
+    <p:sldId id="269" r:id="rId13"/>
+    <p:sldId id="267" r:id="rId14"/>
+    <p:sldId id="266" r:id="rId15"/>
+    <p:sldId id="270" r:id="rId16"/>
   </p:sldIdLst>
   <p:sldSz cx="9144000" cy="5143500" type="screen16x9"/>
   <p:notesSz cx="6858000" cy="9144000"/>
@@ -119,7 +123,7 @@
   </p:defaultTextStyle>
   <p:extLst>
     <p:ext uri="{EFAFB233-063F-42B5-8137-9DF3F51BA10A}">
-      <p15:sldGuideLst xmlns:p15="http://schemas.microsoft.com/office/powerpoint/2012/main" xmlns="">
+      <p15:sldGuideLst xmlns:p15="http://schemas.microsoft.com/office/powerpoint/2012/main">
         <p15:guide id="1" orient="horz" pos="1620">
           <p15:clr>
             <a:srgbClr val="A4A3A4"/>
@@ -133,7 +137,7 @@
       </p15:sldGuideLst>
     </p:ext>
     <p:ext uri="{2D200454-40CA-4A62-9FC3-DE9A4176ACB9}">
-      <p15:notesGuideLst xmlns:p15="http://schemas.microsoft.com/office/powerpoint/2012/main" xmlns="">
+      <p15:notesGuideLst xmlns:p15="http://schemas.microsoft.com/office/powerpoint/2012/main">
         <p15:guide id="1" orient="horz" pos="2880">
           <p15:clr>
             <a:srgbClr val="A4A3A4"/>
@@ -151,8 +155,18 @@
 </file>
 
 <file path=ppt/charts/chart1.xml><?xml version="1.0" encoding="utf-8"?>
-<c:chartSpace xmlns:c="http://schemas.openxmlformats.org/drawingml/2006/chart" xmlns:a="http://schemas.openxmlformats.org/drawingml/2006/main" xmlns:r="http://schemas.openxmlformats.org/officeDocument/2006/relationships">
-  <c:lang val="he-IL"/>
+<c:chartSpace xmlns:c="http://schemas.openxmlformats.org/drawingml/2006/chart" xmlns:a="http://schemas.openxmlformats.org/drawingml/2006/main" xmlns:r="http://schemas.openxmlformats.org/officeDocument/2006/relationships" xmlns:c16r2="http://schemas.microsoft.com/office/drawing/2015/06/chart">
+  <c:date1904 val="0"/>
+  <c:lang val="en-US"/>
+  <c:roundedCorners val="0"/>
+  <mc:AlternateContent xmlns:mc="http://schemas.openxmlformats.org/markup-compatibility/2006">
+    <mc:Choice xmlns:c14="http://schemas.microsoft.com/office/drawing/2007/8/2/chart" Requires="c14">
+      <c14:style val="102"/>
+    </mc:Choice>
+    <mc:Fallback>
+      <c:style val="2"/>
+    </mc:Fallback>
+  </mc:AlternateContent>
   <c:chart>
     <c:title>
       <c:tx>
@@ -181,6 +195,7 @@
         </c:rich>
       </c:tx>
       <c:layout/>
+      <c:overlay val="0"/>
       <c:spPr>
         <a:noFill/>
         <a:ln>
@@ -189,13 +204,15 @@
         <a:effectLst/>
       </c:spPr>
     </c:title>
+    <c:autoTitleDeleted val="0"/>
     <c:plotArea>
       <c:layout/>
       <c:lineChart>
         <c:grouping val="standard"/>
+        <c:varyColors val="0"/>
         <c:ser>
           <c:idx val="1"/>
-          <c:order val="0"/>
+          <c:order val="1"/>
           <c:tx>
             <c:v>Avg_fitness</c:v>
           </c:tx>
@@ -523,7 +540,8 @@
               </c:numCache>
             </c:numRef>
           </c:val>
-          <c:extLst xmlns:c16r2="http://schemas.microsoft.com/office/drawing/2015/06/chart">
+          <c:smooth val="0"/>
+          <c:extLst>
             <c:ext xmlns:c16="http://schemas.microsoft.com/office/drawing/2014/chart" uri="{C3380CC4-5D6E-409C-BE32-E72D297353CC}">
               <c16:uniqueId val="{00000000-3437-45D7-AF20-005D115F4F58}"/>
             </c:ext>
@@ -531,7 +549,7 @@
         </c:ser>
         <c:ser>
           <c:idx val="2"/>
-          <c:order val="1"/>
+          <c:order val="2"/>
           <c:tx>
             <c:v>Max_score</c:v>
           </c:tx>
@@ -859,17 +877,25 @@
               </c:numCache>
             </c:numRef>
           </c:val>
-          <c:extLst xmlns:c16r2="http://schemas.microsoft.com/office/drawing/2015/06/chart">
+          <c:smooth val="0"/>
+          <c:extLst>
             <c:ext xmlns:c16="http://schemas.microsoft.com/office/drawing/2014/chart" uri="{C3380CC4-5D6E-409C-BE32-E72D297353CC}">
               <c16:uniqueId val="{00000001-3437-45D7-AF20-005D115F4F58}"/>
             </c:ext>
           </c:extLst>
         </c:ser>
-        <c:dLbls/>
-        <c:marker val="1"/>
+        <c:dLbls>
+          <c:showLegendKey val="0"/>
+          <c:showVal val="0"/>
+          <c:showCatName val="0"/>
+          <c:showSerName val="0"/>
+          <c:showPercent val="0"/>
+          <c:showBubbleSize val="0"/>
+        </c:dLbls>
+        <c:smooth val="0"/>
         <c:axId val="130527616"/>
         <c:axId val="130529536"/>
-        <c:extLst xmlns:c16r2="http://schemas.microsoft.com/office/drawing/2015/06/chart">
+        <c:extLst>
           <c:ext xmlns:c15="http://schemas.microsoft.com/office/drawing/2012/chart" uri="{02D57815-91ED-43cb-92C2-25804820EDAC}">
             <c15:filteredLineSeries>
               <c15:ser>
@@ -1538,6 +1564,7 @@
         <c:scaling>
           <c:orientation val="minMax"/>
         </c:scaling>
+        <c:delete val="0"/>
         <c:axPos val="b"/>
         <c:title>
           <c:tx>
@@ -1566,6 +1593,7 @@
             </c:rich>
           </c:tx>
           <c:layout/>
+          <c:overlay val="0"/>
           <c:spPr>
             <a:noFill/>
             <a:ln>
@@ -1575,6 +1603,7 @@
           </c:spPr>
         </c:title>
         <c:majorTickMark val="none"/>
+        <c:minorTickMark val="none"/>
         <c:tickLblPos val="nextTo"/>
         <c:spPr>
           <a:noFill/>
@@ -1606,7 +1635,7 @@
                 <a:cs typeface="+mn-cs"/>
               </a:defRPr>
             </a:pPr>
-            <a:endParaRPr lang="he-IL"/>
+            <a:endParaRPr lang="en-US"/>
           </a:p>
         </c:txPr>
         <c:crossAx val="130529536"/>
@@ -1614,12 +1643,14 @@
         <c:auto val="1"/>
         <c:lblAlgn val="ctr"/>
         <c:lblOffset val="100"/>
+        <c:noMultiLvlLbl val="0"/>
       </c:catAx>
       <c:valAx>
         <c:axId val="130529536"/>
         <c:scaling>
           <c:orientation val="minMax"/>
         </c:scaling>
+        <c:delete val="0"/>
         <c:axPos val="l"/>
         <c:majorGridlines>
           <c:spPr>
@@ -1662,6 +1693,7 @@
             </c:rich>
           </c:tx>
           <c:layout/>
+          <c:overlay val="0"/>
           <c:spPr>
             <a:noFill/>
             <a:ln>
@@ -1672,6 +1704,7 @@
         </c:title>
         <c:numFmt formatCode="General" sourceLinked="1"/>
         <c:majorTickMark val="none"/>
+        <c:minorTickMark val="none"/>
         <c:tickLblPos val="nextTo"/>
         <c:spPr>
           <a:noFill/>
@@ -1697,7 +1730,7 @@
                 <a:cs typeface="+mn-cs"/>
               </a:defRPr>
             </a:pPr>
-            <a:endParaRPr lang="he-IL"/>
+            <a:endParaRPr lang="en-US"/>
           </a:p>
         </c:txPr>
         <c:crossAx val="130527616"/>
@@ -1715,6 +1748,7 @@
     <c:legend>
       <c:legendPos val="r"/>
       <c:layout/>
+      <c:overlay val="0"/>
       <c:spPr>
         <a:noFill/>
         <a:ln>
@@ -1739,12 +1773,13 @@
               <a:cs typeface="+mn-cs"/>
             </a:defRPr>
           </a:pPr>
-          <a:endParaRPr lang="he-IL"/>
+          <a:endParaRPr lang="en-US"/>
         </a:p>
       </c:txPr>
     </c:legend>
     <c:plotVisOnly val="1"/>
     <c:dispBlanksAs val="gap"/>
+    <c:showDLblsOverMax val="0"/>
   </c:chart>
   <c:spPr>
     <a:solidFill>
@@ -1762,567 +1797,13 @@
       <a:pPr>
         <a:defRPr/>
       </a:pPr>
-      <a:endParaRPr lang="he-IL"/>
+      <a:endParaRPr lang="en-US"/>
     </a:p>
   </c:txPr>
-  <c:externalData r:id="rId1"/>
+  <c:externalData r:id="rId1">
+    <c:autoUpdate val="0"/>
+  </c:externalData>
 </c:chartSpace>
-</file>
-
-<file path=ppt/charts/colors1.xml><?xml version="1.0" encoding="utf-8"?>
-<cs:colorStyle xmlns:cs="http://schemas.microsoft.com/office/drawing/2012/chartStyle" xmlns:a="http://schemas.openxmlformats.org/drawingml/2006/main" meth="cycle" id="10">
-  <a:schemeClr val="accent1"/>
-  <a:schemeClr val="accent2"/>
-  <a:schemeClr val="accent3"/>
-  <a:schemeClr val="accent4"/>
-  <a:schemeClr val="accent5"/>
-  <a:schemeClr val="accent6"/>
-  <cs:variation/>
-  <cs:variation>
-    <a:lumMod val="60000"/>
-  </cs:variation>
-  <cs:variation>
-    <a:lumMod val="80000"/>
-    <a:lumOff val="20000"/>
-  </cs:variation>
-  <cs:variation>
-    <a:lumMod val="80000"/>
-  </cs:variation>
-  <cs:variation>
-    <a:lumMod val="60000"/>
-    <a:lumOff val="40000"/>
-  </cs:variation>
-  <cs:variation>
-    <a:lumMod val="50000"/>
-  </cs:variation>
-  <cs:variation>
-    <a:lumMod val="70000"/>
-    <a:lumOff val="30000"/>
-  </cs:variation>
-  <cs:variation>
-    <a:lumMod val="70000"/>
-  </cs:variation>
-  <cs:variation>
-    <a:lumMod val="50000"/>
-    <a:lumOff val="50000"/>
-  </cs:variation>
-</cs:colorStyle>
-</file>
-
-<file path=ppt/charts/style1.xml><?xml version="1.0" encoding="utf-8"?>
-<cs:chartStyle xmlns:cs="http://schemas.microsoft.com/office/drawing/2012/chartStyle" xmlns:a="http://schemas.openxmlformats.org/drawingml/2006/main" id="227">
-  <cs:axisTitle>
-    <cs:lnRef idx="0"/>
-    <cs:fillRef idx="0"/>
-    <cs:effectRef idx="0"/>
-    <cs:fontRef idx="minor">
-      <a:schemeClr val="tx1">
-        <a:lumMod val="65000"/>
-        <a:lumOff val="35000"/>
-      </a:schemeClr>
-    </cs:fontRef>
-    <cs:defRPr sz="1000" kern="1200"/>
-  </cs:axisTitle>
-  <cs:categoryAxis>
-    <cs:lnRef idx="0"/>
-    <cs:fillRef idx="0"/>
-    <cs:effectRef idx="0"/>
-    <cs:fontRef idx="minor">
-      <a:schemeClr val="tx1">
-        <a:lumMod val="65000"/>
-        <a:lumOff val="35000"/>
-      </a:schemeClr>
-    </cs:fontRef>
-    <cs:spPr>
-      <a:ln w="9525" cap="flat" cmpd="sng" algn="ctr">
-        <a:solidFill>
-          <a:schemeClr val="tx1">
-            <a:lumMod val="15000"/>
-            <a:lumOff val="85000"/>
-          </a:schemeClr>
-        </a:solidFill>
-        <a:round/>
-      </a:ln>
-    </cs:spPr>
-    <cs:defRPr sz="900" kern="1200"/>
-  </cs:categoryAxis>
-  <cs:chartArea mods="allowNoFillOverride allowNoLineOverride">
-    <cs:lnRef idx="0"/>
-    <cs:fillRef idx="0"/>
-    <cs:effectRef idx="0"/>
-    <cs:fontRef idx="minor">
-      <a:schemeClr val="tx1"/>
-    </cs:fontRef>
-    <cs:spPr>
-      <a:solidFill>
-        <a:schemeClr val="bg1"/>
-      </a:solidFill>
-      <a:ln w="9525" cap="flat" cmpd="sng" algn="ctr">
-        <a:solidFill>
-          <a:schemeClr val="tx1">
-            <a:lumMod val="15000"/>
-            <a:lumOff val="85000"/>
-          </a:schemeClr>
-        </a:solidFill>
-        <a:round/>
-      </a:ln>
-    </cs:spPr>
-    <cs:defRPr sz="1000" kern="1200"/>
-  </cs:chartArea>
-  <cs:dataLabel>
-    <cs:lnRef idx="0"/>
-    <cs:fillRef idx="0"/>
-    <cs:effectRef idx="0"/>
-    <cs:fontRef idx="minor">
-      <a:schemeClr val="tx1">
-        <a:lumMod val="75000"/>
-        <a:lumOff val="25000"/>
-      </a:schemeClr>
-    </cs:fontRef>
-    <cs:defRPr sz="900" kern="1200"/>
-  </cs:dataLabel>
-  <cs:dataLabelCallout>
-    <cs:lnRef idx="0"/>
-    <cs:fillRef idx="0"/>
-    <cs:effectRef idx="0"/>
-    <cs:fontRef idx="minor">
-      <a:schemeClr val="dk1">
-        <a:lumMod val="65000"/>
-        <a:lumOff val="35000"/>
-      </a:schemeClr>
-    </cs:fontRef>
-    <cs:spPr>
-      <a:solidFill>
-        <a:schemeClr val="lt1"/>
-      </a:solidFill>
-      <a:ln>
-        <a:solidFill>
-          <a:schemeClr val="dk1">
-            <a:lumMod val="25000"/>
-            <a:lumOff val="75000"/>
-          </a:schemeClr>
-        </a:solidFill>
-      </a:ln>
-    </cs:spPr>
-    <cs:defRPr sz="900" kern="1200"/>
-    <cs:bodyPr rot="0" spcFirstLastPara="1" vertOverflow="clip" horzOverflow="clip" vert="horz" wrap="square" lIns="36576" tIns="18288" rIns="36576" bIns="18288" anchor="ctr" anchorCtr="1">
-      <a:spAutoFit/>
-    </cs:bodyPr>
-  </cs:dataLabelCallout>
-  <cs:dataPoint>
-    <cs:lnRef idx="0"/>
-    <cs:fillRef idx="1">
-      <cs:styleClr val="auto"/>
-    </cs:fillRef>
-    <cs:effectRef idx="0"/>
-    <cs:fontRef idx="minor">
-      <a:schemeClr val="tx1"/>
-    </cs:fontRef>
-    <cs:spPr>
-      <a:solidFill>
-        <a:schemeClr val="phClr"/>
-      </a:solidFill>
-    </cs:spPr>
-  </cs:dataPoint>
-  <cs:dataPoint3D>
-    <cs:lnRef idx="0"/>
-    <cs:fillRef idx="1">
-      <cs:styleClr val="auto"/>
-    </cs:fillRef>
-    <cs:effectRef idx="0"/>
-    <cs:fontRef idx="minor">
-      <a:schemeClr val="tx1"/>
-    </cs:fontRef>
-    <cs:spPr>
-      <a:solidFill>
-        <a:schemeClr val="phClr"/>
-      </a:solidFill>
-    </cs:spPr>
-  </cs:dataPoint3D>
-  <cs:dataPointLine>
-    <cs:lnRef idx="0">
-      <cs:styleClr val="auto"/>
-    </cs:lnRef>
-    <cs:fillRef idx="1"/>
-    <cs:effectRef idx="0"/>
-    <cs:fontRef idx="minor">
-      <a:schemeClr val="tx1"/>
-    </cs:fontRef>
-    <cs:spPr>
-      <a:ln w="28575" cap="rnd">
-        <a:solidFill>
-          <a:schemeClr val="phClr"/>
-        </a:solidFill>
-        <a:round/>
-      </a:ln>
-    </cs:spPr>
-  </cs:dataPointLine>
-  <cs:dataPointMarker>
-    <cs:lnRef idx="0">
-      <cs:styleClr val="auto"/>
-    </cs:lnRef>
-    <cs:fillRef idx="1">
-      <cs:styleClr val="auto"/>
-    </cs:fillRef>
-    <cs:effectRef idx="0"/>
-    <cs:fontRef idx="minor">
-      <a:schemeClr val="tx1"/>
-    </cs:fontRef>
-    <cs:spPr>
-      <a:solidFill>
-        <a:schemeClr val="phClr"/>
-      </a:solidFill>
-      <a:ln w="9525">
-        <a:solidFill>
-          <a:schemeClr val="phClr"/>
-        </a:solidFill>
-      </a:ln>
-    </cs:spPr>
-  </cs:dataPointMarker>
-  <cs:dataPointMarkerLayout symbol="circle" size="5"/>
-  <cs:dataPointWireframe>
-    <cs:lnRef idx="0">
-      <cs:styleClr val="auto"/>
-    </cs:lnRef>
-    <cs:fillRef idx="1"/>
-    <cs:effectRef idx="0"/>
-    <cs:fontRef idx="minor">
-      <a:schemeClr val="tx1"/>
-    </cs:fontRef>
-    <cs:spPr>
-      <a:ln w="9525" cap="rnd">
-        <a:solidFill>
-          <a:schemeClr val="phClr"/>
-        </a:solidFill>
-        <a:round/>
-      </a:ln>
-    </cs:spPr>
-  </cs:dataPointWireframe>
-  <cs:dataTable>
-    <cs:lnRef idx="0"/>
-    <cs:fillRef idx="0"/>
-    <cs:effectRef idx="0"/>
-    <cs:fontRef idx="minor">
-      <a:schemeClr val="tx1">
-        <a:lumMod val="65000"/>
-        <a:lumOff val="35000"/>
-      </a:schemeClr>
-    </cs:fontRef>
-    <cs:spPr>
-      <a:noFill/>
-      <a:ln w="9525" cap="flat" cmpd="sng" algn="ctr">
-        <a:solidFill>
-          <a:schemeClr val="tx1">
-            <a:lumMod val="15000"/>
-            <a:lumOff val="85000"/>
-          </a:schemeClr>
-        </a:solidFill>
-        <a:round/>
-      </a:ln>
-    </cs:spPr>
-    <cs:defRPr sz="900" kern="1200"/>
-  </cs:dataTable>
-  <cs:downBar>
-    <cs:lnRef idx="0"/>
-    <cs:fillRef idx="0"/>
-    <cs:effectRef idx="0"/>
-    <cs:fontRef idx="minor">
-      <a:schemeClr val="dk1"/>
-    </cs:fontRef>
-    <cs:spPr>
-      <a:solidFill>
-        <a:schemeClr val="dk1">
-          <a:lumMod val="65000"/>
-          <a:lumOff val="35000"/>
-        </a:schemeClr>
-      </a:solidFill>
-      <a:ln w="9525">
-        <a:solidFill>
-          <a:schemeClr val="tx1">
-            <a:lumMod val="65000"/>
-            <a:lumOff val="35000"/>
-          </a:schemeClr>
-        </a:solidFill>
-      </a:ln>
-    </cs:spPr>
-  </cs:downBar>
-  <cs:dropLine>
-    <cs:lnRef idx="0"/>
-    <cs:fillRef idx="0"/>
-    <cs:effectRef idx="0"/>
-    <cs:fontRef idx="minor">
-      <a:schemeClr val="tx1"/>
-    </cs:fontRef>
-    <cs:spPr>
-      <a:ln w="9525" cap="flat" cmpd="sng" algn="ctr">
-        <a:solidFill>
-          <a:schemeClr val="tx1">
-            <a:lumMod val="35000"/>
-            <a:lumOff val="65000"/>
-          </a:schemeClr>
-        </a:solidFill>
-        <a:round/>
-      </a:ln>
-    </cs:spPr>
-  </cs:dropLine>
-  <cs:errorBar>
-    <cs:lnRef idx="0"/>
-    <cs:fillRef idx="0"/>
-    <cs:effectRef idx="0"/>
-    <cs:fontRef idx="minor">
-      <a:schemeClr val="tx1"/>
-    </cs:fontRef>
-    <cs:spPr>
-      <a:ln w="9525" cap="flat" cmpd="sng" algn="ctr">
-        <a:solidFill>
-          <a:schemeClr val="tx1">
-            <a:lumMod val="65000"/>
-            <a:lumOff val="35000"/>
-          </a:schemeClr>
-        </a:solidFill>
-        <a:round/>
-      </a:ln>
-    </cs:spPr>
-  </cs:errorBar>
-  <cs:floor>
-    <cs:lnRef idx="0"/>
-    <cs:fillRef idx="0"/>
-    <cs:effectRef idx="0"/>
-    <cs:fontRef idx="minor">
-      <a:schemeClr val="tx1"/>
-    </cs:fontRef>
-    <cs:spPr>
-      <a:noFill/>
-      <a:ln>
-        <a:noFill/>
-      </a:ln>
-    </cs:spPr>
-  </cs:floor>
-  <cs:gridlineMajor>
-    <cs:lnRef idx="0"/>
-    <cs:fillRef idx="0"/>
-    <cs:effectRef idx="0"/>
-    <cs:fontRef idx="minor">
-      <a:schemeClr val="tx1"/>
-    </cs:fontRef>
-    <cs:spPr>
-      <a:ln w="9525" cap="flat" cmpd="sng" algn="ctr">
-        <a:solidFill>
-          <a:schemeClr val="tx1">
-            <a:lumMod val="15000"/>
-            <a:lumOff val="85000"/>
-          </a:schemeClr>
-        </a:solidFill>
-        <a:round/>
-      </a:ln>
-    </cs:spPr>
-  </cs:gridlineMajor>
-  <cs:gridlineMinor>
-    <cs:lnRef idx="0"/>
-    <cs:fillRef idx="0"/>
-    <cs:effectRef idx="0"/>
-    <cs:fontRef idx="minor">
-      <a:schemeClr val="tx1"/>
-    </cs:fontRef>
-    <cs:spPr>
-      <a:ln w="9525" cap="flat" cmpd="sng" algn="ctr">
-        <a:solidFill>
-          <a:schemeClr val="tx1">
-            <a:lumMod val="5000"/>
-            <a:lumOff val="95000"/>
-          </a:schemeClr>
-        </a:solidFill>
-        <a:round/>
-      </a:ln>
-    </cs:spPr>
-  </cs:gridlineMinor>
-  <cs:hiLoLine>
-    <cs:lnRef idx="0"/>
-    <cs:fillRef idx="0"/>
-    <cs:effectRef idx="0"/>
-    <cs:fontRef idx="minor">
-      <a:schemeClr val="tx1"/>
-    </cs:fontRef>
-    <cs:spPr>
-      <a:ln w="9525" cap="flat" cmpd="sng" algn="ctr">
-        <a:solidFill>
-          <a:schemeClr val="tx1">
-            <a:lumMod val="75000"/>
-            <a:lumOff val="25000"/>
-          </a:schemeClr>
-        </a:solidFill>
-        <a:round/>
-      </a:ln>
-    </cs:spPr>
-  </cs:hiLoLine>
-  <cs:leaderLine>
-    <cs:lnRef idx="0"/>
-    <cs:fillRef idx="0"/>
-    <cs:effectRef idx="0"/>
-    <cs:fontRef idx="minor">
-      <a:schemeClr val="tx1"/>
-    </cs:fontRef>
-    <cs:spPr>
-      <a:ln w="9525" cap="flat" cmpd="sng" algn="ctr">
-        <a:solidFill>
-          <a:schemeClr val="tx1">
-            <a:lumMod val="35000"/>
-            <a:lumOff val="65000"/>
-          </a:schemeClr>
-        </a:solidFill>
-        <a:round/>
-      </a:ln>
-    </cs:spPr>
-  </cs:leaderLine>
-  <cs:legend>
-    <cs:lnRef idx="0"/>
-    <cs:fillRef idx="0"/>
-    <cs:effectRef idx="0"/>
-    <cs:fontRef idx="minor">
-      <a:schemeClr val="tx1">
-        <a:lumMod val="65000"/>
-        <a:lumOff val="35000"/>
-      </a:schemeClr>
-    </cs:fontRef>
-    <cs:defRPr sz="900" kern="1200"/>
-  </cs:legend>
-  <cs:plotArea mods="allowNoFillOverride allowNoLineOverride">
-    <cs:lnRef idx="0"/>
-    <cs:fillRef idx="0"/>
-    <cs:effectRef idx="0"/>
-    <cs:fontRef idx="minor">
-      <a:schemeClr val="tx1"/>
-    </cs:fontRef>
-  </cs:plotArea>
-  <cs:plotArea3D mods="allowNoFillOverride allowNoLineOverride">
-    <cs:lnRef idx="0"/>
-    <cs:fillRef idx="0"/>
-    <cs:effectRef idx="0"/>
-    <cs:fontRef idx="minor">
-      <a:schemeClr val="tx1"/>
-    </cs:fontRef>
-  </cs:plotArea3D>
-  <cs:seriesAxis>
-    <cs:lnRef idx="0"/>
-    <cs:fillRef idx="0"/>
-    <cs:effectRef idx="0"/>
-    <cs:fontRef idx="minor">
-      <a:schemeClr val="tx1">
-        <a:lumMod val="65000"/>
-        <a:lumOff val="35000"/>
-      </a:schemeClr>
-    </cs:fontRef>
-    <cs:defRPr sz="900" kern="1200"/>
-  </cs:seriesAxis>
-  <cs:seriesLine>
-    <cs:lnRef idx="0"/>
-    <cs:fillRef idx="0"/>
-    <cs:effectRef idx="0"/>
-    <cs:fontRef idx="minor">
-      <a:schemeClr val="tx1"/>
-    </cs:fontRef>
-    <cs:spPr>
-      <a:ln w="9525" cap="flat" cmpd="sng" algn="ctr">
-        <a:solidFill>
-          <a:schemeClr val="tx1">
-            <a:lumMod val="35000"/>
-            <a:lumOff val="65000"/>
-          </a:schemeClr>
-        </a:solidFill>
-        <a:round/>
-      </a:ln>
-    </cs:spPr>
-  </cs:seriesLine>
-  <cs:title>
-    <cs:lnRef idx="0"/>
-    <cs:fillRef idx="0"/>
-    <cs:effectRef idx="0"/>
-    <cs:fontRef idx="minor">
-      <a:schemeClr val="tx1">
-        <a:lumMod val="65000"/>
-        <a:lumOff val="35000"/>
-      </a:schemeClr>
-    </cs:fontRef>
-    <cs:defRPr sz="1400" b="0" kern="1200" spc="0" baseline="0"/>
-  </cs:title>
-  <cs:trendline>
-    <cs:lnRef idx="0">
-      <cs:styleClr val="auto"/>
-    </cs:lnRef>
-    <cs:fillRef idx="0"/>
-    <cs:effectRef idx="0"/>
-    <cs:fontRef idx="minor">
-      <a:schemeClr val="tx1"/>
-    </cs:fontRef>
-    <cs:spPr>
-      <a:ln w="19050" cap="rnd">
-        <a:solidFill>
-          <a:schemeClr val="phClr"/>
-        </a:solidFill>
-        <a:prstDash val="sysDot"/>
-      </a:ln>
-    </cs:spPr>
-  </cs:trendline>
-  <cs:trendlineLabel>
-    <cs:lnRef idx="0"/>
-    <cs:fillRef idx="0"/>
-    <cs:effectRef idx="0"/>
-    <cs:fontRef idx="minor">
-      <a:schemeClr val="tx1">
-        <a:lumMod val="65000"/>
-        <a:lumOff val="35000"/>
-      </a:schemeClr>
-    </cs:fontRef>
-    <cs:defRPr sz="900" kern="1200"/>
-  </cs:trendlineLabel>
-  <cs:upBar>
-    <cs:lnRef idx="0"/>
-    <cs:fillRef idx="0"/>
-    <cs:effectRef idx="0"/>
-    <cs:fontRef idx="minor">
-      <a:schemeClr val="dk1"/>
-    </cs:fontRef>
-    <cs:spPr>
-      <a:solidFill>
-        <a:schemeClr val="lt1"/>
-      </a:solidFill>
-      <a:ln w="9525">
-        <a:solidFill>
-          <a:schemeClr val="tx1">
-            <a:lumMod val="15000"/>
-            <a:lumOff val="85000"/>
-          </a:schemeClr>
-        </a:solidFill>
-      </a:ln>
-    </cs:spPr>
-  </cs:upBar>
-  <cs:valueAxis>
-    <cs:lnRef idx="0"/>
-    <cs:fillRef idx="0"/>
-    <cs:effectRef idx="0"/>
-    <cs:fontRef idx="minor">
-      <a:schemeClr val="tx1">
-        <a:lumMod val="65000"/>
-        <a:lumOff val="35000"/>
-      </a:schemeClr>
-    </cs:fontRef>
-    <cs:defRPr sz="900" kern="1200"/>
-  </cs:valueAxis>
-  <cs:wall>
-    <cs:lnRef idx="0"/>
-    <cs:fillRef idx="0"/>
-    <cs:effectRef idx="0"/>
-    <cs:fontRef idx="minor">
-      <a:schemeClr val="tx1"/>
-    </cs:fontRef>
-    <cs:spPr>
-      <a:noFill/>
-      <a:ln>
-        <a:noFill/>
-      </a:ln>
-    </cs:spPr>
-  </cs:wall>
-</cs:chartStyle>
 </file>
 
 <file path=ppt/notesMasters/notesMaster1.xml><?xml version="1.0" encoding="utf-8"?>
@@ -2408,7 +1889,7 @@
             <a:fld id="{555AB46F-D0DD-4299-A227-5787DFAC4E78}" type="datetimeFigureOut">
               <a:rPr lang="he-IL" smtClean="0"/>
               <a:pPr/>
-              <a:t>א'/שבט/תשע"ט</a:t>
+              <a:t>ב'/שבט/תשע"ט</a:t>
             </a:fld>
             <a:endParaRPr lang="he-IL"/>
           </a:p>
@@ -2824,7 +2305,7 @@
             <a:fld id="{FA9F4918-BB4A-4548-A893-97BC975CF3BD}" type="slidenum">
               <a:rPr lang="he-IL" smtClean="0"/>
               <a:pPr/>
-              <a:t>5</a:t>
+              <a:t>6</a:t>
             </a:fld>
             <a:endParaRPr lang="he-IL"/>
           </a:p>
@@ -2885,76 +2366,15 @@
             <a:pPr algn="l" rtl="0"/>
             <a:r>
               <a:rPr lang="en-US" dirty="0" smtClean="0"/>
-              <a:t>Pop</a:t>
+              <a:t>Mutation</a:t>
             </a:r>
             <a:r>
               <a:rPr lang="en-US" baseline="0" dirty="0" smtClean="0"/>
-              <a:t> size = 30</a:t>
-            </a:r>
-          </a:p>
-          <a:p>
-            <a:pPr algn="l" rtl="0"/>
-            <a:r>
-              <a:rPr lang="en-US" baseline="0" dirty="0" smtClean="0"/>
-              <a:t>Starter individual depth 4-10</a:t>
-            </a:r>
-          </a:p>
-          <a:p>
-            <a:pPr algn="l" rtl="0"/>
-            <a:r>
-              <a:rPr lang="en-US" baseline="0" dirty="0" smtClean="0"/>
-              <a:t>Selection tournament selection with size 7</a:t>
-            </a:r>
-          </a:p>
-          <a:p>
-            <a:pPr algn="l" rtl="0"/>
-            <a:r>
-              <a:rPr lang="en-US" baseline="0" dirty="0" err="1" smtClean="0"/>
-              <a:t>Cx</a:t>
-            </a:r>
-            <a:r>
-              <a:rPr lang="en-US" baseline="0" dirty="0" smtClean="0"/>
-              <a:t> one point crossover</a:t>
-            </a:r>
-          </a:p>
-          <a:p>
-            <a:pPr algn="l" rtl="0"/>
-            <a:r>
-              <a:rPr lang="en-US" baseline="0" dirty="0" smtClean="0"/>
-              <a:t>Mutation </a:t>
-            </a:r>
-          </a:p>
-          <a:p>
-            <a:pPr algn="l" rtl="0"/>
-            <a:r>
-              <a:rPr lang="en-US" baseline="0" dirty="0" err="1" smtClean="0"/>
-              <a:t>Ngenerations</a:t>
-            </a:r>
-            <a:r>
-              <a:rPr lang="en-US" baseline="0" dirty="0" smtClean="0"/>
-              <a:t> = 100</a:t>
-            </a:r>
-          </a:p>
-          <a:p>
-            <a:pPr algn="l" rtl="0"/>
-            <a:r>
-              <a:rPr lang="en-US" baseline="0" dirty="0" err="1" smtClean="0"/>
-              <a:t>Cxpb</a:t>
-            </a:r>
-            <a:r>
-              <a:rPr lang="en-US" baseline="0" dirty="0" smtClean="0"/>
-              <a:t> 0.9</a:t>
-            </a:r>
-          </a:p>
-          <a:p>
-            <a:pPr algn="l" rtl="0"/>
-            <a:r>
-              <a:rPr lang="en-US" baseline="0" dirty="0" err="1" smtClean="0"/>
-              <a:t>Mutpb</a:t>
-            </a:r>
-            <a:r>
-              <a:rPr lang="en-US" baseline="0" dirty="0" smtClean="0"/>
-              <a:t> 0.1</a:t>
+              <a:t> - </a:t>
+            </a:r>
+            <a:r>
+              <a:rPr lang="en-US" dirty="0" smtClean="0"/>
+              <a:t>randomly select a point in the tree individual, then replace the subtree at that point</a:t>
             </a:r>
             <a:endParaRPr lang="en-US" dirty="0"/>
           </a:p>
@@ -2978,7 +2398,7 @@
             <a:fld id="{FA9F4918-BB4A-4548-A893-97BC975CF3BD}" type="slidenum">
               <a:rPr lang="he-IL" smtClean="0"/>
               <a:pPr/>
-              <a:t>11</a:t>
+              <a:t>13</a:t>
             </a:fld>
             <a:endParaRPr lang="he-IL"/>
           </a:p>
@@ -2987,7 +2407,166 @@
     </p:spTree>
     <p:extLst>
       <p:ext uri="{BB962C8B-B14F-4D97-AF65-F5344CB8AC3E}">
-        <p14:creationId xmlns:p14="http://schemas.microsoft.com/office/powerpoint/2010/main" xmlns="" val="2561227113"/>
+        <p14:creationId xmlns:p14="http://schemas.microsoft.com/office/powerpoint/2010/main" val="4070713170"/>
+      </p:ext>
+    </p:extLst>
+  </p:cSld>
+  <p:clrMapOvr>
+    <a:masterClrMapping/>
+  </p:clrMapOvr>
+</p:notes>
+</file>
+
+<file path=ppt/notesSlides/notesSlide4.xml><?xml version="1.0" encoding="utf-8"?>
+<p:notes xmlns:a="http://schemas.openxmlformats.org/drawingml/2006/main" xmlns:r="http://schemas.openxmlformats.org/officeDocument/2006/relationships" xmlns:p="http://schemas.openxmlformats.org/presentationml/2006/main">
+  <p:cSld>
+    <p:spTree>
+      <p:nvGrpSpPr>
+        <p:cNvPr id="1" name=""/>
+        <p:cNvGrpSpPr/>
+        <p:nvPr/>
+      </p:nvGrpSpPr>
+      <p:grpSpPr>
+        <a:xfrm>
+          <a:off x="0" y="0"/>
+          <a:ext cx="0" cy="0"/>
+          <a:chOff x="0" y="0"/>
+          <a:chExt cx="0" cy="0"/>
+        </a:xfrm>
+      </p:grpSpPr>
+      <p:sp>
+        <p:nvSpPr>
+          <p:cNvPr id="2" name="Slide Image Placeholder 1"/>
+          <p:cNvSpPr>
+            <a:spLocks noGrp="1" noRot="1" noChangeAspect="1"/>
+          </p:cNvSpPr>
+          <p:nvPr>
+            <p:ph type="sldImg"/>
+          </p:nvPr>
+        </p:nvSpPr>
+        <p:spPr/>
+      </p:sp>
+      <p:sp>
+        <p:nvSpPr>
+          <p:cNvPr id="3" name="Notes Placeholder 2"/>
+          <p:cNvSpPr>
+            <a:spLocks noGrp="1"/>
+          </p:cNvSpPr>
+          <p:nvPr>
+            <p:ph type="body" idx="1"/>
+          </p:nvPr>
+        </p:nvSpPr>
+        <p:spPr/>
+        <p:txBody>
+          <a:bodyPr/>
+          <a:lstStyle/>
+          <a:p>
+            <a:pPr algn="l" rtl="0"/>
+            <a:r>
+              <a:rPr lang="en-US" dirty="0" smtClean="0"/>
+              <a:t>Pop</a:t>
+            </a:r>
+            <a:r>
+              <a:rPr lang="en-US" baseline="0" dirty="0" smtClean="0"/>
+              <a:t> size = 30</a:t>
+            </a:r>
+          </a:p>
+          <a:p>
+            <a:pPr algn="l" rtl="0"/>
+            <a:r>
+              <a:rPr lang="en-US" baseline="0" dirty="0" smtClean="0"/>
+              <a:t>Starter individual depth 4-10</a:t>
+            </a:r>
+          </a:p>
+          <a:p>
+            <a:pPr algn="l" rtl="0"/>
+            <a:r>
+              <a:rPr lang="en-US" baseline="0" dirty="0" smtClean="0"/>
+              <a:t>Selection tournament selection with size 7</a:t>
+            </a:r>
+          </a:p>
+          <a:p>
+            <a:pPr algn="l" rtl="0"/>
+            <a:r>
+              <a:rPr lang="en-US" baseline="0" dirty="0" err="1" smtClean="0"/>
+              <a:t>Cx</a:t>
+            </a:r>
+            <a:r>
+              <a:rPr lang="en-US" baseline="0" dirty="0" smtClean="0"/>
+              <a:t> one point crossover</a:t>
+            </a:r>
+          </a:p>
+          <a:p>
+            <a:pPr algn="l" rtl="0"/>
+            <a:r>
+              <a:rPr lang="en-US" baseline="0" dirty="0" smtClean="0"/>
+              <a:t>Mutation </a:t>
+            </a:r>
+          </a:p>
+          <a:p>
+            <a:pPr algn="l" rtl="0"/>
+            <a:r>
+              <a:rPr lang="en-US" baseline="0" dirty="0" err="1" smtClean="0"/>
+              <a:t>Ngenerations</a:t>
+            </a:r>
+            <a:r>
+              <a:rPr lang="en-US" baseline="0" dirty="0" smtClean="0"/>
+              <a:t> = 100</a:t>
+            </a:r>
+          </a:p>
+          <a:p>
+            <a:pPr algn="l" rtl="0"/>
+            <a:r>
+              <a:rPr lang="en-US" baseline="0" dirty="0" err="1" smtClean="0"/>
+              <a:t>Cxpb</a:t>
+            </a:r>
+            <a:r>
+              <a:rPr lang="en-US" baseline="0" dirty="0" smtClean="0"/>
+              <a:t> 0.9</a:t>
+            </a:r>
+          </a:p>
+          <a:p>
+            <a:pPr algn="l" rtl="0"/>
+            <a:r>
+              <a:rPr lang="en-US" baseline="0" dirty="0" err="1" smtClean="0"/>
+              <a:t>Mutpb</a:t>
+            </a:r>
+            <a:r>
+              <a:rPr lang="en-US" baseline="0" dirty="0" smtClean="0"/>
+              <a:t> 0.1</a:t>
+            </a:r>
+            <a:endParaRPr lang="en-US" dirty="0"/>
+          </a:p>
+        </p:txBody>
+      </p:sp>
+      <p:sp>
+        <p:nvSpPr>
+          <p:cNvPr id="4" name="Slide Number Placeholder 3"/>
+          <p:cNvSpPr>
+            <a:spLocks noGrp="1"/>
+          </p:cNvSpPr>
+          <p:nvPr>
+            <p:ph type="sldNum" sz="quarter" idx="10"/>
+          </p:nvPr>
+        </p:nvSpPr>
+        <p:spPr/>
+        <p:txBody>
+          <a:bodyPr/>
+          <a:lstStyle/>
+          <a:p>
+            <a:fld id="{FA9F4918-BB4A-4548-A893-97BC975CF3BD}" type="slidenum">
+              <a:rPr lang="he-IL" smtClean="0"/>
+              <a:pPr/>
+              <a:t>14</a:t>
+            </a:fld>
+            <a:endParaRPr lang="he-IL"/>
+          </a:p>
+        </p:txBody>
+      </p:sp>
+    </p:spTree>
+    <p:extLst>
+      <p:ext uri="{BB962C8B-B14F-4D97-AF65-F5344CB8AC3E}">
+        <p14:creationId xmlns:p14="http://schemas.microsoft.com/office/powerpoint/2010/main" val="2561227113"/>
       </p:ext>
     </p:extLst>
   </p:cSld>
@@ -3179,7 +2758,7 @@
             <a:fld id="{0BAAA6C0-FC25-41E4-8636-655D3F15062E}" type="datetimeFigureOut">
               <a:rPr lang="he-IL" smtClean="0"/>
               <a:pPr/>
-              <a:t>א'/שבט/תשע"ט</a:t>
+              <a:t>ב'/שבט/תשע"ט</a:t>
             </a:fld>
             <a:endParaRPr lang="he-IL"/>
           </a:p>
@@ -3346,7 +2925,7 @@
             <a:fld id="{0BAAA6C0-FC25-41E4-8636-655D3F15062E}" type="datetimeFigureOut">
               <a:rPr lang="he-IL" smtClean="0"/>
               <a:pPr/>
-              <a:t>א'/שבט/תשע"ט</a:t>
+              <a:t>ב'/שבט/תשע"ט</a:t>
             </a:fld>
             <a:endParaRPr lang="he-IL"/>
           </a:p>
@@ -3523,7 +3102,7 @@
             <a:fld id="{0BAAA6C0-FC25-41E4-8636-655D3F15062E}" type="datetimeFigureOut">
               <a:rPr lang="he-IL" smtClean="0"/>
               <a:pPr/>
-              <a:t>א'/שבט/תשע"ט</a:t>
+              <a:t>ב'/שבט/תשע"ט</a:t>
             </a:fld>
             <a:endParaRPr lang="he-IL"/>
           </a:p>
@@ -3690,7 +3269,7 @@
             <a:fld id="{0BAAA6C0-FC25-41E4-8636-655D3F15062E}" type="datetimeFigureOut">
               <a:rPr lang="he-IL" smtClean="0"/>
               <a:pPr/>
-              <a:t>א'/שבט/תשע"ט</a:t>
+              <a:t>ב'/שבט/תשע"ט</a:t>
             </a:fld>
             <a:endParaRPr lang="he-IL"/>
           </a:p>
@@ -3933,7 +3512,7 @@
             <a:fld id="{0BAAA6C0-FC25-41E4-8636-655D3F15062E}" type="datetimeFigureOut">
               <a:rPr lang="he-IL" smtClean="0"/>
               <a:pPr/>
-              <a:t>א'/שבט/תשע"ט</a:t>
+              <a:t>ב'/שבט/תשע"ט</a:t>
             </a:fld>
             <a:endParaRPr lang="he-IL"/>
           </a:p>
@@ -4218,7 +3797,7 @@
             <a:fld id="{0BAAA6C0-FC25-41E4-8636-655D3F15062E}" type="datetimeFigureOut">
               <a:rPr lang="he-IL" smtClean="0"/>
               <a:pPr/>
-              <a:t>א'/שבט/תשע"ט</a:t>
+              <a:t>ב'/שבט/תשע"ט</a:t>
             </a:fld>
             <a:endParaRPr lang="he-IL"/>
           </a:p>
@@ -4642,7 +4221,7 @@
             <a:fld id="{0BAAA6C0-FC25-41E4-8636-655D3F15062E}" type="datetimeFigureOut">
               <a:rPr lang="he-IL" smtClean="0"/>
               <a:pPr/>
-              <a:t>א'/שבט/תשע"ט</a:t>
+              <a:t>ב'/שבט/תשע"ט</a:t>
             </a:fld>
             <a:endParaRPr lang="he-IL"/>
           </a:p>
@@ -4757,7 +4336,7 @@
             <a:fld id="{0BAAA6C0-FC25-41E4-8636-655D3F15062E}" type="datetimeFigureOut">
               <a:rPr lang="he-IL" smtClean="0"/>
               <a:pPr/>
-              <a:t>א'/שבט/תשע"ט</a:t>
+              <a:t>ב'/שבט/תשע"ט</a:t>
             </a:fld>
             <a:endParaRPr lang="he-IL"/>
           </a:p>
@@ -4849,7 +4428,7 @@
             <a:fld id="{0BAAA6C0-FC25-41E4-8636-655D3F15062E}" type="datetimeFigureOut">
               <a:rPr lang="he-IL" smtClean="0"/>
               <a:pPr/>
-              <a:t>א'/שבט/תשע"ט</a:t>
+              <a:t>ב'/שבט/תשע"ט</a:t>
             </a:fld>
             <a:endParaRPr lang="he-IL"/>
           </a:p>
@@ -5123,7 +4702,7 @@
             <a:fld id="{0BAAA6C0-FC25-41E4-8636-655D3F15062E}" type="datetimeFigureOut">
               <a:rPr lang="he-IL" smtClean="0"/>
               <a:pPr/>
-              <a:t>א'/שבט/תשע"ט</a:t>
+              <a:t>ב'/שבט/תשע"ט</a:t>
             </a:fld>
             <a:endParaRPr lang="he-IL"/>
           </a:p>
@@ -5373,7 +4952,7 @@
             <a:fld id="{0BAAA6C0-FC25-41E4-8636-655D3F15062E}" type="datetimeFigureOut">
               <a:rPr lang="he-IL" smtClean="0"/>
               <a:pPr/>
-              <a:t>א'/שבט/תשע"ט</a:t>
+              <a:t>ב'/שבט/תשע"ט</a:t>
             </a:fld>
             <a:endParaRPr lang="he-IL"/>
           </a:p>
@@ -5583,7 +5162,7 @@
             <a:fld id="{0BAAA6C0-FC25-41E4-8636-655D3F15062E}" type="datetimeFigureOut">
               <a:rPr lang="he-IL" smtClean="0"/>
               <a:pPr/>
-              <a:t>א'/שבט/תשע"ט</a:t>
+              <a:t>ב'/שבט/תשע"ט</a:t>
             </a:fld>
             <a:endParaRPr lang="he-IL"/>
           </a:p>
@@ -6354,7 +5933,7 @@
         <p:spPr>
           <a:xfrm>
             <a:off x="1000100" y="1071553"/>
-            <a:ext cx="7215238" cy="3108543"/>
+            <a:ext cx="7215238" cy="2831544"/>
           </a:xfrm>
           <a:prstGeom prst="rect">
             <a:avLst/>
@@ -6389,8 +5968,25 @@
                   </a:schemeClr>
                 </a:solidFill>
               </a:rPr>
-              <a:t>The Fitness function is simply running a simulation of a game N times and computing the result of each game (the fitness value is the average result of N games).</a:t>
-            </a:r>
+              <a:t>The Fitness function is simply running a simulation of a game N times and computing the </a:t>
+            </a:r>
+            <a:r>
+              <a:rPr lang="en-US" dirty="0" smtClean="0">
+                <a:solidFill>
+                  <a:schemeClr val="bg1">
+                    <a:lumMod val="85000"/>
+                  </a:schemeClr>
+                </a:solidFill>
+              </a:rPr>
+              <a:t>average result.</a:t>
+            </a:r>
+            <a:endParaRPr lang="en-US" dirty="0" smtClean="0">
+              <a:solidFill>
+                <a:schemeClr val="bg1">
+                  <a:lumMod val="85000"/>
+                </a:schemeClr>
+              </a:solidFill>
+            </a:endParaRPr>
           </a:p>
           <a:p>
             <a:pPr algn="l" rtl="0">
@@ -6476,7 +6072,7 @@
     </p:spTree>
     <p:extLst>
       <p:ext uri="{BB962C8B-B14F-4D97-AF65-F5344CB8AC3E}">
-        <p14:creationId xmlns:p14="http://schemas.microsoft.com/office/powerpoint/2010/main" xmlns="" val="3625635007"/>
+        <p14:creationId xmlns:p14="http://schemas.microsoft.com/office/powerpoint/2010/main" val="3625635007"/>
       </p:ext>
     </p:extLst>
   </p:cSld>
@@ -6536,7 +6132,7 @@
           <a:lstStyle/>
           <a:p>
             <a:r>
-              <a:rPr lang="en-US" dirty="0" smtClean="0">
+              <a:rPr lang="en-US" sz="4000" dirty="0" smtClean="0">
                 <a:solidFill>
                   <a:schemeClr val="bg1">
                     <a:lumMod val="85000"/>
@@ -6545,7 +6141,1616 @@
                 <a:latin typeface="Arial" pitchFamily="34" charset="0"/>
                 <a:cs typeface="Arial" pitchFamily="34" charset="0"/>
               </a:rPr>
-              <a:t>FITNESS FUNCTION</a:t>
+              <a:t>Terminals and Primitives</a:t>
+            </a:r>
+            <a:endParaRPr lang="he-IL" sz="4000" dirty="0">
+              <a:solidFill>
+                <a:schemeClr val="bg1">
+                  <a:lumMod val="85000"/>
+                </a:schemeClr>
+              </a:solidFill>
+              <a:latin typeface="Arial" pitchFamily="34" charset="0"/>
+              <a:cs typeface="Arial" pitchFamily="34" charset="0"/>
+            </a:endParaRPr>
+          </a:p>
+        </p:txBody>
+      </p:sp>
+      <p:pic>
+        <p:nvPicPr>
+          <p:cNvPr id="10" name="מציין מיקום תוכן 9" descr="fireworkbig-1.jpg"/>
+          <p:cNvPicPr>
+            <a:picLocks noGrp="1" noChangeAspect="1"/>
+          </p:cNvPicPr>
+          <p:nvPr>
+            <p:ph idx="1"/>
+          </p:nvPr>
+        </p:nvPicPr>
+        <p:blipFill>
+          <a:blip r:embed="rId2" cstate="print"/>
+          <a:stretch>
+            <a:fillRect/>
+          </a:stretch>
+        </p:blipFill>
+        <p:spPr>
+          <a:xfrm>
+            <a:off x="7358082" y="-17"/>
+            <a:ext cx="1785950" cy="1181176"/>
+          </a:xfrm>
+        </p:spPr>
+      </p:pic>
+      <p:pic>
+        <p:nvPicPr>
+          <p:cNvPr id="12" name="מציין מיקום תוכן 9" descr="fireworkbig-1.jpg"/>
+          <p:cNvPicPr>
+            <a:picLocks noChangeAspect="1"/>
+          </p:cNvPicPr>
+          <p:nvPr/>
+        </p:nvPicPr>
+        <p:blipFill>
+          <a:blip r:embed="rId2" cstate="print"/>
+          <a:stretch>
+            <a:fillRect/>
+          </a:stretch>
+        </p:blipFill>
+        <p:spPr>
+          <a:xfrm>
+            <a:off x="-32" y="-18"/>
+            <a:ext cx="1785950" cy="1181176"/>
+          </a:xfrm>
+          <a:prstGeom prst="rect">
+            <a:avLst/>
+          </a:prstGeom>
+        </p:spPr>
+      </p:pic>
+      <p:pic>
+        <p:nvPicPr>
+          <p:cNvPr id="14" name="תמונה 13" descr="images (4).jpg"/>
+          <p:cNvPicPr>
+            <a:picLocks noChangeAspect="1"/>
+          </p:cNvPicPr>
+          <p:nvPr/>
+        </p:nvPicPr>
+        <p:blipFill>
+          <a:blip r:embed="rId3"/>
+          <a:srcRect l="20199" r="17715"/>
+          <a:stretch>
+            <a:fillRect/>
+          </a:stretch>
+        </p:blipFill>
+        <p:spPr>
+          <a:xfrm>
+            <a:off x="8143900" y="1142990"/>
+            <a:ext cx="1000132" cy="890778"/>
+          </a:xfrm>
+          <a:prstGeom prst="rect">
+            <a:avLst/>
+          </a:prstGeom>
+        </p:spPr>
+      </p:pic>
+      <p:pic>
+        <p:nvPicPr>
+          <p:cNvPr id="15" name="תמונה 14" descr="images (4).jpg"/>
+          <p:cNvPicPr>
+            <a:picLocks noChangeAspect="1"/>
+          </p:cNvPicPr>
+          <p:nvPr/>
+        </p:nvPicPr>
+        <p:blipFill>
+          <a:blip r:embed="rId3"/>
+          <a:srcRect l="20199" r="17715"/>
+          <a:stretch>
+            <a:fillRect/>
+          </a:stretch>
+        </p:blipFill>
+        <p:spPr>
+          <a:xfrm>
+            <a:off x="-32" y="1071552"/>
+            <a:ext cx="1000132" cy="890778"/>
+          </a:xfrm>
+          <a:prstGeom prst="rect">
+            <a:avLst/>
+          </a:prstGeom>
+        </p:spPr>
+      </p:pic>
+      <p:sp>
+        <p:nvSpPr>
+          <p:cNvPr id="7" name="TextBox 6"/>
+          <p:cNvSpPr txBox="1"/>
+          <p:nvPr/>
+        </p:nvSpPr>
+        <p:spPr>
+          <a:xfrm>
+            <a:off x="1000100" y="1071553"/>
+            <a:ext cx="7215238" cy="3785652"/>
+          </a:xfrm>
+          <a:prstGeom prst="rect">
+            <a:avLst/>
+          </a:prstGeom>
+          <a:noFill/>
+        </p:spPr>
+        <p:txBody>
+          <a:bodyPr wrap="square" rtlCol="1">
+            <a:spAutoFit/>
+          </a:bodyPr>
+          <a:lstStyle/>
+          <a:p>
+            <a:pPr lvl="1" algn="l" rtl="0">
+              <a:buFont typeface="Arial" pitchFamily="34" charset="0"/>
+              <a:buChar char="•"/>
+            </a:pPr>
+            <a:r>
+              <a:rPr lang="en-US" sz="2000" dirty="0" smtClean="0">
+                <a:solidFill>
+                  <a:schemeClr val="bg1">
+                    <a:lumMod val="85000"/>
+                  </a:schemeClr>
+                </a:solidFill>
+              </a:rPr>
+              <a:t>In our GP tree a Primitive is a query about the current state of the game (from the current player’s point of view).</a:t>
+            </a:r>
+          </a:p>
+          <a:p>
+            <a:pPr lvl="1" algn="l" rtl="0">
+              <a:buFont typeface="Arial" pitchFamily="34" charset="0"/>
+              <a:buChar char="•"/>
+            </a:pPr>
+            <a:r>
+              <a:rPr lang="en-US" sz="2000" dirty="0" smtClean="0">
+                <a:solidFill>
+                  <a:schemeClr val="bg1">
+                    <a:lumMod val="85000"/>
+                  </a:schemeClr>
+                </a:solidFill>
+              </a:rPr>
+              <a:t>A Terminal in the tree is an action to be preformed.</a:t>
+            </a:r>
+            <a:endParaRPr lang="en-US" sz="2000" dirty="0" smtClean="0">
+              <a:solidFill>
+                <a:schemeClr val="bg1">
+                  <a:lumMod val="85000"/>
+                </a:schemeClr>
+              </a:solidFill>
+            </a:endParaRPr>
+          </a:p>
+          <a:p>
+            <a:pPr lvl="1" algn="l" rtl="0">
+              <a:buFont typeface="Arial" pitchFamily="34" charset="0"/>
+              <a:buChar char="•"/>
+            </a:pPr>
+            <a:r>
+              <a:rPr lang="en-US" sz="2000" dirty="0" smtClean="0">
+                <a:solidFill>
+                  <a:schemeClr val="bg1">
+                    <a:lumMod val="85000"/>
+                  </a:schemeClr>
+                </a:solidFill>
+              </a:rPr>
+              <a:t>As a start, we implemented the following simple Primitives and Terminals:</a:t>
+            </a:r>
+          </a:p>
+          <a:p>
+            <a:pPr marL="1257300" lvl="2" indent="-342900" algn="l" rtl="0">
+              <a:buFont typeface="Wingdings" panose="05000000000000000000" pitchFamily="2" charset="2"/>
+              <a:buChar char="v"/>
+            </a:pPr>
+            <a:r>
+              <a:rPr lang="en-US" sz="2000" dirty="0" smtClean="0">
+                <a:solidFill>
+                  <a:schemeClr val="bg1">
+                    <a:lumMod val="85000"/>
+                  </a:schemeClr>
+                </a:solidFill>
+              </a:rPr>
+              <a:t>Has Playable card</a:t>
+            </a:r>
+          </a:p>
+          <a:p>
+            <a:pPr marL="1257300" lvl="2" indent="-342900" algn="l" rtl="0">
+              <a:buFont typeface="Wingdings" panose="05000000000000000000" pitchFamily="2" charset="2"/>
+              <a:buChar char="v"/>
+            </a:pPr>
+            <a:r>
+              <a:rPr lang="en-US" sz="2000" dirty="0" smtClean="0">
+                <a:solidFill>
+                  <a:schemeClr val="bg1">
+                    <a:lumMod val="85000"/>
+                  </a:schemeClr>
+                </a:solidFill>
+              </a:rPr>
+              <a:t>Play a playable card</a:t>
+            </a:r>
+          </a:p>
+          <a:p>
+            <a:pPr marL="1257300" lvl="2" indent="-342900" algn="l" rtl="0">
+              <a:buFont typeface="Wingdings" panose="05000000000000000000" pitchFamily="2" charset="2"/>
+              <a:buChar char="v"/>
+            </a:pPr>
+            <a:r>
+              <a:rPr lang="en-US" sz="2000" dirty="0" smtClean="0">
+                <a:solidFill>
+                  <a:schemeClr val="bg1">
+                    <a:lumMod val="85000"/>
+                  </a:schemeClr>
+                </a:solidFill>
+              </a:rPr>
+              <a:t>Play random card</a:t>
+            </a:r>
+          </a:p>
+          <a:p>
+            <a:pPr marL="1257300" lvl="2" indent="-342900" algn="l" rtl="0">
+              <a:buFont typeface="Wingdings" panose="05000000000000000000" pitchFamily="2" charset="2"/>
+              <a:buChar char="v"/>
+            </a:pPr>
+            <a:r>
+              <a:rPr lang="en-US" sz="2000" dirty="0" smtClean="0">
+                <a:solidFill>
+                  <a:schemeClr val="bg1">
+                    <a:lumMod val="85000"/>
+                  </a:schemeClr>
+                </a:solidFill>
+              </a:rPr>
+              <a:t>Can tell info</a:t>
+            </a:r>
+          </a:p>
+          <a:p>
+            <a:pPr marL="1257300" lvl="2" indent="-342900" algn="l" rtl="0">
+              <a:buFont typeface="Wingdings" panose="05000000000000000000" pitchFamily="2" charset="2"/>
+              <a:buChar char="v"/>
+            </a:pPr>
+            <a:r>
+              <a:rPr lang="en-US" sz="2000" dirty="0" smtClean="0">
+                <a:solidFill>
+                  <a:schemeClr val="bg1">
+                    <a:lumMod val="85000"/>
+                  </a:schemeClr>
+                </a:solidFill>
+              </a:rPr>
+              <a:t>Can tell about ones</a:t>
+            </a:r>
+          </a:p>
+          <a:p>
+            <a:pPr marL="1257300" lvl="2" indent="-342900" algn="l" rtl="0">
+              <a:buFont typeface="Wingdings" panose="05000000000000000000" pitchFamily="2" charset="2"/>
+              <a:buChar char="v"/>
+            </a:pPr>
+            <a:r>
+              <a:rPr lang="en-US" sz="2000" dirty="0" smtClean="0">
+                <a:solidFill>
+                  <a:schemeClr val="bg1">
+                    <a:lumMod val="85000"/>
+                  </a:schemeClr>
+                </a:solidFill>
+              </a:rPr>
+              <a:t>Tell about ones</a:t>
+            </a:r>
+          </a:p>
+          <a:p>
+            <a:pPr marL="1257300" lvl="2" indent="-342900" algn="l" rtl="0">
+              <a:buFont typeface="Wingdings" panose="05000000000000000000" pitchFamily="2" charset="2"/>
+              <a:buChar char="v"/>
+            </a:pPr>
+            <a:r>
+              <a:rPr lang="en-US" sz="2000" dirty="0" smtClean="0">
+                <a:solidFill>
+                  <a:schemeClr val="bg1">
+                    <a:lumMod val="85000"/>
+                  </a:schemeClr>
+                </a:solidFill>
+              </a:rPr>
+              <a:t>Discard oldest card with least info</a:t>
+            </a:r>
+            <a:endParaRPr lang="en-US" sz="2000" dirty="0" smtClean="0">
+              <a:solidFill>
+                <a:schemeClr val="bg1">
+                  <a:lumMod val="85000"/>
+                </a:schemeClr>
+              </a:solidFill>
+            </a:endParaRPr>
+          </a:p>
+        </p:txBody>
+      </p:sp>
+    </p:spTree>
+    <p:extLst>
+      <p:ext uri="{BB962C8B-B14F-4D97-AF65-F5344CB8AC3E}">
+        <p14:creationId xmlns:p14="http://schemas.microsoft.com/office/powerpoint/2010/main" val="3105784647"/>
+      </p:ext>
+    </p:extLst>
+  </p:cSld>
+  <p:clrMapOvr>
+    <a:masterClrMapping/>
+  </p:clrMapOvr>
+  <p:timing>
+    <p:tnLst>
+      <p:par>
+        <p:cTn id="1" dur="indefinite" restart="never" nodeType="tmRoot"/>
+      </p:par>
+    </p:tnLst>
+  </p:timing>
+</p:sld>
+</file>
+
+<file path=ppt/slides/slide12.xml><?xml version="1.0" encoding="utf-8"?>
+<p:sld xmlns:a="http://schemas.openxmlformats.org/drawingml/2006/main" xmlns:r="http://schemas.openxmlformats.org/officeDocument/2006/relationships" xmlns:p="http://schemas.openxmlformats.org/presentationml/2006/main">
+  <p:cSld>
+    <p:bg>
+      <p:bgPr>
+        <a:solidFill>
+          <a:schemeClr val="tx1"/>
+        </a:solidFill>
+        <a:effectLst/>
+      </p:bgPr>
+    </p:bg>
+    <p:spTree>
+      <p:nvGrpSpPr>
+        <p:cNvPr id="1" name=""/>
+        <p:cNvGrpSpPr/>
+        <p:nvPr/>
+      </p:nvGrpSpPr>
+      <p:grpSpPr>
+        <a:xfrm>
+          <a:off x="0" y="0"/>
+          <a:ext cx="0" cy="0"/>
+          <a:chOff x="0" y="0"/>
+          <a:chExt cx="0" cy="0"/>
+        </a:xfrm>
+      </p:grpSpPr>
+      <p:sp>
+        <p:nvSpPr>
+          <p:cNvPr id="2" name="כותרת 1"/>
+          <p:cNvSpPr>
+            <a:spLocks noGrp="1"/>
+          </p:cNvSpPr>
+          <p:nvPr>
+            <p:ph type="title"/>
+          </p:nvPr>
+        </p:nvSpPr>
+        <p:spPr/>
+        <p:txBody>
+          <a:bodyPr>
+            <a:noAutofit/>
+          </a:bodyPr>
+          <a:lstStyle/>
+          <a:p>
+            <a:r>
+              <a:rPr lang="en-US" sz="4000" dirty="0" smtClean="0">
+                <a:solidFill>
+                  <a:schemeClr val="bg1">
+                    <a:lumMod val="85000"/>
+                  </a:schemeClr>
+                </a:solidFill>
+                <a:latin typeface="Arial" pitchFamily="34" charset="0"/>
+                <a:cs typeface="Arial" pitchFamily="34" charset="0"/>
+              </a:rPr>
+              <a:t>GP Tree – </a:t>
+            </a:r>
+            <a:r>
+              <a:rPr lang="en-US" sz="4000" dirty="0">
+                <a:solidFill>
+                  <a:schemeClr val="bg1">
+                    <a:lumMod val="85000"/>
+                  </a:schemeClr>
+                </a:solidFill>
+                <a:latin typeface="Arial" pitchFamily="34" charset="0"/>
+                <a:cs typeface="Arial" pitchFamily="34" charset="0"/>
+              </a:rPr>
+              <a:t>a</a:t>
+            </a:r>
+            <a:r>
+              <a:rPr lang="en-US" sz="4000" dirty="0" smtClean="0">
+                <a:solidFill>
+                  <a:schemeClr val="bg1">
+                    <a:lumMod val="85000"/>
+                  </a:schemeClr>
+                </a:solidFill>
+                <a:latin typeface="Arial" pitchFamily="34" charset="0"/>
+                <a:cs typeface="Arial" pitchFamily="34" charset="0"/>
+              </a:rPr>
+              <a:t>n example</a:t>
+            </a:r>
+            <a:endParaRPr lang="he-IL" sz="4000" dirty="0">
+              <a:solidFill>
+                <a:schemeClr val="bg1">
+                  <a:lumMod val="85000"/>
+                </a:schemeClr>
+              </a:solidFill>
+              <a:latin typeface="Arial" pitchFamily="34" charset="0"/>
+              <a:cs typeface="Arial" pitchFamily="34" charset="0"/>
+            </a:endParaRPr>
+          </a:p>
+        </p:txBody>
+      </p:sp>
+      <p:pic>
+        <p:nvPicPr>
+          <p:cNvPr id="10" name="מציין מיקום תוכן 9" descr="fireworkbig-1.jpg"/>
+          <p:cNvPicPr>
+            <a:picLocks noGrp="1" noChangeAspect="1"/>
+          </p:cNvPicPr>
+          <p:nvPr>
+            <p:ph idx="1"/>
+          </p:nvPr>
+        </p:nvPicPr>
+        <p:blipFill>
+          <a:blip r:embed="rId2" cstate="print"/>
+          <a:stretch>
+            <a:fillRect/>
+          </a:stretch>
+        </p:blipFill>
+        <p:spPr>
+          <a:xfrm>
+            <a:off x="7358082" y="-17"/>
+            <a:ext cx="1785950" cy="1181176"/>
+          </a:xfrm>
+        </p:spPr>
+      </p:pic>
+      <p:pic>
+        <p:nvPicPr>
+          <p:cNvPr id="12" name="מציין מיקום תוכן 9" descr="fireworkbig-1.jpg"/>
+          <p:cNvPicPr>
+            <a:picLocks noChangeAspect="1"/>
+          </p:cNvPicPr>
+          <p:nvPr/>
+        </p:nvPicPr>
+        <p:blipFill>
+          <a:blip r:embed="rId2" cstate="print"/>
+          <a:stretch>
+            <a:fillRect/>
+          </a:stretch>
+        </p:blipFill>
+        <p:spPr>
+          <a:xfrm>
+            <a:off x="-32" y="-18"/>
+            <a:ext cx="1785950" cy="1181176"/>
+          </a:xfrm>
+          <a:prstGeom prst="rect">
+            <a:avLst/>
+          </a:prstGeom>
+        </p:spPr>
+      </p:pic>
+      <p:pic>
+        <p:nvPicPr>
+          <p:cNvPr id="14" name="תמונה 13" descr="images (4).jpg"/>
+          <p:cNvPicPr>
+            <a:picLocks noChangeAspect="1"/>
+          </p:cNvPicPr>
+          <p:nvPr/>
+        </p:nvPicPr>
+        <p:blipFill>
+          <a:blip r:embed="rId3"/>
+          <a:srcRect l="20199" r="17715"/>
+          <a:stretch>
+            <a:fillRect/>
+          </a:stretch>
+        </p:blipFill>
+        <p:spPr>
+          <a:xfrm>
+            <a:off x="8143900" y="1142990"/>
+            <a:ext cx="1000132" cy="890778"/>
+          </a:xfrm>
+          <a:prstGeom prst="rect">
+            <a:avLst/>
+          </a:prstGeom>
+        </p:spPr>
+      </p:pic>
+      <p:pic>
+        <p:nvPicPr>
+          <p:cNvPr id="15" name="תמונה 14" descr="images (4).jpg"/>
+          <p:cNvPicPr>
+            <a:picLocks noChangeAspect="1"/>
+          </p:cNvPicPr>
+          <p:nvPr/>
+        </p:nvPicPr>
+        <p:blipFill>
+          <a:blip r:embed="rId3"/>
+          <a:srcRect l="20199" r="17715"/>
+          <a:stretch>
+            <a:fillRect/>
+          </a:stretch>
+        </p:blipFill>
+        <p:spPr>
+          <a:xfrm>
+            <a:off x="-32" y="1071552"/>
+            <a:ext cx="1000132" cy="890778"/>
+          </a:xfrm>
+          <a:prstGeom prst="rect">
+            <a:avLst/>
+          </a:prstGeom>
+        </p:spPr>
+      </p:pic>
+      <p:sp>
+        <p:nvSpPr>
+          <p:cNvPr id="3" name="Oval 2"/>
+          <p:cNvSpPr/>
+          <p:nvPr/>
+        </p:nvSpPr>
+        <p:spPr>
+          <a:xfrm>
+            <a:off x="3385004" y="915566"/>
+            <a:ext cx="2123100" cy="788752"/>
+          </a:xfrm>
+          <a:prstGeom prst="ellipse">
+            <a:avLst/>
+          </a:prstGeom>
+        </p:spPr>
+        <p:style>
+          <a:lnRef idx="2">
+            <a:schemeClr val="accent2"/>
+          </a:lnRef>
+          <a:fillRef idx="1">
+            <a:schemeClr val="lt1"/>
+          </a:fillRef>
+          <a:effectRef idx="0">
+            <a:schemeClr val="accent2"/>
+          </a:effectRef>
+          <a:fontRef idx="minor">
+            <a:schemeClr val="dk1"/>
+          </a:fontRef>
+        </p:style>
+        <p:txBody>
+          <a:bodyPr rtlCol="0" anchor="ctr"/>
+          <a:lstStyle/>
+          <a:p>
+            <a:pPr algn="ctr"/>
+            <a:r>
+              <a:rPr lang="en-US" dirty="0" smtClean="0"/>
+              <a:t>Has playable card</a:t>
+            </a:r>
+            <a:endParaRPr lang="en-US" dirty="0"/>
+          </a:p>
+        </p:txBody>
+      </p:sp>
+      <p:sp>
+        <p:nvSpPr>
+          <p:cNvPr id="9" name="Oval 8"/>
+          <p:cNvSpPr/>
+          <p:nvPr/>
+        </p:nvSpPr>
+        <p:spPr>
+          <a:xfrm>
+            <a:off x="3419872" y="3943238"/>
+            <a:ext cx="2123100" cy="788752"/>
+          </a:xfrm>
+          <a:prstGeom prst="ellipse">
+            <a:avLst/>
+          </a:prstGeom>
+        </p:spPr>
+        <p:style>
+          <a:lnRef idx="2">
+            <a:schemeClr val="accent2"/>
+          </a:lnRef>
+          <a:fillRef idx="1">
+            <a:schemeClr val="lt1"/>
+          </a:fillRef>
+          <a:effectRef idx="0">
+            <a:schemeClr val="accent2"/>
+          </a:effectRef>
+          <a:fontRef idx="minor">
+            <a:schemeClr val="dk1"/>
+          </a:fontRef>
+        </p:style>
+        <p:txBody>
+          <a:bodyPr rtlCol="0" anchor="ctr"/>
+          <a:lstStyle/>
+          <a:p>
+            <a:pPr algn="ctr"/>
+            <a:r>
+              <a:rPr lang="en-US" dirty="0" smtClean="0"/>
+              <a:t>Tell about ones</a:t>
+            </a:r>
+            <a:endParaRPr lang="en-US" dirty="0"/>
+          </a:p>
+        </p:txBody>
+      </p:sp>
+      <p:sp>
+        <p:nvSpPr>
+          <p:cNvPr id="11" name="Oval 10"/>
+          <p:cNvSpPr/>
+          <p:nvPr/>
+        </p:nvSpPr>
+        <p:spPr>
+          <a:xfrm>
+            <a:off x="4572000" y="2431070"/>
+            <a:ext cx="2123100" cy="788752"/>
+          </a:xfrm>
+          <a:prstGeom prst="ellipse">
+            <a:avLst/>
+          </a:prstGeom>
+        </p:spPr>
+        <p:style>
+          <a:lnRef idx="2">
+            <a:schemeClr val="accent2"/>
+          </a:lnRef>
+          <a:fillRef idx="1">
+            <a:schemeClr val="lt1"/>
+          </a:fillRef>
+          <a:effectRef idx="0">
+            <a:schemeClr val="accent2"/>
+          </a:effectRef>
+          <a:fontRef idx="minor">
+            <a:schemeClr val="dk1"/>
+          </a:fontRef>
+        </p:style>
+        <p:txBody>
+          <a:bodyPr rtlCol="0" anchor="ctr"/>
+          <a:lstStyle/>
+          <a:p>
+            <a:pPr algn="ctr"/>
+            <a:r>
+              <a:rPr lang="en-US" dirty="0" smtClean="0"/>
+              <a:t>Can tell about ones</a:t>
+            </a:r>
+            <a:endParaRPr lang="en-US" dirty="0"/>
+          </a:p>
+        </p:txBody>
+      </p:sp>
+      <p:sp>
+        <p:nvSpPr>
+          <p:cNvPr id="13" name="Oval 12"/>
+          <p:cNvSpPr/>
+          <p:nvPr/>
+        </p:nvSpPr>
+        <p:spPr>
+          <a:xfrm>
+            <a:off x="2322808" y="2359062"/>
+            <a:ext cx="2123100" cy="788752"/>
+          </a:xfrm>
+          <a:prstGeom prst="ellipse">
+            <a:avLst/>
+          </a:prstGeom>
+        </p:spPr>
+        <p:style>
+          <a:lnRef idx="2">
+            <a:schemeClr val="accent2"/>
+          </a:lnRef>
+          <a:fillRef idx="1">
+            <a:schemeClr val="lt1"/>
+          </a:fillRef>
+          <a:effectRef idx="0">
+            <a:schemeClr val="accent2"/>
+          </a:effectRef>
+          <a:fontRef idx="minor">
+            <a:schemeClr val="dk1"/>
+          </a:fontRef>
+        </p:style>
+        <p:txBody>
+          <a:bodyPr rtlCol="0" anchor="ctr"/>
+          <a:lstStyle/>
+          <a:p>
+            <a:pPr algn="ctr"/>
+            <a:r>
+              <a:rPr lang="en-US" dirty="0" smtClean="0"/>
+              <a:t>Play playable card</a:t>
+            </a:r>
+            <a:endParaRPr lang="en-US" dirty="0"/>
+          </a:p>
+        </p:txBody>
+      </p:sp>
+      <p:sp>
+        <p:nvSpPr>
+          <p:cNvPr id="16" name="Oval 15"/>
+          <p:cNvSpPr/>
+          <p:nvPr/>
+        </p:nvSpPr>
+        <p:spPr>
+          <a:xfrm>
+            <a:off x="5977292" y="3943238"/>
+            <a:ext cx="2123100" cy="788752"/>
+          </a:xfrm>
+          <a:prstGeom prst="ellipse">
+            <a:avLst/>
+          </a:prstGeom>
+        </p:spPr>
+        <p:style>
+          <a:lnRef idx="2">
+            <a:schemeClr val="accent2"/>
+          </a:lnRef>
+          <a:fillRef idx="1">
+            <a:schemeClr val="lt1"/>
+          </a:fillRef>
+          <a:effectRef idx="0">
+            <a:schemeClr val="accent2"/>
+          </a:effectRef>
+          <a:fontRef idx="minor">
+            <a:schemeClr val="dk1"/>
+          </a:fontRef>
+        </p:style>
+        <p:txBody>
+          <a:bodyPr rtlCol="0" anchor="ctr"/>
+          <a:lstStyle/>
+          <a:p>
+            <a:pPr algn="ctr"/>
+            <a:r>
+              <a:rPr lang="en-US" sz="1400" dirty="0"/>
+              <a:t>Discard oldest card with least </a:t>
+            </a:r>
+            <a:r>
+              <a:rPr lang="en-US" sz="1400" dirty="0" smtClean="0"/>
+              <a:t>info</a:t>
+            </a:r>
+            <a:r>
+              <a:rPr lang="en-US" dirty="0" smtClean="0"/>
+              <a:t> </a:t>
+            </a:r>
+            <a:endParaRPr lang="en-US" dirty="0"/>
+          </a:p>
+        </p:txBody>
+      </p:sp>
+      <p:sp>
+        <p:nvSpPr>
+          <p:cNvPr id="4" name="Right Arrow 3"/>
+          <p:cNvSpPr/>
+          <p:nvPr/>
+        </p:nvSpPr>
+        <p:spPr>
+          <a:xfrm rot="6727453" flipV="1">
+            <a:off x="3161135" y="1776388"/>
+            <a:ext cx="731416" cy="390640"/>
+          </a:xfrm>
+          <a:prstGeom prst="rightArrow">
+            <a:avLst/>
+          </a:prstGeom>
+          <a:noFill/>
+          <a:ln w="28575" cap="flat" cmpd="sng" algn="ctr">
+            <a:solidFill>
+              <a:schemeClr val="accent2"/>
+            </a:solidFill>
+            <a:prstDash val="solid"/>
+            <a:round/>
+            <a:headEnd type="none" w="med" len="med"/>
+            <a:tailEnd type="none" w="med" len="med"/>
+          </a:ln>
+        </p:spPr>
+        <p:style>
+          <a:lnRef idx="0">
+            <a:scrgbClr r="0" g="0" b="0"/>
+          </a:lnRef>
+          <a:fillRef idx="0">
+            <a:scrgbClr r="0" g="0" b="0"/>
+          </a:fillRef>
+          <a:effectRef idx="0">
+            <a:scrgbClr r="0" g="0" b="0"/>
+          </a:effectRef>
+          <a:fontRef idx="minor">
+            <a:schemeClr val="accent2"/>
+          </a:fontRef>
+        </p:style>
+        <p:txBody>
+          <a:bodyPr rtlCol="0" anchor="ctr"/>
+          <a:lstStyle/>
+          <a:p>
+            <a:pPr algn="ctr"/>
+            <a:r>
+              <a:rPr lang="en-US" dirty="0" smtClean="0"/>
+              <a:t>True</a:t>
+            </a:r>
+            <a:endParaRPr lang="en-US" dirty="0"/>
+          </a:p>
+        </p:txBody>
+      </p:sp>
+      <p:sp>
+        <p:nvSpPr>
+          <p:cNvPr id="18" name="Right Arrow 17"/>
+          <p:cNvSpPr/>
+          <p:nvPr/>
+        </p:nvSpPr>
+        <p:spPr>
+          <a:xfrm rot="4038971">
+            <a:off x="4951313" y="1820524"/>
+            <a:ext cx="761784" cy="375062"/>
+          </a:xfrm>
+          <a:prstGeom prst="rightArrow">
+            <a:avLst/>
+          </a:prstGeom>
+          <a:noFill/>
+          <a:ln w="28575" cap="flat" cmpd="sng" algn="ctr">
+            <a:solidFill>
+              <a:schemeClr val="accent2"/>
+            </a:solidFill>
+            <a:prstDash val="solid"/>
+            <a:round/>
+            <a:headEnd type="none" w="med" len="med"/>
+            <a:tailEnd type="none" w="med" len="med"/>
+          </a:ln>
+        </p:spPr>
+        <p:style>
+          <a:lnRef idx="0">
+            <a:scrgbClr r="0" g="0" b="0"/>
+          </a:lnRef>
+          <a:fillRef idx="0">
+            <a:scrgbClr r="0" g="0" b="0"/>
+          </a:fillRef>
+          <a:effectRef idx="0">
+            <a:scrgbClr r="0" g="0" b="0"/>
+          </a:effectRef>
+          <a:fontRef idx="minor">
+            <a:schemeClr val="accent2"/>
+          </a:fontRef>
+        </p:style>
+        <p:txBody>
+          <a:bodyPr rtlCol="0" anchor="ctr"/>
+          <a:lstStyle/>
+          <a:p>
+            <a:pPr algn="ctr"/>
+            <a:r>
+              <a:rPr lang="en-US" dirty="0" smtClean="0"/>
+              <a:t>False</a:t>
+            </a:r>
+            <a:endParaRPr lang="en-US" dirty="0"/>
+          </a:p>
+        </p:txBody>
+      </p:sp>
+      <p:sp>
+        <p:nvSpPr>
+          <p:cNvPr id="20" name="Right Arrow 19"/>
+          <p:cNvSpPr/>
+          <p:nvPr/>
+        </p:nvSpPr>
+        <p:spPr>
+          <a:xfrm rot="6727453" flipV="1">
+            <a:off x="4457279" y="3356493"/>
+            <a:ext cx="731416" cy="390640"/>
+          </a:xfrm>
+          <a:prstGeom prst="rightArrow">
+            <a:avLst/>
+          </a:prstGeom>
+          <a:noFill/>
+          <a:ln w="28575" cap="flat" cmpd="sng" algn="ctr">
+            <a:solidFill>
+              <a:schemeClr val="accent2"/>
+            </a:solidFill>
+            <a:prstDash val="solid"/>
+            <a:round/>
+            <a:headEnd type="none" w="med" len="med"/>
+            <a:tailEnd type="none" w="med" len="med"/>
+          </a:ln>
+        </p:spPr>
+        <p:style>
+          <a:lnRef idx="0">
+            <a:scrgbClr r="0" g="0" b="0"/>
+          </a:lnRef>
+          <a:fillRef idx="0">
+            <a:scrgbClr r="0" g="0" b="0"/>
+          </a:fillRef>
+          <a:effectRef idx="0">
+            <a:scrgbClr r="0" g="0" b="0"/>
+          </a:effectRef>
+          <a:fontRef idx="minor">
+            <a:schemeClr val="accent2"/>
+          </a:fontRef>
+        </p:style>
+        <p:txBody>
+          <a:bodyPr rtlCol="0" anchor="ctr"/>
+          <a:lstStyle/>
+          <a:p>
+            <a:pPr algn="ctr"/>
+            <a:r>
+              <a:rPr lang="en-US" dirty="0" smtClean="0"/>
+              <a:t>True</a:t>
+            </a:r>
+            <a:endParaRPr lang="en-US" dirty="0"/>
+          </a:p>
+        </p:txBody>
+      </p:sp>
+      <p:sp>
+        <p:nvSpPr>
+          <p:cNvPr id="21" name="Right Arrow 20"/>
+          <p:cNvSpPr/>
+          <p:nvPr/>
+        </p:nvSpPr>
+        <p:spPr>
+          <a:xfrm rot="4038971">
+            <a:off x="6247457" y="3312025"/>
+            <a:ext cx="761784" cy="375062"/>
+          </a:xfrm>
+          <a:prstGeom prst="rightArrow">
+            <a:avLst/>
+          </a:prstGeom>
+          <a:noFill/>
+          <a:ln w="28575" cap="flat" cmpd="sng" algn="ctr">
+            <a:solidFill>
+              <a:schemeClr val="accent2"/>
+            </a:solidFill>
+            <a:prstDash val="solid"/>
+            <a:round/>
+            <a:headEnd type="none" w="med" len="med"/>
+            <a:tailEnd type="none" w="med" len="med"/>
+          </a:ln>
+        </p:spPr>
+        <p:style>
+          <a:lnRef idx="0">
+            <a:scrgbClr r="0" g="0" b="0"/>
+          </a:lnRef>
+          <a:fillRef idx="0">
+            <a:scrgbClr r="0" g="0" b="0"/>
+          </a:fillRef>
+          <a:effectRef idx="0">
+            <a:scrgbClr r="0" g="0" b="0"/>
+          </a:effectRef>
+          <a:fontRef idx="minor">
+            <a:schemeClr val="accent2"/>
+          </a:fontRef>
+        </p:style>
+        <p:txBody>
+          <a:bodyPr rtlCol="0" anchor="ctr"/>
+          <a:lstStyle/>
+          <a:p>
+            <a:pPr algn="ctr"/>
+            <a:r>
+              <a:rPr lang="en-US" dirty="0" smtClean="0"/>
+              <a:t>False</a:t>
+            </a:r>
+            <a:endParaRPr lang="en-US" dirty="0"/>
+          </a:p>
+        </p:txBody>
+      </p:sp>
+    </p:spTree>
+    <p:extLst>
+      <p:ext uri="{BB962C8B-B14F-4D97-AF65-F5344CB8AC3E}">
+        <p14:creationId xmlns:p14="http://schemas.microsoft.com/office/powerpoint/2010/main" val="4217720349"/>
+      </p:ext>
+    </p:extLst>
+  </p:cSld>
+  <p:clrMapOvr>
+    <a:masterClrMapping/>
+  </p:clrMapOvr>
+  <p:timing>
+    <p:tnLst>
+      <p:par>
+        <p:cTn id="1" dur="indefinite" restart="never" nodeType="tmRoot"/>
+      </p:par>
+    </p:tnLst>
+  </p:timing>
+</p:sld>
+</file>
+
+<file path=ppt/slides/slide13.xml><?xml version="1.0" encoding="utf-8"?>
+<p:sld xmlns:a="http://schemas.openxmlformats.org/drawingml/2006/main" xmlns:r="http://schemas.openxmlformats.org/officeDocument/2006/relationships" xmlns:p="http://schemas.openxmlformats.org/presentationml/2006/main">
+  <p:cSld>
+    <p:bg>
+      <p:bgPr>
+        <a:solidFill>
+          <a:schemeClr val="tx1"/>
+        </a:solidFill>
+        <a:effectLst/>
+      </p:bgPr>
+    </p:bg>
+    <p:spTree>
+      <p:nvGrpSpPr>
+        <p:cNvPr id="1" name=""/>
+        <p:cNvGrpSpPr/>
+        <p:nvPr/>
+      </p:nvGrpSpPr>
+      <p:grpSpPr>
+        <a:xfrm>
+          <a:off x="0" y="0"/>
+          <a:ext cx="0" cy="0"/>
+          <a:chOff x="0" y="0"/>
+          <a:chExt cx="0" cy="0"/>
+        </a:xfrm>
+      </p:grpSpPr>
+      <p:sp>
+        <p:nvSpPr>
+          <p:cNvPr id="2" name="כותרת 1"/>
+          <p:cNvSpPr>
+            <a:spLocks noGrp="1"/>
+          </p:cNvSpPr>
+          <p:nvPr>
+            <p:ph type="title"/>
+          </p:nvPr>
+        </p:nvSpPr>
+        <p:spPr/>
+        <p:txBody>
+          <a:bodyPr>
+            <a:noAutofit/>
+          </a:bodyPr>
+          <a:lstStyle/>
+          <a:p>
+            <a:r>
+              <a:rPr lang="en-US" dirty="0" smtClean="0">
+                <a:solidFill>
+                  <a:schemeClr val="bg1">
+                    <a:lumMod val="85000"/>
+                  </a:schemeClr>
+                </a:solidFill>
+                <a:latin typeface="Arial" pitchFamily="34" charset="0"/>
+                <a:cs typeface="Arial" pitchFamily="34" charset="0"/>
+              </a:rPr>
+              <a:t>SIMULATION</a:t>
+            </a:r>
+            <a:endParaRPr lang="he-IL" dirty="0">
+              <a:solidFill>
+                <a:schemeClr val="bg1">
+                  <a:lumMod val="85000"/>
+                </a:schemeClr>
+              </a:solidFill>
+              <a:latin typeface="Arial" pitchFamily="34" charset="0"/>
+              <a:cs typeface="Arial" pitchFamily="34" charset="0"/>
+            </a:endParaRPr>
+          </a:p>
+        </p:txBody>
+      </p:sp>
+      <p:pic>
+        <p:nvPicPr>
+          <p:cNvPr id="10" name="מציין מיקום תוכן 9" descr="fireworkbig-1.jpg"/>
+          <p:cNvPicPr>
+            <a:picLocks noGrp="1" noChangeAspect="1"/>
+          </p:cNvPicPr>
+          <p:nvPr>
+            <p:ph idx="1"/>
+          </p:nvPr>
+        </p:nvPicPr>
+        <p:blipFill>
+          <a:blip r:embed="rId3" cstate="print"/>
+          <a:stretch>
+            <a:fillRect/>
+          </a:stretch>
+        </p:blipFill>
+        <p:spPr>
+          <a:xfrm>
+            <a:off x="7358082" y="-17"/>
+            <a:ext cx="1785950" cy="1181176"/>
+          </a:xfrm>
+        </p:spPr>
+      </p:pic>
+      <p:pic>
+        <p:nvPicPr>
+          <p:cNvPr id="12" name="מציין מיקום תוכן 9" descr="fireworkbig-1.jpg"/>
+          <p:cNvPicPr>
+            <a:picLocks noChangeAspect="1"/>
+          </p:cNvPicPr>
+          <p:nvPr/>
+        </p:nvPicPr>
+        <p:blipFill>
+          <a:blip r:embed="rId3" cstate="print"/>
+          <a:stretch>
+            <a:fillRect/>
+          </a:stretch>
+        </p:blipFill>
+        <p:spPr>
+          <a:xfrm>
+            <a:off x="-32" y="-18"/>
+            <a:ext cx="1785950" cy="1181176"/>
+          </a:xfrm>
+          <a:prstGeom prst="rect">
+            <a:avLst/>
+          </a:prstGeom>
+        </p:spPr>
+      </p:pic>
+      <p:pic>
+        <p:nvPicPr>
+          <p:cNvPr id="14" name="תמונה 13" descr="images (4).jpg"/>
+          <p:cNvPicPr>
+            <a:picLocks noChangeAspect="1"/>
+          </p:cNvPicPr>
+          <p:nvPr/>
+        </p:nvPicPr>
+        <p:blipFill>
+          <a:blip r:embed="rId4"/>
+          <a:srcRect l="20199" r="17715"/>
+          <a:stretch>
+            <a:fillRect/>
+          </a:stretch>
+        </p:blipFill>
+        <p:spPr>
+          <a:xfrm>
+            <a:off x="8143900" y="1142990"/>
+            <a:ext cx="1000132" cy="890778"/>
+          </a:xfrm>
+          <a:prstGeom prst="rect">
+            <a:avLst/>
+          </a:prstGeom>
+        </p:spPr>
+      </p:pic>
+      <p:pic>
+        <p:nvPicPr>
+          <p:cNvPr id="15" name="תמונה 14" descr="images (4).jpg"/>
+          <p:cNvPicPr>
+            <a:picLocks noChangeAspect="1"/>
+          </p:cNvPicPr>
+          <p:nvPr/>
+        </p:nvPicPr>
+        <p:blipFill>
+          <a:blip r:embed="rId4"/>
+          <a:srcRect l="20199" r="17715"/>
+          <a:stretch>
+            <a:fillRect/>
+          </a:stretch>
+        </p:blipFill>
+        <p:spPr>
+          <a:xfrm>
+            <a:off x="-32" y="1071552"/>
+            <a:ext cx="1000132" cy="890778"/>
+          </a:xfrm>
+          <a:prstGeom prst="rect">
+            <a:avLst/>
+          </a:prstGeom>
+        </p:spPr>
+      </p:pic>
+      <p:sp>
+        <p:nvSpPr>
+          <p:cNvPr id="7" name="TextBox 6"/>
+          <p:cNvSpPr txBox="1"/>
+          <p:nvPr/>
+        </p:nvSpPr>
+        <p:spPr>
+          <a:xfrm>
+            <a:off x="1000100" y="1071553"/>
+            <a:ext cx="7215238" cy="1015663"/>
+          </a:xfrm>
+          <a:prstGeom prst="rect">
+            <a:avLst/>
+          </a:prstGeom>
+          <a:noFill/>
+        </p:spPr>
+        <p:txBody>
+          <a:bodyPr wrap="square" rtlCol="1">
+            <a:spAutoFit/>
+          </a:bodyPr>
+          <a:lstStyle/>
+          <a:p>
+            <a:pPr algn="l" rtl="0">
+              <a:buFont typeface="Arial" pitchFamily="34" charset="0"/>
+              <a:buChar char="•"/>
+            </a:pPr>
+            <a:r>
+              <a:rPr lang="en-US" sz="2000" dirty="0" smtClean="0">
+                <a:solidFill>
+                  <a:schemeClr val="bg1"/>
+                </a:solidFill>
+              </a:rPr>
+              <a:t> We </a:t>
+            </a:r>
+            <a:r>
+              <a:rPr lang="en-US" sz="2000" dirty="0" smtClean="0">
+                <a:solidFill>
+                  <a:schemeClr val="bg1"/>
+                </a:solidFill>
+              </a:rPr>
+              <a:t>used a python EC library called </a:t>
+            </a:r>
+            <a:r>
+              <a:rPr lang="en-US" sz="2000" i="1" dirty="0" smtClean="0">
+                <a:solidFill>
+                  <a:schemeClr val="bg1"/>
+                </a:solidFill>
+              </a:rPr>
+              <a:t>DEAP</a:t>
+            </a:r>
+            <a:r>
+              <a:rPr lang="en-US" sz="2000" dirty="0" smtClean="0">
+                <a:solidFill>
+                  <a:schemeClr val="bg1"/>
+                </a:solidFill>
+              </a:rPr>
+              <a:t> ( Distributed Evolutionary Algorithm Programming).</a:t>
+            </a:r>
+            <a:endParaRPr lang="en-US" sz="2000" dirty="0" smtClean="0">
+              <a:solidFill>
+                <a:schemeClr val="bg1"/>
+              </a:solidFill>
+            </a:endParaRPr>
+          </a:p>
+          <a:p>
+            <a:pPr algn="l" rtl="0">
+              <a:buFont typeface="Arial" pitchFamily="34" charset="0"/>
+              <a:buChar char="•"/>
+            </a:pPr>
+            <a:r>
+              <a:rPr lang="en-US" sz="2000" dirty="0" smtClean="0">
+                <a:solidFill>
+                  <a:schemeClr val="bg1"/>
+                </a:solidFill>
+              </a:rPr>
+              <a:t> Our Parameters for the simulation</a:t>
+            </a:r>
+            <a:r>
+              <a:rPr lang="en-US" sz="2000" dirty="0" smtClean="0">
+                <a:solidFill>
+                  <a:schemeClr val="bg1"/>
+                </a:solidFill>
+              </a:rPr>
+              <a:t>:</a:t>
+            </a:r>
+            <a:endParaRPr lang="en-US" sz="2000" dirty="0" smtClean="0">
+              <a:solidFill>
+                <a:schemeClr val="bg1"/>
+              </a:solidFill>
+            </a:endParaRPr>
+          </a:p>
+        </p:txBody>
+      </p:sp>
+      <p:graphicFrame>
+        <p:nvGraphicFramePr>
+          <p:cNvPr id="4" name="Table 3"/>
+          <p:cNvGraphicFramePr>
+            <a:graphicFrameLocks noGrp="1"/>
+          </p:cNvGraphicFramePr>
+          <p:nvPr>
+            <p:extLst>
+              <p:ext uri="{D42A27DB-BD31-4B8C-83A1-F6EECF244321}">
+                <p14:modId xmlns:p14="http://schemas.microsoft.com/office/powerpoint/2010/main" val="1841339589"/>
+              </p:ext>
+            </p:extLst>
+          </p:nvPr>
+        </p:nvGraphicFramePr>
+        <p:xfrm>
+          <a:off x="1619672" y="2033767"/>
+          <a:ext cx="6192688" cy="3070419"/>
+        </p:xfrm>
+        <a:graphic>
+          <a:graphicData uri="http://schemas.openxmlformats.org/drawingml/2006/table">
+            <a:tbl>
+              <a:tblPr firstRow="1" bandRow="1">
+                <a:tableStyleId>{5C22544A-7EE6-4342-B048-85BDC9FD1C3A}</a:tableStyleId>
+              </a:tblPr>
+              <a:tblGrid>
+                <a:gridCol w="3096344">
+                  <a:extLst>
+                    <a:ext uri="{9D8B030D-6E8A-4147-A177-3AD203B41FA5}">
+                      <a16:colId xmlns:a16="http://schemas.microsoft.com/office/drawing/2014/main" val="2448340929"/>
+                    </a:ext>
+                  </a:extLst>
+                </a:gridCol>
+                <a:gridCol w="3096344">
+                  <a:extLst>
+                    <a:ext uri="{9D8B030D-6E8A-4147-A177-3AD203B41FA5}">
+                      <a16:colId xmlns:a16="http://schemas.microsoft.com/office/drawing/2014/main" val="1131390985"/>
+                    </a:ext>
+                  </a:extLst>
+                </a:gridCol>
+              </a:tblGrid>
+              <a:tr h="326319">
+                <a:tc>
+                  <a:txBody>
+                    <a:bodyPr/>
+                    <a:lstStyle/>
+                    <a:p>
+                      <a:pPr algn="l" rtl="0"/>
+                      <a:r>
+                        <a:rPr lang="en-US" sz="1600" dirty="0" smtClean="0"/>
+                        <a:t>Parameter</a:t>
+                      </a:r>
+                      <a:endParaRPr lang="en-US" sz="1600" dirty="0"/>
+                    </a:p>
+                  </a:txBody>
+                  <a:tcPr/>
+                </a:tc>
+                <a:tc>
+                  <a:txBody>
+                    <a:bodyPr/>
+                    <a:lstStyle/>
+                    <a:p>
+                      <a:pPr algn="l" rtl="0"/>
+                      <a:r>
+                        <a:rPr lang="en-US" sz="1600" dirty="0" smtClean="0"/>
+                        <a:t>Value</a:t>
+                      </a:r>
+                      <a:endParaRPr lang="en-US" sz="1600" dirty="0"/>
+                    </a:p>
+                  </a:txBody>
+                  <a:tcPr/>
+                </a:tc>
+                <a:extLst>
+                  <a:ext uri="{0D108BD9-81ED-4DB2-BD59-A6C34878D82A}">
+                    <a16:rowId xmlns:a16="http://schemas.microsoft.com/office/drawing/2014/main" val="1344882637"/>
+                  </a:ext>
+                </a:extLst>
+              </a:tr>
+              <a:tr h="326319">
+                <a:tc>
+                  <a:txBody>
+                    <a:bodyPr/>
+                    <a:lstStyle/>
+                    <a:p>
+                      <a:pPr algn="l" rtl="0"/>
+                      <a:r>
+                        <a:rPr lang="en-US" sz="1600" dirty="0" smtClean="0"/>
+                        <a:t>Population</a:t>
+                      </a:r>
+                      <a:endParaRPr lang="en-US" sz="1600" dirty="0"/>
+                    </a:p>
+                  </a:txBody>
+                  <a:tcPr/>
+                </a:tc>
+                <a:tc>
+                  <a:txBody>
+                    <a:bodyPr/>
+                    <a:lstStyle/>
+                    <a:p>
+                      <a:pPr algn="l" rtl="0"/>
+                      <a:r>
+                        <a:rPr lang="en-US" sz="1600" dirty="0" smtClean="0"/>
+                        <a:t>30</a:t>
+                      </a:r>
+                      <a:endParaRPr lang="en-US" sz="1600" dirty="0"/>
+                    </a:p>
+                  </a:txBody>
+                  <a:tcPr/>
+                </a:tc>
+                <a:extLst>
+                  <a:ext uri="{0D108BD9-81ED-4DB2-BD59-A6C34878D82A}">
+                    <a16:rowId xmlns:a16="http://schemas.microsoft.com/office/drawing/2014/main" val="4155871521"/>
+                  </a:ext>
+                </a:extLst>
+              </a:tr>
+              <a:tr h="326319">
+                <a:tc>
+                  <a:txBody>
+                    <a:bodyPr/>
+                    <a:lstStyle/>
+                    <a:p>
+                      <a:pPr algn="l" rtl="0"/>
+                      <a:r>
+                        <a:rPr lang="en-US" sz="1600" dirty="0" smtClean="0"/>
+                        <a:t>Initial individuals</a:t>
+                      </a:r>
+                      <a:endParaRPr lang="en-US" sz="1600" dirty="0"/>
+                    </a:p>
+                  </a:txBody>
+                  <a:tcPr/>
+                </a:tc>
+                <a:tc>
+                  <a:txBody>
+                    <a:bodyPr/>
+                    <a:lstStyle/>
+                    <a:p>
+                      <a:pPr algn="l" rtl="0"/>
+                      <a:r>
+                        <a:rPr lang="en-US" sz="1600" dirty="0" smtClean="0"/>
+                        <a:t>full trees of depth 4-10 </a:t>
+                      </a:r>
+                      <a:endParaRPr lang="en-US" sz="1600" dirty="0"/>
+                    </a:p>
+                  </a:txBody>
+                  <a:tcPr/>
+                </a:tc>
+                <a:extLst>
+                  <a:ext uri="{0D108BD9-81ED-4DB2-BD59-A6C34878D82A}">
+                    <a16:rowId xmlns:a16="http://schemas.microsoft.com/office/drawing/2014/main" val="3730530034"/>
+                  </a:ext>
+                </a:extLst>
+              </a:tr>
+              <a:tr h="571059">
+                <a:tc>
+                  <a:txBody>
+                    <a:bodyPr/>
+                    <a:lstStyle/>
+                    <a:p>
+                      <a:pPr algn="l" rtl="0"/>
+                      <a:r>
+                        <a:rPr lang="en-US" sz="1600" dirty="0" smtClean="0"/>
+                        <a:t>Crossover</a:t>
+                      </a:r>
+                      <a:endParaRPr lang="en-US" sz="1600" dirty="0"/>
+                    </a:p>
+                  </a:txBody>
+                  <a:tcPr/>
+                </a:tc>
+                <a:tc>
+                  <a:txBody>
+                    <a:bodyPr/>
+                    <a:lstStyle/>
+                    <a:p>
+                      <a:pPr algn="l" rtl="0"/>
+                      <a:r>
+                        <a:rPr lang="en-US" sz="1600" dirty="0" smtClean="0"/>
+                        <a:t>one point crossover, probability: 0.9</a:t>
+                      </a:r>
+                    </a:p>
+                  </a:txBody>
+                  <a:tcPr/>
+                </a:tc>
+                <a:extLst>
+                  <a:ext uri="{0D108BD9-81ED-4DB2-BD59-A6C34878D82A}">
+                    <a16:rowId xmlns:a16="http://schemas.microsoft.com/office/drawing/2014/main" val="2107701423"/>
+                  </a:ext>
+                </a:extLst>
+              </a:tr>
+              <a:tr h="571059">
+                <a:tc>
+                  <a:txBody>
+                    <a:bodyPr/>
+                    <a:lstStyle/>
+                    <a:p>
+                      <a:pPr algn="l" rtl="0"/>
+                      <a:r>
+                        <a:rPr lang="en-US" sz="1600" dirty="0" smtClean="0"/>
+                        <a:t>Mutation</a:t>
+                      </a:r>
+                      <a:endParaRPr lang="en-US" sz="1600" dirty="0"/>
+                    </a:p>
+                  </a:txBody>
+                  <a:tcPr/>
+                </a:tc>
+                <a:tc>
+                  <a:txBody>
+                    <a:bodyPr/>
+                    <a:lstStyle/>
+                    <a:p>
+                      <a:pPr algn="l" rtl="0"/>
+                      <a:r>
+                        <a:rPr lang="en-US" sz="1600" dirty="0" smtClean="0"/>
+                        <a:t>uniform mutation, probability: 0.1 </a:t>
+                      </a:r>
+                    </a:p>
+                  </a:txBody>
+                  <a:tcPr/>
+                </a:tc>
+                <a:extLst>
+                  <a:ext uri="{0D108BD9-81ED-4DB2-BD59-A6C34878D82A}">
+                    <a16:rowId xmlns:a16="http://schemas.microsoft.com/office/drawing/2014/main" val="2595205403"/>
+                  </a:ext>
+                </a:extLst>
+              </a:tr>
+              <a:tr h="571059">
+                <a:tc>
+                  <a:txBody>
+                    <a:bodyPr/>
+                    <a:lstStyle/>
+                    <a:p>
+                      <a:pPr algn="l" rtl="0"/>
+                      <a:r>
+                        <a:rPr lang="en-US" sz="1600" dirty="0" smtClean="0"/>
+                        <a:t>Selection</a:t>
+                      </a:r>
+                      <a:endParaRPr lang="en-US" sz="1600" dirty="0"/>
+                    </a:p>
+                  </a:txBody>
+                  <a:tcPr/>
+                </a:tc>
+                <a:tc>
+                  <a:txBody>
+                    <a:bodyPr/>
+                    <a:lstStyle/>
+                    <a:p>
+                      <a:pPr algn="l" rtl="0"/>
+                      <a:r>
+                        <a:rPr lang="en-US" sz="1600" dirty="0" smtClean="0"/>
+                        <a:t>Tournament selection with</a:t>
+                      </a:r>
+                      <a:r>
+                        <a:rPr lang="en-US" sz="1600" baseline="0" dirty="0" smtClean="0"/>
+                        <a:t> parameter 7</a:t>
+                      </a:r>
+                      <a:endParaRPr lang="en-US" sz="1600" dirty="0"/>
+                    </a:p>
+                  </a:txBody>
+                  <a:tcPr/>
+                </a:tc>
+                <a:extLst>
+                  <a:ext uri="{0D108BD9-81ED-4DB2-BD59-A6C34878D82A}">
+                    <a16:rowId xmlns:a16="http://schemas.microsoft.com/office/drawing/2014/main" val="4250756973"/>
+                  </a:ext>
+                </a:extLst>
+              </a:tr>
+              <a:tr h="326319">
+                <a:tc>
+                  <a:txBody>
+                    <a:bodyPr/>
+                    <a:lstStyle/>
+                    <a:p>
+                      <a:pPr marL="0" marR="0" indent="0" algn="l" defTabSz="914400" rtl="0" eaLnBrk="1" fontAlgn="auto" latinLnBrk="0" hangingPunct="1">
+                        <a:lnSpc>
+                          <a:spcPct val="100000"/>
+                        </a:lnSpc>
+                        <a:spcBef>
+                          <a:spcPts val="0"/>
+                        </a:spcBef>
+                        <a:spcAft>
+                          <a:spcPts val="0"/>
+                        </a:spcAft>
+                        <a:buClrTx/>
+                        <a:buSzTx/>
+                        <a:buFontTx/>
+                        <a:buNone/>
+                        <a:tabLst/>
+                        <a:defRPr/>
+                      </a:pPr>
+                      <a:r>
+                        <a:rPr lang="en-US" sz="1600" dirty="0" smtClean="0"/>
+                        <a:t>Generations</a:t>
+                      </a:r>
+                    </a:p>
+                  </a:txBody>
+                  <a:tcPr/>
+                </a:tc>
+                <a:tc>
+                  <a:txBody>
+                    <a:bodyPr/>
+                    <a:lstStyle/>
+                    <a:p>
+                      <a:pPr algn="l" rtl="0"/>
+                      <a:r>
+                        <a:rPr lang="en-US" sz="1600" dirty="0" smtClean="0"/>
+                        <a:t>100</a:t>
+                      </a:r>
+                      <a:endParaRPr lang="en-US" sz="1600" dirty="0"/>
+                    </a:p>
+                  </a:txBody>
+                  <a:tcPr/>
+                </a:tc>
+                <a:extLst>
+                  <a:ext uri="{0D108BD9-81ED-4DB2-BD59-A6C34878D82A}">
+                    <a16:rowId xmlns:a16="http://schemas.microsoft.com/office/drawing/2014/main" val="1358232338"/>
+                  </a:ext>
+                </a:extLst>
+              </a:tr>
+            </a:tbl>
+          </a:graphicData>
+        </a:graphic>
+      </p:graphicFrame>
+    </p:spTree>
+    <p:extLst>
+      <p:ext uri="{BB962C8B-B14F-4D97-AF65-F5344CB8AC3E}">
+        <p14:creationId xmlns:p14="http://schemas.microsoft.com/office/powerpoint/2010/main" val="3625635007"/>
+      </p:ext>
+    </p:extLst>
+  </p:cSld>
+  <p:clrMapOvr>
+    <a:masterClrMapping/>
+  </p:clrMapOvr>
+  <p:timing>
+    <p:tnLst>
+      <p:par>
+        <p:cTn id="1" dur="indefinite" restart="never" nodeType="tmRoot"/>
+      </p:par>
+    </p:tnLst>
+  </p:timing>
+</p:sld>
+</file>
+
+<file path=ppt/slides/slide14.xml><?xml version="1.0" encoding="utf-8"?>
+<p:sld xmlns:a="http://schemas.openxmlformats.org/drawingml/2006/main" xmlns:r="http://schemas.openxmlformats.org/officeDocument/2006/relationships" xmlns:p="http://schemas.openxmlformats.org/presentationml/2006/main">
+  <p:cSld>
+    <p:bg>
+      <p:bgPr>
+        <a:solidFill>
+          <a:schemeClr val="tx1"/>
+        </a:solidFill>
+        <a:effectLst/>
+      </p:bgPr>
+    </p:bg>
+    <p:spTree>
+      <p:nvGrpSpPr>
+        <p:cNvPr id="1" name=""/>
+        <p:cNvGrpSpPr/>
+        <p:nvPr/>
+      </p:nvGrpSpPr>
+      <p:grpSpPr>
+        <a:xfrm>
+          <a:off x="0" y="0"/>
+          <a:ext cx="0" cy="0"/>
+          <a:chOff x="0" y="0"/>
+          <a:chExt cx="0" cy="0"/>
+        </a:xfrm>
+      </p:grpSpPr>
+      <p:sp>
+        <p:nvSpPr>
+          <p:cNvPr id="2" name="כותרת 1"/>
+          <p:cNvSpPr>
+            <a:spLocks noGrp="1"/>
+          </p:cNvSpPr>
+          <p:nvPr>
+            <p:ph type="title"/>
+          </p:nvPr>
+        </p:nvSpPr>
+        <p:spPr/>
+        <p:txBody>
+          <a:bodyPr>
+            <a:noAutofit/>
+          </a:bodyPr>
+          <a:lstStyle/>
+          <a:p>
+            <a:r>
+              <a:rPr lang="en-US" dirty="0" smtClean="0">
+                <a:solidFill>
+                  <a:schemeClr val="bg1">
+                    <a:lumMod val="85000"/>
+                  </a:schemeClr>
+                </a:solidFill>
+                <a:latin typeface="Arial" pitchFamily="34" charset="0"/>
+                <a:cs typeface="Arial" pitchFamily="34" charset="0"/>
+              </a:rPr>
+              <a:t>Initial Results</a:t>
             </a:r>
             <a:endParaRPr lang="he-IL" dirty="0">
               <a:solidFill>
@@ -6767,7 +7972,7 @@
           <p:nvPr>
             <p:extLst>
               <p:ext uri="{D42A27DB-BD31-4B8C-83A1-F6EECF244321}">
-                <p14:modId xmlns:p14="http://schemas.microsoft.com/office/powerpoint/2010/main" xmlns="" val="1299560986"/>
+                <p14:modId xmlns:p14="http://schemas.microsoft.com/office/powerpoint/2010/main" val="1299560986"/>
               </p:ext>
             </p:extLst>
           </p:nvPr>
@@ -6785,7 +7990,7 @@
     </p:spTree>
     <p:extLst>
       <p:ext uri="{BB962C8B-B14F-4D97-AF65-F5344CB8AC3E}">
-        <p14:creationId xmlns:p14="http://schemas.microsoft.com/office/powerpoint/2010/main" xmlns="" val="1382359092"/>
+        <p14:creationId xmlns:p14="http://schemas.microsoft.com/office/powerpoint/2010/main" val="1382359092"/>
       </p:ext>
     </p:extLst>
   </p:cSld>
@@ -6802,660 +8007,7 @@
 </p:sld>
 </file>
 
-<file path=ppt/slides/slide2.xml><?xml version="1.0" encoding="utf-8"?>
-<p:sld xmlns:a="http://schemas.openxmlformats.org/drawingml/2006/main" xmlns:r="http://schemas.openxmlformats.org/officeDocument/2006/relationships" xmlns:p="http://schemas.openxmlformats.org/presentationml/2006/main">
-  <p:cSld>
-    <p:bg>
-      <p:bgPr>
-        <a:solidFill>
-          <a:schemeClr val="tx1"/>
-        </a:solidFill>
-        <a:effectLst/>
-      </p:bgPr>
-    </p:bg>
-    <p:spTree>
-      <p:nvGrpSpPr>
-        <p:cNvPr id="1" name=""/>
-        <p:cNvGrpSpPr/>
-        <p:nvPr/>
-      </p:nvGrpSpPr>
-      <p:grpSpPr>
-        <a:xfrm>
-          <a:off x="0" y="0"/>
-          <a:ext cx="0" cy="0"/>
-          <a:chOff x="0" y="0"/>
-          <a:chExt cx="0" cy="0"/>
-        </a:xfrm>
-      </p:grpSpPr>
-      <p:pic>
-        <p:nvPicPr>
-          <p:cNvPr id="12" name="מציין מיקום תוכן 9" descr="fireworkbig-1.jpg"/>
-          <p:cNvPicPr>
-            <a:picLocks noChangeAspect="1"/>
-          </p:cNvPicPr>
-          <p:nvPr/>
-        </p:nvPicPr>
-        <p:blipFill>
-          <a:blip r:embed="rId2" cstate="print"/>
-          <a:stretch>
-            <a:fillRect/>
-          </a:stretch>
-        </p:blipFill>
-        <p:spPr>
-          <a:xfrm>
-            <a:off x="-32" y="-18"/>
-            <a:ext cx="1785950" cy="1181176"/>
-          </a:xfrm>
-          <a:prstGeom prst="rect">
-            <a:avLst/>
-          </a:prstGeom>
-        </p:spPr>
-      </p:pic>
-      <p:pic>
-        <p:nvPicPr>
-          <p:cNvPr id="10" name="מציין מיקום תוכן 9" descr="fireworkbig-1.jpg"/>
-          <p:cNvPicPr>
-            <a:picLocks noGrp="1" noChangeAspect="1"/>
-          </p:cNvPicPr>
-          <p:nvPr>
-            <p:ph idx="1"/>
-          </p:nvPr>
-        </p:nvPicPr>
-        <p:blipFill>
-          <a:blip r:embed="rId2" cstate="print"/>
-          <a:stretch>
-            <a:fillRect/>
-          </a:stretch>
-        </p:blipFill>
-        <p:spPr>
-          <a:xfrm>
-            <a:off x="7358082" y="-17"/>
-            <a:ext cx="1785950" cy="1181176"/>
-          </a:xfrm>
-        </p:spPr>
-      </p:pic>
-      <p:sp>
-        <p:nvSpPr>
-          <p:cNvPr id="2" name="כותרת 1"/>
-          <p:cNvSpPr>
-            <a:spLocks noGrp="1"/>
-          </p:cNvSpPr>
-          <p:nvPr>
-            <p:ph type="title"/>
-          </p:nvPr>
-        </p:nvSpPr>
-        <p:spPr/>
-        <p:txBody>
-          <a:bodyPr>
-            <a:noAutofit/>
-          </a:bodyPr>
-          <a:lstStyle/>
-          <a:p>
-            <a:r>
-              <a:rPr lang="en-US" dirty="0" smtClean="0">
-                <a:solidFill>
-                  <a:schemeClr val="bg1">
-                    <a:lumMod val="85000"/>
-                  </a:schemeClr>
-                </a:solidFill>
-                <a:latin typeface="Arial" pitchFamily="34" charset="0"/>
-                <a:cs typeface="Arial" pitchFamily="34" charset="0"/>
-              </a:rPr>
-              <a:t>HOW TO PLAY HANABI</a:t>
-            </a:r>
-            <a:endParaRPr lang="he-IL" dirty="0">
-              <a:solidFill>
-                <a:schemeClr val="bg1">
-                  <a:lumMod val="85000"/>
-                </a:schemeClr>
-              </a:solidFill>
-              <a:latin typeface="Arial" pitchFamily="34" charset="0"/>
-              <a:cs typeface="Arial" pitchFamily="34" charset="0"/>
-            </a:endParaRPr>
-          </a:p>
-        </p:txBody>
-      </p:sp>
-      <p:pic>
-        <p:nvPicPr>
-          <p:cNvPr id="14" name="תמונה 13" descr="images (4).jpg"/>
-          <p:cNvPicPr>
-            <a:picLocks noChangeAspect="1"/>
-          </p:cNvPicPr>
-          <p:nvPr/>
-        </p:nvPicPr>
-        <p:blipFill>
-          <a:blip r:embed="rId3"/>
-          <a:srcRect l="20199" r="17715"/>
-          <a:stretch>
-            <a:fillRect/>
-          </a:stretch>
-        </p:blipFill>
-        <p:spPr>
-          <a:xfrm>
-            <a:off x="8143900" y="1142990"/>
-            <a:ext cx="1000132" cy="890778"/>
-          </a:xfrm>
-          <a:prstGeom prst="rect">
-            <a:avLst/>
-          </a:prstGeom>
-        </p:spPr>
-      </p:pic>
-      <p:pic>
-        <p:nvPicPr>
-          <p:cNvPr id="15" name="תמונה 14" descr="images (4).jpg"/>
-          <p:cNvPicPr>
-            <a:picLocks noChangeAspect="1"/>
-          </p:cNvPicPr>
-          <p:nvPr/>
-        </p:nvPicPr>
-        <p:blipFill>
-          <a:blip r:embed="rId3"/>
-          <a:srcRect l="20199" r="17715"/>
-          <a:stretch>
-            <a:fillRect/>
-          </a:stretch>
-        </p:blipFill>
-        <p:spPr>
-          <a:xfrm>
-            <a:off x="-32" y="1071552"/>
-            <a:ext cx="1000132" cy="890778"/>
-          </a:xfrm>
-          <a:prstGeom prst="rect">
-            <a:avLst/>
-          </a:prstGeom>
-        </p:spPr>
-      </p:pic>
-      <p:sp>
-        <p:nvSpPr>
-          <p:cNvPr id="7" name="TextBox 6"/>
-          <p:cNvSpPr txBox="1"/>
-          <p:nvPr/>
-        </p:nvSpPr>
-        <p:spPr>
-          <a:xfrm>
-            <a:off x="1000100" y="1071552"/>
-            <a:ext cx="3357586" cy="461665"/>
-          </a:xfrm>
-          <a:prstGeom prst="rect">
-            <a:avLst/>
-          </a:prstGeom>
-          <a:noFill/>
-        </p:spPr>
-        <p:txBody>
-          <a:bodyPr wrap="square" rtlCol="1">
-            <a:spAutoFit/>
-          </a:bodyPr>
-          <a:lstStyle/>
-          <a:p>
-            <a:pPr algn="l"/>
-            <a:r>
-              <a:rPr lang="en-US" sz="2400" b="1" dirty="0" smtClean="0">
-                <a:solidFill>
-                  <a:schemeClr val="bg1">
-                    <a:lumMod val="85000"/>
-                  </a:schemeClr>
-                </a:solidFill>
-              </a:rPr>
-              <a:t>The game cards:</a:t>
-            </a:r>
-            <a:endParaRPr lang="he-IL" sz="2400" b="1" dirty="0">
-              <a:solidFill>
-                <a:schemeClr val="bg1">
-                  <a:lumMod val="85000"/>
-                </a:schemeClr>
-              </a:solidFill>
-            </a:endParaRPr>
-          </a:p>
-        </p:txBody>
-      </p:sp>
-      <p:pic>
-        <p:nvPicPr>
-          <p:cNvPr id="8" name="תמונה 7" descr="hanabi_cards.png"/>
-          <p:cNvPicPr>
-            <a:picLocks noChangeAspect="1"/>
-          </p:cNvPicPr>
-          <p:nvPr/>
-        </p:nvPicPr>
-        <p:blipFill>
-          <a:blip r:embed="rId4"/>
-          <a:stretch>
-            <a:fillRect/>
-          </a:stretch>
-        </p:blipFill>
-        <p:spPr>
-          <a:xfrm>
-            <a:off x="1714480" y="1587330"/>
-            <a:ext cx="5889954" cy="3341874"/>
-          </a:xfrm>
-          <a:prstGeom prst="rect">
-            <a:avLst/>
-          </a:prstGeom>
-        </p:spPr>
-      </p:pic>
-    </p:spTree>
-  </p:cSld>
-  <p:clrMapOvr>
-    <a:masterClrMapping/>
-  </p:clrMapOvr>
-  <p:timing>
-    <p:tnLst>
-      <p:par>
-        <p:cTn id="1" dur="indefinite" restart="never" nodeType="tmRoot"/>
-      </p:par>
-    </p:tnLst>
-  </p:timing>
-</p:sld>
-</file>
-
-<file path=ppt/slides/slide3.xml><?xml version="1.0" encoding="utf-8"?>
-<p:sld xmlns:a="http://schemas.openxmlformats.org/drawingml/2006/main" xmlns:r="http://schemas.openxmlformats.org/officeDocument/2006/relationships" xmlns:p="http://schemas.openxmlformats.org/presentationml/2006/main">
-  <p:cSld>
-    <p:bg>
-      <p:bgPr>
-        <a:solidFill>
-          <a:schemeClr val="tx1"/>
-        </a:solidFill>
-        <a:effectLst/>
-      </p:bgPr>
-    </p:bg>
-    <p:spTree>
-      <p:nvGrpSpPr>
-        <p:cNvPr id="1" name=""/>
-        <p:cNvGrpSpPr/>
-        <p:nvPr/>
-      </p:nvGrpSpPr>
-      <p:grpSpPr>
-        <a:xfrm>
-          <a:off x="0" y="0"/>
-          <a:ext cx="0" cy="0"/>
-          <a:chOff x="0" y="0"/>
-          <a:chExt cx="0" cy="0"/>
-        </a:xfrm>
-      </p:grpSpPr>
-      <p:pic>
-        <p:nvPicPr>
-          <p:cNvPr id="12" name="מציין מיקום תוכן 9" descr="fireworkbig-1.jpg"/>
-          <p:cNvPicPr>
-            <a:picLocks noChangeAspect="1"/>
-          </p:cNvPicPr>
-          <p:nvPr/>
-        </p:nvPicPr>
-        <p:blipFill>
-          <a:blip r:embed="rId2" cstate="print"/>
-          <a:stretch>
-            <a:fillRect/>
-          </a:stretch>
-        </p:blipFill>
-        <p:spPr>
-          <a:xfrm>
-            <a:off x="-32" y="-18"/>
-            <a:ext cx="1785950" cy="1181176"/>
-          </a:xfrm>
-          <a:prstGeom prst="rect">
-            <a:avLst/>
-          </a:prstGeom>
-        </p:spPr>
-      </p:pic>
-      <p:pic>
-        <p:nvPicPr>
-          <p:cNvPr id="10" name="מציין מיקום תוכן 9" descr="fireworkbig-1.jpg"/>
-          <p:cNvPicPr>
-            <a:picLocks noGrp="1" noChangeAspect="1"/>
-          </p:cNvPicPr>
-          <p:nvPr>
-            <p:ph idx="1"/>
-          </p:nvPr>
-        </p:nvPicPr>
-        <p:blipFill>
-          <a:blip r:embed="rId2" cstate="print"/>
-          <a:stretch>
-            <a:fillRect/>
-          </a:stretch>
-        </p:blipFill>
-        <p:spPr>
-          <a:xfrm>
-            <a:off x="7358082" y="-17"/>
-            <a:ext cx="1785950" cy="1181176"/>
-          </a:xfrm>
-        </p:spPr>
-      </p:pic>
-      <p:sp>
-        <p:nvSpPr>
-          <p:cNvPr id="2" name="כותרת 1"/>
-          <p:cNvSpPr>
-            <a:spLocks noGrp="1"/>
-          </p:cNvSpPr>
-          <p:nvPr>
-            <p:ph type="title"/>
-          </p:nvPr>
-        </p:nvSpPr>
-        <p:spPr/>
-        <p:txBody>
-          <a:bodyPr>
-            <a:noAutofit/>
-          </a:bodyPr>
-          <a:lstStyle/>
-          <a:p>
-            <a:r>
-              <a:rPr lang="en-US" dirty="0" smtClean="0">
-                <a:solidFill>
-                  <a:schemeClr val="bg1">
-                    <a:lumMod val="85000"/>
-                  </a:schemeClr>
-                </a:solidFill>
-                <a:latin typeface="Arial" pitchFamily="34" charset="0"/>
-                <a:cs typeface="Arial" pitchFamily="34" charset="0"/>
-              </a:rPr>
-              <a:t>HOW TO PLAY HANABI</a:t>
-            </a:r>
-            <a:endParaRPr lang="he-IL" dirty="0">
-              <a:solidFill>
-                <a:schemeClr val="bg1">
-                  <a:lumMod val="85000"/>
-                </a:schemeClr>
-              </a:solidFill>
-              <a:latin typeface="AR CARTER" pitchFamily="2" charset="0"/>
-            </a:endParaRPr>
-          </a:p>
-        </p:txBody>
-      </p:sp>
-      <p:pic>
-        <p:nvPicPr>
-          <p:cNvPr id="14" name="תמונה 13" descr="images (4).jpg"/>
-          <p:cNvPicPr>
-            <a:picLocks noChangeAspect="1"/>
-          </p:cNvPicPr>
-          <p:nvPr/>
-        </p:nvPicPr>
-        <p:blipFill>
-          <a:blip r:embed="rId3"/>
-          <a:srcRect l="20199" r="17715"/>
-          <a:stretch>
-            <a:fillRect/>
-          </a:stretch>
-        </p:blipFill>
-        <p:spPr>
-          <a:xfrm>
-            <a:off x="8143900" y="1142990"/>
-            <a:ext cx="1000132" cy="890778"/>
-          </a:xfrm>
-          <a:prstGeom prst="rect">
-            <a:avLst/>
-          </a:prstGeom>
-        </p:spPr>
-      </p:pic>
-      <p:pic>
-        <p:nvPicPr>
-          <p:cNvPr id="15" name="תמונה 14" descr="images (4).jpg"/>
-          <p:cNvPicPr>
-            <a:picLocks noChangeAspect="1"/>
-          </p:cNvPicPr>
-          <p:nvPr/>
-        </p:nvPicPr>
-        <p:blipFill>
-          <a:blip r:embed="rId3"/>
-          <a:srcRect l="20199" r="17715"/>
-          <a:stretch>
-            <a:fillRect/>
-          </a:stretch>
-        </p:blipFill>
-        <p:spPr>
-          <a:xfrm>
-            <a:off x="-32" y="1071552"/>
-            <a:ext cx="1000132" cy="890778"/>
-          </a:xfrm>
-          <a:prstGeom prst="rect">
-            <a:avLst/>
-          </a:prstGeom>
-        </p:spPr>
-      </p:pic>
-      <p:sp>
-        <p:nvSpPr>
-          <p:cNvPr id="7" name="TextBox 6"/>
-          <p:cNvSpPr txBox="1"/>
-          <p:nvPr/>
-        </p:nvSpPr>
-        <p:spPr>
-          <a:xfrm>
-            <a:off x="1000100" y="1071552"/>
-            <a:ext cx="7215238" cy="3508653"/>
-          </a:xfrm>
-          <a:prstGeom prst="rect">
-            <a:avLst/>
-          </a:prstGeom>
-          <a:noFill/>
-        </p:spPr>
-        <p:txBody>
-          <a:bodyPr wrap="square" rtlCol="1">
-            <a:spAutoFit/>
-          </a:bodyPr>
-          <a:lstStyle/>
-          <a:p>
-            <a:pPr algn="l" rtl="0">
-              <a:buFont typeface="Arial" pitchFamily="34" charset="0"/>
-              <a:buChar char="•"/>
-            </a:pPr>
-            <a:r>
-              <a:rPr lang="en-US" b="1" dirty="0" smtClean="0">
-                <a:solidFill>
-                  <a:schemeClr val="bg1">
-                    <a:lumMod val="85000"/>
-                  </a:schemeClr>
-                </a:solidFill>
-              </a:rPr>
-              <a:t> </a:t>
-            </a:r>
-            <a:r>
-              <a:rPr lang="en-US" dirty="0" smtClean="0">
-                <a:solidFill>
-                  <a:schemeClr val="bg1">
-                    <a:lumMod val="85000"/>
-                  </a:schemeClr>
-                </a:solidFill>
-              </a:rPr>
-              <a:t>Players cannot see their own cards but can see the other player’s cards. </a:t>
-            </a:r>
-          </a:p>
-          <a:p>
-            <a:pPr algn="l" rtl="0">
-              <a:buFont typeface="Arial" pitchFamily="34" charset="0"/>
-              <a:buChar char="•"/>
-            </a:pPr>
-            <a:r>
-              <a:rPr lang="en-US" dirty="0" smtClean="0">
-                <a:solidFill>
-                  <a:schemeClr val="bg1">
-                    <a:lumMod val="85000"/>
-                  </a:schemeClr>
-                </a:solidFill>
-              </a:rPr>
-              <a:t> The goal of the group is to make series from 1 to 5 in every color.</a:t>
-            </a:r>
-          </a:p>
-          <a:p>
-            <a:pPr algn="l" rtl="0">
-              <a:buFont typeface="Arial" pitchFamily="34" charset="0"/>
-              <a:buChar char="•"/>
-            </a:pPr>
-            <a:r>
-              <a:rPr lang="en-US" dirty="0" smtClean="0">
-                <a:solidFill>
-                  <a:schemeClr val="bg1">
-                    <a:lumMod val="85000"/>
-                  </a:schemeClr>
-                </a:solidFill>
-              </a:rPr>
-              <a:t> In each player’s turn, the player can:</a:t>
-            </a:r>
-          </a:p>
-          <a:p>
-            <a:pPr marL="800100" lvl="2" indent="-342900" algn="l" rtl="0">
-              <a:buFont typeface="+mj-lt"/>
-              <a:buAutoNum type="arabicPeriod"/>
-            </a:pPr>
-            <a:r>
-              <a:rPr lang="en-US" dirty="0">
-                <a:solidFill>
-                  <a:schemeClr val="bg1">
-                    <a:lumMod val="85000"/>
-                  </a:schemeClr>
-                </a:solidFill>
-              </a:rPr>
-              <a:t>spend an information token to tell another player about a feature (color or value) of the cards they have. </a:t>
-            </a:r>
-          </a:p>
-          <a:p>
-            <a:pPr lvl="1" algn="l" rtl="0"/>
-            <a:r>
-              <a:rPr lang="en-US" dirty="0" smtClean="0">
-                <a:solidFill>
-                  <a:schemeClr val="bg1">
-                    <a:lumMod val="85000"/>
-                  </a:schemeClr>
-                </a:solidFill>
-              </a:rPr>
-              <a:t>2.   discard </a:t>
-            </a:r>
-            <a:r>
-              <a:rPr lang="en-US" dirty="0">
-                <a:solidFill>
-                  <a:schemeClr val="bg1">
-                    <a:lumMod val="85000"/>
-                  </a:schemeClr>
-                </a:solidFill>
-              </a:rPr>
-              <a:t>a card from his hand (and get an info token in </a:t>
-            </a:r>
-            <a:r>
-              <a:rPr lang="en-US" dirty="0" smtClean="0">
-                <a:solidFill>
-                  <a:schemeClr val="bg1">
-                    <a:lumMod val="85000"/>
-                  </a:schemeClr>
-                </a:solidFill>
-              </a:rPr>
-              <a:t>return)</a:t>
-            </a:r>
-          </a:p>
-          <a:p>
-            <a:pPr lvl="1" algn="l" rtl="0"/>
-            <a:r>
-              <a:rPr lang="en-US" dirty="0" smtClean="0">
-                <a:solidFill>
-                  <a:schemeClr val="bg1">
-                    <a:lumMod val="85000"/>
-                  </a:schemeClr>
-                </a:solidFill>
-              </a:rPr>
-              <a:t>3.   choose to play a card from his hard</a:t>
-            </a:r>
-          </a:p>
-          <a:p>
-            <a:pPr marL="1200150" lvl="2" indent="-285750" algn="l" rtl="0">
-              <a:buFont typeface="Arial" panose="020B0604020202020204" pitchFamily="34" charset="0"/>
-              <a:buChar char="•"/>
-            </a:pPr>
-            <a:r>
-              <a:rPr lang="en-US" sz="1400" dirty="0">
-                <a:solidFill>
-                  <a:schemeClr val="bg1">
-                    <a:lumMod val="85000"/>
-                  </a:schemeClr>
-                </a:solidFill>
-              </a:rPr>
-              <a:t>When playing a card players must try to play a card which is consecutive to the card in play with the same color.</a:t>
-            </a:r>
-          </a:p>
-          <a:p>
-            <a:pPr marL="1200150" lvl="2" indent="-285750" algn="l" rtl="0">
-              <a:buFont typeface="Arial" panose="020B0604020202020204" pitchFamily="34" charset="0"/>
-              <a:buChar char="•"/>
-            </a:pPr>
-            <a:r>
-              <a:rPr lang="en-US" sz="1400" dirty="0">
-                <a:solidFill>
-                  <a:schemeClr val="bg1">
-                    <a:lumMod val="85000"/>
-                  </a:schemeClr>
-                </a:solidFill>
-              </a:rPr>
-              <a:t>Failing to play a proper card result in a strike</a:t>
-            </a:r>
-            <a:r>
-              <a:rPr lang="en-US" sz="1400" dirty="0" smtClean="0">
-                <a:solidFill>
-                  <a:schemeClr val="bg1">
-                    <a:lumMod val="85000"/>
-                  </a:schemeClr>
-                </a:solidFill>
-              </a:rPr>
-              <a:t>.</a:t>
-            </a:r>
-            <a:endParaRPr lang="en-US" dirty="0" smtClean="0">
-              <a:solidFill>
-                <a:schemeClr val="bg1">
-                  <a:lumMod val="85000"/>
-                </a:schemeClr>
-              </a:solidFill>
-            </a:endParaRPr>
-          </a:p>
-          <a:p>
-            <a:pPr marL="457200" indent="-457200" algn="l" rtl="0">
-              <a:buFont typeface="Arial" pitchFamily="34" charset="0"/>
-              <a:buChar char="•"/>
-            </a:pPr>
-            <a:r>
-              <a:rPr lang="en-US" dirty="0" smtClean="0">
-                <a:solidFill>
-                  <a:schemeClr val="bg1">
-                    <a:lumMod val="85000"/>
-                  </a:schemeClr>
-                </a:solidFill>
-              </a:rPr>
-              <a:t>3 strikes ends the game.</a:t>
-            </a:r>
-          </a:p>
-          <a:p>
-            <a:pPr marL="457200" indent="-457200" algn="l" rtl="0">
-              <a:buFont typeface="Arial" pitchFamily="34" charset="0"/>
-              <a:buChar char="•"/>
-            </a:pPr>
-            <a:r>
-              <a:rPr lang="en-US" dirty="0" smtClean="0">
-                <a:solidFill>
-                  <a:schemeClr val="bg1">
-                    <a:lumMod val="85000"/>
-                  </a:schemeClr>
-                </a:solidFill>
-              </a:rPr>
-              <a:t>The group wins if all stacks are complete (corresponding to a score of 25).</a:t>
-            </a:r>
-            <a:endParaRPr lang="he-IL" dirty="0" smtClean="0">
-              <a:solidFill>
-                <a:schemeClr val="bg1">
-                  <a:lumMod val="85000"/>
-                </a:schemeClr>
-              </a:solidFill>
-            </a:endParaRPr>
-          </a:p>
-        </p:txBody>
-      </p:sp>
-    </p:spTree>
-  </p:cSld>
-  <p:clrMapOvr>
-    <a:masterClrMapping/>
-  </p:clrMapOvr>
-  <p:timing>
-    <p:tnLst>
-      <p:par>
-        <p:cTn id="1" dur="indefinite" restart="never" nodeType="tmRoot"/>
-      </p:par>
-    </p:tnLst>
-  </p:timing>
-</p:sld>
-</file>
-
-<file path=ppt/slides/slide4.xml><?xml version="1.0" encoding="utf-8"?>
+<file path=ppt/slides/slide15.xml><?xml version="1.0" encoding="utf-8"?>
 <p:sld xmlns:a="http://schemas.openxmlformats.org/drawingml/2006/main" xmlns:r="http://schemas.openxmlformats.org/officeDocument/2006/relationships" xmlns:p="http://schemas.openxmlformats.org/presentationml/2006/main">
   <p:cSld>
     <p:bg>
@@ -7498,7 +8050,7 @@
           <a:lstStyle/>
           <a:p>
             <a:r>
-              <a:rPr lang="en-US" dirty="0" smtClean="0">
+              <a:rPr lang="en-US" sz="4000" dirty="0" smtClean="0">
                 <a:solidFill>
                   <a:schemeClr val="bg1">
                     <a:lumMod val="85000"/>
@@ -7507,9 +8059,9 @@
                 <a:latin typeface="Arial" pitchFamily="34" charset="0"/>
                 <a:cs typeface="Arial" pitchFamily="34" charset="0"/>
               </a:rPr>
-              <a:t>PREVIOUS WORKS</a:t>
-            </a:r>
-            <a:endParaRPr lang="he-IL" dirty="0">
+              <a:t>Future Work</a:t>
+            </a:r>
+            <a:endParaRPr lang="he-IL" sz="4000" dirty="0">
               <a:solidFill>
                 <a:schemeClr val="bg1">
                   <a:lumMod val="85000"/>
@@ -7627,7 +8179,7 @@
         <p:spPr>
           <a:xfrm>
             <a:off x="1000100" y="1071553"/>
-            <a:ext cx="7215238" cy="3293209"/>
+            <a:ext cx="7215238" cy="1938992"/>
           </a:xfrm>
           <a:prstGeom prst="rect">
             <a:avLst/>
@@ -7640,69 +8192,36 @@
           </a:bodyPr>
           <a:lstStyle/>
           <a:p>
-            <a:pPr algn="l" rtl="0">
+            <a:pPr lvl="1" algn="l" rtl="0">
               <a:buFont typeface="Arial" pitchFamily="34" charset="0"/>
               <a:buChar char="•"/>
             </a:pPr>
             <a:r>
-              <a:rPr lang="en-US" sz="2000" b="1" dirty="0" smtClean="0">
+              <a:rPr lang="en-US" sz="2000" dirty="0" smtClean="0">
                 <a:solidFill>
                   <a:schemeClr val="bg1">
                     <a:lumMod val="85000"/>
                   </a:schemeClr>
                 </a:solidFill>
               </a:rPr>
-              <a:t>Firstly, The </a:t>
-            </a:r>
-            <a:r>
-              <a:rPr lang="en-US" sz="2000" b="1" dirty="0" err="1" smtClean="0">
+              <a:t>Implement more queries and rules (which are described in previous papers).</a:t>
+            </a:r>
+          </a:p>
+          <a:p>
+            <a:pPr lvl="1" algn="l" rtl="0">
+              <a:buFont typeface="Arial" pitchFamily="34" charset="0"/>
+              <a:buChar char="•"/>
+            </a:pPr>
+            <a:r>
+              <a:rPr lang="en-US" sz="2000" dirty="0" smtClean="0">
                 <a:solidFill>
                   <a:schemeClr val="bg1">
                     <a:lumMod val="85000"/>
                   </a:schemeClr>
                 </a:solidFill>
               </a:rPr>
-              <a:t>hanabi</a:t>
-            </a:r>
-            <a:r>
-              <a:rPr lang="en-US" sz="2000" b="1" dirty="0" smtClean="0">
-                <a:solidFill>
-                  <a:schemeClr val="bg1">
-                    <a:lumMod val="85000"/>
-                  </a:schemeClr>
-                </a:solidFill>
-              </a:rPr>
-              <a:t> game was proven to be NP-complete (even for cheaters who look at their cards)**.</a:t>
-            </a:r>
-          </a:p>
-          <a:p>
-            <a:pPr algn="l" rtl="0">
-              <a:buFont typeface="Arial" pitchFamily="34" charset="0"/>
-              <a:buChar char="•"/>
-            </a:pPr>
-            <a:endParaRPr lang="en-US" sz="2000" b="1" dirty="0" smtClean="0">
-              <a:solidFill>
-                <a:schemeClr val="bg1">
-                  <a:lumMod val="85000"/>
-                </a:schemeClr>
-              </a:solidFill>
-            </a:endParaRPr>
-          </a:p>
-          <a:p>
-            <a:pPr algn="l" rtl="0"/>
-            <a:endParaRPr lang="en-US" sz="2000" b="1" dirty="0" smtClean="0">
-              <a:solidFill>
-                <a:schemeClr val="bg1">
-                  <a:lumMod val="85000"/>
-                </a:schemeClr>
-              </a:solidFill>
-            </a:endParaRPr>
-          </a:p>
-          <a:p>
-            <a:pPr algn="l" rtl="0">
-              <a:buFont typeface="Arial" pitchFamily="34" charset="0"/>
-              <a:buChar char="•"/>
-            </a:pPr>
+              <a:t>Implement new rules and queries.</a:t>
+            </a:r>
             <a:endParaRPr lang="en-US" sz="2000" dirty="0" smtClean="0">
               <a:solidFill>
                 <a:schemeClr val="bg1">
@@ -7710,6 +8229,38 @@
                 </a:schemeClr>
               </a:solidFill>
             </a:endParaRPr>
+          </a:p>
+          <a:p>
+            <a:pPr lvl="1" algn="l" rtl="0">
+              <a:buFont typeface="Arial" pitchFamily="34" charset="0"/>
+              <a:buChar char="•"/>
+            </a:pPr>
+            <a:r>
+              <a:rPr lang="en-US" sz="2000" dirty="0" smtClean="0">
+                <a:solidFill>
+                  <a:schemeClr val="bg1">
+                    <a:lumMod val="85000"/>
+                  </a:schemeClr>
+                </a:solidFill>
+              </a:rPr>
+              <a:t>Change and experiment with various evolutionary parameters.</a:t>
+            </a:r>
+          </a:p>
+          <a:p>
+            <a:pPr lvl="1" algn="l" rtl="0">
+              <a:buFont typeface="Arial" pitchFamily="34" charset="0"/>
+              <a:buChar char="•"/>
+            </a:pPr>
+            <a:r>
+              <a:rPr lang="en-US" sz="2000" dirty="0" smtClean="0">
+                <a:solidFill>
+                  <a:schemeClr val="bg1">
+                    <a:lumMod val="85000"/>
+                  </a:schemeClr>
+                </a:solidFill>
+              </a:rPr>
+              <a:t>Run more simulations and compare them.</a:t>
+            </a:r>
           </a:p>
           <a:p>
             <a:pPr lvl="1" algn="l" rtl="0">
@@ -7724,9 +8275,588 @@
               </a:solidFill>
             </a:endParaRPr>
           </a:p>
-          <a:p>
-            <a:pPr lvl="1" algn="l" rtl="0"/>
-            <a:endParaRPr lang="en-US" sz="2000" dirty="0" smtClean="0">
+        </p:txBody>
+      </p:sp>
+    </p:spTree>
+    <p:extLst>
+      <p:ext uri="{BB962C8B-B14F-4D97-AF65-F5344CB8AC3E}">
+        <p14:creationId xmlns:p14="http://schemas.microsoft.com/office/powerpoint/2010/main" val="2813330011"/>
+      </p:ext>
+    </p:extLst>
+  </p:cSld>
+  <p:clrMapOvr>
+    <a:masterClrMapping/>
+  </p:clrMapOvr>
+  <p:timing>
+    <p:tnLst>
+      <p:par>
+        <p:cTn id="1" dur="indefinite" restart="never" nodeType="tmRoot"/>
+      </p:par>
+    </p:tnLst>
+  </p:timing>
+</p:sld>
+</file>
+
+<file path=ppt/slides/slide2.xml><?xml version="1.0" encoding="utf-8"?>
+<p:sld xmlns:a="http://schemas.openxmlformats.org/drawingml/2006/main" xmlns:r="http://schemas.openxmlformats.org/officeDocument/2006/relationships" xmlns:p="http://schemas.openxmlformats.org/presentationml/2006/main">
+  <p:cSld>
+    <p:bg>
+      <p:bgPr>
+        <a:solidFill>
+          <a:schemeClr val="tx1"/>
+        </a:solidFill>
+        <a:effectLst/>
+      </p:bgPr>
+    </p:bg>
+    <p:spTree>
+      <p:nvGrpSpPr>
+        <p:cNvPr id="1" name=""/>
+        <p:cNvGrpSpPr/>
+        <p:nvPr/>
+      </p:nvGrpSpPr>
+      <p:grpSpPr>
+        <a:xfrm>
+          <a:off x="0" y="0"/>
+          <a:ext cx="0" cy="0"/>
+          <a:chOff x="0" y="0"/>
+          <a:chExt cx="0" cy="0"/>
+        </a:xfrm>
+      </p:grpSpPr>
+      <p:pic>
+        <p:nvPicPr>
+          <p:cNvPr id="12" name="מציין מיקום תוכן 9" descr="fireworkbig-1.jpg"/>
+          <p:cNvPicPr>
+            <a:picLocks noChangeAspect="1"/>
+          </p:cNvPicPr>
+          <p:nvPr/>
+        </p:nvPicPr>
+        <p:blipFill>
+          <a:blip r:embed="rId2" cstate="print"/>
+          <a:stretch>
+            <a:fillRect/>
+          </a:stretch>
+        </p:blipFill>
+        <p:spPr>
+          <a:xfrm>
+            <a:off x="-32" y="-18"/>
+            <a:ext cx="1785950" cy="1181176"/>
+          </a:xfrm>
+          <a:prstGeom prst="rect">
+            <a:avLst/>
+          </a:prstGeom>
+        </p:spPr>
+      </p:pic>
+      <p:pic>
+        <p:nvPicPr>
+          <p:cNvPr id="10" name="מציין מיקום תוכן 9" descr="fireworkbig-1.jpg"/>
+          <p:cNvPicPr>
+            <a:picLocks noGrp="1" noChangeAspect="1"/>
+          </p:cNvPicPr>
+          <p:nvPr>
+            <p:ph idx="1"/>
+          </p:nvPr>
+        </p:nvPicPr>
+        <p:blipFill>
+          <a:blip r:embed="rId2" cstate="print"/>
+          <a:stretch>
+            <a:fillRect/>
+          </a:stretch>
+        </p:blipFill>
+        <p:spPr>
+          <a:xfrm>
+            <a:off x="7358082" y="-17"/>
+            <a:ext cx="1785950" cy="1181176"/>
+          </a:xfrm>
+        </p:spPr>
+      </p:pic>
+      <p:sp>
+        <p:nvSpPr>
+          <p:cNvPr id="2" name="כותרת 1"/>
+          <p:cNvSpPr>
+            <a:spLocks noGrp="1"/>
+          </p:cNvSpPr>
+          <p:nvPr>
+            <p:ph type="title"/>
+          </p:nvPr>
+        </p:nvSpPr>
+        <p:spPr/>
+        <p:txBody>
+          <a:bodyPr>
+            <a:noAutofit/>
+          </a:bodyPr>
+          <a:lstStyle/>
+          <a:p>
+            <a:r>
+              <a:rPr lang="en-US" dirty="0" smtClean="0">
+                <a:solidFill>
+                  <a:schemeClr val="bg1">
+                    <a:lumMod val="85000"/>
+                  </a:schemeClr>
+                </a:solidFill>
+                <a:latin typeface="Arial" pitchFamily="34" charset="0"/>
+                <a:cs typeface="Arial" pitchFamily="34" charset="0"/>
+              </a:rPr>
+              <a:t>What is </a:t>
+            </a:r>
+            <a:r>
+              <a:rPr lang="en-US" dirty="0" err="1" smtClean="0">
+                <a:solidFill>
+                  <a:schemeClr val="bg1">
+                    <a:lumMod val="85000"/>
+                  </a:schemeClr>
+                </a:solidFill>
+                <a:latin typeface="Arial" pitchFamily="34" charset="0"/>
+                <a:cs typeface="Arial" pitchFamily="34" charset="0"/>
+              </a:rPr>
+              <a:t>Hanabi</a:t>
+            </a:r>
+            <a:r>
+              <a:rPr lang="en-US" dirty="0" smtClean="0">
+                <a:solidFill>
+                  <a:schemeClr val="bg1">
+                    <a:lumMod val="85000"/>
+                  </a:schemeClr>
+                </a:solidFill>
+                <a:latin typeface="Arial" pitchFamily="34" charset="0"/>
+                <a:cs typeface="Arial" pitchFamily="34" charset="0"/>
+              </a:rPr>
+              <a:t>?</a:t>
+            </a:r>
+            <a:endParaRPr lang="he-IL" sz="2000" dirty="0">
+              <a:solidFill>
+                <a:schemeClr val="bg1">
+                  <a:lumMod val="85000"/>
+                </a:schemeClr>
+              </a:solidFill>
+              <a:latin typeface="AR CARTER" pitchFamily="2" charset="0"/>
+            </a:endParaRPr>
+          </a:p>
+        </p:txBody>
+      </p:sp>
+      <p:pic>
+        <p:nvPicPr>
+          <p:cNvPr id="14" name="תמונה 13" descr="images (4).jpg"/>
+          <p:cNvPicPr>
+            <a:picLocks noChangeAspect="1"/>
+          </p:cNvPicPr>
+          <p:nvPr/>
+        </p:nvPicPr>
+        <p:blipFill>
+          <a:blip r:embed="rId3"/>
+          <a:srcRect l="20199" r="17715"/>
+          <a:stretch>
+            <a:fillRect/>
+          </a:stretch>
+        </p:blipFill>
+        <p:spPr>
+          <a:xfrm>
+            <a:off x="8143900" y="1142990"/>
+            <a:ext cx="1000132" cy="890778"/>
+          </a:xfrm>
+          <a:prstGeom prst="rect">
+            <a:avLst/>
+          </a:prstGeom>
+        </p:spPr>
+      </p:pic>
+      <p:pic>
+        <p:nvPicPr>
+          <p:cNvPr id="15" name="תמונה 14" descr="images (4).jpg"/>
+          <p:cNvPicPr>
+            <a:picLocks noChangeAspect="1"/>
+          </p:cNvPicPr>
+          <p:nvPr/>
+        </p:nvPicPr>
+        <p:blipFill>
+          <a:blip r:embed="rId3"/>
+          <a:srcRect l="20199" r="17715"/>
+          <a:stretch>
+            <a:fillRect/>
+          </a:stretch>
+        </p:blipFill>
+        <p:spPr>
+          <a:xfrm>
+            <a:off x="-32" y="1071552"/>
+            <a:ext cx="1000132" cy="890778"/>
+          </a:xfrm>
+          <a:prstGeom prst="rect">
+            <a:avLst/>
+          </a:prstGeom>
+        </p:spPr>
+      </p:pic>
+      <p:sp>
+        <p:nvSpPr>
+          <p:cNvPr id="3" name="Rectangle 2"/>
+          <p:cNvSpPr/>
+          <p:nvPr/>
+        </p:nvSpPr>
+        <p:spPr>
+          <a:xfrm>
+            <a:off x="1000100" y="1252565"/>
+            <a:ext cx="7143800" cy="2031325"/>
+          </a:xfrm>
+          <a:prstGeom prst="rect">
+            <a:avLst/>
+          </a:prstGeom>
+        </p:spPr>
+        <p:txBody>
+          <a:bodyPr wrap="square">
+            <a:spAutoFit/>
+          </a:bodyPr>
+          <a:lstStyle/>
+          <a:p>
+            <a:pPr algn="l" rtl="0"/>
+            <a:r>
+              <a:rPr lang="en-US" dirty="0" err="1">
+                <a:solidFill>
+                  <a:schemeClr val="bg1"/>
+                </a:solidFill>
+              </a:rPr>
+              <a:t>Hanabi</a:t>
+            </a:r>
+            <a:r>
+              <a:rPr lang="en-US" dirty="0">
+                <a:solidFill>
+                  <a:schemeClr val="bg1"/>
+                </a:solidFill>
+              </a:rPr>
+              <a:t> is a cooperative card game published in </a:t>
+            </a:r>
+            <a:r>
+              <a:rPr lang="en-US" dirty="0" smtClean="0">
+                <a:solidFill>
+                  <a:schemeClr val="bg1"/>
+                </a:solidFill>
+              </a:rPr>
+              <a:t>2010.</a:t>
+            </a:r>
+          </a:p>
+          <a:p>
+            <a:pPr marL="285750" indent="-285750" algn="l" rtl="0">
+              <a:buFont typeface="Arial" panose="020B0604020202020204" pitchFamily="34" charset="0"/>
+              <a:buChar char="•"/>
+            </a:pPr>
+            <a:r>
+              <a:rPr lang="en-US" dirty="0" smtClean="0">
+                <a:solidFill>
+                  <a:schemeClr val="bg1"/>
+                </a:solidFill>
+              </a:rPr>
+              <a:t>players</a:t>
+            </a:r>
+            <a:r>
+              <a:rPr lang="en-US" dirty="0">
+                <a:solidFill>
+                  <a:schemeClr val="bg1"/>
+                </a:solidFill>
+              </a:rPr>
+              <a:t>, aware of other players' cards but not their </a:t>
+            </a:r>
+            <a:r>
+              <a:rPr lang="en-US" dirty="0" smtClean="0">
+                <a:solidFill>
+                  <a:schemeClr val="bg1"/>
+                </a:solidFill>
+              </a:rPr>
+              <a:t>own.</a:t>
+            </a:r>
+          </a:p>
+          <a:p>
+            <a:pPr marL="285750" indent="-285750" algn="l" rtl="0">
+              <a:buFont typeface="Arial" panose="020B0604020202020204" pitchFamily="34" charset="0"/>
+              <a:buChar char="•"/>
+            </a:pPr>
+            <a:r>
+              <a:rPr lang="en-US" dirty="0" smtClean="0">
+                <a:solidFill>
+                  <a:schemeClr val="bg1"/>
+                </a:solidFill>
+              </a:rPr>
+              <a:t>Players attempt </a:t>
+            </a:r>
+            <a:r>
+              <a:rPr lang="en-US" dirty="0">
+                <a:solidFill>
+                  <a:schemeClr val="bg1"/>
+                </a:solidFill>
+              </a:rPr>
+              <a:t>to play a series of cards in a specific order to set off a simulated fireworks show. </a:t>
+            </a:r>
+            <a:endParaRPr lang="en-US" dirty="0" smtClean="0">
+              <a:solidFill>
+                <a:schemeClr val="bg1"/>
+              </a:solidFill>
+            </a:endParaRPr>
+          </a:p>
+          <a:p>
+            <a:pPr marL="285750" indent="-285750" algn="l" rtl="0">
+              <a:buFont typeface="Arial" panose="020B0604020202020204" pitchFamily="34" charset="0"/>
+              <a:buChar char="•"/>
+            </a:pPr>
+            <a:r>
+              <a:rPr lang="en-US" dirty="0" smtClean="0">
+                <a:solidFill>
+                  <a:schemeClr val="bg1"/>
+                </a:solidFill>
+              </a:rPr>
+              <a:t>Players </a:t>
+            </a:r>
+            <a:r>
+              <a:rPr lang="en-US" dirty="0">
+                <a:solidFill>
+                  <a:schemeClr val="bg1"/>
+                </a:solidFill>
+              </a:rPr>
+              <a:t>are limited in the types of information they may give to other players, and in the total amount of information that can be given during the game.</a:t>
+            </a:r>
+          </a:p>
+        </p:txBody>
+      </p:sp>
+    </p:spTree>
+  </p:cSld>
+  <p:clrMapOvr>
+    <a:masterClrMapping/>
+  </p:clrMapOvr>
+  <p:timing>
+    <p:tnLst>
+      <p:par>
+        <p:cTn id="1" dur="indefinite" restart="never" nodeType="tmRoot"/>
+      </p:par>
+    </p:tnLst>
+  </p:timing>
+</p:sld>
+</file>
+
+<file path=ppt/slides/slide3.xml><?xml version="1.0" encoding="utf-8"?>
+<p:sld xmlns:a="http://schemas.openxmlformats.org/drawingml/2006/main" xmlns:r="http://schemas.openxmlformats.org/officeDocument/2006/relationships" xmlns:p="http://schemas.openxmlformats.org/presentationml/2006/main">
+  <p:cSld>
+    <p:bg>
+      <p:bgPr>
+        <a:solidFill>
+          <a:schemeClr val="tx1"/>
+        </a:solidFill>
+        <a:effectLst/>
+      </p:bgPr>
+    </p:bg>
+    <p:spTree>
+      <p:nvGrpSpPr>
+        <p:cNvPr id="1" name=""/>
+        <p:cNvGrpSpPr/>
+        <p:nvPr/>
+      </p:nvGrpSpPr>
+      <p:grpSpPr>
+        <a:xfrm>
+          <a:off x="0" y="0"/>
+          <a:ext cx="0" cy="0"/>
+          <a:chOff x="0" y="0"/>
+          <a:chExt cx="0" cy="0"/>
+        </a:xfrm>
+      </p:grpSpPr>
+      <p:pic>
+        <p:nvPicPr>
+          <p:cNvPr id="12" name="מציין מיקום תוכן 9" descr="fireworkbig-1.jpg"/>
+          <p:cNvPicPr>
+            <a:picLocks noChangeAspect="1"/>
+          </p:cNvPicPr>
+          <p:nvPr/>
+        </p:nvPicPr>
+        <p:blipFill>
+          <a:blip r:embed="rId2" cstate="print"/>
+          <a:stretch>
+            <a:fillRect/>
+          </a:stretch>
+        </p:blipFill>
+        <p:spPr>
+          <a:xfrm>
+            <a:off x="-32" y="-18"/>
+            <a:ext cx="1785950" cy="1181176"/>
+          </a:xfrm>
+          <a:prstGeom prst="rect">
+            <a:avLst/>
+          </a:prstGeom>
+        </p:spPr>
+      </p:pic>
+      <p:pic>
+        <p:nvPicPr>
+          <p:cNvPr id="10" name="מציין מיקום תוכן 9" descr="fireworkbig-1.jpg"/>
+          <p:cNvPicPr>
+            <a:picLocks noGrp="1" noChangeAspect="1"/>
+          </p:cNvPicPr>
+          <p:nvPr>
+            <p:ph idx="1"/>
+          </p:nvPr>
+        </p:nvPicPr>
+        <p:blipFill>
+          <a:blip r:embed="rId2" cstate="print"/>
+          <a:stretch>
+            <a:fillRect/>
+          </a:stretch>
+        </p:blipFill>
+        <p:spPr>
+          <a:xfrm>
+            <a:off x="7358082" y="-17"/>
+            <a:ext cx="1785950" cy="1181176"/>
+          </a:xfrm>
+        </p:spPr>
+      </p:pic>
+      <p:sp>
+        <p:nvSpPr>
+          <p:cNvPr id="2" name="כותרת 1"/>
+          <p:cNvSpPr>
+            <a:spLocks noGrp="1"/>
+          </p:cNvSpPr>
+          <p:nvPr>
+            <p:ph type="title"/>
+          </p:nvPr>
+        </p:nvSpPr>
+        <p:spPr/>
+        <p:txBody>
+          <a:bodyPr>
+            <a:noAutofit/>
+          </a:bodyPr>
+          <a:lstStyle/>
+          <a:p>
+            <a:r>
+              <a:rPr lang="en-US" dirty="0" smtClean="0">
+                <a:solidFill>
+                  <a:schemeClr val="bg1">
+                    <a:lumMod val="85000"/>
+                  </a:schemeClr>
+                </a:solidFill>
+                <a:latin typeface="Arial" pitchFamily="34" charset="0"/>
+                <a:cs typeface="Arial" pitchFamily="34" charset="0"/>
+              </a:rPr>
+              <a:t>What is </a:t>
+            </a:r>
+            <a:r>
+              <a:rPr lang="en-US" dirty="0" err="1" smtClean="0">
+                <a:solidFill>
+                  <a:schemeClr val="bg1">
+                    <a:lumMod val="85000"/>
+                  </a:schemeClr>
+                </a:solidFill>
+                <a:latin typeface="Arial" pitchFamily="34" charset="0"/>
+                <a:cs typeface="Arial" pitchFamily="34" charset="0"/>
+              </a:rPr>
+              <a:t>Hanabi</a:t>
+            </a:r>
+            <a:r>
+              <a:rPr lang="en-US" dirty="0" smtClean="0">
+                <a:solidFill>
+                  <a:schemeClr val="bg1">
+                    <a:lumMod val="85000"/>
+                  </a:schemeClr>
+                </a:solidFill>
+                <a:latin typeface="Arial" pitchFamily="34" charset="0"/>
+                <a:cs typeface="Arial" pitchFamily="34" charset="0"/>
+              </a:rPr>
+              <a:t>?</a:t>
+            </a:r>
+            <a:endParaRPr lang="he-IL" dirty="0">
+              <a:solidFill>
+                <a:schemeClr val="bg1">
+                  <a:lumMod val="85000"/>
+                </a:schemeClr>
+              </a:solidFill>
+              <a:latin typeface="Arial" pitchFamily="34" charset="0"/>
+              <a:cs typeface="Arial" pitchFamily="34" charset="0"/>
+            </a:endParaRPr>
+          </a:p>
+        </p:txBody>
+      </p:sp>
+      <p:pic>
+        <p:nvPicPr>
+          <p:cNvPr id="14" name="תמונה 13" descr="images (4).jpg"/>
+          <p:cNvPicPr>
+            <a:picLocks noChangeAspect="1"/>
+          </p:cNvPicPr>
+          <p:nvPr/>
+        </p:nvPicPr>
+        <p:blipFill>
+          <a:blip r:embed="rId3"/>
+          <a:srcRect l="20199" r="17715"/>
+          <a:stretch>
+            <a:fillRect/>
+          </a:stretch>
+        </p:blipFill>
+        <p:spPr>
+          <a:xfrm>
+            <a:off x="8143900" y="1142990"/>
+            <a:ext cx="1000132" cy="890778"/>
+          </a:xfrm>
+          <a:prstGeom prst="rect">
+            <a:avLst/>
+          </a:prstGeom>
+        </p:spPr>
+      </p:pic>
+      <p:pic>
+        <p:nvPicPr>
+          <p:cNvPr id="15" name="תמונה 14" descr="images (4).jpg"/>
+          <p:cNvPicPr>
+            <a:picLocks noChangeAspect="1"/>
+          </p:cNvPicPr>
+          <p:nvPr/>
+        </p:nvPicPr>
+        <p:blipFill>
+          <a:blip r:embed="rId3"/>
+          <a:srcRect l="20199" r="17715"/>
+          <a:stretch>
+            <a:fillRect/>
+          </a:stretch>
+        </p:blipFill>
+        <p:spPr>
+          <a:xfrm>
+            <a:off x="-32" y="1071552"/>
+            <a:ext cx="1000132" cy="890778"/>
+          </a:xfrm>
+          <a:prstGeom prst="rect">
+            <a:avLst/>
+          </a:prstGeom>
+        </p:spPr>
+      </p:pic>
+      <p:sp>
+        <p:nvSpPr>
+          <p:cNvPr id="7" name="TextBox 6"/>
+          <p:cNvSpPr txBox="1"/>
+          <p:nvPr/>
+        </p:nvSpPr>
+        <p:spPr>
+          <a:xfrm>
+            <a:off x="1000100" y="1071552"/>
+            <a:ext cx="3357586" cy="461665"/>
+          </a:xfrm>
+          <a:prstGeom prst="rect">
+            <a:avLst/>
+          </a:prstGeom>
+          <a:noFill/>
+        </p:spPr>
+        <p:txBody>
+          <a:bodyPr wrap="square" rtlCol="1">
+            <a:spAutoFit/>
+          </a:bodyPr>
+          <a:lstStyle/>
+          <a:p>
+            <a:pPr algn="l"/>
+            <a:r>
+              <a:rPr lang="en-US" sz="2400" b="1" dirty="0" smtClean="0">
+                <a:solidFill>
+                  <a:schemeClr val="bg1">
+                    <a:lumMod val="85000"/>
+                  </a:schemeClr>
+                </a:solidFill>
+              </a:rPr>
+              <a:t>The </a:t>
+            </a:r>
+            <a:r>
+              <a:rPr lang="en-US" sz="2400" b="1" dirty="0" smtClean="0">
+                <a:solidFill>
+                  <a:schemeClr val="bg1">
+                    <a:lumMod val="85000"/>
+                  </a:schemeClr>
+                </a:solidFill>
+              </a:rPr>
+              <a:t>game:</a:t>
+            </a:r>
+            <a:endParaRPr lang="he-IL" sz="2400" b="1" dirty="0">
               <a:solidFill>
                 <a:schemeClr val="bg1">
                   <a:lumMod val="85000"/>
@@ -7734,9 +8864,480 @@
               </a:solidFill>
             </a:endParaRPr>
           </a:p>
+        </p:txBody>
+      </p:sp>
+      <p:pic>
+        <p:nvPicPr>
+          <p:cNvPr id="8" name="תמונה 7" descr="hanabi_cards.png"/>
+          <p:cNvPicPr>
+            <a:picLocks noChangeAspect="1"/>
+          </p:cNvPicPr>
+          <p:nvPr/>
+        </p:nvPicPr>
+        <p:blipFill>
+          <a:blip r:embed="rId4"/>
+          <a:stretch>
+            <a:fillRect/>
+          </a:stretch>
+        </p:blipFill>
+        <p:spPr>
+          <a:xfrm>
+            <a:off x="1000100" y="1707654"/>
+            <a:ext cx="3235941" cy="2592288"/>
+          </a:xfrm>
+          <a:prstGeom prst="rect">
+            <a:avLst/>
+          </a:prstGeom>
+        </p:spPr>
+      </p:pic>
+      <p:pic>
+        <p:nvPicPr>
+          <p:cNvPr id="1026" name="Picture 2" descr="http://rnrgames.com/content/images/thumbs/0000465_hanabi.jpeg"/>
+          <p:cNvPicPr>
+            <a:picLocks noChangeAspect="1" noChangeArrowheads="1"/>
+          </p:cNvPicPr>
+          <p:nvPr/>
+        </p:nvPicPr>
+        <p:blipFill>
+          <a:blip r:embed="rId5" cstate="print">
+            <a:extLst>
+              <a:ext uri="{28A0092B-C50C-407E-A947-70E740481C1C}">
+                <a14:useLocalDpi xmlns:a14="http://schemas.microsoft.com/office/drawing/2010/main" val="0"/>
+              </a:ext>
+            </a:extLst>
+          </a:blip>
+          <a:srcRect/>
+          <a:stretch>
+            <a:fillRect/>
+          </a:stretch>
+        </p:blipFill>
+        <p:spPr bwMode="auto">
+          <a:xfrm>
+            <a:off x="5474940" y="2427734"/>
+            <a:ext cx="3211860" cy="2583012"/>
+          </a:xfrm>
+          <a:prstGeom prst="rect">
+            <a:avLst/>
+          </a:prstGeom>
+          <a:noFill/>
+          <a:extLst>
+            <a:ext uri="{909E8E84-426E-40DD-AFC4-6F175D3DCCD1}">
+              <a14:hiddenFill xmlns:a14="http://schemas.microsoft.com/office/drawing/2010/main">
+                <a:solidFill>
+                  <a:srgbClr val="FFFFFF"/>
+                </a:solidFill>
+              </a14:hiddenFill>
+            </a:ext>
+          </a:extLst>
+        </p:spPr>
+      </p:pic>
+    </p:spTree>
+  </p:cSld>
+  <p:clrMapOvr>
+    <a:masterClrMapping/>
+  </p:clrMapOvr>
+  <p:timing>
+    <p:tnLst>
+      <p:par>
+        <p:cTn id="1" dur="indefinite" restart="never" nodeType="tmRoot"/>
+      </p:par>
+    </p:tnLst>
+  </p:timing>
+</p:sld>
+</file>
+
+<file path=ppt/slides/slide4.xml><?xml version="1.0" encoding="utf-8"?>
+<p:sld xmlns:a="http://schemas.openxmlformats.org/drawingml/2006/main" xmlns:r="http://schemas.openxmlformats.org/officeDocument/2006/relationships" xmlns:p="http://schemas.openxmlformats.org/presentationml/2006/main">
+  <p:cSld>
+    <p:bg>
+      <p:bgPr>
+        <a:solidFill>
+          <a:schemeClr val="tx1"/>
+        </a:solidFill>
+        <a:effectLst/>
+      </p:bgPr>
+    </p:bg>
+    <p:spTree>
+      <p:nvGrpSpPr>
+        <p:cNvPr id="1" name=""/>
+        <p:cNvGrpSpPr/>
+        <p:nvPr/>
+      </p:nvGrpSpPr>
+      <p:grpSpPr>
+        <a:xfrm>
+          <a:off x="0" y="0"/>
+          <a:ext cx="0" cy="0"/>
+          <a:chOff x="0" y="0"/>
+          <a:chExt cx="0" cy="0"/>
+        </a:xfrm>
+      </p:grpSpPr>
+      <p:pic>
+        <p:nvPicPr>
+          <p:cNvPr id="12" name="מציין מיקום תוכן 9" descr="fireworkbig-1.jpg"/>
+          <p:cNvPicPr>
+            <a:picLocks noChangeAspect="1"/>
+          </p:cNvPicPr>
+          <p:nvPr/>
+        </p:nvPicPr>
+        <p:blipFill>
+          <a:blip r:embed="rId2" cstate="print"/>
+          <a:stretch>
+            <a:fillRect/>
+          </a:stretch>
+        </p:blipFill>
+        <p:spPr>
+          <a:xfrm>
+            <a:off x="-32" y="-18"/>
+            <a:ext cx="1785950" cy="1181176"/>
+          </a:xfrm>
+          <a:prstGeom prst="rect">
+            <a:avLst/>
+          </a:prstGeom>
+        </p:spPr>
+      </p:pic>
+      <p:pic>
+        <p:nvPicPr>
+          <p:cNvPr id="10" name="מציין מיקום תוכן 9" descr="fireworkbig-1.jpg"/>
+          <p:cNvPicPr>
+            <a:picLocks noGrp="1" noChangeAspect="1"/>
+          </p:cNvPicPr>
+          <p:nvPr>
+            <p:ph idx="1"/>
+          </p:nvPr>
+        </p:nvPicPr>
+        <p:blipFill>
+          <a:blip r:embed="rId2" cstate="print"/>
+          <a:stretch>
+            <a:fillRect/>
+          </a:stretch>
+        </p:blipFill>
+        <p:spPr>
+          <a:xfrm>
+            <a:off x="7358082" y="-17"/>
+            <a:ext cx="1785950" cy="1181176"/>
+          </a:xfrm>
+        </p:spPr>
+      </p:pic>
+      <p:sp>
+        <p:nvSpPr>
+          <p:cNvPr id="2" name="כותרת 1"/>
+          <p:cNvSpPr>
+            <a:spLocks noGrp="1"/>
+          </p:cNvSpPr>
+          <p:nvPr>
+            <p:ph type="title"/>
+          </p:nvPr>
+        </p:nvSpPr>
+        <p:spPr/>
+        <p:txBody>
+          <a:bodyPr>
+            <a:noAutofit/>
+          </a:bodyPr>
+          <a:lstStyle/>
+          <a:p>
+            <a:r>
+              <a:rPr lang="en-US" dirty="0" smtClean="0">
+                <a:solidFill>
+                  <a:schemeClr val="bg1">
+                    <a:lumMod val="85000"/>
+                  </a:schemeClr>
+                </a:solidFill>
+                <a:latin typeface="Arial" pitchFamily="34" charset="0"/>
+                <a:cs typeface="Arial" pitchFamily="34" charset="0"/>
+              </a:rPr>
+              <a:t>How to play </a:t>
+            </a:r>
+            <a:r>
+              <a:rPr lang="en-US" dirty="0" err="1" smtClean="0">
+                <a:solidFill>
+                  <a:schemeClr val="bg1">
+                    <a:lumMod val="85000"/>
+                  </a:schemeClr>
+                </a:solidFill>
+                <a:latin typeface="Arial" pitchFamily="34" charset="0"/>
+                <a:cs typeface="Arial" pitchFamily="34" charset="0"/>
+              </a:rPr>
+              <a:t>Hanabi</a:t>
+            </a:r>
+            <a:r>
+              <a:rPr lang="en-US" dirty="0" smtClean="0">
+                <a:solidFill>
+                  <a:schemeClr val="bg1">
+                    <a:lumMod val="85000"/>
+                  </a:schemeClr>
+                </a:solidFill>
+                <a:latin typeface="Arial" pitchFamily="34" charset="0"/>
+                <a:cs typeface="Arial" pitchFamily="34" charset="0"/>
+              </a:rPr>
+              <a:t>?</a:t>
+            </a:r>
+            <a:br>
+              <a:rPr lang="en-US" dirty="0" smtClean="0">
+                <a:solidFill>
+                  <a:schemeClr val="bg1">
+                    <a:lumMod val="85000"/>
+                  </a:schemeClr>
+                </a:solidFill>
+                <a:latin typeface="Arial" pitchFamily="34" charset="0"/>
+                <a:cs typeface="Arial" pitchFamily="34" charset="0"/>
+              </a:rPr>
+            </a:br>
+            <a:r>
+              <a:rPr lang="en-US" sz="2000" dirty="0" smtClean="0">
+                <a:solidFill>
+                  <a:schemeClr val="bg1">
+                    <a:lumMod val="85000"/>
+                  </a:schemeClr>
+                </a:solidFill>
+                <a:latin typeface="Arial" pitchFamily="34" charset="0"/>
+                <a:cs typeface="Arial" pitchFamily="34" charset="0"/>
+              </a:rPr>
+              <a:t>(Classic variant)</a:t>
+            </a:r>
+            <a:endParaRPr lang="he-IL" sz="2000" dirty="0">
+              <a:solidFill>
+                <a:schemeClr val="bg1">
+                  <a:lumMod val="85000"/>
+                </a:schemeClr>
+              </a:solidFill>
+              <a:latin typeface="AR CARTER" pitchFamily="2" charset="0"/>
+            </a:endParaRPr>
+          </a:p>
+        </p:txBody>
+      </p:sp>
+      <p:pic>
+        <p:nvPicPr>
+          <p:cNvPr id="14" name="תמונה 13" descr="images (4).jpg"/>
+          <p:cNvPicPr>
+            <a:picLocks noChangeAspect="1"/>
+          </p:cNvPicPr>
+          <p:nvPr/>
+        </p:nvPicPr>
+        <p:blipFill>
+          <a:blip r:embed="rId3"/>
+          <a:srcRect l="20199" r="17715"/>
+          <a:stretch>
+            <a:fillRect/>
+          </a:stretch>
+        </p:blipFill>
+        <p:spPr>
+          <a:xfrm>
+            <a:off x="8143900" y="1142990"/>
+            <a:ext cx="1000132" cy="890778"/>
+          </a:xfrm>
+          <a:prstGeom prst="rect">
+            <a:avLst/>
+          </a:prstGeom>
+        </p:spPr>
+      </p:pic>
+      <p:pic>
+        <p:nvPicPr>
+          <p:cNvPr id="15" name="תמונה 14" descr="images (4).jpg"/>
+          <p:cNvPicPr>
+            <a:picLocks noChangeAspect="1"/>
+          </p:cNvPicPr>
+          <p:nvPr/>
+        </p:nvPicPr>
+        <p:blipFill>
+          <a:blip r:embed="rId3"/>
+          <a:srcRect l="20199" r="17715"/>
+          <a:stretch>
+            <a:fillRect/>
+          </a:stretch>
+        </p:blipFill>
+        <p:spPr>
+          <a:xfrm>
+            <a:off x="-32" y="1071552"/>
+            <a:ext cx="1000132" cy="890778"/>
+          </a:xfrm>
+          <a:prstGeom prst="rect">
+            <a:avLst/>
+          </a:prstGeom>
+        </p:spPr>
+      </p:pic>
+      <p:sp>
+        <p:nvSpPr>
+          <p:cNvPr id="7" name="TextBox 6"/>
+          <p:cNvSpPr txBox="1"/>
+          <p:nvPr/>
+        </p:nvSpPr>
+        <p:spPr>
+          <a:xfrm>
+            <a:off x="1000100" y="1071552"/>
+            <a:ext cx="7215238" cy="3508653"/>
+          </a:xfrm>
+          <a:prstGeom prst="rect">
+            <a:avLst/>
+          </a:prstGeom>
+          <a:noFill/>
+        </p:spPr>
+        <p:txBody>
+          <a:bodyPr wrap="square" rtlCol="1">
+            <a:spAutoFit/>
+          </a:bodyPr>
+          <a:lstStyle/>
+          <a:p>
+            <a:pPr algn="l" rtl="0">
+              <a:buFont typeface="Arial" pitchFamily="34" charset="0"/>
+              <a:buChar char="•"/>
+            </a:pPr>
+            <a:r>
+              <a:rPr lang="en-US" b="1" dirty="0" smtClean="0">
+                <a:solidFill>
+                  <a:schemeClr val="bg1">
+                    <a:lumMod val="85000"/>
+                  </a:schemeClr>
+                </a:solidFill>
+              </a:rPr>
+              <a:t> </a:t>
+            </a:r>
+            <a:r>
+              <a:rPr lang="en-US" dirty="0" smtClean="0">
+                <a:solidFill>
+                  <a:schemeClr val="bg1">
+                    <a:lumMod val="85000"/>
+                  </a:schemeClr>
+                </a:solidFill>
+              </a:rPr>
+              <a:t>Players cannot see their own cards but can see the other player’s cards. </a:t>
+            </a:r>
+          </a:p>
+          <a:p>
+            <a:pPr algn="l" rtl="0">
+              <a:buFont typeface="Arial" pitchFamily="34" charset="0"/>
+              <a:buChar char="•"/>
+            </a:pPr>
+            <a:r>
+              <a:rPr lang="en-US" dirty="0" smtClean="0">
+                <a:solidFill>
+                  <a:schemeClr val="bg1">
+                    <a:lumMod val="85000"/>
+                  </a:schemeClr>
+                </a:solidFill>
+              </a:rPr>
+              <a:t> The goal of the group is to make series from 1 to 5 in every color.</a:t>
+            </a:r>
+          </a:p>
+          <a:p>
+            <a:pPr algn="l" rtl="0">
+              <a:buFont typeface="Arial" pitchFamily="34" charset="0"/>
+              <a:buChar char="•"/>
+            </a:pPr>
+            <a:r>
+              <a:rPr lang="en-US" dirty="0" smtClean="0">
+                <a:solidFill>
+                  <a:schemeClr val="bg1">
+                    <a:lumMod val="85000"/>
+                  </a:schemeClr>
+                </a:solidFill>
+              </a:rPr>
+              <a:t> In each player’s turn, the player can:</a:t>
+            </a:r>
+          </a:p>
+          <a:p>
+            <a:pPr marL="800100" lvl="2" indent="-342900" algn="l" rtl="0">
+              <a:buFont typeface="+mj-lt"/>
+              <a:buAutoNum type="arabicPeriod"/>
+            </a:pPr>
+            <a:r>
+              <a:rPr lang="en-US" dirty="0">
+                <a:solidFill>
+                  <a:schemeClr val="bg1">
+                    <a:lumMod val="85000"/>
+                  </a:schemeClr>
+                </a:solidFill>
+              </a:rPr>
+              <a:t>spend an information token to tell another player about a feature (color or value) of the cards they have. </a:t>
+            </a:r>
+          </a:p>
           <a:p>
             <a:pPr lvl="1" algn="l" rtl="0"/>
-            <a:endParaRPr lang="en-US" sz="2000" dirty="0" smtClean="0">
+            <a:r>
+              <a:rPr lang="en-US" dirty="0" smtClean="0">
+                <a:solidFill>
+                  <a:schemeClr val="bg1">
+                    <a:lumMod val="85000"/>
+                  </a:schemeClr>
+                </a:solidFill>
+              </a:rPr>
+              <a:t>2.   discard </a:t>
+            </a:r>
+            <a:r>
+              <a:rPr lang="en-US" dirty="0">
+                <a:solidFill>
+                  <a:schemeClr val="bg1">
+                    <a:lumMod val="85000"/>
+                  </a:schemeClr>
+                </a:solidFill>
+              </a:rPr>
+              <a:t>a card from his hand (and get an info token in </a:t>
+            </a:r>
+            <a:r>
+              <a:rPr lang="en-US" dirty="0" smtClean="0">
+                <a:solidFill>
+                  <a:schemeClr val="bg1">
+                    <a:lumMod val="85000"/>
+                  </a:schemeClr>
+                </a:solidFill>
+              </a:rPr>
+              <a:t>return)</a:t>
+            </a:r>
+          </a:p>
+          <a:p>
+            <a:pPr lvl="1" algn="l" rtl="0"/>
+            <a:r>
+              <a:rPr lang="en-US" dirty="0" smtClean="0">
+                <a:solidFill>
+                  <a:schemeClr val="bg1">
+                    <a:lumMod val="85000"/>
+                  </a:schemeClr>
+                </a:solidFill>
+              </a:rPr>
+              <a:t>3.   choose to play a card from his hard</a:t>
+            </a:r>
+          </a:p>
+          <a:p>
+            <a:pPr marL="1200150" lvl="2" indent="-285750" algn="l" rtl="0">
+              <a:buFont typeface="Arial" panose="020B0604020202020204" pitchFamily="34" charset="0"/>
+              <a:buChar char="•"/>
+            </a:pPr>
+            <a:r>
+              <a:rPr lang="en-US" sz="1400" dirty="0">
+                <a:solidFill>
+                  <a:schemeClr val="bg1">
+                    <a:lumMod val="85000"/>
+                  </a:schemeClr>
+                </a:solidFill>
+              </a:rPr>
+              <a:t>When playing a card players must try to play a card which is consecutive to the card in play with the same color.</a:t>
+            </a:r>
+          </a:p>
+          <a:p>
+            <a:pPr marL="1200150" lvl="2" indent="-285750" algn="l" rtl="0">
+              <a:buFont typeface="Arial" panose="020B0604020202020204" pitchFamily="34" charset="0"/>
+              <a:buChar char="•"/>
+            </a:pPr>
+            <a:r>
+              <a:rPr lang="en-US" sz="1400" dirty="0">
+                <a:solidFill>
+                  <a:schemeClr val="bg1">
+                    <a:lumMod val="85000"/>
+                  </a:schemeClr>
+                </a:solidFill>
+              </a:rPr>
+              <a:t>Failing to play a proper card result in a strike</a:t>
+            </a:r>
+            <a:r>
+              <a:rPr lang="en-US" sz="1400" dirty="0" smtClean="0">
+                <a:solidFill>
+                  <a:schemeClr val="bg1">
+                    <a:lumMod val="85000"/>
+                  </a:schemeClr>
+                </a:solidFill>
+              </a:rPr>
+              <a:t>.</a:t>
+            </a:r>
+            <a:endParaRPr lang="en-US" dirty="0" smtClean="0">
               <a:solidFill>
                 <a:schemeClr val="bg1">
                   <a:lumMod val="85000"/>
@@ -7745,8 +9346,37 @@
             </a:endParaRPr>
           </a:p>
           <a:p>
-            <a:pPr lvl="1" algn="l" rtl="0"/>
-            <a:endParaRPr lang="en-US" sz="2000" dirty="0" smtClean="0">
+            <a:pPr marL="457200" indent="-457200" algn="l" rtl="0">
+              <a:buFont typeface="Arial" pitchFamily="34" charset="0"/>
+              <a:buChar char="•"/>
+            </a:pPr>
+            <a:r>
+              <a:rPr lang="en-US" dirty="0" smtClean="0">
+                <a:solidFill>
+                  <a:schemeClr val="bg1">
+                    <a:lumMod val="85000"/>
+                  </a:schemeClr>
+                </a:solidFill>
+              </a:rPr>
+              <a:t>3 strikes ends the game.</a:t>
+            </a:r>
+          </a:p>
+          <a:p>
+            <a:pPr marL="457200" indent="-457200" algn="l" rtl="0">
+              <a:buFont typeface="Arial" pitchFamily="34" charset="0"/>
+              <a:buChar char="•"/>
+            </a:pPr>
+            <a:r>
+              <a:rPr lang="en-US" dirty="0" smtClean="0">
+                <a:solidFill>
+                  <a:schemeClr val="bg1">
+                    <a:lumMod val="85000"/>
+                  </a:schemeClr>
+                </a:solidFill>
+              </a:rPr>
+              <a:t>The group wins if all stacks are complete (corresponding to a score of 25).</a:t>
+            </a:r>
+            <a:endParaRPr lang="he-IL" dirty="0" smtClean="0">
               <a:solidFill>
                 <a:schemeClr val="bg1">
                   <a:lumMod val="85000"/>
@@ -7754,118 +9384,12 @@
               </a:solidFill>
             </a:endParaRPr>
           </a:p>
-          <a:p>
-            <a:pPr lvl="1" algn="l" rtl="0"/>
-            <a:endParaRPr lang="en-US" sz="2000" dirty="0" smtClean="0">
-              <a:solidFill>
-                <a:schemeClr val="bg1">
-                  <a:lumMod val="85000"/>
-                </a:schemeClr>
-              </a:solidFill>
-            </a:endParaRPr>
-          </a:p>
-          <a:p>
-            <a:pPr algn="l" rtl="0"/>
-            <a:r>
-              <a:rPr lang="en-US" sz="800" dirty="0" smtClean="0">
-                <a:solidFill>
-                  <a:schemeClr val="bg1"/>
-                </a:solidFill>
-              </a:rPr>
-              <a:t>**</a:t>
-            </a:r>
-            <a:r>
-              <a:rPr lang="en-US" sz="800" dirty="0" err="1" smtClean="0">
-                <a:solidFill>
-                  <a:schemeClr val="bg1"/>
-                </a:solidFill>
-              </a:rPr>
-              <a:t>Baffier</a:t>
-            </a:r>
-            <a:r>
-              <a:rPr lang="en-US" sz="800" dirty="0">
-                <a:solidFill>
-                  <a:schemeClr val="bg1"/>
-                </a:solidFill>
-              </a:rPr>
-              <a:t>, J. F., Chiu, M. K., </a:t>
-            </a:r>
-            <a:r>
-              <a:rPr lang="en-US" sz="800" dirty="0" err="1">
-                <a:solidFill>
-                  <a:schemeClr val="bg1"/>
-                </a:solidFill>
-              </a:rPr>
-              <a:t>Diez</a:t>
-            </a:r>
-            <a:r>
-              <a:rPr lang="en-US" sz="800" dirty="0">
-                <a:solidFill>
-                  <a:schemeClr val="bg1"/>
-                </a:solidFill>
-              </a:rPr>
-              <a:t>, Y., </a:t>
-            </a:r>
-            <a:r>
-              <a:rPr lang="en-US" sz="800" dirty="0" err="1">
-                <a:solidFill>
-                  <a:schemeClr val="bg1"/>
-                </a:solidFill>
-              </a:rPr>
-              <a:t>Korman</a:t>
-            </a:r>
-            <a:r>
-              <a:rPr lang="en-US" sz="800" dirty="0">
-                <a:solidFill>
-                  <a:schemeClr val="bg1"/>
-                </a:solidFill>
-              </a:rPr>
-              <a:t>, M., &amp; </a:t>
-            </a:r>
-            <a:r>
-              <a:rPr lang="en-US" sz="800" dirty="0" err="1">
-                <a:solidFill>
-                  <a:schemeClr val="bg1"/>
-                </a:solidFill>
-              </a:rPr>
-              <a:t>Mitsou</a:t>
-            </a:r>
-            <a:r>
-              <a:rPr lang="en-US" sz="800" dirty="0">
-                <a:solidFill>
-                  <a:schemeClr val="bg1"/>
-                </a:solidFill>
-              </a:rPr>
-              <a:t>, V. (2016). </a:t>
-            </a:r>
-            <a:r>
-              <a:rPr lang="en-US" sz="800" dirty="0" err="1">
-                <a:solidFill>
-                  <a:schemeClr val="bg1"/>
-                </a:solidFill>
-              </a:rPr>
-              <a:t>Hanabi</a:t>
-            </a:r>
-            <a:r>
-              <a:rPr lang="en-US" sz="800" dirty="0">
-                <a:solidFill>
-                  <a:schemeClr val="bg1"/>
-                </a:solidFill>
-              </a:rPr>
-              <a:t> is NP-complete, even for cheaters who look at their cards.‏</a:t>
-            </a:r>
-            <a:endParaRPr lang="en-US" sz="800" b="1" dirty="0" smtClean="0">
-              <a:solidFill>
-                <a:schemeClr val="bg1"/>
-              </a:solidFill>
-            </a:endParaRPr>
-          </a:p>
         </p:txBody>
       </p:sp>
     </p:spTree>
     <p:extLst>
       <p:ext uri="{BB962C8B-B14F-4D97-AF65-F5344CB8AC3E}">
-        <p14:creationId xmlns:p14="http://schemas.microsoft.com/office/powerpoint/2010/main" xmlns="" val="3579436414"/>
+        <p14:creationId xmlns:p14="http://schemas.microsoft.com/office/powerpoint/2010/main" val="1239227416"/>
       </p:ext>
     </p:extLst>
   </p:cSld>
@@ -7934,7 +9458,523 @@
                 <a:latin typeface="Arial" pitchFamily="34" charset="0"/>
                 <a:cs typeface="Arial" pitchFamily="34" charset="0"/>
               </a:rPr>
-              <a:t>PREVIOUS WORKS</a:t>
+              <a:t>Previous Work</a:t>
+            </a:r>
+            <a:endParaRPr lang="he-IL" dirty="0">
+              <a:solidFill>
+                <a:schemeClr val="bg1">
+                  <a:lumMod val="85000"/>
+                </a:schemeClr>
+              </a:solidFill>
+              <a:latin typeface="Arial" pitchFamily="34" charset="0"/>
+              <a:cs typeface="Arial" pitchFamily="34" charset="0"/>
+            </a:endParaRPr>
+          </a:p>
+        </p:txBody>
+      </p:sp>
+      <p:pic>
+        <p:nvPicPr>
+          <p:cNvPr id="10" name="מציין מיקום תוכן 9" descr="fireworkbig-1.jpg"/>
+          <p:cNvPicPr>
+            <a:picLocks noGrp="1" noChangeAspect="1"/>
+          </p:cNvPicPr>
+          <p:nvPr>
+            <p:ph idx="1"/>
+          </p:nvPr>
+        </p:nvPicPr>
+        <p:blipFill>
+          <a:blip r:embed="rId2" cstate="print"/>
+          <a:stretch>
+            <a:fillRect/>
+          </a:stretch>
+        </p:blipFill>
+        <p:spPr>
+          <a:xfrm>
+            <a:off x="7358082" y="-17"/>
+            <a:ext cx="1785950" cy="1181176"/>
+          </a:xfrm>
+        </p:spPr>
+      </p:pic>
+      <p:pic>
+        <p:nvPicPr>
+          <p:cNvPr id="12" name="מציין מיקום תוכן 9" descr="fireworkbig-1.jpg"/>
+          <p:cNvPicPr>
+            <a:picLocks noChangeAspect="1"/>
+          </p:cNvPicPr>
+          <p:nvPr/>
+        </p:nvPicPr>
+        <p:blipFill>
+          <a:blip r:embed="rId2" cstate="print"/>
+          <a:stretch>
+            <a:fillRect/>
+          </a:stretch>
+        </p:blipFill>
+        <p:spPr>
+          <a:xfrm>
+            <a:off x="-32" y="-18"/>
+            <a:ext cx="1785950" cy="1181176"/>
+          </a:xfrm>
+          <a:prstGeom prst="rect">
+            <a:avLst/>
+          </a:prstGeom>
+        </p:spPr>
+      </p:pic>
+      <p:pic>
+        <p:nvPicPr>
+          <p:cNvPr id="14" name="תמונה 13" descr="images (4).jpg"/>
+          <p:cNvPicPr>
+            <a:picLocks noChangeAspect="1"/>
+          </p:cNvPicPr>
+          <p:nvPr/>
+        </p:nvPicPr>
+        <p:blipFill>
+          <a:blip r:embed="rId3"/>
+          <a:srcRect l="20199" r="17715"/>
+          <a:stretch>
+            <a:fillRect/>
+          </a:stretch>
+        </p:blipFill>
+        <p:spPr>
+          <a:xfrm>
+            <a:off x="8143900" y="1142990"/>
+            <a:ext cx="1000132" cy="890778"/>
+          </a:xfrm>
+          <a:prstGeom prst="rect">
+            <a:avLst/>
+          </a:prstGeom>
+        </p:spPr>
+      </p:pic>
+      <p:pic>
+        <p:nvPicPr>
+          <p:cNvPr id="15" name="תמונה 14" descr="images (4).jpg"/>
+          <p:cNvPicPr>
+            <a:picLocks noChangeAspect="1"/>
+          </p:cNvPicPr>
+          <p:nvPr/>
+        </p:nvPicPr>
+        <p:blipFill>
+          <a:blip r:embed="rId3"/>
+          <a:srcRect l="20199" r="17715"/>
+          <a:stretch>
+            <a:fillRect/>
+          </a:stretch>
+        </p:blipFill>
+        <p:spPr>
+          <a:xfrm>
+            <a:off x="-32" y="1071552"/>
+            <a:ext cx="1000132" cy="890778"/>
+          </a:xfrm>
+          <a:prstGeom prst="rect">
+            <a:avLst/>
+          </a:prstGeom>
+        </p:spPr>
+      </p:pic>
+      <p:sp>
+        <p:nvSpPr>
+          <p:cNvPr id="7" name="TextBox 6"/>
+          <p:cNvSpPr txBox="1"/>
+          <p:nvPr/>
+        </p:nvSpPr>
+        <p:spPr>
+          <a:xfrm>
+            <a:off x="1000100" y="1071553"/>
+            <a:ext cx="7215238" cy="3908762"/>
+          </a:xfrm>
+          <a:prstGeom prst="rect">
+            <a:avLst/>
+          </a:prstGeom>
+          <a:noFill/>
+        </p:spPr>
+        <p:txBody>
+          <a:bodyPr wrap="square" rtlCol="1">
+            <a:spAutoFit/>
+          </a:bodyPr>
+          <a:lstStyle/>
+          <a:p>
+            <a:pPr algn="l" rtl="0">
+              <a:buFont typeface="Arial" pitchFamily="34" charset="0"/>
+              <a:buChar char="•"/>
+            </a:pPr>
+            <a:r>
+              <a:rPr lang="en-US" sz="2000" dirty="0" smtClean="0">
+                <a:solidFill>
+                  <a:schemeClr val="bg1">
+                    <a:lumMod val="85000"/>
+                  </a:schemeClr>
+                </a:solidFill>
+              </a:rPr>
+              <a:t>There </a:t>
+            </a:r>
+            <a:r>
+              <a:rPr lang="en-US" sz="2000" dirty="0" smtClean="0">
+                <a:solidFill>
+                  <a:schemeClr val="bg1">
+                    <a:lumMod val="85000"/>
+                  </a:schemeClr>
+                </a:solidFill>
+              </a:rPr>
+              <a:t>are numerous </a:t>
+            </a:r>
+            <a:r>
+              <a:rPr lang="en-US" sz="2000" dirty="0" smtClean="0">
+                <a:solidFill>
+                  <a:schemeClr val="bg1">
+                    <a:lumMod val="85000"/>
+                  </a:schemeClr>
+                </a:solidFill>
+              </a:rPr>
+              <a:t>works in the Game Theory field based on </a:t>
+            </a:r>
+            <a:r>
+              <a:rPr lang="en-US" sz="2000" dirty="0" err="1" smtClean="0">
+                <a:solidFill>
+                  <a:schemeClr val="bg1">
+                    <a:lumMod val="85000"/>
+                  </a:schemeClr>
+                </a:solidFill>
+              </a:rPr>
+              <a:t>Hanabi</a:t>
+            </a:r>
+            <a:r>
+              <a:rPr lang="en-US" sz="2000" dirty="0" smtClean="0">
+                <a:solidFill>
+                  <a:schemeClr val="bg1">
+                    <a:lumMod val="85000"/>
+                  </a:schemeClr>
+                </a:solidFill>
+              </a:rPr>
+              <a:t>.</a:t>
+            </a:r>
+          </a:p>
+          <a:p>
+            <a:pPr algn="l" rtl="0">
+              <a:buFont typeface="Arial" pitchFamily="34" charset="0"/>
+              <a:buChar char="•"/>
+            </a:pPr>
+            <a:r>
+              <a:rPr lang="en-US" sz="2000" b="1" dirty="0" smtClean="0">
+                <a:solidFill>
+                  <a:schemeClr val="bg1">
+                    <a:lumMod val="85000"/>
+                  </a:schemeClr>
+                </a:solidFill>
+              </a:rPr>
+              <a:t>The </a:t>
+            </a:r>
+            <a:r>
+              <a:rPr lang="en-US" sz="2000" b="1" dirty="0" err="1">
+                <a:solidFill>
+                  <a:schemeClr val="bg1">
+                    <a:lumMod val="85000"/>
+                  </a:schemeClr>
+                </a:solidFill>
+              </a:rPr>
+              <a:t>H</a:t>
+            </a:r>
+            <a:r>
+              <a:rPr lang="en-US" sz="2000" b="1" dirty="0" err="1" smtClean="0">
+                <a:solidFill>
+                  <a:schemeClr val="bg1">
+                    <a:lumMod val="85000"/>
+                  </a:schemeClr>
+                </a:solidFill>
+              </a:rPr>
+              <a:t>anabi</a:t>
+            </a:r>
+            <a:r>
+              <a:rPr lang="en-US" sz="2000" b="1" dirty="0" smtClean="0">
+                <a:solidFill>
+                  <a:schemeClr val="bg1">
+                    <a:lumMod val="85000"/>
+                  </a:schemeClr>
+                </a:solidFill>
+              </a:rPr>
+              <a:t> </a:t>
+            </a:r>
+            <a:r>
+              <a:rPr lang="en-US" sz="2000" b="1" dirty="0" smtClean="0">
+                <a:solidFill>
+                  <a:schemeClr val="bg1">
+                    <a:lumMod val="85000"/>
+                  </a:schemeClr>
+                </a:solidFill>
+              </a:rPr>
+              <a:t>game was proven to be NP-complete (even for cheaters who look at their cards</a:t>
+            </a:r>
+            <a:r>
+              <a:rPr lang="en-US" sz="2000" b="1" dirty="0" smtClean="0">
+                <a:solidFill>
+                  <a:schemeClr val="bg1">
+                    <a:lumMod val="85000"/>
+                  </a:schemeClr>
+                </a:solidFill>
+              </a:rPr>
+              <a:t>)**.</a:t>
+            </a:r>
+          </a:p>
+          <a:p>
+            <a:pPr algn="l" rtl="0">
+              <a:buFont typeface="Arial" pitchFamily="34" charset="0"/>
+              <a:buChar char="•"/>
+            </a:pPr>
+            <a:endParaRPr lang="en-US" sz="2000" b="1" dirty="0" smtClean="0">
+              <a:solidFill>
+                <a:schemeClr val="bg1">
+                  <a:lumMod val="85000"/>
+                </a:schemeClr>
+              </a:solidFill>
+            </a:endParaRPr>
+          </a:p>
+          <a:p>
+            <a:pPr algn="l" rtl="0">
+              <a:buFont typeface="Arial" pitchFamily="34" charset="0"/>
+              <a:buChar char="•"/>
+            </a:pPr>
+            <a:endParaRPr lang="en-US" sz="2000" b="1" dirty="0" smtClean="0">
+              <a:solidFill>
+                <a:schemeClr val="bg1">
+                  <a:lumMod val="85000"/>
+                </a:schemeClr>
+              </a:solidFill>
+            </a:endParaRPr>
+          </a:p>
+          <a:p>
+            <a:pPr algn="l" rtl="0"/>
+            <a:endParaRPr lang="en-US" sz="2000" b="1" dirty="0" smtClean="0">
+              <a:solidFill>
+                <a:schemeClr val="bg1">
+                  <a:lumMod val="85000"/>
+                </a:schemeClr>
+              </a:solidFill>
+            </a:endParaRPr>
+          </a:p>
+          <a:p>
+            <a:pPr algn="l" rtl="0">
+              <a:buFont typeface="Arial" pitchFamily="34" charset="0"/>
+              <a:buChar char="•"/>
+            </a:pPr>
+            <a:endParaRPr lang="en-US" sz="2000" dirty="0" smtClean="0">
+              <a:solidFill>
+                <a:schemeClr val="bg1">
+                  <a:lumMod val="85000"/>
+                </a:schemeClr>
+              </a:solidFill>
+            </a:endParaRPr>
+          </a:p>
+          <a:p>
+            <a:pPr lvl="1" algn="l" rtl="0">
+              <a:buFont typeface="Arial" pitchFamily="34" charset="0"/>
+              <a:buChar char="•"/>
+            </a:pPr>
+            <a:endParaRPr lang="en-US" sz="2000" dirty="0" smtClean="0">
+              <a:solidFill>
+                <a:schemeClr val="bg1">
+                  <a:lumMod val="85000"/>
+                </a:schemeClr>
+              </a:solidFill>
+            </a:endParaRPr>
+          </a:p>
+          <a:p>
+            <a:pPr lvl="1" algn="l" rtl="0"/>
+            <a:endParaRPr lang="en-US" sz="2000" dirty="0" smtClean="0">
+              <a:solidFill>
+                <a:schemeClr val="bg1">
+                  <a:lumMod val="85000"/>
+                </a:schemeClr>
+              </a:solidFill>
+            </a:endParaRPr>
+          </a:p>
+          <a:p>
+            <a:pPr lvl="1" algn="l" rtl="0"/>
+            <a:endParaRPr lang="en-US" sz="2000" dirty="0" smtClean="0">
+              <a:solidFill>
+                <a:schemeClr val="bg1">
+                  <a:lumMod val="85000"/>
+                </a:schemeClr>
+              </a:solidFill>
+            </a:endParaRPr>
+          </a:p>
+          <a:p>
+            <a:pPr lvl="1" algn="l" rtl="0"/>
+            <a:endParaRPr lang="en-US" sz="2000" dirty="0" smtClean="0">
+              <a:solidFill>
+                <a:schemeClr val="bg1">
+                  <a:lumMod val="85000"/>
+                </a:schemeClr>
+              </a:solidFill>
+            </a:endParaRPr>
+          </a:p>
+          <a:p>
+            <a:pPr algn="l" rtl="0"/>
+            <a:r>
+              <a:rPr lang="en-US" sz="800" dirty="0" smtClean="0">
+                <a:solidFill>
+                  <a:schemeClr val="bg1"/>
+                </a:solidFill>
+              </a:rPr>
+              <a:t>**</a:t>
+            </a:r>
+            <a:r>
+              <a:rPr lang="en-US" sz="800" dirty="0" err="1" smtClean="0">
+                <a:solidFill>
+                  <a:schemeClr val="bg1"/>
+                </a:solidFill>
+              </a:rPr>
+              <a:t>Baffier</a:t>
+            </a:r>
+            <a:r>
+              <a:rPr lang="en-US" sz="800" dirty="0">
+                <a:solidFill>
+                  <a:schemeClr val="bg1"/>
+                </a:solidFill>
+              </a:rPr>
+              <a:t>, J. F., Chiu, M. K., </a:t>
+            </a:r>
+            <a:r>
+              <a:rPr lang="en-US" sz="800" dirty="0" err="1">
+                <a:solidFill>
+                  <a:schemeClr val="bg1"/>
+                </a:solidFill>
+              </a:rPr>
+              <a:t>Diez</a:t>
+            </a:r>
+            <a:r>
+              <a:rPr lang="en-US" sz="800" dirty="0">
+                <a:solidFill>
+                  <a:schemeClr val="bg1"/>
+                </a:solidFill>
+              </a:rPr>
+              <a:t>, Y., </a:t>
+            </a:r>
+            <a:r>
+              <a:rPr lang="en-US" sz="800" dirty="0" err="1">
+                <a:solidFill>
+                  <a:schemeClr val="bg1"/>
+                </a:solidFill>
+              </a:rPr>
+              <a:t>Korman</a:t>
+            </a:r>
+            <a:r>
+              <a:rPr lang="en-US" sz="800" dirty="0">
+                <a:solidFill>
+                  <a:schemeClr val="bg1"/>
+                </a:solidFill>
+              </a:rPr>
+              <a:t>, M., &amp; </a:t>
+            </a:r>
+            <a:r>
+              <a:rPr lang="en-US" sz="800" dirty="0" err="1">
+                <a:solidFill>
+                  <a:schemeClr val="bg1"/>
+                </a:solidFill>
+              </a:rPr>
+              <a:t>Mitsou</a:t>
+            </a:r>
+            <a:r>
+              <a:rPr lang="en-US" sz="800" dirty="0">
+                <a:solidFill>
+                  <a:schemeClr val="bg1"/>
+                </a:solidFill>
+              </a:rPr>
+              <a:t>, V. (2016). </a:t>
+            </a:r>
+            <a:r>
+              <a:rPr lang="en-US" sz="800" dirty="0" err="1">
+                <a:solidFill>
+                  <a:schemeClr val="bg1"/>
+                </a:solidFill>
+              </a:rPr>
+              <a:t>Hanabi</a:t>
+            </a:r>
+            <a:r>
+              <a:rPr lang="en-US" sz="800" dirty="0">
+                <a:solidFill>
+                  <a:schemeClr val="bg1"/>
+                </a:solidFill>
+              </a:rPr>
+              <a:t> is NP-complete, even for cheaters who look at their cards.‏</a:t>
+            </a:r>
+            <a:endParaRPr lang="en-US" sz="800" b="1" dirty="0" smtClean="0">
+              <a:solidFill>
+                <a:schemeClr val="bg1"/>
+              </a:solidFill>
+            </a:endParaRPr>
+          </a:p>
+        </p:txBody>
+      </p:sp>
+    </p:spTree>
+    <p:extLst>
+      <p:ext uri="{BB962C8B-B14F-4D97-AF65-F5344CB8AC3E}">
+        <p14:creationId xmlns:p14="http://schemas.microsoft.com/office/powerpoint/2010/main" val="3579436414"/>
+      </p:ext>
+    </p:extLst>
+  </p:cSld>
+  <p:clrMapOvr>
+    <a:masterClrMapping/>
+  </p:clrMapOvr>
+  <p:timing>
+    <p:tnLst>
+      <p:par>
+        <p:cTn id="1" dur="indefinite" restart="never" nodeType="tmRoot"/>
+      </p:par>
+    </p:tnLst>
+  </p:timing>
+</p:sld>
+</file>
+
+<file path=ppt/slides/slide6.xml><?xml version="1.0" encoding="utf-8"?>
+<p:sld xmlns:a="http://schemas.openxmlformats.org/drawingml/2006/main" xmlns:r="http://schemas.openxmlformats.org/officeDocument/2006/relationships" xmlns:p="http://schemas.openxmlformats.org/presentationml/2006/main">
+  <p:cSld>
+    <p:bg>
+      <p:bgPr>
+        <a:solidFill>
+          <a:schemeClr val="tx1"/>
+        </a:solidFill>
+        <a:effectLst/>
+      </p:bgPr>
+    </p:bg>
+    <p:spTree>
+      <p:nvGrpSpPr>
+        <p:cNvPr id="1" name=""/>
+        <p:cNvGrpSpPr/>
+        <p:nvPr/>
+      </p:nvGrpSpPr>
+      <p:grpSpPr>
+        <a:xfrm>
+          <a:off x="0" y="0"/>
+          <a:ext cx="0" cy="0"/>
+          <a:chOff x="0" y="0"/>
+          <a:chExt cx="0" cy="0"/>
+        </a:xfrm>
+      </p:grpSpPr>
+      <p:sp>
+        <p:nvSpPr>
+          <p:cNvPr id="2" name="כותרת 1"/>
+          <p:cNvSpPr>
+            <a:spLocks noGrp="1"/>
+          </p:cNvSpPr>
+          <p:nvPr>
+            <p:ph type="title"/>
+          </p:nvPr>
+        </p:nvSpPr>
+        <p:spPr/>
+        <p:txBody>
+          <a:bodyPr>
+            <a:noAutofit/>
+          </a:bodyPr>
+          <a:lstStyle/>
+          <a:p>
+            <a:r>
+              <a:rPr lang="en-US" dirty="0">
+                <a:solidFill>
+                  <a:schemeClr val="bg1">
+                    <a:lumMod val="85000"/>
+                  </a:schemeClr>
+                </a:solidFill>
+                <a:latin typeface="Arial" pitchFamily="34" charset="0"/>
+                <a:cs typeface="Arial" pitchFamily="34" charset="0"/>
+              </a:rPr>
+              <a:t>Previous Work</a:t>
             </a:r>
             <a:endParaRPr lang="he-IL" dirty="0">
               <a:solidFill>
@@ -8089,28 +10129,22 @@
                   </a:schemeClr>
                 </a:solidFill>
               </a:rPr>
-              <a:t>Evolving Agents for the Hanabi 2018 CIG Competition**</a:t>
-            </a:r>
-          </a:p>
-          <a:p>
-            <a:pPr lvl="1" algn="l" rtl="0">
-              <a:buFont typeface="Arial" pitchFamily="34" charset="0"/>
-              <a:buChar char="•"/>
-            </a:pPr>
-            <a:r>
-              <a:rPr lang="en-US" dirty="0" smtClean="0">
+              <a:t>Evolving Agents for the Hanabi 2018 CIG Competition</a:t>
+            </a:r>
+            <a:r>
+              <a:rPr lang="en-US" b="1" dirty="0" smtClean="0">
                 <a:solidFill>
                   <a:schemeClr val="bg1">
                     <a:lumMod val="85000"/>
                   </a:schemeClr>
                 </a:solidFill>
               </a:rPr>
-              <a:t>In this paper:</a:t>
-            </a:r>
-          </a:p>
-          <a:p>
-            <a:pPr lvl="1" algn="l" rtl="0">
-              <a:buFont typeface="Arial" pitchFamily="34" charset="0"/>
+              <a:t>**</a:t>
+            </a:r>
+          </a:p>
+          <a:p>
+            <a:pPr marL="285750" indent="-285750" algn="l" rtl="0">
+              <a:buFont typeface="Arial" panose="020B0604020202020204" pitchFamily="34" charset="0"/>
               <a:buChar char="•"/>
             </a:pPr>
             <a:r>
@@ -8121,14 +10155,8 @@
                   </a:schemeClr>
                 </a:solidFill>
               </a:rPr>
-              <a:t> The author developed a genetic algorithm that builds rule- based agents by determining the best sequence of rules from a fixed rule set to use as strategy.</a:t>
-            </a:r>
-          </a:p>
-          <a:p>
-            <a:pPr lvl="1" algn="l" rtl="0">
-              <a:buFont typeface="Arial" pitchFamily="34" charset="0"/>
-              <a:buChar char="•"/>
-            </a:pPr>
+              <a:t>In </a:t>
+            </a:r>
             <a:r>
               <a:rPr lang="en-US" dirty="0" smtClean="0">
                 <a:solidFill>
@@ -8137,13 +10165,45 @@
                   </a:schemeClr>
                 </a:solidFill>
               </a:rPr>
+              <a:t>this paper:</a:t>
+            </a:r>
+          </a:p>
+          <a:p>
+            <a:pPr marL="742950" lvl="1" indent="-285750" algn="l" rtl="0">
+              <a:buFont typeface="Wingdings" panose="05000000000000000000" pitchFamily="2" charset="2"/>
+              <a:buChar char="§"/>
+            </a:pPr>
+            <a:r>
+              <a:rPr lang="en-US" dirty="0" smtClean="0">
+                <a:solidFill>
+                  <a:schemeClr val="bg1">
+                    <a:lumMod val="85000"/>
+                  </a:schemeClr>
+                </a:solidFill>
+              </a:rPr>
+              <a:t> The author developed a genetic algorithm that builds rule- based agents by determining the best sequence of rules from a fixed rule set to use as strategy.</a:t>
+            </a:r>
+          </a:p>
+          <a:p>
+            <a:pPr marL="742950" lvl="1" indent="-285750" algn="l" rtl="0">
+              <a:buFont typeface="Wingdings" panose="05000000000000000000" pitchFamily="2" charset="2"/>
+              <a:buChar char="§"/>
+            </a:pPr>
+            <a:r>
+              <a:rPr lang="en-US" dirty="0" smtClean="0">
+                <a:solidFill>
+                  <a:schemeClr val="bg1">
+                    <a:lumMod val="85000"/>
+                  </a:schemeClr>
+                </a:solidFill>
+              </a:rPr>
               <a:t> The author defined 72 rules, every chromosome is permutation of this rules.</a:t>
             </a:r>
           </a:p>
           <a:p>
-            <a:pPr lvl="1" algn="l" rtl="0">
-              <a:buFont typeface="Arial" pitchFamily="34" charset="0"/>
-              <a:buChar char="•"/>
+            <a:pPr marL="742950" lvl="1" indent="-285750" algn="l" rtl="0">
+              <a:buFont typeface="Wingdings" panose="05000000000000000000" pitchFamily="2" charset="2"/>
+              <a:buChar char="§"/>
             </a:pPr>
             <a:r>
               <a:rPr lang="en-US" dirty="0" smtClean="0">
@@ -8449,7 +10509,7 @@
 </p:sld>
 </file>
 
-<file path=ppt/slides/slide6.xml><?xml version="1.0" encoding="utf-8"?>
+<file path=ppt/slides/slide7.xml><?xml version="1.0" encoding="utf-8"?>
 <p:sld xmlns:a="http://schemas.openxmlformats.org/drawingml/2006/main" xmlns:r="http://schemas.openxmlformats.org/officeDocument/2006/relationships" xmlns:p="http://schemas.openxmlformats.org/presentationml/2006/main">
   <p:cSld>
     <p:bg>
@@ -8492,7 +10552,7 @@
           <a:lstStyle/>
           <a:p>
             <a:r>
-              <a:rPr lang="en-US" dirty="0" smtClean="0">
+              <a:rPr lang="en-US" dirty="0">
                 <a:solidFill>
                   <a:schemeClr val="bg1">
                     <a:lumMod val="85000"/>
@@ -8501,7 +10561,7 @@
                 <a:latin typeface="Arial" pitchFamily="34" charset="0"/>
                 <a:cs typeface="Arial" pitchFamily="34" charset="0"/>
               </a:rPr>
-              <a:t>PREVIOUS WORKS</a:t>
+              <a:t>Previous Work</a:t>
             </a:r>
             <a:endParaRPr lang="he-IL" dirty="0">
               <a:solidFill>
@@ -8872,7 +10932,7 @@
 </p:sld>
 </file>
 
-<file path=ppt/slides/slide7.xml><?xml version="1.0" encoding="utf-8"?>
+<file path=ppt/slides/slide8.xml><?xml version="1.0" encoding="utf-8"?>
 <p:sld xmlns:a="http://schemas.openxmlformats.org/drawingml/2006/main" xmlns:r="http://schemas.openxmlformats.org/officeDocument/2006/relationships" xmlns:p="http://schemas.openxmlformats.org/presentationml/2006/main">
   <p:cSld>
     <p:bg>
@@ -9044,7 +11104,7 @@
         <p:spPr>
           <a:xfrm>
             <a:off x="1000100" y="1071553"/>
-            <a:ext cx="7215238" cy="4832092"/>
+            <a:ext cx="7215238" cy="4555093"/>
           </a:xfrm>
           <a:prstGeom prst="rect">
             <a:avLst/>
@@ -9101,19 +11161,13 @@
               </a:rPr>
               <a:t>**</a:t>
             </a:r>
-          </a:p>
-          <a:p>
-            <a:pPr algn="l" rtl="0"/>
-            <a:r>
-              <a:rPr lang="en-US" dirty="0" smtClean="0">
-                <a:solidFill>
-                  <a:schemeClr val="bg1">
-                    <a:lumMod val="85000"/>
-                  </a:schemeClr>
-                </a:solidFill>
-              </a:rPr>
-              <a:t> </a:t>
-            </a:r>
+            <a:endParaRPr lang="en-US" dirty="0" smtClean="0">
+              <a:solidFill>
+                <a:schemeClr val="bg1">
+                  <a:lumMod val="85000"/>
+                </a:schemeClr>
+              </a:solidFill>
+            </a:endParaRPr>
           </a:p>
           <a:p>
             <a:pPr algn="l" rtl="0">
@@ -9396,7 +11450,7 @@
     </p:spTree>
     <p:extLst>
       <p:ext uri="{BB962C8B-B14F-4D97-AF65-F5344CB8AC3E}">
-        <p14:creationId xmlns:p14="http://schemas.microsoft.com/office/powerpoint/2010/main" xmlns="" val="990349614"/>
+        <p14:creationId xmlns:p14="http://schemas.microsoft.com/office/powerpoint/2010/main" val="990349614"/>
       </p:ext>
     </p:extLst>
   </p:cSld>
@@ -9413,7 +11467,7 @@
 </p:sld>
 </file>
 
-<file path=ppt/slides/slide8.xml><?xml version="1.0" encoding="utf-8"?>
+<file path=ppt/slides/slide9.xml><?xml version="1.0" encoding="utf-8"?>
 <p:sld xmlns:a="http://schemas.openxmlformats.org/drawingml/2006/main" xmlns:r="http://schemas.openxmlformats.org/officeDocument/2006/relationships" xmlns:p="http://schemas.openxmlformats.org/presentationml/2006/main">
   <p:cSld>
     <p:bg>
@@ -9611,17 +11665,7 @@
                   </a:schemeClr>
                 </a:solidFill>
               </a:rPr>
-              <a:t> Develop </a:t>
-            </a:r>
-            <a:r>
-              <a:rPr lang="en-US" sz="2000" dirty="0" smtClean="0">
-                <a:solidFill>
-                  <a:schemeClr val="bg1">
-                    <a:lumMod val="85000"/>
-                  </a:schemeClr>
-                </a:solidFill>
-              </a:rPr>
-              <a:t>an agent using genetic programming algorithm that can play the Hanabi game. </a:t>
+              <a:t> Develop an agent using genetic programming algorithm that can play the Hanabi game. </a:t>
             </a:r>
           </a:p>
           <a:p>
@@ -9637,494 +11681,75 @@
                   </a:schemeClr>
                 </a:solidFill>
               </a:rPr>
-              <a:t> The model gets the game state: desk cards,  discarded cards, players hands, info tokens, etc… the output is the next action the player should take.</a:t>
-            </a:r>
+              <a:t> The model gets the game state: desk cards,  discarded cards, players hands, info tokens, etc… </a:t>
+            </a:r>
+            <a:endParaRPr lang="en-US" sz="2000" dirty="0" smtClean="0">
+              <a:solidFill>
+                <a:schemeClr val="bg1">
+                  <a:lumMod val="85000"/>
+                </a:schemeClr>
+              </a:solidFill>
+            </a:endParaRPr>
+          </a:p>
+          <a:p>
+            <a:pPr algn="l" rtl="0">
+              <a:buFont typeface="Arial" pitchFamily="34" charset="0"/>
+              <a:buChar char="•"/>
+            </a:pPr>
+            <a:r>
+              <a:rPr lang="en-US" sz="2000" dirty="0">
+                <a:solidFill>
+                  <a:schemeClr val="bg1">
+                    <a:lumMod val="85000"/>
+                  </a:schemeClr>
+                </a:solidFill>
+              </a:rPr>
+              <a:t>T</a:t>
+            </a:r>
+            <a:r>
+              <a:rPr lang="en-US" sz="2000" dirty="0" smtClean="0">
+                <a:solidFill>
+                  <a:schemeClr val="bg1">
+                    <a:lumMod val="85000"/>
+                  </a:schemeClr>
+                </a:solidFill>
+              </a:rPr>
+              <a:t>he </a:t>
+            </a:r>
+            <a:r>
+              <a:rPr lang="en-US" sz="2000" dirty="0" smtClean="0">
+                <a:solidFill>
+                  <a:schemeClr val="bg1">
+                    <a:lumMod val="85000"/>
+                  </a:schemeClr>
+                </a:solidFill>
+              </a:rPr>
+              <a:t>output is the next action the player should </a:t>
+            </a:r>
+            <a:r>
+              <a:rPr lang="en-US" sz="2000" dirty="0" smtClean="0">
+                <a:solidFill>
+                  <a:schemeClr val="bg1">
+                    <a:lumMod val="85000"/>
+                  </a:schemeClr>
+                </a:solidFill>
+              </a:rPr>
+              <a:t>preform.</a:t>
+            </a:r>
+            <a:endParaRPr lang="en-US" sz="2000" dirty="0" smtClean="0">
+              <a:solidFill>
+                <a:schemeClr val="bg1">
+                  <a:lumMod val="85000"/>
+                </a:schemeClr>
+              </a:solidFill>
+            </a:endParaRPr>
           </a:p>
         </p:txBody>
       </p:sp>
     </p:spTree>
     <p:extLst>
       <p:ext uri="{BB962C8B-B14F-4D97-AF65-F5344CB8AC3E}">
-        <p14:creationId xmlns:p14="http://schemas.microsoft.com/office/powerpoint/2010/main" xmlns="" val="990349614"/>
-      </p:ext>
-    </p:extLst>
-  </p:cSld>
-  <p:clrMapOvr>
-    <a:masterClrMapping/>
-  </p:clrMapOvr>
-  <p:timing>
-    <p:tnLst>
-      <p:par>
-        <p:cTn id="1" dur="indefinite" restart="never" nodeType="tmRoot"/>
-      </p:par>
-    </p:tnLst>
-  </p:timing>
-</p:sld>
-</file>
-
-<file path=ppt/slides/slide9.xml><?xml version="1.0" encoding="utf-8"?>
-<p:sld xmlns:a="http://schemas.openxmlformats.org/drawingml/2006/main" xmlns:r="http://schemas.openxmlformats.org/officeDocument/2006/relationships" xmlns:p="http://schemas.openxmlformats.org/presentationml/2006/main">
-  <p:cSld>
-    <p:bg>
-      <p:bgPr>
-        <a:solidFill>
-          <a:schemeClr val="tx1"/>
-        </a:solidFill>
-        <a:effectLst/>
-      </p:bgPr>
-    </p:bg>
-    <p:spTree>
-      <p:nvGrpSpPr>
-        <p:cNvPr id="1" name=""/>
-        <p:cNvGrpSpPr/>
-        <p:nvPr/>
-      </p:nvGrpSpPr>
-      <p:grpSpPr>
-        <a:xfrm>
-          <a:off x="0" y="0"/>
-          <a:ext cx="0" cy="0"/>
-          <a:chOff x="0" y="0"/>
-          <a:chExt cx="0" cy="0"/>
-        </a:xfrm>
-      </p:grpSpPr>
-      <p:sp>
-        <p:nvSpPr>
-          <p:cNvPr id="2" name="כותרת 1"/>
-          <p:cNvSpPr>
-            <a:spLocks noGrp="1"/>
-          </p:cNvSpPr>
-          <p:nvPr>
-            <p:ph type="title"/>
-          </p:nvPr>
-        </p:nvSpPr>
-        <p:spPr/>
-        <p:txBody>
-          <a:bodyPr>
-            <a:noAutofit/>
-          </a:bodyPr>
-          <a:lstStyle/>
-          <a:p>
-            <a:r>
-              <a:rPr lang="en-US" dirty="0" smtClean="0">
-                <a:solidFill>
-                  <a:schemeClr val="bg1">
-                    <a:lumMod val="85000"/>
-                  </a:schemeClr>
-                </a:solidFill>
-                <a:latin typeface="Arial" pitchFamily="34" charset="0"/>
-                <a:cs typeface="Arial" pitchFamily="34" charset="0"/>
-              </a:rPr>
-              <a:t>SIMULATION</a:t>
-            </a:r>
-            <a:endParaRPr lang="he-IL" dirty="0">
-              <a:solidFill>
-                <a:schemeClr val="bg1">
-                  <a:lumMod val="85000"/>
-                </a:schemeClr>
-              </a:solidFill>
-              <a:latin typeface="Arial" pitchFamily="34" charset="0"/>
-              <a:cs typeface="Arial" pitchFamily="34" charset="0"/>
-            </a:endParaRPr>
-          </a:p>
-        </p:txBody>
-      </p:sp>
-      <p:pic>
-        <p:nvPicPr>
-          <p:cNvPr id="10" name="מציין מיקום תוכן 9" descr="fireworkbig-1.jpg"/>
-          <p:cNvPicPr>
-            <a:picLocks noGrp="1" noChangeAspect="1"/>
-          </p:cNvPicPr>
-          <p:nvPr>
-            <p:ph idx="1"/>
-          </p:nvPr>
-        </p:nvPicPr>
-        <p:blipFill>
-          <a:blip r:embed="rId2" cstate="print"/>
-          <a:stretch>
-            <a:fillRect/>
-          </a:stretch>
-        </p:blipFill>
-        <p:spPr>
-          <a:xfrm>
-            <a:off x="7358082" y="-17"/>
-            <a:ext cx="1785950" cy="1181176"/>
-          </a:xfrm>
-        </p:spPr>
-      </p:pic>
-      <p:pic>
-        <p:nvPicPr>
-          <p:cNvPr id="12" name="מציין מיקום תוכן 9" descr="fireworkbig-1.jpg"/>
-          <p:cNvPicPr>
-            <a:picLocks noChangeAspect="1"/>
-          </p:cNvPicPr>
-          <p:nvPr/>
-        </p:nvPicPr>
-        <p:blipFill>
-          <a:blip r:embed="rId2" cstate="print"/>
-          <a:stretch>
-            <a:fillRect/>
-          </a:stretch>
-        </p:blipFill>
-        <p:spPr>
-          <a:xfrm>
-            <a:off x="-32" y="-18"/>
-            <a:ext cx="1785950" cy="1181176"/>
-          </a:xfrm>
-          <a:prstGeom prst="rect">
-            <a:avLst/>
-          </a:prstGeom>
-        </p:spPr>
-      </p:pic>
-      <p:pic>
-        <p:nvPicPr>
-          <p:cNvPr id="14" name="תמונה 13" descr="images (4).jpg"/>
-          <p:cNvPicPr>
-            <a:picLocks noChangeAspect="1"/>
-          </p:cNvPicPr>
-          <p:nvPr/>
-        </p:nvPicPr>
-        <p:blipFill>
-          <a:blip r:embed="rId3"/>
-          <a:srcRect l="20199" r="17715"/>
-          <a:stretch>
-            <a:fillRect/>
-          </a:stretch>
-        </p:blipFill>
-        <p:spPr>
-          <a:xfrm>
-            <a:off x="8143900" y="1142990"/>
-            <a:ext cx="1000132" cy="890778"/>
-          </a:xfrm>
-          <a:prstGeom prst="rect">
-            <a:avLst/>
-          </a:prstGeom>
-        </p:spPr>
-      </p:pic>
-      <p:pic>
-        <p:nvPicPr>
-          <p:cNvPr id="15" name="תמונה 14" descr="images (4).jpg"/>
-          <p:cNvPicPr>
-            <a:picLocks noChangeAspect="1"/>
-          </p:cNvPicPr>
-          <p:nvPr/>
-        </p:nvPicPr>
-        <p:blipFill>
-          <a:blip r:embed="rId3"/>
-          <a:srcRect l="20199" r="17715"/>
-          <a:stretch>
-            <a:fillRect/>
-          </a:stretch>
-        </p:blipFill>
-        <p:spPr>
-          <a:xfrm>
-            <a:off x="-32" y="1071552"/>
-            <a:ext cx="1000132" cy="890778"/>
-          </a:xfrm>
-          <a:prstGeom prst="rect">
-            <a:avLst/>
-          </a:prstGeom>
-        </p:spPr>
-      </p:pic>
-      <p:sp>
-        <p:nvSpPr>
-          <p:cNvPr id="7" name="TextBox 6"/>
-          <p:cNvSpPr txBox="1"/>
-          <p:nvPr/>
-        </p:nvSpPr>
-        <p:spPr>
-          <a:xfrm>
-            <a:off x="1000100" y="1071553"/>
-            <a:ext cx="7215238" cy="2954655"/>
-          </a:xfrm>
-          <a:prstGeom prst="rect">
-            <a:avLst/>
-          </a:prstGeom>
-          <a:noFill/>
-        </p:spPr>
-        <p:txBody>
-          <a:bodyPr wrap="square" rtlCol="1">
-            <a:spAutoFit/>
-          </a:bodyPr>
-          <a:lstStyle/>
-          <a:p>
-            <a:pPr algn="l" rtl="0">
-              <a:buFont typeface="Arial" pitchFamily="34" charset="0"/>
-              <a:buChar char="•"/>
-            </a:pPr>
-            <a:r>
-              <a:rPr lang="en-US" sz="2000" dirty="0" smtClean="0">
-                <a:solidFill>
-                  <a:schemeClr val="bg1"/>
-                </a:solidFill>
-              </a:rPr>
-              <a:t> We use the python library </a:t>
-            </a:r>
-            <a:r>
-              <a:rPr lang="en-US" sz="2000" dirty="0" err="1" smtClean="0">
-                <a:solidFill>
-                  <a:schemeClr val="bg1"/>
-                </a:solidFill>
-              </a:rPr>
-              <a:t>deap</a:t>
-            </a:r>
-            <a:endParaRPr lang="en-US" sz="2000" dirty="0" smtClean="0">
-              <a:solidFill>
-                <a:schemeClr val="bg1"/>
-              </a:solidFill>
-            </a:endParaRPr>
-          </a:p>
-          <a:p>
-            <a:pPr algn="l" rtl="0">
-              <a:buFont typeface="Arial" pitchFamily="34" charset="0"/>
-              <a:buChar char="•"/>
-            </a:pPr>
-            <a:r>
-              <a:rPr lang="en-US" sz="2000" dirty="0" smtClean="0">
-                <a:solidFill>
-                  <a:schemeClr val="bg1"/>
-                </a:solidFill>
-              </a:rPr>
-              <a:t> Our Parameters for the simulation:</a:t>
-            </a:r>
-            <a:endParaRPr lang="en-US" sz="2000" dirty="0" smtClean="0">
-              <a:solidFill>
-                <a:schemeClr val="bg1"/>
-              </a:solidFill>
-            </a:endParaRPr>
-          </a:p>
-          <a:p>
-            <a:pPr lvl="1" algn="l" rtl="0">
-              <a:buFont typeface="Arial" pitchFamily="34" charset="0"/>
-              <a:buChar char="•"/>
-            </a:pPr>
-            <a:r>
-              <a:rPr lang="en-US" dirty="0" smtClean="0">
-                <a:solidFill>
-                  <a:schemeClr val="bg1">
-                    <a:lumMod val="85000"/>
-                  </a:schemeClr>
-                </a:solidFill>
-              </a:rPr>
-              <a:t> </a:t>
-            </a:r>
-            <a:r>
-              <a:rPr lang="en-US" dirty="0" smtClean="0">
-                <a:solidFill>
-                  <a:schemeClr val="bg1">
-                    <a:lumMod val="85000"/>
-                  </a:schemeClr>
-                </a:solidFill>
-              </a:rPr>
-              <a:t>Population Size: 30</a:t>
-            </a:r>
-          </a:p>
-          <a:p>
-            <a:pPr lvl="1" algn="l" rtl="0">
-              <a:buFont typeface="Arial" pitchFamily="34" charset="0"/>
-              <a:buChar char="•"/>
-            </a:pPr>
-            <a:r>
-              <a:rPr lang="en-US" dirty="0" smtClean="0">
-                <a:solidFill>
-                  <a:schemeClr val="bg1">
-                    <a:lumMod val="85000"/>
-                  </a:schemeClr>
-                </a:solidFill>
-              </a:rPr>
-              <a:t> </a:t>
-            </a:r>
-            <a:r>
-              <a:rPr lang="en-US" dirty="0" smtClean="0">
-                <a:solidFill>
-                  <a:schemeClr val="bg1">
-                    <a:lumMod val="85000"/>
-                  </a:schemeClr>
-                </a:solidFill>
-              </a:rPr>
-              <a:t>The initial individuals are full trees of depth 4-10 </a:t>
-            </a:r>
-          </a:p>
-          <a:p>
-            <a:pPr lvl="1" algn="l" rtl="0">
-              <a:buFont typeface="Arial" pitchFamily="34" charset="0"/>
-              <a:buChar char="•"/>
-            </a:pPr>
-            <a:r>
-              <a:rPr lang="en-US" dirty="0" smtClean="0">
-                <a:solidFill>
-                  <a:schemeClr val="bg1">
-                    <a:lumMod val="85000"/>
-                  </a:schemeClr>
-                </a:solidFill>
-              </a:rPr>
-              <a:t> </a:t>
-            </a:r>
-            <a:r>
-              <a:rPr lang="en-US" dirty="0" smtClean="0">
-                <a:solidFill>
-                  <a:schemeClr val="bg1">
-                    <a:lumMod val="85000"/>
-                  </a:schemeClr>
-                </a:solidFill>
-              </a:rPr>
-              <a:t>Crossover: one point crossover, probability: 0.9</a:t>
-            </a:r>
-          </a:p>
-          <a:p>
-            <a:pPr lvl="1" algn="l" rtl="0">
-              <a:buFont typeface="Arial" pitchFamily="34" charset="0"/>
-              <a:buChar char="•"/>
-            </a:pPr>
-            <a:r>
-              <a:rPr lang="en-US" dirty="0" smtClean="0">
-                <a:solidFill>
-                  <a:schemeClr val="bg1">
-                    <a:lumMod val="85000"/>
-                  </a:schemeClr>
-                </a:solidFill>
-              </a:rPr>
-              <a:t> Mutation</a:t>
-            </a:r>
-            <a:r>
-              <a:rPr lang="en-US" dirty="0" smtClean="0">
-                <a:solidFill>
-                  <a:schemeClr val="bg1">
-                    <a:lumMod val="85000"/>
-                  </a:schemeClr>
-                </a:solidFill>
-              </a:rPr>
-              <a:t>: </a:t>
-            </a:r>
-            <a:r>
-              <a:rPr lang="en-US" dirty="0" smtClean="0">
-                <a:solidFill>
-                  <a:schemeClr val="bg1">
-                    <a:lumMod val="85000"/>
-                  </a:schemeClr>
-                </a:solidFill>
-              </a:rPr>
-              <a:t>uniform mutation - randomly </a:t>
-            </a:r>
-            <a:r>
-              <a:rPr lang="en-US" dirty="0" smtClean="0">
-                <a:solidFill>
-                  <a:schemeClr val="bg1">
-                    <a:lumMod val="85000"/>
-                  </a:schemeClr>
-                </a:solidFill>
-              </a:rPr>
-              <a:t>select a point in the tree individual, then replace the </a:t>
-            </a:r>
-            <a:r>
-              <a:rPr lang="en-US" dirty="0" err="1" smtClean="0">
-                <a:solidFill>
-                  <a:schemeClr val="bg1">
-                    <a:lumMod val="85000"/>
-                  </a:schemeClr>
-                </a:solidFill>
-              </a:rPr>
-              <a:t>subtree</a:t>
-            </a:r>
-            <a:r>
-              <a:rPr lang="en-US" dirty="0" smtClean="0">
-                <a:solidFill>
-                  <a:schemeClr val="bg1">
-                    <a:lumMod val="85000"/>
-                  </a:schemeClr>
-                </a:solidFill>
-              </a:rPr>
-              <a:t> at that point, </a:t>
-            </a:r>
-            <a:r>
-              <a:rPr lang="en-US" dirty="0" smtClean="0">
-                <a:solidFill>
-                  <a:schemeClr val="bg1">
-                    <a:lumMod val="85000"/>
-                  </a:schemeClr>
-                </a:solidFill>
-              </a:rPr>
-              <a:t>probability: 0.1 </a:t>
-            </a:r>
-          </a:p>
-          <a:p>
-            <a:pPr lvl="1" algn="l" rtl="0">
-              <a:buFont typeface="Arial" pitchFamily="34" charset="0"/>
-              <a:buChar char="•"/>
-            </a:pPr>
-            <a:r>
-              <a:rPr lang="en-US" dirty="0" smtClean="0">
-                <a:solidFill>
-                  <a:schemeClr val="bg1">
-                    <a:lumMod val="85000"/>
-                  </a:schemeClr>
-                </a:solidFill>
-              </a:rPr>
-              <a:t> </a:t>
-            </a:r>
-            <a:r>
-              <a:rPr lang="en-US" dirty="0" smtClean="0">
-                <a:solidFill>
-                  <a:schemeClr val="bg1">
-                    <a:lumMod val="85000"/>
-                  </a:schemeClr>
-                </a:solidFill>
-              </a:rPr>
-              <a:t>Generations: 100</a:t>
-            </a:r>
-          </a:p>
-          <a:p>
-            <a:pPr lvl="1" algn="l" rtl="0">
-              <a:buFont typeface="Arial" pitchFamily="34" charset="0"/>
-              <a:buChar char="•"/>
-            </a:pPr>
-            <a:r>
-              <a:rPr lang="en-US" dirty="0" smtClean="0">
-                <a:solidFill>
-                  <a:schemeClr val="bg1">
-                    <a:lumMod val="85000"/>
-                  </a:schemeClr>
-                </a:solidFill>
-              </a:rPr>
-              <a:t> </a:t>
-            </a:r>
-            <a:r>
-              <a:rPr lang="en-US" dirty="0" smtClean="0">
-                <a:solidFill>
-                  <a:schemeClr val="bg1">
-                    <a:lumMod val="85000"/>
-                  </a:schemeClr>
-                </a:solidFill>
-              </a:rPr>
-              <a:t>Selection: </a:t>
-            </a:r>
-            <a:r>
-              <a:rPr lang="en-US" dirty="0" smtClean="0">
-                <a:solidFill>
-                  <a:schemeClr val="bg1">
-                    <a:lumMod val="85000"/>
-                  </a:schemeClr>
-                </a:solidFill>
-              </a:rPr>
-              <a:t>tournament selection with size 7</a:t>
-            </a:r>
-          </a:p>
-          <a:p>
-            <a:pPr lvl="1" algn="l" rtl="0">
-              <a:buFont typeface="Arial" pitchFamily="34" charset="0"/>
-              <a:buChar char="•"/>
-            </a:pPr>
-            <a:endParaRPr lang="en-US" sz="2000" dirty="0" smtClean="0">
-              <a:solidFill>
-                <a:schemeClr val="bg1"/>
-              </a:solidFill>
-            </a:endParaRPr>
-          </a:p>
-        </p:txBody>
-      </p:sp>
-    </p:spTree>
-    <p:extLst>
-      <p:ext uri="{BB962C8B-B14F-4D97-AF65-F5344CB8AC3E}">
-        <p14:creationId xmlns:p14="http://schemas.microsoft.com/office/powerpoint/2010/main" xmlns="" val="3625635007"/>
+        <p14:creationId xmlns:p14="http://schemas.microsoft.com/office/powerpoint/2010/main" val="990349614"/>
       </p:ext>
     </p:extLst>
   </p:cSld>

--- a/hanabi (1).pptx
+++ b/hanabi (1).pptx
@@ -13,9 +13,9 @@
     <p:sldId id="257" r:id="rId4"/>
     <p:sldId id="271" r:id="rId5"/>
     <p:sldId id="265" r:id="rId6"/>
-    <p:sldId id="260" r:id="rId7"/>
-    <p:sldId id="261" r:id="rId8"/>
-    <p:sldId id="262" r:id="rId9"/>
+    <p:sldId id="262" r:id="rId7"/>
+    <p:sldId id="260" r:id="rId8"/>
+    <p:sldId id="261" r:id="rId9"/>
     <p:sldId id="264" r:id="rId10"/>
     <p:sldId id="263" r:id="rId11"/>
     <p:sldId id="268" r:id="rId12"/>
@@ -2305,7 +2305,7 @@
             <a:fld id="{FA9F4918-BB4A-4548-A893-97BC975CF3BD}" type="slidenum">
               <a:rPr lang="he-IL" smtClean="0"/>
               <a:pPr/>
-              <a:t>6</a:t>
+              <a:t>7</a:t>
             </a:fld>
             <a:endParaRPr lang="he-IL"/>
           </a:p>
@@ -5951,14 +5951,14 @@
               <a:buChar char="•"/>
             </a:pPr>
             <a:r>
-              <a:rPr lang="en-US" sz="2000" dirty="0" smtClean="0">
+              <a:rPr lang="en-US" dirty="0" smtClean="0">
                 <a:solidFill>
                   <a:schemeClr val="bg1">
                     <a:lumMod val="85000"/>
                   </a:schemeClr>
                 </a:solidFill>
               </a:rPr>
-              <a:t> </a:t>
+              <a:t>The </a:t>
             </a:r>
             <a:r>
               <a:rPr lang="en-US" dirty="0" smtClean="0">
@@ -5968,7 +5968,7 @@
                   </a:schemeClr>
                 </a:solidFill>
               </a:rPr>
-              <a:t>The Fitness function is simply running a simulation of a game N times and computing the </a:t>
+              <a:t>Fitness function is simply running a simulation of a game N times and computing the </a:t>
             </a:r>
             <a:r>
               <a:rPr lang="en-US" dirty="0" smtClean="0">
@@ -6274,7 +6274,7 @@
           </a:bodyPr>
           <a:lstStyle/>
           <a:p>
-            <a:pPr lvl="1" algn="l" rtl="0">
+            <a:pPr algn="l" rtl="0">
               <a:buFont typeface="Arial" pitchFamily="34" charset="0"/>
               <a:buChar char="•"/>
             </a:pPr>
@@ -6290,7 +6290,7 @@
             </a:r>
           </a:p>
           <a:p>
-            <a:pPr lvl="1" algn="l" rtl="0">
+            <a:pPr algn="l" rtl="0">
               <a:buFont typeface="Arial" pitchFamily="34" charset="0"/>
               <a:buChar char="•"/>
             </a:pPr>
@@ -6313,7 +6313,7 @@
             </a:endParaRPr>
           </a:p>
           <a:p>
-            <a:pPr lvl="1" algn="l" rtl="0">
+            <a:pPr algn="l" rtl="0">
               <a:buFont typeface="Arial" pitchFamily="34" charset="0"/>
               <a:buChar char="•"/>
             </a:pPr>
@@ -6329,7 +6329,7 @@
             </a:r>
           </a:p>
           <a:p>
-            <a:pPr marL="1257300" lvl="2" indent="-342900" algn="l" rtl="0">
+            <a:pPr marL="800100" lvl="1" indent="-342900" algn="l" rtl="0">
               <a:buFont typeface="Wingdings" panose="05000000000000000000" pitchFamily="2" charset="2"/>
               <a:buChar char="v"/>
             </a:pPr>
@@ -6345,7 +6345,7 @@
             </a:r>
           </a:p>
           <a:p>
-            <a:pPr marL="1257300" lvl="2" indent="-342900" algn="l" rtl="0">
+            <a:pPr marL="800100" lvl="1" indent="-342900" algn="l" rtl="0">
               <a:buFont typeface="Wingdings" panose="05000000000000000000" pitchFamily="2" charset="2"/>
               <a:buChar char="v"/>
             </a:pPr>
@@ -6361,7 +6361,7 @@
             </a:r>
           </a:p>
           <a:p>
-            <a:pPr marL="1257300" lvl="2" indent="-342900" algn="l" rtl="0">
+            <a:pPr marL="800100" lvl="1" indent="-342900" algn="l" rtl="0">
               <a:buFont typeface="Wingdings" panose="05000000000000000000" pitchFamily="2" charset="2"/>
               <a:buChar char="v"/>
             </a:pPr>
@@ -6377,7 +6377,7 @@
             </a:r>
           </a:p>
           <a:p>
-            <a:pPr marL="1257300" lvl="2" indent="-342900" algn="l" rtl="0">
+            <a:pPr marL="800100" lvl="1" indent="-342900" algn="l" rtl="0">
               <a:buFont typeface="Wingdings" panose="05000000000000000000" pitchFamily="2" charset="2"/>
               <a:buChar char="v"/>
             </a:pPr>
@@ -6393,7 +6393,7 @@
             </a:r>
           </a:p>
           <a:p>
-            <a:pPr marL="1257300" lvl="2" indent="-342900" algn="l" rtl="0">
+            <a:pPr marL="800100" lvl="1" indent="-342900" algn="l" rtl="0">
               <a:buFont typeface="Wingdings" panose="05000000000000000000" pitchFamily="2" charset="2"/>
               <a:buChar char="v"/>
             </a:pPr>
@@ -6409,7 +6409,7 @@
             </a:r>
           </a:p>
           <a:p>
-            <a:pPr marL="1257300" lvl="2" indent="-342900" algn="l" rtl="0">
+            <a:pPr marL="800100" lvl="1" indent="-342900" algn="l" rtl="0">
               <a:buFont typeface="Wingdings" panose="05000000000000000000" pitchFamily="2" charset="2"/>
               <a:buChar char="v"/>
             </a:pPr>
@@ -6425,7 +6425,7 @@
             </a:r>
           </a:p>
           <a:p>
-            <a:pPr marL="1257300" lvl="2" indent="-342900" algn="l" rtl="0">
+            <a:pPr marL="800100" lvl="1" indent="-342900" algn="l" rtl="0">
               <a:buFont typeface="Wingdings" panose="05000000000000000000" pitchFamily="2" charset="2"/>
               <a:buChar char="v"/>
             </a:pPr>
@@ -7297,15 +7297,7 @@
                   <a:schemeClr val="bg1"/>
                 </a:solidFill>
               </a:rPr>
-              <a:t> We </a:t>
-            </a:r>
-            <a:r>
-              <a:rPr lang="en-US" sz="2000" dirty="0" smtClean="0">
-                <a:solidFill>
-                  <a:schemeClr val="bg1"/>
-                </a:solidFill>
-              </a:rPr>
-              <a:t>used a python EC library called </a:t>
+              <a:t>We used a python EC library called </a:t>
             </a:r>
             <a:r>
               <a:rPr lang="en-US" sz="2000" i="1" dirty="0" smtClean="0">
@@ -7340,7 +7332,15 @@
                   <a:schemeClr val="bg1"/>
                 </a:solidFill>
               </a:rPr>
-              <a:t> Our Parameters for the simulation</a:t>
+              <a:t>Our </a:t>
+            </a:r>
+            <a:r>
+              <a:rPr lang="en-US" sz="2000" dirty="0" smtClean="0">
+                <a:solidFill>
+                  <a:schemeClr val="bg1"/>
+                </a:solidFill>
+              </a:rPr>
+              <a:t>Parameters for the simulation</a:t>
             </a:r>
             <a:r>
               <a:rPr lang="en-US" sz="2000" dirty="0" smtClean="0">
@@ -8541,7 +8541,7 @@
                   <a:schemeClr val="bg1"/>
                 </a:solidFill>
               </a:rPr>
-              <a:t>players</a:t>
+              <a:t>Players can see other </a:t>
             </a:r>
             <a:r>
               <a:rPr lang="en-US" dirty="0">
@@ -8549,7 +8549,7 @@
                   <a:schemeClr val="bg1"/>
                 </a:solidFill>
               </a:rPr>
-              <a:t>, aware of other players' cards but not their </a:t>
+              <a:t>players' cards but not their </a:t>
             </a:r>
             <a:r>
               <a:rPr lang="en-US" dirty="0" smtClean="0">
@@ -9182,14 +9182,14 @@
               <a:buChar char="•"/>
             </a:pPr>
             <a:r>
-              <a:rPr lang="en-US" b="1" dirty="0" smtClean="0">
+              <a:rPr lang="en-US" dirty="0" smtClean="0">
                 <a:solidFill>
                   <a:schemeClr val="bg1">
                     <a:lumMod val="85000"/>
                   </a:schemeClr>
                 </a:solidFill>
               </a:rPr>
-              <a:t> </a:t>
+              <a:t>Players </a:t>
             </a:r>
             <a:r>
               <a:rPr lang="en-US" dirty="0" smtClean="0">
@@ -9199,7 +9199,7 @@
                   </a:schemeClr>
                 </a:solidFill>
               </a:rPr>
-              <a:t>Players cannot see their own cards but can see the other player’s cards. </a:t>
+              <a:t>cannot see their own cards but can see the other player’s cards. </a:t>
             </a:r>
           </a:p>
           <a:p>
@@ -9215,7 +9215,17 @@
                   </a:schemeClr>
                 </a:solidFill>
               </a:rPr>
-              <a:t> The goal of the group is to make series from 1 to 5 in every color.</a:t>
+              <a:t>The </a:t>
+            </a:r>
+            <a:r>
+              <a:rPr lang="en-US" dirty="0" smtClean="0">
+                <a:solidFill>
+                  <a:schemeClr val="bg1">
+                    <a:lumMod val="85000"/>
+                  </a:schemeClr>
+                </a:solidFill>
+              </a:rPr>
+              <a:t>goal of the group is to make series from 1 to 5 in every color.</a:t>
             </a:r>
           </a:p>
           <a:p>
@@ -9231,7 +9241,17 @@
                   </a:schemeClr>
                 </a:solidFill>
               </a:rPr>
-              <a:t> In each player’s turn, the player can:</a:t>
+              <a:t>In </a:t>
+            </a:r>
+            <a:r>
+              <a:rPr lang="en-US" dirty="0" smtClean="0">
+                <a:solidFill>
+                  <a:schemeClr val="bg1">
+                    <a:lumMod val="85000"/>
+                  </a:schemeClr>
+                </a:solidFill>
+              </a:rPr>
+              <a:t>each player’s turn, the player can:</a:t>
             </a:r>
           </a:p>
           <a:p>
@@ -9293,49 +9313,17 @@
                   </a:schemeClr>
                 </a:solidFill>
               </a:rPr>
-              <a:t>3.   choose to play a card from his hard</a:t>
-            </a:r>
-          </a:p>
-          <a:p>
-            <a:pPr marL="1200150" lvl="2" indent="-285750" algn="l" rtl="0">
-              <a:buFont typeface="Arial" panose="020B0604020202020204" pitchFamily="34" charset="0"/>
-              <a:buChar char="•"/>
-            </a:pPr>
-            <a:r>
-              <a:rPr lang="en-US" sz="1400" dirty="0">
+              <a:t>3.   choose to play a card from his </a:t>
+            </a:r>
+            <a:r>
+              <a:rPr lang="en-US" dirty="0" smtClean="0">
                 <a:solidFill>
                   <a:schemeClr val="bg1">
                     <a:lumMod val="85000"/>
                   </a:schemeClr>
                 </a:solidFill>
               </a:rPr>
-              <a:t>When playing a card players must try to play a card which is consecutive to the card in play with the same color.</a:t>
-            </a:r>
-          </a:p>
-          <a:p>
-            <a:pPr marL="1200150" lvl="2" indent="-285750" algn="l" rtl="0">
-              <a:buFont typeface="Arial" panose="020B0604020202020204" pitchFamily="34" charset="0"/>
-              <a:buChar char="•"/>
-            </a:pPr>
-            <a:r>
-              <a:rPr lang="en-US" sz="1400" dirty="0">
-                <a:solidFill>
-                  <a:schemeClr val="bg1">
-                    <a:lumMod val="85000"/>
-                  </a:schemeClr>
-                </a:solidFill>
-              </a:rPr>
-              <a:t>Failing to play a proper card result in a strike</a:t>
-            </a:r>
-            <a:r>
-              <a:rPr lang="en-US" sz="1400" dirty="0" smtClean="0">
-                <a:solidFill>
-                  <a:schemeClr val="bg1">
-                    <a:lumMod val="85000"/>
-                  </a:schemeClr>
-                </a:solidFill>
-              </a:rPr>
-              <a:t>.</a:t>
+              <a:t>hand</a:t>
             </a:r>
             <a:endParaRPr lang="en-US" dirty="0" smtClean="0">
               <a:solidFill>
@@ -9346,24 +9334,83 @@
             </a:endParaRPr>
           </a:p>
           <a:p>
-            <a:pPr marL="457200" indent="-457200" algn="l" rtl="0">
-              <a:buFont typeface="Arial" pitchFamily="34" charset="0"/>
+            <a:pPr marL="1200150" lvl="2" indent="-285750" algn="l" rtl="0">
+              <a:buFont typeface="Arial" panose="020B0604020202020204" pitchFamily="34" charset="0"/>
               <a:buChar char="•"/>
             </a:pPr>
             <a:r>
-              <a:rPr lang="en-US" dirty="0" smtClean="0">
+              <a:rPr lang="en-US" sz="1400" dirty="0">
                 <a:solidFill>
                   <a:schemeClr val="bg1">
                     <a:lumMod val="85000"/>
                   </a:schemeClr>
                 </a:solidFill>
               </a:rPr>
+              <a:t>When playing a card players must try to play a card which is consecutive to the card in play with the same color.</a:t>
+            </a:r>
+          </a:p>
+          <a:p>
+            <a:pPr marL="1200150" lvl="2" indent="-285750" algn="l" rtl="0">
+              <a:buFont typeface="Arial" panose="020B0604020202020204" pitchFamily="34" charset="0"/>
+              <a:buChar char="•"/>
+            </a:pPr>
+            <a:r>
+              <a:rPr lang="en-US" sz="1400" dirty="0">
+                <a:solidFill>
+                  <a:schemeClr val="bg1">
+                    <a:lumMod val="85000"/>
+                  </a:schemeClr>
+                </a:solidFill>
+              </a:rPr>
+              <a:t>Failing to play a proper card result in a </a:t>
+            </a:r>
+            <a:r>
+              <a:rPr lang="en-US" sz="1400" b="1" dirty="0">
+                <a:solidFill>
+                  <a:schemeClr val="bg1">
+                    <a:lumMod val="85000"/>
+                  </a:schemeClr>
+                </a:solidFill>
+              </a:rPr>
+              <a:t>strike</a:t>
+            </a:r>
+            <a:r>
+              <a:rPr lang="en-US" sz="1400" dirty="0" smtClean="0">
+                <a:solidFill>
+                  <a:schemeClr val="bg1">
+                    <a:lumMod val="85000"/>
+                  </a:schemeClr>
+                </a:solidFill>
+              </a:rPr>
+              <a:t>.</a:t>
+            </a:r>
+            <a:endParaRPr lang="en-US" dirty="0" smtClean="0">
+              <a:solidFill>
+                <a:schemeClr val="bg1">
+                  <a:lumMod val="85000"/>
+                </a:schemeClr>
+              </a:solidFill>
+            </a:endParaRPr>
+          </a:p>
+          <a:p>
+            <a:pPr marL="285750" indent="-285750" algn="l" rtl="0">
+              <a:buFont typeface="Arial" panose="020B0604020202020204" pitchFamily="34" charset="0"/>
+              <a:buChar char="•"/>
+            </a:pPr>
+            <a:r>
+              <a:rPr lang="en-US" dirty="0" smtClean="0">
+                <a:solidFill>
+                  <a:schemeClr val="bg1">
+                    <a:lumMod val="85000"/>
+                  </a:schemeClr>
+                </a:solidFill>
+              </a:rPr>
               <a:t>3 strikes ends the game.</a:t>
             </a:r>
           </a:p>
           <a:p>
-            <a:pPr marL="457200" indent="-457200" algn="l" rtl="0">
-              <a:buFont typeface="Arial" pitchFamily="34" charset="0"/>
+            <a:pPr marL="285750" indent="-285750" algn="l" rtl="0">
+              <a:buFont typeface="Arial" panose="020B0604020202020204" pitchFamily="34" charset="0"/>
               <a:buChar char="•"/>
             </a:pPr>
             <a:r>
@@ -9623,7 +9670,7 @@
                   </a:schemeClr>
                 </a:solidFill>
               </a:rPr>
-              <a:t>works in the Game Theory field based on </a:t>
+              <a:t>works in the Game Theory field based on the </a:t>
             </a:r>
             <a:r>
               <a:rPr lang="en-US" sz="2000" dirty="0" err="1" smtClean="0">
@@ -9643,7 +9690,7 @@
                   </a:schemeClr>
                 </a:solidFill>
               </a:rPr>
-              <a:t>.</a:t>
+              <a:t> card game.</a:t>
             </a:r>
           </a:p>
           <a:p>
@@ -9923,6 +9970,577 @@
 </file>
 
 <file path=ppt/slides/slide6.xml><?xml version="1.0" encoding="utf-8"?>
+<p:sld xmlns:a="http://schemas.openxmlformats.org/drawingml/2006/main" xmlns:r="http://schemas.openxmlformats.org/officeDocument/2006/relationships" xmlns:p="http://schemas.openxmlformats.org/presentationml/2006/main">
+  <p:cSld>
+    <p:bg>
+      <p:bgPr>
+        <a:solidFill>
+          <a:schemeClr val="tx1"/>
+        </a:solidFill>
+        <a:effectLst/>
+      </p:bgPr>
+    </p:bg>
+    <p:spTree>
+      <p:nvGrpSpPr>
+        <p:cNvPr id="1" name=""/>
+        <p:cNvGrpSpPr/>
+        <p:nvPr/>
+      </p:nvGrpSpPr>
+      <p:grpSpPr>
+        <a:xfrm>
+          <a:off x="0" y="0"/>
+          <a:ext cx="0" cy="0"/>
+          <a:chOff x="0" y="0"/>
+          <a:chExt cx="0" cy="0"/>
+        </a:xfrm>
+      </p:grpSpPr>
+      <p:sp>
+        <p:nvSpPr>
+          <p:cNvPr id="2" name="כותרת 1"/>
+          <p:cNvSpPr>
+            <a:spLocks noGrp="1"/>
+          </p:cNvSpPr>
+          <p:nvPr>
+            <p:ph type="title"/>
+          </p:nvPr>
+        </p:nvSpPr>
+        <p:spPr/>
+        <p:txBody>
+          <a:bodyPr>
+            <a:noAutofit/>
+          </a:bodyPr>
+          <a:lstStyle/>
+          <a:p>
+            <a:r>
+              <a:rPr lang="en-US" dirty="0" smtClean="0">
+                <a:solidFill>
+                  <a:schemeClr val="bg1">
+                    <a:lumMod val="85000"/>
+                  </a:schemeClr>
+                </a:solidFill>
+                <a:latin typeface="Arial" pitchFamily="34" charset="0"/>
+                <a:cs typeface="Arial" pitchFamily="34" charset="0"/>
+              </a:rPr>
+              <a:t>PREVIOUS WORKS</a:t>
+            </a:r>
+            <a:endParaRPr lang="he-IL" dirty="0">
+              <a:solidFill>
+                <a:schemeClr val="bg1">
+                  <a:lumMod val="85000"/>
+                </a:schemeClr>
+              </a:solidFill>
+              <a:latin typeface="Arial" pitchFamily="34" charset="0"/>
+              <a:cs typeface="Arial" pitchFamily="34" charset="0"/>
+            </a:endParaRPr>
+          </a:p>
+        </p:txBody>
+      </p:sp>
+      <p:pic>
+        <p:nvPicPr>
+          <p:cNvPr id="10" name="מציין מיקום תוכן 9" descr="fireworkbig-1.jpg"/>
+          <p:cNvPicPr>
+            <a:picLocks noGrp="1" noChangeAspect="1"/>
+          </p:cNvPicPr>
+          <p:nvPr>
+            <p:ph idx="1"/>
+          </p:nvPr>
+        </p:nvPicPr>
+        <p:blipFill>
+          <a:blip r:embed="rId2" cstate="print"/>
+          <a:stretch>
+            <a:fillRect/>
+          </a:stretch>
+        </p:blipFill>
+        <p:spPr>
+          <a:xfrm>
+            <a:off x="7358082" y="-17"/>
+            <a:ext cx="1785950" cy="1181176"/>
+          </a:xfrm>
+        </p:spPr>
+      </p:pic>
+      <p:pic>
+        <p:nvPicPr>
+          <p:cNvPr id="12" name="מציין מיקום תוכן 9" descr="fireworkbig-1.jpg"/>
+          <p:cNvPicPr>
+            <a:picLocks noChangeAspect="1"/>
+          </p:cNvPicPr>
+          <p:nvPr/>
+        </p:nvPicPr>
+        <p:blipFill>
+          <a:blip r:embed="rId2" cstate="print"/>
+          <a:stretch>
+            <a:fillRect/>
+          </a:stretch>
+        </p:blipFill>
+        <p:spPr>
+          <a:xfrm>
+            <a:off x="-32" y="-18"/>
+            <a:ext cx="1785950" cy="1181176"/>
+          </a:xfrm>
+          <a:prstGeom prst="rect">
+            <a:avLst/>
+          </a:prstGeom>
+        </p:spPr>
+      </p:pic>
+      <p:pic>
+        <p:nvPicPr>
+          <p:cNvPr id="14" name="תמונה 13" descr="images (4).jpg"/>
+          <p:cNvPicPr>
+            <a:picLocks noChangeAspect="1"/>
+          </p:cNvPicPr>
+          <p:nvPr/>
+        </p:nvPicPr>
+        <p:blipFill>
+          <a:blip r:embed="rId3"/>
+          <a:srcRect l="20199" r="17715"/>
+          <a:stretch>
+            <a:fillRect/>
+          </a:stretch>
+        </p:blipFill>
+        <p:spPr>
+          <a:xfrm>
+            <a:off x="8143900" y="1142990"/>
+            <a:ext cx="1000132" cy="890778"/>
+          </a:xfrm>
+          <a:prstGeom prst="rect">
+            <a:avLst/>
+          </a:prstGeom>
+        </p:spPr>
+      </p:pic>
+      <p:pic>
+        <p:nvPicPr>
+          <p:cNvPr id="15" name="תמונה 14" descr="images (4).jpg"/>
+          <p:cNvPicPr>
+            <a:picLocks noChangeAspect="1"/>
+          </p:cNvPicPr>
+          <p:nvPr/>
+        </p:nvPicPr>
+        <p:blipFill>
+          <a:blip r:embed="rId3"/>
+          <a:srcRect l="20199" r="17715"/>
+          <a:stretch>
+            <a:fillRect/>
+          </a:stretch>
+        </p:blipFill>
+        <p:spPr>
+          <a:xfrm>
+            <a:off x="-32" y="1071552"/>
+            <a:ext cx="1000132" cy="890778"/>
+          </a:xfrm>
+          <a:prstGeom prst="rect">
+            <a:avLst/>
+          </a:prstGeom>
+        </p:spPr>
+      </p:pic>
+      <p:sp>
+        <p:nvSpPr>
+          <p:cNvPr id="7" name="TextBox 6"/>
+          <p:cNvSpPr txBox="1"/>
+          <p:nvPr/>
+        </p:nvSpPr>
+        <p:spPr>
+          <a:xfrm>
+            <a:off x="1000100" y="1071553"/>
+            <a:ext cx="7215238" cy="5262979"/>
+          </a:xfrm>
+          <a:prstGeom prst="rect">
+            <a:avLst/>
+          </a:prstGeom>
+          <a:noFill/>
+        </p:spPr>
+        <p:txBody>
+          <a:bodyPr wrap="square" rtlCol="1">
+            <a:spAutoFit/>
+          </a:bodyPr>
+          <a:lstStyle/>
+          <a:p>
+            <a:pPr algn="l" rtl="0">
+              <a:buFont typeface="Arial" pitchFamily="34" charset="0"/>
+              <a:buChar char="•"/>
+            </a:pPr>
+            <a:r>
+              <a:rPr lang="en-US" b="1" dirty="0" smtClean="0">
+                <a:solidFill>
+                  <a:schemeClr val="bg1">
+                    <a:lumMod val="85000"/>
+                  </a:schemeClr>
+                </a:solidFill>
+              </a:rPr>
+              <a:t>How </a:t>
+            </a:r>
+            <a:r>
+              <a:rPr lang="en-US" b="1" dirty="0">
+                <a:solidFill>
+                  <a:schemeClr val="bg1">
+                    <a:lumMod val="85000"/>
+                  </a:schemeClr>
+                </a:solidFill>
+              </a:rPr>
+              <a:t>to Make the Perfect Fireworks Display: Two Strategies for </a:t>
+            </a:r>
+            <a:r>
+              <a:rPr lang="en-US" b="1" dirty="0" err="1" smtClean="0">
+                <a:solidFill>
+                  <a:schemeClr val="bg1">
+                    <a:lumMod val="85000"/>
+                  </a:schemeClr>
+                </a:solidFill>
+              </a:rPr>
+              <a:t>Hanabi</a:t>
+            </a:r>
+            <a:r>
+              <a:rPr lang="en-US" b="1" dirty="0" smtClean="0">
+                <a:solidFill>
+                  <a:schemeClr val="bg1">
+                    <a:lumMod val="85000"/>
+                  </a:schemeClr>
+                </a:solidFill>
+              </a:rPr>
+              <a:t> (2015, Mathematics Magazine)**</a:t>
+            </a:r>
+            <a:endParaRPr lang="en-US" dirty="0" smtClean="0">
+              <a:solidFill>
+                <a:schemeClr val="bg1">
+                  <a:lumMod val="85000"/>
+                </a:schemeClr>
+              </a:solidFill>
+            </a:endParaRPr>
+          </a:p>
+          <a:p>
+            <a:pPr algn="l" rtl="0">
+              <a:buFont typeface="Arial" pitchFamily="34" charset="0"/>
+              <a:buChar char="•"/>
+            </a:pPr>
+            <a:r>
+              <a:rPr lang="en-US" dirty="0" smtClean="0">
+                <a:solidFill>
+                  <a:schemeClr val="bg1">
+                    <a:lumMod val="85000"/>
+                  </a:schemeClr>
+                </a:solidFill>
+              </a:rPr>
+              <a:t>In this paper:</a:t>
+            </a:r>
+          </a:p>
+          <a:p>
+            <a:pPr marL="742950" lvl="1" indent="-285750" algn="l" rtl="0">
+              <a:buFont typeface="Wingdings" panose="05000000000000000000" pitchFamily="2" charset="2"/>
+              <a:buChar char="§"/>
+            </a:pPr>
+            <a:r>
+              <a:rPr lang="en-US" dirty="0" smtClean="0">
+                <a:solidFill>
+                  <a:schemeClr val="bg1">
+                    <a:lumMod val="85000"/>
+                  </a:schemeClr>
+                </a:solidFill>
+              </a:rPr>
+              <a:t>A description of </a:t>
+            </a:r>
+            <a:r>
+              <a:rPr lang="en-US" dirty="0" err="1" smtClean="0">
+                <a:solidFill>
+                  <a:schemeClr val="bg1">
+                    <a:lumMod val="85000"/>
+                  </a:schemeClr>
+                </a:solidFill>
+              </a:rPr>
+              <a:t>Hanabi</a:t>
+            </a:r>
+            <a:r>
+              <a:rPr lang="en-US" dirty="0" smtClean="0">
+                <a:solidFill>
+                  <a:schemeClr val="bg1">
+                    <a:lumMod val="85000"/>
+                  </a:schemeClr>
+                </a:solidFill>
+              </a:rPr>
+              <a:t> strategies based on the mathematical “hat guessing game”.</a:t>
+            </a:r>
+          </a:p>
+          <a:p>
+            <a:pPr marL="800100" lvl="1" indent="-342900" algn="l" rtl="0">
+              <a:buFont typeface="Wingdings" panose="05000000000000000000" pitchFamily="2" charset="2"/>
+              <a:buChar char="§"/>
+            </a:pPr>
+            <a:r>
+              <a:rPr lang="en-US" sz="2000" dirty="0" smtClean="0">
+                <a:solidFill>
+                  <a:schemeClr val="bg1">
+                    <a:lumMod val="85000"/>
+                  </a:schemeClr>
+                </a:solidFill>
+              </a:rPr>
+              <a:t>In the first strategy players can recommend moves for other players (as part of a strategy).</a:t>
+            </a:r>
+          </a:p>
+          <a:p>
+            <a:pPr marL="800100" lvl="1" indent="-342900" algn="l" rtl="0">
+              <a:buFont typeface="Wingdings" panose="05000000000000000000" pitchFamily="2" charset="2"/>
+              <a:buChar char="§"/>
+            </a:pPr>
+            <a:r>
+              <a:rPr lang="en-US" sz="2000" dirty="0" smtClean="0">
+                <a:solidFill>
+                  <a:schemeClr val="bg1">
+                    <a:lumMod val="85000"/>
+                  </a:schemeClr>
+                </a:solidFill>
+              </a:rPr>
+              <a:t>The second strategy allows the player to determine the content of his hand.</a:t>
+            </a:r>
+          </a:p>
+          <a:p>
+            <a:pPr marL="800100" lvl="1" indent="-342900" algn="l" rtl="0">
+              <a:buFont typeface="Wingdings" panose="05000000000000000000" pitchFamily="2" charset="2"/>
+              <a:buChar char="§"/>
+            </a:pPr>
+            <a:r>
+              <a:rPr lang="en-US" sz="2000" dirty="0" smtClean="0">
+                <a:solidFill>
+                  <a:schemeClr val="bg1">
+                    <a:lumMod val="85000"/>
+                  </a:schemeClr>
+                </a:solidFill>
+              </a:rPr>
+              <a:t>Strategies are based on network coding</a:t>
+            </a:r>
+            <a:r>
+              <a:rPr lang="en-US" sz="2000" dirty="0" smtClean="0">
+                <a:solidFill>
+                  <a:schemeClr val="bg1">
+                    <a:lumMod val="85000"/>
+                  </a:schemeClr>
+                </a:solidFill>
+              </a:rPr>
+              <a:t>.</a:t>
+            </a:r>
+          </a:p>
+          <a:p>
+            <a:pPr marL="800100" lvl="1" indent="-342900" algn="l" rtl="0">
+              <a:buFont typeface="Wingdings" panose="05000000000000000000" pitchFamily="2" charset="2"/>
+              <a:buChar char="§"/>
+            </a:pPr>
+            <a:endParaRPr lang="en-US" sz="2000" dirty="0">
+              <a:solidFill>
+                <a:schemeClr val="bg1">
+                  <a:lumMod val="85000"/>
+                </a:schemeClr>
+              </a:solidFill>
+            </a:endParaRPr>
+          </a:p>
+          <a:p>
+            <a:pPr lvl="1" algn="l" rtl="0"/>
+            <a:endParaRPr lang="en-US" sz="2000" dirty="0" smtClean="0">
+              <a:solidFill>
+                <a:schemeClr val="bg1">
+                  <a:lumMod val="85000"/>
+                </a:schemeClr>
+              </a:solidFill>
+            </a:endParaRPr>
+          </a:p>
+          <a:p>
+            <a:pPr algn="l" rtl="0"/>
+            <a:endParaRPr lang="en-US" sz="800" dirty="0" smtClean="0">
+              <a:solidFill>
+                <a:schemeClr val="bg1"/>
+              </a:solidFill>
+            </a:endParaRPr>
+          </a:p>
+          <a:p>
+            <a:pPr algn="l" rtl="0"/>
+            <a:r>
+              <a:rPr lang="en-US" sz="800" dirty="0" smtClean="0">
+                <a:solidFill>
+                  <a:schemeClr val="bg1"/>
+                </a:solidFill>
+              </a:rPr>
+              <a:t>**</a:t>
+            </a:r>
+            <a:r>
+              <a:rPr lang="en-US" sz="800" dirty="0" smtClean="0">
+                <a:solidFill>
+                  <a:schemeClr val="bg1"/>
+                </a:solidFill>
+              </a:rPr>
+              <a:t>Cox</a:t>
+            </a:r>
+            <a:r>
+              <a:rPr lang="en-US" sz="800" dirty="0">
+                <a:solidFill>
+                  <a:schemeClr val="bg1"/>
+                </a:solidFill>
+              </a:rPr>
+              <a:t>, C., De Silva, J., </a:t>
+            </a:r>
+            <a:r>
+              <a:rPr lang="en-US" sz="800" dirty="0" err="1">
+                <a:solidFill>
+                  <a:schemeClr val="bg1"/>
+                </a:solidFill>
+              </a:rPr>
+              <a:t>Deorsey</a:t>
+            </a:r>
+            <a:r>
+              <a:rPr lang="en-US" sz="800" dirty="0">
+                <a:solidFill>
+                  <a:schemeClr val="bg1"/>
+                </a:solidFill>
+              </a:rPr>
+              <a:t>, P., </a:t>
+            </a:r>
+            <a:r>
+              <a:rPr lang="en-US" sz="800" dirty="0" err="1">
+                <a:solidFill>
+                  <a:schemeClr val="bg1"/>
+                </a:solidFill>
+              </a:rPr>
+              <a:t>Kenter</a:t>
+            </a:r>
+            <a:r>
+              <a:rPr lang="en-US" sz="800" dirty="0">
+                <a:solidFill>
+                  <a:schemeClr val="bg1"/>
+                </a:solidFill>
+              </a:rPr>
+              <a:t>, F. H., </a:t>
+            </a:r>
+            <a:r>
+              <a:rPr lang="en-US" sz="800" dirty="0" err="1">
+                <a:solidFill>
+                  <a:schemeClr val="bg1"/>
+                </a:solidFill>
+              </a:rPr>
+              <a:t>Retter</a:t>
+            </a:r>
+            <a:r>
+              <a:rPr lang="en-US" sz="800" dirty="0">
+                <a:solidFill>
+                  <a:schemeClr val="bg1"/>
+                </a:solidFill>
+              </a:rPr>
+              <a:t>, T., &amp; Tobin, J. (2015). How to make the perfect fireworks display: Two strategies for </a:t>
+            </a:r>
+            <a:r>
+              <a:rPr lang="en-US" sz="800" dirty="0" err="1">
+                <a:solidFill>
+                  <a:schemeClr val="bg1"/>
+                </a:solidFill>
+              </a:rPr>
+              <a:t>hanabi</a:t>
+            </a:r>
+            <a:r>
+              <a:rPr lang="en-US" sz="800" dirty="0">
+                <a:solidFill>
+                  <a:schemeClr val="bg1"/>
+                </a:solidFill>
+              </a:rPr>
+              <a:t>. </a:t>
+            </a:r>
+            <a:r>
+              <a:rPr lang="en-US" sz="800" i="1" dirty="0">
+                <a:solidFill>
+                  <a:schemeClr val="bg1"/>
+                </a:solidFill>
+              </a:rPr>
+              <a:t>Mathematics Magazine</a:t>
+            </a:r>
+            <a:r>
+              <a:rPr lang="en-US" sz="800" dirty="0">
+                <a:solidFill>
+                  <a:schemeClr val="bg1"/>
+                </a:solidFill>
+              </a:rPr>
+              <a:t>, </a:t>
+            </a:r>
+            <a:r>
+              <a:rPr lang="en-US" sz="800" i="1" dirty="0">
+                <a:solidFill>
+                  <a:schemeClr val="bg1"/>
+                </a:solidFill>
+              </a:rPr>
+              <a:t>88</a:t>
+            </a:r>
+            <a:r>
+              <a:rPr lang="en-US" sz="800" dirty="0">
+                <a:solidFill>
+                  <a:schemeClr val="bg1"/>
+                </a:solidFill>
+              </a:rPr>
+              <a:t>(5), 323-336.‏</a:t>
+            </a:r>
+            <a:endParaRPr lang="en-US" sz="800" dirty="0" smtClean="0">
+              <a:solidFill>
+                <a:schemeClr val="bg1"/>
+              </a:solidFill>
+            </a:endParaRPr>
+          </a:p>
+          <a:p>
+            <a:pPr lvl="1" algn="l" rtl="0"/>
+            <a:endParaRPr lang="en-US" sz="2000" dirty="0" smtClean="0">
+              <a:solidFill>
+                <a:schemeClr val="bg1">
+                  <a:lumMod val="85000"/>
+                </a:schemeClr>
+              </a:solidFill>
+            </a:endParaRPr>
+          </a:p>
+          <a:p>
+            <a:pPr lvl="1" algn="l" rtl="0"/>
+            <a:endParaRPr lang="en-US" sz="2000" dirty="0" smtClean="0">
+              <a:solidFill>
+                <a:schemeClr val="bg1">
+                  <a:lumMod val="85000"/>
+                </a:schemeClr>
+              </a:solidFill>
+            </a:endParaRPr>
+          </a:p>
+          <a:p>
+            <a:pPr lvl="1" algn="l" rtl="0"/>
+            <a:endParaRPr lang="en-US" sz="2000" dirty="0" smtClean="0">
+              <a:solidFill>
+                <a:schemeClr val="bg1">
+                  <a:lumMod val="85000"/>
+                </a:schemeClr>
+              </a:solidFill>
+            </a:endParaRPr>
+          </a:p>
+          <a:p>
+            <a:pPr lvl="1" algn="l" rtl="0">
+              <a:buFont typeface="Arial" pitchFamily="34" charset="0"/>
+              <a:buChar char="•"/>
+            </a:pPr>
+            <a:endParaRPr lang="en-US" sz="2000" b="1" dirty="0" smtClean="0">
+              <a:solidFill>
+                <a:schemeClr val="bg1">
+                  <a:lumMod val="85000"/>
+                </a:schemeClr>
+              </a:solidFill>
+            </a:endParaRPr>
+          </a:p>
+        </p:txBody>
+      </p:sp>
+    </p:spTree>
+    <p:extLst>
+      <p:ext uri="{BB962C8B-B14F-4D97-AF65-F5344CB8AC3E}">
+        <p14:creationId xmlns:p14="http://schemas.microsoft.com/office/powerpoint/2010/main" val="990349614"/>
+      </p:ext>
+    </p:extLst>
+  </p:cSld>
+  <p:clrMapOvr>
+    <a:masterClrMapping/>
+  </p:clrMapOvr>
+  <p:timing>
+    <p:tnLst>
+      <p:par>
+        <p:cTn id="1" dur="indefinite" restart="never" nodeType="tmRoot"/>
+      </p:par>
+    </p:tnLst>
+  </p:timing>
+</p:sld>
+</file>
+
+<file path=ppt/slides/slide7.xml><?xml version="1.0" encoding="utf-8"?>
 <p:sld xmlns:a="http://schemas.openxmlformats.org/drawingml/2006/main" xmlns:r="http://schemas.openxmlformats.org/officeDocument/2006/relationships" xmlns:p="http://schemas.openxmlformats.org/presentationml/2006/main">
   <p:cSld>
     <p:bg>
@@ -10094,7 +10712,7 @@
         <p:spPr>
           <a:xfrm>
             <a:off x="1000100" y="1071553"/>
-            <a:ext cx="7215238" cy="5601533"/>
+            <a:ext cx="7215238" cy="5632311"/>
           </a:xfrm>
           <a:prstGeom prst="rect">
             <a:avLst/>
@@ -10112,14 +10730,14 @@
               <a:buChar char="•"/>
             </a:pPr>
             <a:r>
-              <a:rPr lang="en-US" sz="2000" b="1" dirty="0" smtClean="0">
+              <a:rPr lang="en-US" b="1" dirty="0" smtClean="0">
                 <a:solidFill>
                   <a:schemeClr val="bg1">
                     <a:lumMod val="85000"/>
                   </a:schemeClr>
                 </a:solidFill>
               </a:rPr>
-              <a:t> </a:t>
+              <a:t>Evolving </a:t>
             </a:r>
             <a:r>
               <a:rPr lang="en-US" b="1" dirty="0" smtClean="0">
@@ -10129,7 +10747,33 @@
                   </a:schemeClr>
                 </a:solidFill>
               </a:rPr>
-              <a:t>Evolving Agents for the Hanabi 2018 CIG Competition</a:t>
+              <a:t>Agents for the Hanabi 2018 CIG </a:t>
+            </a:r>
+            <a:r>
+              <a:rPr lang="en-US" b="1" dirty="0" smtClean="0">
+                <a:solidFill>
+                  <a:schemeClr val="bg1">
+                    <a:lumMod val="85000"/>
+                  </a:schemeClr>
+                </a:solidFill>
+              </a:rPr>
+              <a:t>Competition (</a:t>
+            </a:r>
+            <a:r>
+              <a:rPr lang="en-US" i="1" dirty="0">
+                <a:solidFill>
+                  <a:schemeClr val="bg1"/>
+                </a:solidFill>
+              </a:rPr>
+              <a:t>2018 IEEE Conference on Computational Intelligence and Games </a:t>
+            </a:r>
+            <a:r>
+              <a:rPr lang="en-US" i="1" dirty="0" smtClean="0">
+                <a:solidFill>
+                  <a:schemeClr val="bg1"/>
+                </a:solidFill>
+              </a:rPr>
+              <a:t>)</a:t>
             </a:r>
             <a:r>
               <a:rPr lang="en-US" b="1" dirty="0" smtClean="0">
@@ -10220,22 +10864,6 @@
                 <a:schemeClr val="bg1">
                   <a:lumMod val="85000"/>
                 </a:schemeClr>
-              </a:solidFill>
-            </a:endParaRPr>
-          </a:p>
-          <a:p>
-            <a:pPr lvl="1" algn="l" rtl="0"/>
-            <a:endParaRPr lang="en-US" sz="800" dirty="0" smtClean="0">
-              <a:solidFill>
-                <a:schemeClr val="bg1"/>
-              </a:solidFill>
-            </a:endParaRPr>
-          </a:p>
-          <a:p>
-            <a:pPr lvl="1" algn="l" rtl="0"/>
-            <a:endParaRPr lang="en-US" sz="800" dirty="0">
-              <a:solidFill>
-                <a:schemeClr val="bg1"/>
               </a:solidFill>
             </a:endParaRPr>
           </a:p>
@@ -10509,7 +11137,7 @@
 </p:sld>
 </file>
 
-<file path=ppt/slides/slide7.xml><?xml version="1.0" encoding="utf-8"?>
+<file path=ppt/slides/slide8.xml><?xml version="1.0" encoding="utf-8"?>
 <p:sld xmlns:a="http://schemas.openxmlformats.org/drawingml/2006/main" xmlns:r="http://schemas.openxmlformats.org/officeDocument/2006/relationships" xmlns:p="http://schemas.openxmlformats.org/presentationml/2006/main">
   <p:cSld>
     <p:bg>
@@ -10681,7 +11309,7 @@
         <p:spPr>
           <a:xfrm>
             <a:off x="1000100" y="1071553"/>
-            <a:ext cx="7215238" cy="3693319"/>
+            <a:ext cx="7215238" cy="3416320"/>
           </a:xfrm>
           <a:prstGeom prst="rect">
             <a:avLst/>
@@ -10706,14 +11334,8 @@
                   </a:schemeClr>
                 </a:solidFill>
               </a:rPr>
-              <a:t> Evolving Agents for the Hanabi 2018 CIG Competition</a:t>
-            </a:r>
-          </a:p>
-          <a:p>
-            <a:pPr algn="l" rtl="0">
-              <a:buFont typeface="Arial" pitchFamily="34" charset="0"/>
-              <a:buChar char="•"/>
-            </a:pPr>
+              <a:t>The </a:t>
+            </a:r>
             <a:r>
               <a:rPr lang="en-US" dirty="0" smtClean="0">
                 <a:solidFill>
@@ -10722,7 +11344,7 @@
                   </a:schemeClr>
                 </a:solidFill>
               </a:rPr>
-              <a:t> The parameters:</a:t>
+              <a:t>parameters:</a:t>
             </a:r>
           </a:p>
           <a:p>
@@ -10901,7 +11523,7 @@
         </p:blipFill>
         <p:spPr bwMode="auto">
           <a:xfrm>
-            <a:off x="3062288" y="1795470"/>
+            <a:off x="3062287" y="1516941"/>
             <a:ext cx="3019425" cy="1847850"/>
           </a:xfrm>
           <a:prstGeom prst="rect">
@@ -10918,541 +11540,6 @@
         </p:spPr>
       </p:pic>
     </p:spTree>
-  </p:cSld>
-  <p:clrMapOvr>
-    <a:masterClrMapping/>
-  </p:clrMapOvr>
-  <p:timing>
-    <p:tnLst>
-      <p:par>
-        <p:cTn id="1" dur="indefinite" restart="never" nodeType="tmRoot"/>
-      </p:par>
-    </p:tnLst>
-  </p:timing>
-</p:sld>
-</file>
-
-<file path=ppt/slides/slide8.xml><?xml version="1.0" encoding="utf-8"?>
-<p:sld xmlns:a="http://schemas.openxmlformats.org/drawingml/2006/main" xmlns:r="http://schemas.openxmlformats.org/officeDocument/2006/relationships" xmlns:p="http://schemas.openxmlformats.org/presentationml/2006/main">
-  <p:cSld>
-    <p:bg>
-      <p:bgPr>
-        <a:solidFill>
-          <a:schemeClr val="tx1"/>
-        </a:solidFill>
-        <a:effectLst/>
-      </p:bgPr>
-    </p:bg>
-    <p:spTree>
-      <p:nvGrpSpPr>
-        <p:cNvPr id="1" name=""/>
-        <p:cNvGrpSpPr/>
-        <p:nvPr/>
-      </p:nvGrpSpPr>
-      <p:grpSpPr>
-        <a:xfrm>
-          <a:off x="0" y="0"/>
-          <a:ext cx="0" cy="0"/>
-          <a:chOff x="0" y="0"/>
-          <a:chExt cx="0" cy="0"/>
-        </a:xfrm>
-      </p:grpSpPr>
-      <p:sp>
-        <p:nvSpPr>
-          <p:cNvPr id="2" name="כותרת 1"/>
-          <p:cNvSpPr>
-            <a:spLocks noGrp="1"/>
-          </p:cNvSpPr>
-          <p:nvPr>
-            <p:ph type="title"/>
-          </p:nvPr>
-        </p:nvSpPr>
-        <p:spPr/>
-        <p:txBody>
-          <a:bodyPr>
-            <a:noAutofit/>
-          </a:bodyPr>
-          <a:lstStyle/>
-          <a:p>
-            <a:r>
-              <a:rPr lang="en-US" dirty="0" smtClean="0">
-                <a:solidFill>
-                  <a:schemeClr val="bg1">
-                    <a:lumMod val="85000"/>
-                  </a:schemeClr>
-                </a:solidFill>
-                <a:latin typeface="Arial" pitchFamily="34" charset="0"/>
-                <a:cs typeface="Arial" pitchFamily="34" charset="0"/>
-              </a:rPr>
-              <a:t>PREVIOUS WORKS</a:t>
-            </a:r>
-            <a:endParaRPr lang="he-IL" dirty="0">
-              <a:solidFill>
-                <a:schemeClr val="bg1">
-                  <a:lumMod val="85000"/>
-                </a:schemeClr>
-              </a:solidFill>
-              <a:latin typeface="Arial" pitchFamily="34" charset="0"/>
-              <a:cs typeface="Arial" pitchFamily="34" charset="0"/>
-            </a:endParaRPr>
-          </a:p>
-        </p:txBody>
-      </p:sp>
-      <p:pic>
-        <p:nvPicPr>
-          <p:cNvPr id="10" name="מציין מיקום תוכן 9" descr="fireworkbig-1.jpg"/>
-          <p:cNvPicPr>
-            <a:picLocks noGrp="1" noChangeAspect="1"/>
-          </p:cNvPicPr>
-          <p:nvPr>
-            <p:ph idx="1"/>
-          </p:nvPr>
-        </p:nvPicPr>
-        <p:blipFill>
-          <a:blip r:embed="rId2" cstate="print"/>
-          <a:stretch>
-            <a:fillRect/>
-          </a:stretch>
-        </p:blipFill>
-        <p:spPr>
-          <a:xfrm>
-            <a:off x="7358082" y="-17"/>
-            <a:ext cx="1785950" cy="1181176"/>
-          </a:xfrm>
-        </p:spPr>
-      </p:pic>
-      <p:pic>
-        <p:nvPicPr>
-          <p:cNvPr id="12" name="מציין מיקום תוכן 9" descr="fireworkbig-1.jpg"/>
-          <p:cNvPicPr>
-            <a:picLocks noChangeAspect="1"/>
-          </p:cNvPicPr>
-          <p:nvPr/>
-        </p:nvPicPr>
-        <p:blipFill>
-          <a:blip r:embed="rId2" cstate="print"/>
-          <a:stretch>
-            <a:fillRect/>
-          </a:stretch>
-        </p:blipFill>
-        <p:spPr>
-          <a:xfrm>
-            <a:off x="-32" y="-18"/>
-            <a:ext cx="1785950" cy="1181176"/>
-          </a:xfrm>
-          <a:prstGeom prst="rect">
-            <a:avLst/>
-          </a:prstGeom>
-        </p:spPr>
-      </p:pic>
-      <p:pic>
-        <p:nvPicPr>
-          <p:cNvPr id="14" name="תמונה 13" descr="images (4).jpg"/>
-          <p:cNvPicPr>
-            <a:picLocks noChangeAspect="1"/>
-          </p:cNvPicPr>
-          <p:nvPr/>
-        </p:nvPicPr>
-        <p:blipFill>
-          <a:blip r:embed="rId3"/>
-          <a:srcRect l="20199" r="17715"/>
-          <a:stretch>
-            <a:fillRect/>
-          </a:stretch>
-        </p:blipFill>
-        <p:spPr>
-          <a:xfrm>
-            <a:off x="8143900" y="1142990"/>
-            <a:ext cx="1000132" cy="890778"/>
-          </a:xfrm>
-          <a:prstGeom prst="rect">
-            <a:avLst/>
-          </a:prstGeom>
-        </p:spPr>
-      </p:pic>
-      <p:pic>
-        <p:nvPicPr>
-          <p:cNvPr id="15" name="תמונה 14" descr="images (4).jpg"/>
-          <p:cNvPicPr>
-            <a:picLocks noChangeAspect="1"/>
-          </p:cNvPicPr>
-          <p:nvPr/>
-        </p:nvPicPr>
-        <p:blipFill>
-          <a:blip r:embed="rId3"/>
-          <a:srcRect l="20199" r="17715"/>
-          <a:stretch>
-            <a:fillRect/>
-          </a:stretch>
-        </p:blipFill>
-        <p:spPr>
-          <a:xfrm>
-            <a:off x="-32" y="1071552"/>
-            <a:ext cx="1000132" cy="890778"/>
-          </a:xfrm>
-          <a:prstGeom prst="rect">
-            <a:avLst/>
-          </a:prstGeom>
-        </p:spPr>
-      </p:pic>
-      <p:sp>
-        <p:nvSpPr>
-          <p:cNvPr id="7" name="TextBox 6"/>
-          <p:cNvSpPr txBox="1"/>
-          <p:nvPr/>
-        </p:nvSpPr>
-        <p:spPr>
-          <a:xfrm>
-            <a:off x="1000100" y="1071553"/>
-            <a:ext cx="7215238" cy="4555093"/>
-          </a:xfrm>
-          <a:prstGeom prst="rect">
-            <a:avLst/>
-          </a:prstGeom>
-          <a:noFill/>
-        </p:spPr>
-        <p:txBody>
-          <a:bodyPr wrap="square" rtlCol="1">
-            <a:spAutoFit/>
-          </a:bodyPr>
-          <a:lstStyle/>
-          <a:p>
-            <a:pPr algn="l" rtl="0">
-              <a:buFont typeface="Arial" pitchFamily="34" charset="0"/>
-              <a:buChar char="•"/>
-            </a:pPr>
-            <a:r>
-              <a:rPr lang="en-US" sz="2000" b="1" dirty="0" smtClean="0">
-                <a:solidFill>
-                  <a:schemeClr val="bg1">
-                    <a:lumMod val="85000"/>
-                  </a:schemeClr>
-                </a:solidFill>
-              </a:rPr>
-              <a:t> </a:t>
-            </a:r>
-            <a:r>
-              <a:rPr lang="en-US" b="1" dirty="0">
-                <a:solidFill>
-                  <a:schemeClr val="bg1">
-                    <a:lumMod val="85000"/>
-                  </a:schemeClr>
-                </a:solidFill>
-              </a:rPr>
-              <a:t>How to Make the Perfect Fireworks Display: Two Strategies for </a:t>
-            </a:r>
-            <a:r>
-              <a:rPr lang="en-US" b="1" dirty="0" err="1" smtClean="0">
-                <a:solidFill>
-                  <a:schemeClr val="bg1">
-                    <a:lumMod val="85000"/>
-                  </a:schemeClr>
-                </a:solidFill>
-              </a:rPr>
-              <a:t>Hanabi</a:t>
-            </a:r>
-            <a:r>
-              <a:rPr lang="en-US" b="1" dirty="0" smtClean="0">
-                <a:solidFill>
-                  <a:schemeClr val="bg1">
-                    <a:lumMod val="85000"/>
-                  </a:schemeClr>
-                </a:solidFill>
-              </a:rPr>
-              <a:t>**</a:t>
-            </a:r>
-            <a:endParaRPr lang="en-US" dirty="0" smtClean="0">
-              <a:solidFill>
-                <a:schemeClr val="bg1">
-                  <a:lumMod val="85000"/>
-                </a:schemeClr>
-              </a:solidFill>
-            </a:endParaRPr>
-          </a:p>
-          <a:p>
-            <a:pPr algn="l" rtl="0">
-              <a:buFont typeface="Arial" pitchFamily="34" charset="0"/>
-              <a:buChar char="•"/>
-            </a:pPr>
-            <a:r>
-              <a:rPr lang="en-US" dirty="0" smtClean="0">
-                <a:solidFill>
-                  <a:schemeClr val="bg1">
-                    <a:lumMod val="85000"/>
-                  </a:schemeClr>
-                </a:solidFill>
-              </a:rPr>
-              <a:t>In this paper:</a:t>
-            </a:r>
-          </a:p>
-          <a:p>
-            <a:pPr marL="742950" lvl="1" indent="-285750" algn="l" rtl="0">
-              <a:buFont typeface="Wingdings" panose="05000000000000000000" pitchFamily="2" charset="2"/>
-              <a:buChar char="§"/>
-            </a:pPr>
-            <a:r>
-              <a:rPr lang="en-US" dirty="0" smtClean="0">
-                <a:solidFill>
-                  <a:schemeClr val="bg1">
-                    <a:lumMod val="85000"/>
-                  </a:schemeClr>
-                </a:solidFill>
-              </a:rPr>
-              <a:t>A description of </a:t>
-            </a:r>
-            <a:r>
-              <a:rPr lang="en-US" dirty="0" err="1" smtClean="0">
-                <a:solidFill>
-                  <a:schemeClr val="bg1">
-                    <a:lumMod val="85000"/>
-                  </a:schemeClr>
-                </a:solidFill>
-              </a:rPr>
-              <a:t>Hanabi</a:t>
-            </a:r>
-            <a:r>
-              <a:rPr lang="en-US" dirty="0" smtClean="0">
-                <a:solidFill>
-                  <a:schemeClr val="bg1">
-                    <a:lumMod val="85000"/>
-                  </a:schemeClr>
-                </a:solidFill>
-              </a:rPr>
-              <a:t> strategies based on the mathematical “hat guessing game”.</a:t>
-            </a:r>
-          </a:p>
-          <a:p>
-            <a:pPr marL="800100" lvl="1" indent="-342900" algn="l" rtl="0">
-              <a:buFont typeface="Wingdings" panose="05000000000000000000" pitchFamily="2" charset="2"/>
-              <a:buChar char="§"/>
-            </a:pPr>
-            <a:r>
-              <a:rPr lang="en-US" sz="2000" dirty="0" smtClean="0">
-                <a:solidFill>
-                  <a:schemeClr val="bg1">
-                    <a:lumMod val="85000"/>
-                  </a:schemeClr>
-                </a:solidFill>
-              </a:rPr>
-              <a:t>In the first strategy players can recommend moves for other players (as part of a strategy).</a:t>
-            </a:r>
-          </a:p>
-          <a:p>
-            <a:pPr marL="800100" lvl="1" indent="-342900" algn="l" rtl="0">
-              <a:buFont typeface="Wingdings" panose="05000000000000000000" pitchFamily="2" charset="2"/>
-              <a:buChar char="§"/>
-            </a:pPr>
-            <a:r>
-              <a:rPr lang="en-US" sz="2000" dirty="0" smtClean="0">
-                <a:solidFill>
-                  <a:schemeClr val="bg1">
-                    <a:lumMod val="85000"/>
-                  </a:schemeClr>
-                </a:solidFill>
-              </a:rPr>
-              <a:t>The second strategy allows the player to determine the content of his hand.</a:t>
-            </a:r>
-          </a:p>
-          <a:p>
-            <a:pPr marL="800100" lvl="1" indent="-342900" algn="l" rtl="0">
-              <a:buFont typeface="Wingdings" panose="05000000000000000000" pitchFamily="2" charset="2"/>
-              <a:buChar char="§"/>
-            </a:pPr>
-            <a:r>
-              <a:rPr lang="en-US" sz="2000" dirty="0" smtClean="0">
-                <a:solidFill>
-                  <a:schemeClr val="bg1">
-                    <a:lumMod val="85000"/>
-                  </a:schemeClr>
-                </a:solidFill>
-              </a:rPr>
-              <a:t>Strategies are based on network coding.</a:t>
-            </a:r>
-          </a:p>
-          <a:p>
-            <a:pPr lvl="1" algn="l" rtl="0">
-              <a:buFont typeface="Arial" pitchFamily="34" charset="0"/>
-              <a:buChar char="•"/>
-            </a:pPr>
-            <a:endParaRPr lang="en-US" sz="2000" dirty="0" smtClean="0">
-              <a:solidFill>
-                <a:schemeClr val="bg1">
-                  <a:lumMod val="85000"/>
-                </a:schemeClr>
-              </a:solidFill>
-            </a:endParaRPr>
-          </a:p>
-          <a:p>
-            <a:pPr algn="l" rtl="0"/>
-            <a:r>
-              <a:rPr lang="en-US" sz="800" dirty="0" smtClean="0">
-                <a:solidFill>
-                  <a:schemeClr val="bg1"/>
-                </a:solidFill>
-              </a:rPr>
-              <a:t>**Cox</a:t>
-            </a:r>
-            <a:r>
-              <a:rPr lang="en-US" sz="800" dirty="0">
-                <a:solidFill>
-                  <a:schemeClr val="bg1"/>
-                </a:solidFill>
-              </a:rPr>
-              <a:t>, C., De Silva, J., </a:t>
-            </a:r>
-            <a:r>
-              <a:rPr lang="en-US" sz="800" dirty="0" err="1">
-                <a:solidFill>
-                  <a:schemeClr val="bg1"/>
-                </a:solidFill>
-              </a:rPr>
-              <a:t>Deorsey</a:t>
-            </a:r>
-            <a:r>
-              <a:rPr lang="en-US" sz="800" dirty="0">
-                <a:solidFill>
-                  <a:schemeClr val="bg1"/>
-                </a:solidFill>
-              </a:rPr>
-              <a:t>, P., </a:t>
-            </a:r>
-            <a:r>
-              <a:rPr lang="en-US" sz="800" dirty="0" err="1">
-                <a:solidFill>
-                  <a:schemeClr val="bg1"/>
-                </a:solidFill>
-              </a:rPr>
-              <a:t>Kenter</a:t>
-            </a:r>
-            <a:r>
-              <a:rPr lang="en-US" sz="800" dirty="0">
-                <a:solidFill>
-                  <a:schemeClr val="bg1"/>
-                </a:solidFill>
-              </a:rPr>
-              <a:t>, F. H., </a:t>
-            </a:r>
-            <a:r>
-              <a:rPr lang="en-US" sz="800" dirty="0" err="1">
-                <a:solidFill>
-                  <a:schemeClr val="bg1"/>
-                </a:solidFill>
-              </a:rPr>
-              <a:t>Retter</a:t>
-            </a:r>
-            <a:r>
-              <a:rPr lang="en-US" sz="800" dirty="0">
-                <a:solidFill>
-                  <a:schemeClr val="bg1"/>
-                </a:solidFill>
-              </a:rPr>
-              <a:t>, T., &amp; Tobin, J. (2015). How to make the perfect fireworks display: Two strategies for </a:t>
-            </a:r>
-            <a:r>
-              <a:rPr lang="en-US" sz="800" dirty="0" err="1">
-                <a:solidFill>
-                  <a:schemeClr val="bg1"/>
-                </a:solidFill>
-              </a:rPr>
-              <a:t>hanabi</a:t>
-            </a:r>
-            <a:r>
-              <a:rPr lang="en-US" sz="800" dirty="0">
-                <a:solidFill>
-                  <a:schemeClr val="bg1"/>
-                </a:solidFill>
-              </a:rPr>
-              <a:t>. </a:t>
-            </a:r>
-            <a:r>
-              <a:rPr lang="en-US" sz="800" i="1" dirty="0">
-                <a:solidFill>
-                  <a:schemeClr val="bg1"/>
-                </a:solidFill>
-              </a:rPr>
-              <a:t>Mathematics Magazine</a:t>
-            </a:r>
-            <a:r>
-              <a:rPr lang="en-US" sz="800" dirty="0">
-                <a:solidFill>
-                  <a:schemeClr val="bg1"/>
-                </a:solidFill>
-              </a:rPr>
-              <a:t>, </a:t>
-            </a:r>
-            <a:r>
-              <a:rPr lang="en-US" sz="800" i="1" dirty="0">
-                <a:solidFill>
-                  <a:schemeClr val="bg1"/>
-                </a:solidFill>
-              </a:rPr>
-              <a:t>88</a:t>
-            </a:r>
-            <a:r>
-              <a:rPr lang="en-US" sz="800" dirty="0">
-                <a:solidFill>
-                  <a:schemeClr val="bg1"/>
-                </a:solidFill>
-              </a:rPr>
-              <a:t>(5), 323-336.‏</a:t>
-            </a:r>
-            <a:endParaRPr lang="en-US" sz="800" dirty="0" smtClean="0">
-              <a:solidFill>
-                <a:schemeClr val="bg1"/>
-              </a:solidFill>
-            </a:endParaRPr>
-          </a:p>
-          <a:p>
-            <a:pPr lvl="1" algn="l" rtl="0"/>
-            <a:endParaRPr lang="en-US" sz="2000" dirty="0" smtClean="0">
-              <a:solidFill>
-                <a:schemeClr val="bg1">
-                  <a:lumMod val="85000"/>
-                </a:schemeClr>
-              </a:solidFill>
-            </a:endParaRPr>
-          </a:p>
-          <a:p>
-            <a:pPr lvl="1" algn="l" rtl="0"/>
-            <a:endParaRPr lang="en-US" sz="2000" dirty="0" smtClean="0">
-              <a:solidFill>
-                <a:schemeClr val="bg1">
-                  <a:lumMod val="85000"/>
-                </a:schemeClr>
-              </a:solidFill>
-            </a:endParaRPr>
-          </a:p>
-          <a:p>
-            <a:pPr lvl="1" algn="l" rtl="0"/>
-            <a:endParaRPr lang="en-US" sz="2000" dirty="0" smtClean="0">
-              <a:solidFill>
-                <a:schemeClr val="bg1">
-                  <a:lumMod val="85000"/>
-                </a:schemeClr>
-              </a:solidFill>
-            </a:endParaRPr>
-          </a:p>
-          <a:p>
-            <a:pPr lvl="1" algn="l" rtl="0">
-              <a:buFont typeface="Arial" pitchFamily="34" charset="0"/>
-              <a:buChar char="•"/>
-            </a:pPr>
-            <a:endParaRPr lang="en-US" sz="2000" b="1" dirty="0" smtClean="0">
-              <a:solidFill>
-                <a:schemeClr val="bg1">
-                  <a:lumMod val="85000"/>
-                </a:schemeClr>
-              </a:solidFill>
-            </a:endParaRPr>
-          </a:p>
-        </p:txBody>
-      </p:sp>
-    </p:spTree>
-    <p:extLst>
-      <p:ext uri="{BB962C8B-B14F-4D97-AF65-F5344CB8AC3E}">
-        <p14:creationId xmlns:p14="http://schemas.microsoft.com/office/powerpoint/2010/main" val="990349614"/>
-      </p:ext>
-    </p:extLst>
   </p:cSld>
   <p:clrMapOvr>
     <a:masterClrMapping/>
@@ -11665,7 +11752,17 @@
                   </a:schemeClr>
                 </a:solidFill>
               </a:rPr>
-              <a:t> Develop an agent using genetic programming algorithm that can play the Hanabi game. </a:t>
+              <a:t>Develop </a:t>
+            </a:r>
+            <a:r>
+              <a:rPr lang="en-US" sz="2000" dirty="0" smtClean="0">
+                <a:solidFill>
+                  <a:schemeClr val="bg1">
+                    <a:lumMod val="85000"/>
+                  </a:schemeClr>
+                </a:solidFill>
+              </a:rPr>
+              <a:t>an agent using genetic programming algorithm that can play the Hanabi game. </a:t>
             </a:r>
           </a:p>
           <a:p>
@@ -11681,7 +11778,17 @@
                   </a:schemeClr>
                 </a:solidFill>
               </a:rPr>
-              <a:t> The model gets the game state: desk cards,  discarded cards, players hands, info tokens, etc… </a:t>
+              <a:t>The </a:t>
+            </a:r>
+            <a:r>
+              <a:rPr lang="en-US" sz="2000" dirty="0" smtClean="0">
+                <a:solidFill>
+                  <a:schemeClr val="bg1">
+                    <a:lumMod val="85000"/>
+                  </a:schemeClr>
+                </a:solidFill>
+              </a:rPr>
+              <a:t>model gets the game state: desk cards,  discarded cards, players hands, info tokens, etc… </a:t>
             </a:r>
             <a:endParaRPr lang="en-US" sz="2000" dirty="0" smtClean="0">
               <a:solidFill>

--- a/hanabi (1).pptx
+++ b/hanabi (1).pptx
@@ -5,7 +5,7 @@
     <p:sldMasterId id="2147483696" r:id="rId1"/>
   </p:sldMasterIdLst>
   <p:notesMasterIdLst>
-    <p:notesMasterId r:id="rId17"/>
+    <p:notesMasterId r:id="rId18"/>
   </p:notesMasterIdLst>
   <p:sldIdLst>
     <p:sldId id="256" r:id="rId2"/>
@@ -23,6 +23,7 @@
     <p:sldId id="267" r:id="rId14"/>
     <p:sldId id="266" r:id="rId15"/>
     <p:sldId id="270" r:id="rId16"/>
+    <p:sldId id="273" r:id="rId17"/>
   </p:sldIdLst>
   <p:sldSz cx="9144000" cy="5143500" type="screen16x9"/>
   <p:notesSz cx="6858000" cy="9144000"/>
@@ -5813,7 +5814,7 @@
                 <a:latin typeface="Arial" pitchFamily="34" charset="0"/>
                 <a:cs typeface="Arial" pitchFamily="34" charset="0"/>
               </a:rPr>
-              <a:t>FITNESS FUNCTION</a:t>
+              <a:t>Fitness Function</a:t>
             </a:r>
             <a:endParaRPr lang="he-IL" dirty="0">
               <a:solidFill>
@@ -6656,432 +6657,447 @@
           </a:prstGeom>
         </p:spPr>
       </p:pic>
-      <p:sp>
-        <p:nvSpPr>
-          <p:cNvPr id="3" name="Oval 2"/>
-          <p:cNvSpPr/>
+      <p:grpSp>
+        <p:nvGrpSpPr>
+          <p:cNvPr id="5" name="Group 4"/>
+          <p:cNvGrpSpPr/>
           <p:nvPr/>
-        </p:nvSpPr>
-        <p:spPr>
+        </p:nvGrpSpPr>
+        <p:grpSpPr>
           <a:xfrm>
-            <a:off x="3385004" y="915566"/>
-            <a:ext cx="2123100" cy="788752"/>
+            <a:off x="1907704" y="1059582"/>
+            <a:ext cx="5777584" cy="3816424"/>
+            <a:chOff x="2322808" y="915566"/>
+            <a:chExt cx="5777584" cy="3816424"/>
           </a:xfrm>
-          <a:prstGeom prst="ellipse">
-            <a:avLst/>
-          </a:prstGeom>
-        </p:spPr>
-        <p:style>
-          <a:lnRef idx="2">
-            <a:schemeClr val="accent2"/>
-          </a:lnRef>
-          <a:fillRef idx="1">
-            <a:schemeClr val="lt1"/>
-          </a:fillRef>
-          <a:effectRef idx="0">
-            <a:schemeClr val="accent2"/>
-          </a:effectRef>
-          <a:fontRef idx="minor">
-            <a:schemeClr val="dk1"/>
-          </a:fontRef>
-        </p:style>
-        <p:txBody>
-          <a:bodyPr rtlCol="0" anchor="ctr"/>
-          <a:lstStyle/>
-          <a:p>
-            <a:pPr algn="ctr"/>
-            <a:r>
-              <a:rPr lang="en-US" dirty="0" smtClean="0"/>
-              <a:t>Has playable card</a:t>
-            </a:r>
-            <a:endParaRPr lang="en-US" dirty="0"/>
-          </a:p>
-        </p:txBody>
-      </p:sp>
-      <p:sp>
-        <p:nvSpPr>
-          <p:cNvPr id="9" name="Oval 8"/>
-          <p:cNvSpPr/>
-          <p:nvPr/>
-        </p:nvSpPr>
-        <p:spPr>
-          <a:xfrm>
-            <a:off x="3419872" y="3943238"/>
-            <a:ext cx="2123100" cy="788752"/>
-          </a:xfrm>
-          <a:prstGeom prst="ellipse">
-            <a:avLst/>
-          </a:prstGeom>
-        </p:spPr>
-        <p:style>
-          <a:lnRef idx="2">
-            <a:schemeClr val="accent2"/>
-          </a:lnRef>
-          <a:fillRef idx="1">
-            <a:schemeClr val="lt1"/>
-          </a:fillRef>
-          <a:effectRef idx="0">
-            <a:schemeClr val="accent2"/>
-          </a:effectRef>
-          <a:fontRef idx="minor">
-            <a:schemeClr val="dk1"/>
-          </a:fontRef>
-        </p:style>
-        <p:txBody>
-          <a:bodyPr rtlCol="0" anchor="ctr"/>
-          <a:lstStyle/>
-          <a:p>
-            <a:pPr algn="ctr"/>
-            <a:r>
-              <a:rPr lang="en-US" dirty="0" smtClean="0"/>
-              <a:t>Tell about ones</a:t>
-            </a:r>
-            <a:endParaRPr lang="en-US" dirty="0"/>
-          </a:p>
-        </p:txBody>
-      </p:sp>
-      <p:sp>
-        <p:nvSpPr>
-          <p:cNvPr id="11" name="Oval 10"/>
-          <p:cNvSpPr/>
-          <p:nvPr/>
-        </p:nvSpPr>
-        <p:spPr>
-          <a:xfrm>
-            <a:off x="4572000" y="2431070"/>
-            <a:ext cx="2123100" cy="788752"/>
-          </a:xfrm>
-          <a:prstGeom prst="ellipse">
-            <a:avLst/>
-          </a:prstGeom>
-        </p:spPr>
-        <p:style>
-          <a:lnRef idx="2">
-            <a:schemeClr val="accent2"/>
-          </a:lnRef>
-          <a:fillRef idx="1">
-            <a:schemeClr val="lt1"/>
-          </a:fillRef>
-          <a:effectRef idx="0">
-            <a:schemeClr val="accent2"/>
-          </a:effectRef>
-          <a:fontRef idx="minor">
-            <a:schemeClr val="dk1"/>
-          </a:fontRef>
-        </p:style>
-        <p:txBody>
-          <a:bodyPr rtlCol="0" anchor="ctr"/>
-          <a:lstStyle/>
-          <a:p>
-            <a:pPr algn="ctr"/>
-            <a:r>
-              <a:rPr lang="en-US" dirty="0" smtClean="0"/>
-              <a:t>Can tell about ones</a:t>
-            </a:r>
-            <a:endParaRPr lang="en-US" dirty="0"/>
-          </a:p>
-        </p:txBody>
-      </p:sp>
-      <p:sp>
-        <p:nvSpPr>
-          <p:cNvPr id="13" name="Oval 12"/>
-          <p:cNvSpPr/>
-          <p:nvPr/>
-        </p:nvSpPr>
-        <p:spPr>
-          <a:xfrm>
-            <a:off x="2322808" y="2359062"/>
-            <a:ext cx="2123100" cy="788752"/>
-          </a:xfrm>
-          <a:prstGeom prst="ellipse">
-            <a:avLst/>
-          </a:prstGeom>
-        </p:spPr>
-        <p:style>
-          <a:lnRef idx="2">
-            <a:schemeClr val="accent2"/>
-          </a:lnRef>
-          <a:fillRef idx="1">
-            <a:schemeClr val="lt1"/>
-          </a:fillRef>
-          <a:effectRef idx="0">
-            <a:schemeClr val="accent2"/>
-          </a:effectRef>
-          <a:fontRef idx="minor">
-            <a:schemeClr val="dk1"/>
-          </a:fontRef>
-        </p:style>
-        <p:txBody>
-          <a:bodyPr rtlCol="0" anchor="ctr"/>
-          <a:lstStyle/>
-          <a:p>
-            <a:pPr algn="ctr"/>
-            <a:r>
-              <a:rPr lang="en-US" dirty="0" smtClean="0"/>
-              <a:t>Play playable card</a:t>
-            </a:r>
-            <a:endParaRPr lang="en-US" dirty="0"/>
-          </a:p>
-        </p:txBody>
-      </p:sp>
-      <p:sp>
-        <p:nvSpPr>
-          <p:cNvPr id="16" name="Oval 15"/>
-          <p:cNvSpPr/>
-          <p:nvPr/>
-        </p:nvSpPr>
-        <p:spPr>
-          <a:xfrm>
-            <a:off x="5977292" y="3943238"/>
-            <a:ext cx="2123100" cy="788752"/>
-          </a:xfrm>
-          <a:prstGeom prst="ellipse">
-            <a:avLst/>
-          </a:prstGeom>
-        </p:spPr>
-        <p:style>
-          <a:lnRef idx="2">
-            <a:schemeClr val="accent2"/>
-          </a:lnRef>
-          <a:fillRef idx="1">
-            <a:schemeClr val="lt1"/>
-          </a:fillRef>
-          <a:effectRef idx="0">
-            <a:schemeClr val="accent2"/>
-          </a:effectRef>
-          <a:fontRef idx="minor">
-            <a:schemeClr val="dk1"/>
-          </a:fontRef>
-        </p:style>
-        <p:txBody>
-          <a:bodyPr rtlCol="0" anchor="ctr"/>
-          <a:lstStyle/>
-          <a:p>
-            <a:pPr algn="ctr"/>
-            <a:r>
-              <a:rPr lang="en-US" sz="1400" dirty="0"/>
-              <a:t>Discard oldest card with least </a:t>
-            </a:r>
-            <a:r>
-              <a:rPr lang="en-US" sz="1400" dirty="0" smtClean="0"/>
-              <a:t>info</a:t>
-            </a:r>
-            <a:r>
-              <a:rPr lang="en-US" dirty="0" smtClean="0"/>
-              <a:t> </a:t>
-            </a:r>
-            <a:endParaRPr lang="en-US" dirty="0"/>
-          </a:p>
-        </p:txBody>
-      </p:sp>
-      <p:sp>
-        <p:nvSpPr>
-          <p:cNvPr id="4" name="Right Arrow 3"/>
-          <p:cNvSpPr/>
-          <p:nvPr/>
-        </p:nvSpPr>
-        <p:spPr>
-          <a:xfrm rot="6727453" flipV="1">
-            <a:off x="3161135" y="1776388"/>
-            <a:ext cx="731416" cy="390640"/>
-          </a:xfrm>
-          <a:prstGeom prst="rightArrow">
-            <a:avLst/>
-          </a:prstGeom>
-          <a:noFill/>
-          <a:ln w="28575" cap="flat" cmpd="sng" algn="ctr">
-            <a:solidFill>
+        </p:grpSpPr>
+        <p:sp>
+          <p:nvSpPr>
+            <p:cNvPr id="3" name="Oval 2"/>
+            <p:cNvSpPr/>
+            <p:nvPr/>
+          </p:nvSpPr>
+          <p:spPr>
+            <a:xfrm>
+              <a:off x="3385004" y="915566"/>
+              <a:ext cx="2123100" cy="788752"/>
+            </a:xfrm>
+            <a:prstGeom prst="ellipse">
+              <a:avLst/>
+            </a:prstGeom>
+          </p:spPr>
+          <p:style>
+            <a:lnRef idx="2">
               <a:schemeClr val="accent2"/>
-            </a:solidFill>
-            <a:prstDash val="solid"/>
-            <a:round/>
-            <a:headEnd type="none" w="med" len="med"/>
-            <a:tailEnd type="none" w="med" len="med"/>
-          </a:ln>
-        </p:spPr>
-        <p:style>
-          <a:lnRef idx="0">
-            <a:scrgbClr r="0" g="0" b="0"/>
-          </a:lnRef>
-          <a:fillRef idx="0">
-            <a:scrgbClr r="0" g="0" b="0"/>
-          </a:fillRef>
-          <a:effectRef idx="0">
-            <a:scrgbClr r="0" g="0" b="0"/>
-          </a:effectRef>
-          <a:fontRef idx="minor">
-            <a:schemeClr val="accent2"/>
-          </a:fontRef>
-        </p:style>
-        <p:txBody>
-          <a:bodyPr rtlCol="0" anchor="ctr"/>
-          <a:lstStyle/>
-          <a:p>
-            <a:pPr algn="ctr"/>
-            <a:r>
-              <a:rPr lang="en-US" dirty="0" smtClean="0"/>
-              <a:t>True</a:t>
-            </a:r>
-            <a:endParaRPr lang="en-US" dirty="0"/>
-          </a:p>
-        </p:txBody>
-      </p:sp>
-      <p:sp>
-        <p:nvSpPr>
-          <p:cNvPr id="18" name="Right Arrow 17"/>
-          <p:cNvSpPr/>
-          <p:nvPr/>
-        </p:nvSpPr>
-        <p:spPr>
-          <a:xfrm rot="4038971">
-            <a:off x="4951313" y="1820524"/>
-            <a:ext cx="761784" cy="375062"/>
-          </a:xfrm>
-          <a:prstGeom prst="rightArrow">
-            <a:avLst/>
-          </a:prstGeom>
-          <a:noFill/>
-          <a:ln w="28575" cap="flat" cmpd="sng" algn="ctr">
-            <a:solidFill>
+            </a:lnRef>
+            <a:fillRef idx="1">
+              <a:schemeClr val="lt1"/>
+            </a:fillRef>
+            <a:effectRef idx="0">
               <a:schemeClr val="accent2"/>
-            </a:solidFill>
-            <a:prstDash val="solid"/>
-            <a:round/>
-            <a:headEnd type="none" w="med" len="med"/>
-            <a:tailEnd type="none" w="med" len="med"/>
-          </a:ln>
-        </p:spPr>
-        <p:style>
-          <a:lnRef idx="0">
-            <a:scrgbClr r="0" g="0" b="0"/>
-          </a:lnRef>
-          <a:fillRef idx="0">
-            <a:scrgbClr r="0" g="0" b="0"/>
-          </a:fillRef>
-          <a:effectRef idx="0">
-            <a:scrgbClr r="0" g="0" b="0"/>
-          </a:effectRef>
-          <a:fontRef idx="minor">
-            <a:schemeClr val="accent2"/>
-          </a:fontRef>
-        </p:style>
-        <p:txBody>
-          <a:bodyPr rtlCol="0" anchor="ctr"/>
-          <a:lstStyle/>
-          <a:p>
-            <a:pPr algn="ctr"/>
-            <a:r>
-              <a:rPr lang="en-US" dirty="0" smtClean="0"/>
-              <a:t>False</a:t>
-            </a:r>
-            <a:endParaRPr lang="en-US" dirty="0"/>
-          </a:p>
-        </p:txBody>
-      </p:sp>
-      <p:sp>
-        <p:nvSpPr>
-          <p:cNvPr id="20" name="Right Arrow 19"/>
-          <p:cNvSpPr/>
-          <p:nvPr/>
-        </p:nvSpPr>
-        <p:spPr>
-          <a:xfrm rot="6727453" flipV="1">
-            <a:off x="4457279" y="3356493"/>
-            <a:ext cx="731416" cy="390640"/>
-          </a:xfrm>
-          <a:prstGeom prst="rightArrow">
-            <a:avLst/>
-          </a:prstGeom>
-          <a:noFill/>
-          <a:ln w="28575" cap="flat" cmpd="sng" algn="ctr">
-            <a:solidFill>
+            </a:effectRef>
+            <a:fontRef idx="minor">
+              <a:schemeClr val="dk1"/>
+            </a:fontRef>
+          </p:style>
+          <p:txBody>
+            <a:bodyPr rtlCol="0" anchor="ctr"/>
+            <a:lstStyle/>
+            <a:p>
+              <a:pPr algn="ctr"/>
+              <a:r>
+                <a:rPr lang="en-US" dirty="0" smtClean="0"/>
+                <a:t>Has playable card</a:t>
+              </a:r>
+              <a:endParaRPr lang="en-US" dirty="0"/>
+            </a:p>
+          </p:txBody>
+        </p:sp>
+        <p:sp>
+          <p:nvSpPr>
+            <p:cNvPr id="9" name="Oval 8"/>
+            <p:cNvSpPr/>
+            <p:nvPr/>
+          </p:nvSpPr>
+          <p:spPr>
+            <a:xfrm>
+              <a:off x="3419872" y="3943238"/>
+              <a:ext cx="2123100" cy="788752"/>
+            </a:xfrm>
+            <a:prstGeom prst="ellipse">
+              <a:avLst/>
+            </a:prstGeom>
+          </p:spPr>
+          <p:style>
+            <a:lnRef idx="2">
               <a:schemeClr val="accent2"/>
-            </a:solidFill>
-            <a:prstDash val="solid"/>
-            <a:round/>
-            <a:headEnd type="none" w="med" len="med"/>
-            <a:tailEnd type="none" w="med" len="med"/>
-          </a:ln>
-        </p:spPr>
-        <p:style>
-          <a:lnRef idx="0">
-            <a:scrgbClr r="0" g="0" b="0"/>
-          </a:lnRef>
-          <a:fillRef idx="0">
-            <a:scrgbClr r="0" g="0" b="0"/>
-          </a:fillRef>
-          <a:effectRef idx="0">
-            <a:scrgbClr r="0" g="0" b="0"/>
-          </a:effectRef>
-          <a:fontRef idx="minor">
-            <a:schemeClr val="accent2"/>
-          </a:fontRef>
-        </p:style>
-        <p:txBody>
-          <a:bodyPr rtlCol="0" anchor="ctr"/>
-          <a:lstStyle/>
-          <a:p>
-            <a:pPr algn="ctr"/>
-            <a:r>
-              <a:rPr lang="en-US" dirty="0" smtClean="0"/>
-              <a:t>True</a:t>
-            </a:r>
-            <a:endParaRPr lang="en-US" dirty="0"/>
-          </a:p>
-        </p:txBody>
-      </p:sp>
-      <p:sp>
-        <p:nvSpPr>
-          <p:cNvPr id="21" name="Right Arrow 20"/>
-          <p:cNvSpPr/>
-          <p:nvPr/>
-        </p:nvSpPr>
-        <p:spPr>
-          <a:xfrm rot="4038971">
-            <a:off x="6247457" y="3312025"/>
-            <a:ext cx="761784" cy="375062"/>
-          </a:xfrm>
-          <a:prstGeom prst="rightArrow">
-            <a:avLst/>
-          </a:prstGeom>
-          <a:noFill/>
-          <a:ln w="28575" cap="flat" cmpd="sng" algn="ctr">
-            <a:solidFill>
+            </a:lnRef>
+            <a:fillRef idx="1">
+              <a:schemeClr val="lt1"/>
+            </a:fillRef>
+            <a:effectRef idx="0">
               <a:schemeClr val="accent2"/>
-            </a:solidFill>
-            <a:prstDash val="solid"/>
-            <a:round/>
-            <a:headEnd type="none" w="med" len="med"/>
-            <a:tailEnd type="none" w="med" len="med"/>
-          </a:ln>
-        </p:spPr>
-        <p:style>
-          <a:lnRef idx="0">
-            <a:scrgbClr r="0" g="0" b="0"/>
-          </a:lnRef>
-          <a:fillRef idx="0">
-            <a:scrgbClr r="0" g="0" b="0"/>
-          </a:fillRef>
-          <a:effectRef idx="0">
-            <a:scrgbClr r="0" g="0" b="0"/>
-          </a:effectRef>
-          <a:fontRef idx="minor">
-            <a:schemeClr val="accent2"/>
-          </a:fontRef>
-        </p:style>
-        <p:txBody>
-          <a:bodyPr rtlCol="0" anchor="ctr"/>
-          <a:lstStyle/>
-          <a:p>
-            <a:pPr algn="ctr"/>
-            <a:r>
-              <a:rPr lang="en-US" dirty="0" smtClean="0"/>
-              <a:t>False</a:t>
-            </a:r>
-            <a:endParaRPr lang="en-US" dirty="0"/>
-          </a:p>
-        </p:txBody>
-      </p:sp>
+            </a:effectRef>
+            <a:fontRef idx="minor">
+              <a:schemeClr val="dk1"/>
+            </a:fontRef>
+          </p:style>
+          <p:txBody>
+            <a:bodyPr rtlCol="0" anchor="ctr"/>
+            <a:lstStyle/>
+            <a:p>
+              <a:pPr algn="ctr"/>
+              <a:r>
+                <a:rPr lang="en-US" dirty="0" smtClean="0"/>
+                <a:t>Tell about ones</a:t>
+              </a:r>
+              <a:endParaRPr lang="en-US" dirty="0"/>
+            </a:p>
+          </p:txBody>
+        </p:sp>
+        <p:sp>
+          <p:nvSpPr>
+            <p:cNvPr id="11" name="Oval 10"/>
+            <p:cNvSpPr/>
+            <p:nvPr/>
+          </p:nvSpPr>
+          <p:spPr>
+            <a:xfrm>
+              <a:off x="4572000" y="2431070"/>
+              <a:ext cx="2123100" cy="788752"/>
+            </a:xfrm>
+            <a:prstGeom prst="ellipse">
+              <a:avLst/>
+            </a:prstGeom>
+          </p:spPr>
+          <p:style>
+            <a:lnRef idx="2">
+              <a:schemeClr val="accent2"/>
+            </a:lnRef>
+            <a:fillRef idx="1">
+              <a:schemeClr val="lt1"/>
+            </a:fillRef>
+            <a:effectRef idx="0">
+              <a:schemeClr val="accent2"/>
+            </a:effectRef>
+            <a:fontRef idx="minor">
+              <a:schemeClr val="dk1"/>
+            </a:fontRef>
+          </p:style>
+          <p:txBody>
+            <a:bodyPr rtlCol="0" anchor="ctr"/>
+            <a:lstStyle/>
+            <a:p>
+              <a:pPr algn="ctr"/>
+              <a:r>
+                <a:rPr lang="en-US" dirty="0" smtClean="0"/>
+                <a:t>Can tell about ones</a:t>
+              </a:r>
+              <a:endParaRPr lang="en-US" dirty="0"/>
+            </a:p>
+          </p:txBody>
+        </p:sp>
+        <p:sp>
+          <p:nvSpPr>
+            <p:cNvPr id="13" name="Oval 12"/>
+            <p:cNvSpPr/>
+            <p:nvPr/>
+          </p:nvSpPr>
+          <p:spPr>
+            <a:xfrm>
+              <a:off x="2322808" y="2359062"/>
+              <a:ext cx="2123100" cy="788752"/>
+            </a:xfrm>
+            <a:prstGeom prst="ellipse">
+              <a:avLst/>
+            </a:prstGeom>
+          </p:spPr>
+          <p:style>
+            <a:lnRef idx="2">
+              <a:schemeClr val="accent2"/>
+            </a:lnRef>
+            <a:fillRef idx="1">
+              <a:schemeClr val="lt1"/>
+            </a:fillRef>
+            <a:effectRef idx="0">
+              <a:schemeClr val="accent2"/>
+            </a:effectRef>
+            <a:fontRef idx="minor">
+              <a:schemeClr val="dk1"/>
+            </a:fontRef>
+          </p:style>
+          <p:txBody>
+            <a:bodyPr rtlCol="0" anchor="ctr"/>
+            <a:lstStyle/>
+            <a:p>
+              <a:pPr algn="ctr"/>
+              <a:r>
+                <a:rPr lang="en-US" dirty="0" smtClean="0"/>
+                <a:t>Play playable card</a:t>
+              </a:r>
+              <a:endParaRPr lang="en-US" dirty="0"/>
+            </a:p>
+          </p:txBody>
+        </p:sp>
+        <p:sp>
+          <p:nvSpPr>
+            <p:cNvPr id="16" name="Oval 15"/>
+            <p:cNvSpPr/>
+            <p:nvPr/>
+          </p:nvSpPr>
+          <p:spPr>
+            <a:xfrm>
+              <a:off x="5977292" y="3943238"/>
+              <a:ext cx="2123100" cy="788752"/>
+            </a:xfrm>
+            <a:prstGeom prst="ellipse">
+              <a:avLst/>
+            </a:prstGeom>
+          </p:spPr>
+          <p:style>
+            <a:lnRef idx="2">
+              <a:schemeClr val="accent2"/>
+            </a:lnRef>
+            <a:fillRef idx="1">
+              <a:schemeClr val="lt1"/>
+            </a:fillRef>
+            <a:effectRef idx="0">
+              <a:schemeClr val="accent2"/>
+            </a:effectRef>
+            <a:fontRef idx="minor">
+              <a:schemeClr val="dk1"/>
+            </a:fontRef>
+          </p:style>
+          <p:txBody>
+            <a:bodyPr rtlCol="0" anchor="ctr"/>
+            <a:lstStyle/>
+            <a:p>
+              <a:pPr algn="ctr"/>
+              <a:r>
+                <a:rPr lang="en-US" sz="1400" dirty="0"/>
+                <a:t>Discard oldest card with least </a:t>
+              </a:r>
+              <a:r>
+                <a:rPr lang="en-US" sz="1400" dirty="0" smtClean="0"/>
+                <a:t>info</a:t>
+              </a:r>
+              <a:r>
+                <a:rPr lang="en-US" dirty="0" smtClean="0"/>
+                <a:t> </a:t>
+              </a:r>
+              <a:endParaRPr lang="en-US" dirty="0"/>
+            </a:p>
+          </p:txBody>
+        </p:sp>
+        <p:sp>
+          <p:nvSpPr>
+            <p:cNvPr id="4" name="Right Arrow 3"/>
+            <p:cNvSpPr/>
+            <p:nvPr/>
+          </p:nvSpPr>
+          <p:spPr>
+            <a:xfrm rot="6727453" flipV="1">
+              <a:off x="3161135" y="1776388"/>
+              <a:ext cx="731416" cy="390640"/>
+            </a:xfrm>
+            <a:prstGeom prst="rightArrow">
+              <a:avLst/>
+            </a:prstGeom>
+            <a:noFill/>
+            <a:ln w="28575" cap="flat" cmpd="sng" algn="ctr">
+              <a:solidFill>
+                <a:schemeClr val="accent2"/>
+              </a:solidFill>
+              <a:prstDash val="solid"/>
+              <a:round/>
+              <a:headEnd type="none" w="med" len="med"/>
+              <a:tailEnd type="none" w="med" len="med"/>
+            </a:ln>
+          </p:spPr>
+          <p:style>
+            <a:lnRef idx="0">
+              <a:scrgbClr r="0" g="0" b="0"/>
+            </a:lnRef>
+            <a:fillRef idx="0">
+              <a:scrgbClr r="0" g="0" b="0"/>
+            </a:fillRef>
+            <a:effectRef idx="0">
+              <a:scrgbClr r="0" g="0" b="0"/>
+            </a:effectRef>
+            <a:fontRef idx="minor">
+              <a:schemeClr val="accent2"/>
+            </a:fontRef>
+          </p:style>
+          <p:txBody>
+            <a:bodyPr rtlCol="0" anchor="ctr"/>
+            <a:lstStyle/>
+            <a:p>
+              <a:pPr algn="ctr"/>
+              <a:r>
+                <a:rPr lang="en-US" dirty="0" smtClean="0"/>
+                <a:t>True</a:t>
+              </a:r>
+              <a:endParaRPr lang="en-US" dirty="0"/>
+            </a:p>
+          </p:txBody>
+        </p:sp>
+        <p:sp>
+          <p:nvSpPr>
+            <p:cNvPr id="18" name="Right Arrow 17"/>
+            <p:cNvSpPr/>
+            <p:nvPr/>
+          </p:nvSpPr>
+          <p:spPr>
+            <a:xfrm rot="4038971">
+              <a:off x="4951313" y="1820524"/>
+              <a:ext cx="761784" cy="375062"/>
+            </a:xfrm>
+            <a:prstGeom prst="rightArrow">
+              <a:avLst/>
+            </a:prstGeom>
+            <a:noFill/>
+            <a:ln w="28575" cap="flat" cmpd="sng" algn="ctr">
+              <a:solidFill>
+                <a:schemeClr val="accent2"/>
+              </a:solidFill>
+              <a:prstDash val="solid"/>
+              <a:round/>
+              <a:headEnd type="none" w="med" len="med"/>
+              <a:tailEnd type="none" w="med" len="med"/>
+            </a:ln>
+          </p:spPr>
+          <p:style>
+            <a:lnRef idx="0">
+              <a:scrgbClr r="0" g="0" b="0"/>
+            </a:lnRef>
+            <a:fillRef idx="0">
+              <a:scrgbClr r="0" g="0" b="0"/>
+            </a:fillRef>
+            <a:effectRef idx="0">
+              <a:scrgbClr r="0" g="0" b="0"/>
+            </a:effectRef>
+            <a:fontRef idx="minor">
+              <a:schemeClr val="accent2"/>
+            </a:fontRef>
+          </p:style>
+          <p:txBody>
+            <a:bodyPr rtlCol="0" anchor="ctr"/>
+            <a:lstStyle/>
+            <a:p>
+              <a:pPr algn="ctr"/>
+              <a:r>
+                <a:rPr lang="en-US" dirty="0" smtClean="0"/>
+                <a:t>False</a:t>
+              </a:r>
+              <a:endParaRPr lang="en-US" dirty="0"/>
+            </a:p>
+          </p:txBody>
+        </p:sp>
+        <p:sp>
+          <p:nvSpPr>
+            <p:cNvPr id="20" name="Right Arrow 19"/>
+            <p:cNvSpPr/>
+            <p:nvPr/>
+          </p:nvSpPr>
+          <p:spPr>
+            <a:xfrm rot="6727453" flipV="1">
+              <a:off x="4457279" y="3356493"/>
+              <a:ext cx="731416" cy="390640"/>
+            </a:xfrm>
+            <a:prstGeom prst="rightArrow">
+              <a:avLst/>
+            </a:prstGeom>
+            <a:noFill/>
+            <a:ln w="28575" cap="flat" cmpd="sng" algn="ctr">
+              <a:solidFill>
+                <a:schemeClr val="accent2"/>
+              </a:solidFill>
+              <a:prstDash val="solid"/>
+              <a:round/>
+              <a:headEnd type="none" w="med" len="med"/>
+              <a:tailEnd type="none" w="med" len="med"/>
+            </a:ln>
+          </p:spPr>
+          <p:style>
+            <a:lnRef idx="0">
+              <a:scrgbClr r="0" g="0" b="0"/>
+            </a:lnRef>
+            <a:fillRef idx="0">
+              <a:scrgbClr r="0" g="0" b="0"/>
+            </a:fillRef>
+            <a:effectRef idx="0">
+              <a:scrgbClr r="0" g="0" b="0"/>
+            </a:effectRef>
+            <a:fontRef idx="minor">
+              <a:schemeClr val="accent2"/>
+            </a:fontRef>
+          </p:style>
+          <p:txBody>
+            <a:bodyPr rtlCol="0" anchor="ctr"/>
+            <a:lstStyle/>
+            <a:p>
+              <a:pPr algn="ctr"/>
+              <a:r>
+                <a:rPr lang="en-US" dirty="0" smtClean="0"/>
+                <a:t>True</a:t>
+              </a:r>
+              <a:endParaRPr lang="en-US" dirty="0"/>
+            </a:p>
+          </p:txBody>
+        </p:sp>
+        <p:sp>
+          <p:nvSpPr>
+            <p:cNvPr id="21" name="Right Arrow 20"/>
+            <p:cNvSpPr/>
+            <p:nvPr/>
+          </p:nvSpPr>
+          <p:spPr>
+            <a:xfrm rot="4038971">
+              <a:off x="6247457" y="3312025"/>
+              <a:ext cx="761784" cy="375062"/>
+            </a:xfrm>
+            <a:prstGeom prst="rightArrow">
+              <a:avLst/>
+            </a:prstGeom>
+            <a:noFill/>
+            <a:ln w="28575" cap="flat" cmpd="sng" algn="ctr">
+              <a:solidFill>
+                <a:schemeClr val="accent2"/>
+              </a:solidFill>
+              <a:prstDash val="solid"/>
+              <a:round/>
+              <a:headEnd type="none" w="med" len="med"/>
+              <a:tailEnd type="none" w="med" len="med"/>
+            </a:ln>
+          </p:spPr>
+          <p:style>
+            <a:lnRef idx="0">
+              <a:scrgbClr r="0" g="0" b="0"/>
+            </a:lnRef>
+            <a:fillRef idx="0">
+              <a:scrgbClr r="0" g="0" b="0"/>
+            </a:fillRef>
+            <a:effectRef idx="0">
+              <a:scrgbClr r="0" g="0" b="0"/>
+            </a:effectRef>
+            <a:fontRef idx="minor">
+              <a:schemeClr val="accent2"/>
+            </a:fontRef>
+          </p:style>
+          <p:txBody>
+            <a:bodyPr rtlCol="0" anchor="ctr"/>
+            <a:lstStyle/>
+            <a:p>
+              <a:pPr algn="ctr"/>
+              <a:r>
+                <a:rPr lang="en-US" dirty="0" smtClean="0"/>
+                <a:t>False</a:t>
+              </a:r>
+              <a:endParaRPr lang="en-US" dirty="0"/>
+            </a:p>
+          </p:txBody>
+        </p:sp>
+      </p:grpSp>
     </p:spTree>
     <p:extLst>
       <p:ext uri="{BB962C8B-B14F-4D97-AF65-F5344CB8AC3E}">
@@ -7154,7 +7170,7 @@
                 <a:latin typeface="Arial" pitchFamily="34" charset="0"/>
                 <a:cs typeface="Arial" pitchFamily="34" charset="0"/>
               </a:rPr>
-              <a:t>SIMULATION</a:t>
+              <a:t>Simulation</a:t>
             </a:r>
             <a:endParaRPr lang="he-IL" dirty="0">
               <a:solidFill>
@@ -8297,6 +8313,176 @@
 </p:sld>
 </file>
 
+<file path=ppt/slides/slide16.xml><?xml version="1.0" encoding="utf-8"?>
+<p:sld xmlns:a="http://schemas.openxmlformats.org/drawingml/2006/main" xmlns:r="http://schemas.openxmlformats.org/officeDocument/2006/relationships" xmlns:p="http://schemas.openxmlformats.org/presentationml/2006/main">
+  <p:cSld>
+    <p:bg>
+      <p:bgPr>
+        <a:solidFill>
+          <a:schemeClr val="tx1"/>
+        </a:solidFill>
+        <a:effectLst/>
+      </p:bgPr>
+    </p:bg>
+    <p:spTree>
+      <p:nvGrpSpPr>
+        <p:cNvPr id="1" name=""/>
+        <p:cNvGrpSpPr/>
+        <p:nvPr/>
+      </p:nvGrpSpPr>
+      <p:grpSpPr>
+        <a:xfrm>
+          <a:off x="0" y="0"/>
+          <a:ext cx="0" cy="0"/>
+          <a:chOff x="0" y="0"/>
+          <a:chExt cx="0" cy="0"/>
+        </a:xfrm>
+      </p:grpSpPr>
+      <p:pic>
+        <p:nvPicPr>
+          <p:cNvPr id="3074" name="Picture 2" descr="photo of firework display"/>
+          <p:cNvPicPr>
+            <a:picLocks noChangeAspect="1" noChangeArrowheads="1"/>
+          </p:cNvPicPr>
+          <p:nvPr/>
+        </p:nvPicPr>
+        <p:blipFill>
+          <a:blip r:embed="rId2">
+            <a:extLst>
+              <a:ext uri="{28A0092B-C50C-407E-A947-70E740481C1C}">
+                <a14:useLocalDpi xmlns:a14="http://schemas.microsoft.com/office/drawing/2010/main" val="0"/>
+              </a:ext>
+            </a:extLst>
+          </a:blip>
+          <a:srcRect/>
+          <a:stretch>
+            <a:fillRect/>
+          </a:stretch>
+        </p:blipFill>
+        <p:spPr bwMode="auto">
+          <a:xfrm>
+            <a:off x="0" y="0"/>
+            <a:ext cx="9111168" cy="5143500"/>
+          </a:xfrm>
+          <a:prstGeom prst="rect">
+            <a:avLst/>
+          </a:prstGeom>
+          <a:noFill/>
+          <a:extLst>
+            <a:ext uri="{909E8E84-426E-40DD-AFC4-6F175D3DCCD1}">
+              <a14:hiddenFill xmlns:a14="http://schemas.microsoft.com/office/drawing/2010/main">
+                <a:solidFill>
+                  <a:srgbClr val="FFFFFF"/>
+                </a:solidFill>
+              </a14:hiddenFill>
+            </a:ext>
+          </a:extLst>
+        </p:spPr>
+      </p:pic>
+      <p:sp>
+        <p:nvSpPr>
+          <p:cNvPr id="2" name="Rectangle 1"/>
+          <p:cNvSpPr/>
+          <p:nvPr/>
+        </p:nvSpPr>
+        <p:spPr>
+          <a:xfrm>
+            <a:off x="2824854" y="2110085"/>
+            <a:ext cx="3461460" cy="923330"/>
+          </a:xfrm>
+          <a:prstGeom prst="rect">
+            <a:avLst/>
+          </a:prstGeom>
+          <a:noFill/>
+        </p:spPr>
+        <p:txBody>
+          <a:bodyPr wrap="none" lIns="91440" tIns="45720" rIns="91440" bIns="45720">
+            <a:spAutoFit/>
+          </a:bodyPr>
+          <a:lstStyle/>
+          <a:p>
+            <a:pPr algn="ctr"/>
+            <a:r>
+              <a:rPr lang="en-US" sz="5400" b="1" spc="50" dirty="0" smtClean="0">
+                <a:ln w="9525" cmpd="sng">
+                  <a:solidFill>
+                    <a:schemeClr val="tx1"/>
+                  </a:solidFill>
+                  <a:prstDash val="solid"/>
+                </a:ln>
+                <a:solidFill>
+                  <a:srgbClr val="FFFF00"/>
+                </a:solidFill>
+                <a:effectLst>
+                  <a:glow rad="38100">
+                    <a:schemeClr val="accent1">
+                      <a:alpha val="40000"/>
+                    </a:schemeClr>
+                  </a:glow>
+                </a:effectLst>
+              </a:rPr>
+              <a:t>Questions?</a:t>
+            </a:r>
+            <a:endParaRPr lang="en-US" sz="5400" b="1" spc="50" dirty="0">
+              <a:ln w="9525" cmpd="sng">
+                <a:solidFill>
+                  <a:schemeClr val="tx1"/>
+                </a:solidFill>
+                <a:prstDash val="solid"/>
+              </a:ln>
+              <a:solidFill>
+                <a:srgbClr val="FFFF00"/>
+              </a:solidFill>
+              <a:effectLst>
+                <a:glow rad="38100">
+                  <a:schemeClr val="accent1">
+                    <a:alpha val="40000"/>
+                  </a:schemeClr>
+                </a:glow>
+              </a:effectLst>
+            </a:endParaRPr>
+          </a:p>
+        </p:txBody>
+      </p:sp>
+      <p:sp>
+        <p:nvSpPr>
+          <p:cNvPr id="3" name="Content Placeholder 2"/>
+          <p:cNvSpPr>
+            <a:spLocks noGrp="1"/>
+          </p:cNvSpPr>
+          <p:nvPr>
+            <p:ph idx="1"/>
+          </p:nvPr>
+        </p:nvSpPr>
+        <p:spPr/>
+        <p:txBody>
+          <a:bodyPr/>
+          <a:lstStyle/>
+          <a:p>
+            <a:endParaRPr lang="en-US" dirty="0"/>
+          </a:p>
+        </p:txBody>
+      </p:sp>
+    </p:spTree>
+    <p:extLst>
+      <p:ext uri="{BB962C8B-B14F-4D97-AF65-F5344CB8AC3E}">
+        <p14:creationId xmlns:p14="http://schemas.microsoft.com/office/powerpoint/2010/main" val="1444598446"/>
+      </p:ext>
+    </p:extLst>
+  </p:cSld>
+  <p:clrMapOvr>
+    <a:masterClrMapping/>
+  </p:clrMapOvr>
+  <p:timing>
+    <p:tnLst>
+      <p:par>
+        <p:cTn id="1" dur="indefinite" restart="never" nodeType="tmRoot"/>
+      </p:par>
+    </p:tnLst>
+  </p:timing>
+</p:sld>
+</file>
+
 <file path=ppt/slides/slide2.xml><?xml version="1.0" encoding="utf-8"?>
 <p:sld xmlns:a="http://schemas.openxmlformats.org/drawingml/2006/main" xmlns:r="http://schemas.openxmlformats.org/officeDocument/2006/relationships" xmlns:p="http://schemas.openxmlformats.org/presentationml/2006/main">
   <p:cSld>
@@ -10012,7 +10198,7 @@
           <a:lstStyle/>
           <a:p>
             <a:r>
-              <a:rPr lang="en-US" dirty="0" smtClean="0">
+              <a:rPr lang="en-US" dirty="0">
                 <a:solidFill>
                   <a:schemeClr val="bg1">
                     <a:lumMod val="85000"/>
@@ -10021,7 +10207,7 @@
                 <a:latin typeface="Arial" pitchFamily="34" charset="0"/>
                 <a:cs typeface="Arial" pitchFamily="34" charset="0"/>
               </a:rPr>
-              <a:t>PREVIOUS WORKS</a:t>
+              <a:t>Previous Work</a:t>
             </a:r>
             <a:endParaRPr lang="he-IL" dirty="0">
               <a:solidFill>
@@ -11607,7 +11793,7 @@
                 <a:latin typeface="Arial" pitchFamily="34" charset="0"/>
                 <a:cs typeface="Arial" pitchFamily="34" charset="0"/>
               </a:rPr>
-              <a:t>OUR GOAL</a:t>
+              <a:t>Our Goal</a:t>
             </a:r>
             <a:endParaRPr lang="he-IL" dirty="0">
               <a:solidFill>

--- a/hanabi (1).pptx
+++ b/hanabi (1).pptx
@@ -5,7 +5,7 @@
     <p:sldMasterId id="2147483696" r:id="rId1"/>
   </p:sldMasterIdLst>
   <p:notesMasterIdLst>
-    <p:notesMasterId r:id="rId18"/>
+    <p:notesMasterId r:id="rId19"/>
   </p:notesMasterIdLst>
   <p:sldIdLst>
     <p:sldId id="256" r:id="rId2"/>
@@ -24,6 +24,7 @@
     <p:sldId id="266" r:id="rId15"/>
     <p:sldId id="270" r:id="rId16"/>
     <p:sldId id="273" r:id="rId17"/>
+    <p:sldId id="274" r:id="rId18"/>
   </p:sldIdLst>
   <p:sldSz cx="9144000" cy="5143500" type="screen16x9"/>
   <p:notesSz cx="6858000" cy="9144000"/>
@@ -8483,6 +8484,92 @@
 </p:sld>
 </file>
 
+<file path=ppt/slides/slide17.xml><?xml version="1.0" encoding="utf-8"?>
+<p:sld xmlns:a="http://schemas.openxmlformats.org/drawingml/2006/main" xmlns:r="http://schemas.openxmlformats.org/officeDocument/2006/relationships" xmlns:p="http://schemas.openxmlformats.org/presentationml/2006/main">
+  <p:cSld>
+    <p:bg>
+      <p:bgPr>
+        <a:solidFill>
+          <a:schemeClr val="tx1"/>
+        </a:solidFill>
+        <a:effectLst/>
+      </p:bgPr>
+    </p:bg>
+    <p:spTree>
+      <p:nvGrpSpPr>
+        <p:cNvPr id="1" name=""/>
+        <p:cNvGrpSpPr/>
+        <p:nvPr/>
+      </p:nvGrpSpPr>
+      <p:grpSpPr>
+        <a:xfrm>
+          <a:off x="0" y="0"/>
+          <a:ext cx="0" cy="0"/>
+          <a:chOff x="0" y="0"/>
+          <a:chExt cx="0" cy="0"/>
+        </a:xfrm>
+      </p:grpSpPr>
+      <p:pic>
+        <p:nvPicPr>
+          <p:cNvPr id="5" name="Picture 2" descr="×ª××¦××ª ×ª××× × ×¢×××¨ âªgame overâ¬â"/>
+          <p:cNvPicPr>
+            <a:picLocks noChangeAspect="1" noChangeArrowheads="1"/>
+          </p:cNvPicPr>
+          <p:nvPr/>
+        </p:nvPicPr>
+        <p:blipFill>
+          <a:blip r:embed="rId2">
+            <a:extLst>
+              <a:ext uri="{28A0092B-C50C-407E-A947-70E740481C1C}">
+                <a14:useLocalDpi xmlns:a14="http://schemas.microsoft.com/office/drawing/2010/main" val="0"/>
+              </a:ext>
+            </a:extLst>
+          </a:blip>
+          <a:srcRect/>
+          <a:stretch>
+            <a:fillRect/>
+          </a:stretch>
+        </p:blipFill>
+        <p:spPr bwMode="auto">
+          <a:xfrm>
+            <a:off x="2267744" y="123478"/>
+            <a:ext cx="4796036" cy="4796036"/>
+          </a:xfrm>
+          <a:prstGeom prst="rect">
+            <a:avLst/>
+          </a:prstGeom>
+          <a:noFill/>
+          <a:extLst>
+            <a:ext uri="{909E8E84-426E-40DD-AFC4-6F175D3DCCD1}">
+              <a14:hiddenFill xmlns:a14="http://schemas.microsoft.com/office/drawing/2010/main">
+                <a:solidFill>
+                  <a:srgbClr val="FFFFFF"/>
+                </a:solidFill>
+              </a14:hiddenFill>
+            </a:ext>
+          </a:extLst>
+        </p:spPr>
+      </p:pic>
+    </p:spTree>
+    <p:extLst>
+      <p:ext uri="{BB962C8B-B14F-4D97-AF65-F5344CB8AC3E}">
+        <p14:creationId xmlns:p14="http://schemas.microsoft.com/office/powerpoint/2010/main" val="118676881"/>
+      </p:ext>
+    </p:extLst>
+  </p:cSld>
+  <p:clrMapOvr>
+    <a:masterClrMapping/>
+  </p:clrMapOvr>
+  <p:timing>
+    <p:tnLst>
+      <p:par>
+        <p:cTn id="1" dur="indefinite" restart="never" nodeType="tmRoot"/>
+      </p:par>
+    </p:tnLst>
+  </p:timing>
+</p:sld>
+</file>
+
 <file path=ppt/slides/slide2.xml><?xml version="1.0" encoding="utf-8"?>
 <p:sld xmlns:a="http://schemas.openxmlformats.org/drawingml/2006/main" xmlns:r="http://schemas.openxmlformats.org/officeDocument/2006/relationships" xmlns:p="http://schemas.openxmlformats.org/presentationml/2006/main">
   <p:cSld>

--- a/hanabi (1).pptx
+++ b/hanabi (1).pptx
@@ -1891,7 +1891,7 @@
             <a:fld id="{555AB46F-D0DD-4299-A227-5787DFAC4E78}" type="datetimeFigureOut">
               <a:rPr lang="he-IL" smtClean="0"/>
               <a:pPr/>
-              <a:t>ב'/שבט/תשע"ט</a:t>
+              <a:t>ג'/שבט/תשע"ט</a:t>
             </a:fld>
             <a:endParaRPr lang="he-IL"/>
           </a:p>
@@ -2760,7 +2760,7 @@
             <a:fld id="{0BAAA6C0-FC25-41E4-8636-655D3F15062E}" type="datetimeFigureOut">
               <a:rPr lang="he-IL" smtClean="0"/>
               <a:pPr/>
-              <a:t>ב'/שבט/תשע"ט</a:t>
+              <a:t>ג'/שבט/תשע"ט</a:t>
             </a:fld>
             <a:endParaRPr lang="he-IL"/>
           </a:p>
@@ -2927,7 +2927,7 @@
             <a:fld id="{0BAAA6C0-FC25-41E4-8636-655D3F15062E}" type="datetimeFigureOut">
               <a:rPr lang="he-IL" smtClean="0"/>
               <a:pPr/>
-              <a:t>ב'/שבט/תשע"ט</a:t>
+              <a:t>ג'/שבט/תשע"ט</a:t>
             </a:fld>
             <a:endParaRPr lang="he-IL"/>
           </a:p>
@@ -3104,7 +3104,7 @@
             <a:fld id="{0BAAA6C0-FC25-41E4-8636-655D3F15062E}" type="datetimeFigureOut">
               <a:rPr lang="he-IL" smtClean="0"/>
               <a:pPr/>
-              <a:t>ב'/שבט/תשע"ט</a:t>
+              <a:t>ג'/שבט/תשע"ט</a:t>
             </a:fld>
             <a:endParaRPr lang="he-IL"/>
           </a:p>
@@ -3271,7 +3271,7 @@
             <a:fld id="{0BAAA6C0-FC25-41E4-8636-655D3F15062E}" type="datetimeFigureOut">
               <a:rPr lang="he-IL" smtClean="0"/>
               <a:pPr/>
-              <a:t>ב'/שבט/תשע"ט</a:t>
+              <a:t>ג'/שבט/תשע"ט</a:t>
             </a:fld>
             <a:endParaRPr lang="he-IL"/>
           </a:p>
@@ -3514,7 +3514,7 @@
             <a:fld id="{0BAAA6C0-FC25-41E4-8636-655D3F15062E}" type="datetimeFigureOut">
               <a:rPr lang="he-IL" smtClean="0"/>
               <a:pPr/>
-              <a:t>ב'/שבט/תשע"ט</a:t>
+              <a:t>ג'/שבט/תשע"ט</a:t>
             </a:fld>
             <a:endParaRPr lang="he-IL"/>
           </a:p>
@@ -3799,7 +3799,7 @@
             <a:fld id="{0BAAA6C0-FC25-41E4-8636-655D3F15062E}" type="datetimeFigureOut">
               <a:rPr lang="he-IL" smtClean="0"/>
               <a:pPr/>
-              <a:t>ב'/שבט/תשע"ט</a:t>
+              <a:t>ג'/שבט/תשע"ט</a:t>
             </a:fld>
             <a:endParaRPr lang="he-IL"/>
           </a:p>
@@ -4223,7 +4223,7 @@
             <a:fld id="{0BAAA6C0-FC25-41E4-8636-655D3F15062E}" type="datetimeFigureOut">
               <a:rPr lang="he-IL" smtClean="0"/>
               <a:pPr/>
-              <a:t>ב'/שבט/תשע"ט</a:t>
+              <a:t>ג'/שבט/תשע"ט</a:t>
             </a:fld>
             <a:endParaRPr lang="he-IL"/>
           </a:p>
@@ -4338,7 +4338,7 @@
             <a:fld id="{0BAAA6C0-FC25-41E4-8636-655D3F15062E}" type="datetimeFigureOut">
               <a:rPr lang="he-IL" smtClean="0"/>
               <a:pPr/>
-              <a:t>ב'/שבט/תשע"ט</a:t>
+              <a:t>ג'/שבט/תשע"ט</a:t>
             </a:fld>
             <a:endParaRPr lang="he-IL"/>
           </a:p>
@@ -4430,7 +4430,7 @@
             <a:fld id="{0BAAA6C0-FC25-41E4-8636-655D3F15062E}" type="datetimeFigureOut">
               <a:rPr lang="he-IL" smtClean="0"/>
               <a:pPr/>
-              <a:t>ב'/שבט/תשע"ט</a:t>
+              <a:t>ג'/שבט/תשע"ט</a:t>
             </a:fld>
             <a:endParaRPr lang="he-IL"/>
           </a:p>
@@ -4704,7 +4704,7 @@
             <a:fld id="{0BAAA6C0-FC25-41E4-8636-655D3F15062E}" type="datetimeFigureOut">
               <a:rPr lang="he-IL" smtClean="0"/>
               <a:pPr/>
-              <a:t>ב'/שבט/תשע"ט</a:t>
+              <a:t>ג'/שבט/תשע"ט</a:t>
             </a:fld>
             <a:endParaRPr lang="he-IL"/>
           </a:p>
@@ -4954,7 +4954,7 @@
             <a:fld id="{0BAAA6C0-FC25-41E4-8636-655D3F15062E}" type="datetimeFigureOut">
               <a:rPr lang="he-IL" smtClean="0"/>
               <a:pPr/>
-              <a:t>ב'/שבט/תשע"ט</a:t>
+              <a:t>ג'/שבט/תשע"ט</a:t>
             </a:fld>
             <a:endParaRPr lang="he-IL"/>
           </a:p>
@@ -5164,7 +5164,7 @@
             <a:fld id="{0BAAA6C0-FC25-41E4-8636-655D3F15062E}" type="datetimeFigureOut">
               <a:rPr lang="he-IL" smtClean="0"/>
               <a:pPr/>
-              <a:t>ב'/שבט/תשע"ט</a:t>
+              <a:t>ג'/שבט/תשע"ט</a:t>
             </a:fld>
             <a:endParaRPr lang="he-IL"/>
           </a:p>
@@ -5960,35 +5960,8 @@
                   </a:schemeClr>
                 </a:solidFill>
               </a:rPr>
-              <a:t>The </a:t>
-            </a:r>
-            <a:r>
-              <a:rPr lang="en-US" dirty="0" smtClean="0">
-                <a:solidFill>
-                  <a:schemeClr val="bg1">
-                    <a:lumMod val="85000"/>
-                  </a:schemeClr>
-                </a:solidFill>
-              </a:rPr>
-              <a:t>Fitness function is simply running a simulation of a game N times and computing the </a:t>
-            </a:r>
-            <a:r>
-              <a:rPr lang="en-US" dirty="0" smtClean="0">
-                <a:solidFill>
-                  <a:schemeClr val="bg1">
-                    <a:lumMod val="85000"/>
-                  </a:schemeClr>
-                </a:solidFill>
-              </a:rPr>
-              <a:t>average result.</a:t>
-            </a:r>
-            <a:endParaRPr lang="en-US" dirty="0" smtClean="0">
-              <a:solidFill>
-                <a:schemeClr val="bg1">
-                  <a:lumMod val="85000"/>
-                </a:schemeClr>
-              </a:solidFill>
-            </a:endParaRPr>
+              <a:t>The Fitness function is simply running a simulation of a game N times and computing the average result.</a:t>
+            </a:r>
           </a:p>
           <a:p>
             <a:pPr algn="l" rtl="0">
@@ -6306,13 +6279,6 @@
               </a:rPr>
               <a:t>A Terminal in the tree is an action to be preformed.</a:t>
             </a:r>
-            <a:endParaRPr lang="en-US" sz="2000" dirty="0" smtClean="0">
-              <a:solidFill>
-                <a:schemeClr val="bg1">
-                  <a:lumMod val="85000"/>
-                </a:schemeClr>
-              </a:solidFill>
-            </a:endParaRPr>
           </a:p>
           <a:p>
             <a:pPr algn="l" rtl="0">
@@ -6441,13 +6407,6 @@
               </a:rPr>
               <a:t>Discard oldest card with least info</a:t>
             </a:r>
-            <a:endParaRPr lang="en-US" sz="2000" dirty="0" smtClean="0">
-              <a:solidFill>
-                <a:schemeClr val="bg1">
-                  <a:lumMod val="85000"/>
-                </a:schemeClr>
-              </a:solidFill>
-            </a:endParaRPr>
           </a:p>
         </p:txBody>
       </p:sp>
@@ -7332,11 +7291,6 @@
               </a:rPr>
               <a:t> ( Distributed Evolutionary Algorithm Programming).</a:t>
             </a:r>
-            <a:endParaRPr lang="en-US" sz="2000" dirty="0" smtClean="0">
-              <a:solidFill>
-                <a:schemeClr val="bg1"/>
-              </a:solidFill>
-            </a:endParaRPr>
           </a:p>
           <a:p>
             <a:pPr algn="l" rtl="0">
@@ -7349,7 +7303,7 @@
                   <a:schemeClr val="bg1"/>
                 </a:solidFill>
               </a:rPr>
-              <a:t>Our </a:t>
+              <a:t>Our Parameters for the </a:t>
             </a:r>
             <a:r>
               <a:rPr lang="en-US" sz="2000" dirty="0" smtClean="0">
@@ -7357,7 +7311,7 @@
                   <a:schemeClr val="bg1"/>
                 </a:solidFill>
               </a:rPr>
-              <a:t>Parameters for the simulation</a:t>
+              <a:t>first simulation</a:t>
             </a:r>
             <a:r>
               <a:rPr lang="en-US" sz="2000" dirty="0" smtClean="0">
@@ -7367,11 +7321,6 @@
               </a:rPr>
               <a:t>:</a:t>
             </a:r>
-            <a:endParaRPr lang="en-US" sz="2000" dirty="0" smtClean="0">
-              <a:solidFill>
-                <a:schemeClr val="bg1"/>
-              </a:solidFill>
-            </a:endParaRPr>
           </a:p>
         </p:txBody>
       </p:sp>
@@ -8239,13 +8188,6 @@
               </a:rPr>
               <a:t>Implement new rules and queries.</a:t>
             </a:r>
-            <a:endParaRPr lang="en-US" sz="2000" dirty="0" smtClean="0">
-              <a:solidFill>
-                <a:schemeClr val="bg1">
-                  <a:lumMod val="85000"/>
-                </a:schemeClr>
-              </a:solidFill>
-            </a:endParaRPr>
           </a:p>
           <a:p>
             <a:pPr lvl="1" algn="l" rtl="0">
@@ -9117,17 +9059,7 @@
                   </a:schemeClr>
                 </a:solidFill>
               </a:rPr>
-              <a:t>The </a:t>
-            </a:r>
-            <a:r>
-              <a:rPr lang="en-US" sz="2400" b="1" dirty="0" smtClean="0">
-                <a:solidFill>
-                  <a:schemeClr val="bg1">
-                    <a:lumMod val="85000"/>
-                  </a:schemeClr>
-                </a:solidFill>
-              </a:rPr>
-              <a:t>game:</a:t>
+              <a:t>The game:</a:t>
             </a:r>
             <a:endParaRPr lang="he-IL" sz="2400" b="1" dirty="0">
               <a:solidFill>
@@ -9462,17 +9394,7 @@
                   </a:schemeClr>
                 </a:solidFill>
               </a:rPr>
-              <a:t>Players </a:t>
-            </a:r>
-            <a:r>
-              <a:rPr lang="en-US" dirty="0" smtClean="0">
-                <a:solidFill>
-                  <a:schemeClr val="bg1">
-                    <a:lumMod val="85000"/>
-                  </a:schemeClr>
-                </a:solidFill>
-              </a:rPr>
-              <a:t>cannot see their own cards but can see the other player’s cards. </a:t>
+              <a:t>Players cannot see their own cards but can see the other player’s cards. </a:t>
             </a:r>
           </a:p>
           <a:p>
@@ -9488,17 +9410,7 @@
                   </a:schemeClr>
                 </a:solidFill>
               </a:rPr>
-              <a:t>The </a:t>
-            </a:r>
-            <a:r>
-              <a:rPr lang="en-US" dirty="0" smtClean="0">
-                <a:solidFill>
-                  <a:schemeClr val="bg1">
-                    <a:lumMod val="85000"/>
-                  </a:schemeClr>
-                </a:solidFill>
-              </a:rPr>
-              <a:t>goal of the group is to make series from 1 to 5 in every color.</a:t>
+              <a:t>The goal of the group is to make series from 1 to 5 in every color.</a:t>
             </a:r>
           </a:p>
           <a:p>
@@ -9514,17 +9426,7 @@
                   </a:schemeClr>
                 </a:solidFill>
               </a:rPr>
-              <a:t>In </a:t>
-            </a:r>
-            <a:r>
-              <a:rPr lang="en-US" dirty="0" smtClean="0">
-                <a:solidFill>
-                  <a:schemeClr val="bg1">
-                    <a:lumMod val="85000"/>
-                  </a:schemeClr>
-                </a:solidFill>
-              </a:rPr>
-              <a:t>each player’s turn, the player can:</a:t>
+              <a:t>In each player’s turn, the player can:</a:t>
             </a:r>
           </a:p>
           <a:p>
@@ -9586,25 +9488,8 @@
                   </a:schemeClr>
                 </a:solidFill>
               </a:rPr>
-              <a:t>3.   choose to play a card from his </a:t>
-            </a:r>
-            <a:r>
-              <a:rPr lang="en-US" dirty="0" smtClean="0">
-                <a:solidFill>
-                  <a:schemeClr val="bg1">
-                    <a:lumMod val="85000"/>
-                  </a:schemeClr>
-                </a:solidFill>
-              </a:rPr>
-              <a:t>hand</a:t>
-            </a:r>
-            <a:endParaRPr lang="en-US" dirty="0" smtClean="0">
-              <a:solidFill>
-                <a:schemeClr val="bg1">
-                  <a:lumMod val="85000"/>
-                </a:schemeClr>
-              </a:solidFill>
-            </a:endParaRPr>
+              <a:t>3.   choose to play a card from his hand</a:t>
+            </a:r>
           </a:p>
           <a:p>
             <a:pPr marL="1200150" lvl="2" indent="-285750" algn="l" rtl="0">
@@ -9923,27 +9808,7 @@
                   </a:schemeClr>
                 </a:solidFill>
               </a:rPr>
-              <a:t>There </a:t>
-            </a:r>
-            <a:r>
-              <a:rPr lang="en-US" sz="2000" dirty="0" smtClean="0">
-                <a:solidFill>
-                  <a:schemeClr val="bg1">
-                    <a:lumMod val="85000"/>
-                  </a:schemeClr>
-                </a:solidFill>
-              </a:rPr>
-              <a:t>are numerous </a:t>
-            </a:r>
-            <a:r>
-              <a:rPr lang="en-US" sz="2000" dirty="0" smtClean="0">
-                <a:solidFill>
-                  <a:schemeClr val="bg1">
-                    <a:lumMod val="85000"/>
-                  </a:schemeClr>
-                </a:solidFill>
-              </a:rPr>
-              <a:t>works in the Game Theory field based on the </a:t>
+              <a:t>There are numerous works in the Game Theory field based on the </a:t>
             </a:r>
             <a:r>
               <a:rPr lang="en-US" sz="2000" dirty="0" err="1" smtClean="0">
@@ -10009,27 +9874,7 @@
                   </a:schemeClr>
                 </a:solidFill>
               </a:rPr>
-              <a:t> </a:t>
-            </a:r>
-            <a:r>
-              <a:rPr lang="en-US" sz="2000" b="1" dirty="0" smtClean="0">
-                <a:solidFill>
-                  <a:schemeClr val="bg1">
-                    <a:lumMod val="85000"/>
-                  </a:schemeClr>
-                </a:solidFill>
-              </a:rPr>
-              <a:t>game was proven to be NP-complete (even for cheaters who look at their cards</a:t>
-            </a:r>
-            <a:r>
-              <a:rPr lang="en-US" sz="2000" b="1" dirty="0" smtClean="0">
-                <a:solidFill>
-                  <a:schemeClr val="bg1">
-                    <a:lumMod val="85000"/>
-                  </a:schemeClr>
-                </a:solidFill>
-              </a:rPr>
-              <a:t>)**.</a:t>
+              <a:t> game was proven to be NP-complete (even for cheaters who look at their cards)**.</a:t>
             </a:r>
           </a:p>
           <a:p>
@@ -10576,17 +10421,7 @@
                   </a:schemeClr>
                 </a:solidFill>
               </a:rPr>
-              <a:t>Strategies are based on network coding</a:t>
-            </a:r>
-            <a:r>
-              <a:rPr lang="en-US" sz="2000" dirty="0" smtClean="0">
-                <a:solidFill>
-                  <a:schemeClr val="bg1">
-                    <a:lumMod val="85000"/>
-                  </a:schemeClr>
-                </a:solidFill>
-              </a:rPr>
-              <a:t>.</a:t>
+              <a:t>Strategies are based on network coding.</a:t>
             </a:r>
           </a:p>
           <a:p>
@@ -10628,15 +10463,7 @@
                   <a:schemeClr val="bg1"/>
                 </a:solidFill>
               </a:rPr>
-              <a:t>**</a:t>
-            </a:r>
-            <a:r>
-              <a:rPr lang="en-US" sz="800" dirty="0" smtClean="0">
-                <a:solidFill>
-                  <a:schemeClr val="bg1"/>
-                </a:solidFill>
-              </a:rPr>
-              <a:t>Cox</a:t>
+              <a:t>**Cox</a:t>
             </a:r>
             <a:r>
               <a:rPr lang="en-US" sz="800" dirty="0">
@@ -11010,27 +10837,7 @@
                   </a:schemeClr>
                 </a:solidFill>
               </a:rPr>
-              <a:t>Evolving </a:t>
-            </a:r>
-            <a:r>
-              <a:rPr lang="en-US" b="1" dirty="0" smtClean="0">
-                <a:solidFill>
-                  <a:schemeClr val="bg1">
-                    <a:lumMod val="85000"/>
-                  </a:schemeClr>
-                </a:solidFill>
-              </a:rPr>
-              <a:t>Agents for the Hanabi 2018 CIG </a:t>
-            </a:r>
-            <a:r>
-              <a:rPr lang="en-US" b="1" dirty="0" smtClean="0">
-                <a:solidFill>
-                  <a:schemeClr val="bg1">
-                    <a:lumMod val="85000"/>
-                  </a:schemeClr>
-                </a:solidFill>
-              </a:rPr>
-              <a:t>Competition (</a:t>
+              <a:t>Evolving Agents for the Hanabi 2018 CIG Competition (</a:t>
             </a:r>
             <a:r>
               <a:rPr lang="en-US" i="1" dirty="0">
@@ -11072,17 +10879,7 @@
                   </a:schemeClr>
                 </a:solidFill>
               </a:rPr>
-              <a:t>In </a:t>
-            </a:r>
-            <a:r>
-              <a:rPr lang="en-US" dirty="0" smtClean="0">
-                <a:solidFill>
-                  <a:schemeClr val="bg1">
-                    <a:lumMod val="85000"/>
-                  </a:schemeClr>
-                </a:solidFill>
-              </a:rPr>
-              <a:t>this paper:</a:t>
+              <a:t>In this paper:</a:t>
             </a:r>
           </a:p>
           <a:p>
@@ -11607,17 +11404,7 @@
                   </a:schemeClr>
                 </a:solidFill>
               </a:rPr>
-              <a:t>The </a:t>
-            </a:r>
-            <a:r>
-              <a:rPr lang="en-US" dirty="0" smtClean="0">
-                <a:solidFill>
-                  <a:schemeClr val="bg1">
-                    <a:lumMod val="85000"/>
-                  </a:schemeClr>
-                </a:solidFill>
-              </a:rPr>
-              <a:t>parameters:</a:t>
+              <a:t>The parameters:</a:t>
             </a:r>
           </a:p>
           <a:p>
@@ -12025,17 +11812,7 @@
                   </a:schemeClr>
                 </a:solidFill>
               </a:rPr>
-              <a:t>Develop </a:t>
-            </a:r>
-            <a:r>
-              <a:rPr lang="en-US" sz="2000" dirty="0" smtClean="0">
-                <a:solidFill>
-                  <a:schemeClr val="bg1">
-                    <a:lumMod val="85000"/>
-                  </a:schemeClr>
-                </a:solidFill>
-              </a:rPr>
-              <a:t>an agent using genetic programming algorithm that can play the Hanabi game. </a:t>
+              <a:t>Develop an agent using genetic programming algorithm that can play the Hanabi game. </a:t>
             </a:r>
           </a:p>
           <a:p>
@@ -12051,25 +11828,8 @@
                   </a:schemeClr>
                 </a:solidFill>
               </a:rPr>
-              <a:t>The </a:t>
-            </a:r>
-            <a:r>
-              <a:rPr lang="en-US" sz="2000" dirty="0" smtClean="0">
-                <a:solidFill>
-                  <a:schemeClr val="bg1">
-                    <a:lumMod val="85000"/>
-                  </a:schemeClr>
-                </a:solidFill>
-              </a:rPr>
-              <a:t>model gets the game state: desk cards,  discarded cards, players hands, info tokens, etc… </a:t>
-            </a:r>
-            <a:endParaRPr lang="en-US" sz="2000" dirty="0" smtClean="0">
-              <a:solidFill>
-                <a:schemeClr val="bg1">
-                  <a:lumMod val="85000"/>
-                </a:schemeClr>
-              </a:solidFill>
-            </a:endParaRPr>
+              <a:t>The model gets the game state: desk cards,  discarded cards, players hands, info tokens, etc… </a:t>
+            </a:r>
           </a:p>
           <a:p>
             <a:pPr algn="l" rtl="0">
@@ -12094,35 +11854,8 @@
                   </a:schemeClr>
                 </a:solidFill>
               </a:rPr>
-              <a:t>he </a:t>
-            </a:r>
-            <a:r>
-              <a:rPr lang="en-US" sz="2000" dirty="0" smtClean="0">
-                <a:solidFill>
-                  <a:schemeClr val="bg1">
-                    <a:lumMod val="85000"/>
-                  </a:schemeClr>
-                </a:solidFill>
-              </a:rPr>
-              <a:t>output is the next action the player should </a:t>
-            </a:r>
-            <a:r>
-              <a:rPr lang="en-US" sz="2000" dirty="0" smtClean="0">
-                <a:solidFill>
-                  <a:schemeClr val="bg1">
-                    <a:lumMod val="85000"/>
-                  </a:schemeClr>
-                </a:solidFill>
-              </a:rPr>
-              <a:t>preform.</a:t>
-            </a:r>
-            <a:endParaRPr lang="en-US" sz="2000" dirty="0" smtClean="0">
-              <a:solidFill>
-                <a:schemeClr val="bg1">
-                  <a:lumMod val="85000"/>
-                </a:schemeClr>
-              </a:solidFill>
-            </a:endParaRPr>
+              <a:t>he output is the next action the player should preform.</a:t>
+            </a:r>
           </a:p>
         </p:txBody>
       </p:sp>
